--- a/slides/Ang Sessions.pptx
+++ b/slides/Ang Sessions.pptx
@@ -5,44 +5,42 @@
     <p:sldMasterId id="2147483648" r:id="rId1"/>
   </p:sldMasterIdLst>
   <p:notesMasterIdLst>
-    <p:notesMasterId r:id="rId37"/>
+    <p:notesMasterId r:id="rId35"/>
   </p:notesMasterIdLst>
   <p:sldIdLst>
     <p:sldId id="274" r:id="rId2"/>
     <p:sldId id="259" r:id="rId3"/>
-    <p:sldId id="281" r:id="rId4"/>
-    <p:sldId id="284" r:id="rId5"/>
-    <p:sldId id="285" r:id="rId6"/>
+    <p:sldId id="294" r:id="rId4"/>
+    <p:sldId id="281" r:id="rId5"/>
+    <p:sldId id="284" r:id="rId6"/>
     <p:sldId id="286" r:id="rId7"/>
-    <p:sldId id="287" r:id="rId8"/>
-    <p:sldId id="280" r:id="rId9"/>
-    <p:sldId id="277" r:id="rId10"/>
-    <p:sldId id="292" r:id="rId11"/>
-    <p:sldId id="291" r:id="rId12"/>
-    <p:sldId id="278" r:id="rId13"/>
-    <p:sldId id="282" r:id="rId14"/>
-    <p:sldId id="275" r:id="rId15"/>
-    <p:sldId id="288" r:id="rId16"/>
-    <p:sldId id="289" r:id="rId17"/>
-    <p:sldId id="290" r:id="rId18"/>
-    <p:sldId id="276" r:id="rId19"/>
-    <p:sldId id="268" r:id="rId20"/>
-    <p:sldId id="257" r:id="rId21"/>
-    <p:sldId id="258" r:id="rId22"/>
-    <p:sldId id="271" r:id="rId23"/>
+    <p:sldId id="280" r:id="rId8"/>
+    <p:sldId id="277" r:id="rId9"/>
+    <p:sldId id="291" r:id="rId10"/>
+    <p:sldId id="278" r:id="rId11"/>
+    <p:sldId id="275" r:id="rId12"/>
+    <p:sldId id="276" r:id="rId13"/>
+    <p:sldId id="268" r:id="rId14"/>
+    <p:sldId id="295" r:id="rId15"/>
+    <p:sldId id="296" r:id="rId16"/>
+    <p:sldId id="297" r:id="rId17"/>
+    <p:sldId id="298" r:id="rId18"/>
+    <p:sldId id="258" r:id="rId19"/>
+    <p:sldId id="257" r:id="rId20"/>
+    <p:sldId id="271" r:id="rId21"/>
+    <p:sldId id="302" r:id="rId22"/>
+    <p:sldId id="301" r:id="rId23"/>
     <p:sldId id="260" r:id="rId24"/>
-    <p:sldId id="267" r:id="rId25"/>
-    <p:sldId id="261" r:id="rId26"/>
-    <p:sldId id="269" r:id="rId27"/>
-    <p:sldId id="293" r:id="rId28"/>
-    <p:sldId id="272" r:id="rId29"/>
-    <p:sldId id="273" r:id="rId30"/>
-    <p:sldId id="270" r:id="rId31"/>
-    <p:sldId id="262" r:id="rId32"/>
-    <p:sldId id="263" r:id="rId33"/>
-    <p:sldId id="264" r:id="rId34"/>
-    <p:sldId id="265" r:id="rId35"/>
-    <p:sldId id="266" r:id="rId36"/>
+    <p:sldId id="303" r:id="rId25"/>
+    <p:sldId id="267" r:id="rId26"/>
+    <p:sldId id="304" r:id="rId27"/>
+    <p:sldId id="299" r:id="rId28"/>
+    <p:sldId id="269" r:id="rId29"/>
+    <p:sldId id="300" r:id="rId30"/>
+    <p:sldId id="293" r:id="rId31"/>
+    <p:sldId id="272" r:id="rId32"/>
+    <p:sldId id="273" r:id="rId33"/>
+    <p:sldId id="270" r:id="rId34"/>
   </p:sldIdLst>
   <p:sldSz cx="12192000" cy="6858000"/>
   <p:notesSz cx="6858000" cy="9144000"/>
@@ -636,240 +634,6 @@
 </p:notes>
 </file>
 
-<file path=ppt/notesSlides/notesSlide2.xml><?xml version="1.0" encoding="utf-8"?>
-<p:notes xmlns:a="http://schemas.openxmlformats.org/drawingml/2006/main" xmlns:r="http://schemas.openxmlformats.org/officeDocument/2006/relationships" xmlns:p="http://schemas.openxmlformats.org/presentationml/2006/main">
-  <p:cSld>
-    <p:spTree>
-      <p:nvGrpSpPr>
-        <p:cNvPr id="1" name=""/>
-        <p:cNvGrpSpPr/>
-        <p:nvPr/>
-      </p:nvGrpSpPr>
-      <p:grpSpPr>
-        <a:xfrm>
-          <a:off x="0" y="0"/>
-          <a:ext cx="0" cy="0"/>
-          <a:chOff x="0" y="0"/>
-          <a:chExt cx="0" cy="0"/>
-        </a:xfrm>
-      </p:grpSpPr>
-      <p:sp>
-        <p:nvSpPr>
-          <p:cNvPr id="2" name="Slide Image Placeholder 1"/>
-          <p:cNvSpPr>
-            <a:spLocks noGrp="1" noRot="1" noChangeAspect="1"/>
-          </p:cNvSpPr>
-          <p:nvPr>
-            <p:ph type="sldImg"/>
-          </p:nvPr>
-        </p:nvSpPr>
-        <p:spPr/>
-      </p:sp>
-      <p:sp>
-        <p:nvSpPr>
-          <p:cNvPr id="3" name="Notes Placeholder 2"/>
-          <p:cNvSpPr>
-            <a:spLocks noGrp="1"/>
-          </p:cNvSpPr>
-          <p:nvPr>
-            <p:ph type="body" idx="1"/>
-          </p:nvPr>
-        </p:nvSpPr>
-        <p:spPr/>
-        <p:txBody>
-          <a:bodyPr/>
-          <a:lstStyle/>
-          <a:p>
-            <a:pPr marL="0" marR="0" lvl="2" indent="0" algn="l" defTabSz="914400" rtl="0" eaLnBrk="1" fontAlgn="auto" latinLnBrk="0" hangingPunct="1">
-              <a:lnSpc>
-                <a:spcPct val="100000"/>
-              </a:lnSpc>
-              <a:spcBef>
-                <a:spcPts val="0"/>
-              </a:spcBef>
-              <a:spcAft>
-                <a:spcPts val="0"/>
-              </a:spcAft>
-              <a:buClrTx/>
-              <a:buSzTx/>
-              <a:buFontTx/>
-              <a:buNone/>
-              <a:tabLst/>
-              <a:defRPr/>
-            </a:pPr>
-            <a:r>
-              <a:rPr lang="en-US" dirty="0">
-                <a:solidFill>
-                  <a:schemeClr val="tx1"/>
-                </a:solidFill>
-              </a:rPr>
-              <a:t>All numbers in Typescript are floating point values. </a:t>
-            </a:r>
-          </a:p>
-          <a:p>
-            <a:pPr marL="0" marR="0" lvl="2" indent="0" algn="l" defTabSz="914400" rtl="0" eaLnBrk="1" fontAlgn="auto" latinLnBrk="0" hangingPunct="1">
-              <a:lnSpc>
-                <a:spcPct val="100000"/>
-              </a:lnSpc>
-              <a:spcBef>
-                <a:spcPts val="0"/>
-              </a:spcBef>
-              <a:spcAft>
-                <a:spcPts val="0"/>
-              </a:spcAft>
-              <a:buClrTx/>
-              <a:buSzTx/>
-              <a:buFontTx/>
-              <a:buNone/>
-              <a:tabLst/>
-              <a:defRPr/>
-            </a:pPr>
-            <a:r>
-              <a:rPr lang="en-US" dirty="0">
-                <a:solidFill>
-                  <a:schemeClr val="tx1"/>
-                </a:solidFill>
-              </a:rPr>
-              <a:t>These floating point numbers get the type 'number'.</a:t>
-            </a:r>
-          </a:p>
-          <a:p>
-            <a:endParaRPr lang="en-US" dirty="0"/>
-          </a:p>
-        </p:txBody>
-      </p:sp>
-      <p:sp>
-        <p:nvSpPr>
-          <p:cNvPr id="4" name="Slide Number Placeholder 3"/>
-          <p:cNvSpPr>
-            <a:spLocks noGrp="1"/>
-          </p:cNvSpPr>
-          <p:nvPr>
-            <p:ph type="sldNum" sz="quarter" idx="10"/>
-          </p:nvPr>
-        </p:nvSpPr>
-        <p:spPr/>
-        <p:txBody>
-          <a:bodyPr/>
-          <a:lstStyle/>
-          <a:p>
-            <a:fld id="{FC4C9593-C317-445E-8EA1-13B264B0B555}" type="slidenum">
-              <a:rPr lang="en-US" smtClean="0"/>
-              <a:t>15</a:t>
-            </a:fld>
-            <a:endParaRPr lang="en-US"/>
-          </a:p>
-        </p:txBody>
-      </p:sp>
-    </p:spTree>
-    <p:extLst>
-      <p:ext uri="{BB962C8B-B14F-4D97-AF65-F5344CB8AC3E}">
-        <p14:creationId xmlns:p14="http://schemas.microsoft.com/office/powerpoint/2010/main" val="852702988"/>
-      </p:ext>
-    </p:extLst>
-  </p:cSld>
-  <p:clrMapOvr>
-    <a:masterClrMapping/>
-  </p:clrMapOvr>
-</p:notes>
-</file>
-
-<file path=ppt/notesSlides/notesSlide3.xml><?xml version="1.0" encoding="utf-8"?>
-<p:notes xmlns:a="http://schemas.openxmlformats.org/drawingml/2006/main" xmlns:r="http://schemas.openxmlformats.org/officeDocument/2006/relationships" xmlns:p="http://schemas.openxmlformats.org/presentationml/2006/main">
-  <p:cSld>
-    <p:spTree>
-      <p:nvGrpSpPr>
-        <p:cNvPr id="1" name=""/>
-        <p:cNvGrpSpPr/>
-        <p:nvPr/>
-      </p:nvGrpSpPr>
-      <p:grpSpPr>
-        <a:xfrm>
-          <a:off x="0" y="0"/>
-          <a:ext cx="0" cy="0"/>
-          <a:chOff x="0" y="0"/>
-          <a:chExt cx="0" cy="0"/>
-        </a:xfrm>
-      </p:grpSpPr>
-      <p:sp>
-        <p:nvSpPr>
-          <p:cNvPr id="2" name="Slide Image Placeholder 1"/>
-          <p:cNvSpPr>
-            <a:spLocks noGrp="1" noRot="1" noChangeAspect="1"/>
-          </p:cNvSpPr>
-          <p:nvPr>
-            <p:ph type="sldImg"/>
-          </p:nvPr>
-        </p:nvSpPr>
-        <p:spPr/>
-      </p:sp>
-      <p:sp>
-        <p:nvSpPr>
-          <p:cNvPr id="3" name="Notes Placeholder 2"/>
-          <p:cNvSpPr>
-            <a:spLocks noGrp="1"/>
-          </p:cNvSpPr>
-          <p:nvPr>
-            <p:ph type="body" idx="1"/>
-          </p:nvPr>
-        </p:nvSpPr>
-        <p:spPr/>
-        <p:txBody>
-          <a:bodyPr/>
-          <a:lstStyle/>
-          <a:p>
-            <a:r>
-              <a:rPr lang="en-US" sz="1200" kern="1200" dirty="0">
-                <a:solidFill>
-                  <a:schemeClr val="tx1"/>
-                </a:solidFill>
-                <a:effectLst/>
-                <a:latin typeface="+mn-lt"/>
-                <a:ea typeface="+mn-ea"/>
-                <a:cs typeface="+mn-cs"/>
-              </a:rPr>
-              <a:t>automatic semicolon insertion</a:t>
-            </a:r>
-            <a:endParaRPr lang="en-US" dirty="0"/>
-          </a:p>
-        </p:txBody>
-      </p:sp>
-      <p:sp>
-        <p:nvSpPr>
-          <p:cNvPr id="4" name="Slide Number Placeholder 3"/>
-          <p:cNvSpPr>
-            <a:spLocks noGrp="1"/>
-          </p:cNvSpPr>
-          <p:nvPr>
-            <p:ph type="sldNum" sz="quarter" idx="10"/>
-          </p:nvPr>
-        </p:nvSpPr>
-        <p:spPr/>
-        <p:txBody>
-          <a:bodyPr/>
-          <a:lstStyle/>
-          <a:p>
-            <a:fld id="{FC4C9593-C317-445E-8EA1-13B264B0B555}" type="slidenum">
-              <a:rPr lang="en-US" smtClean="0"/>
-              <a:t>17</a:t>
-            </a:fld>
-            <a:endParaRPr lang="en-US"/>
-          </a:p>
-        </p:txBody>
-      </p:sp>
-    </p:spTree>
-    <p:extLst>
-      <p:ext uri="{BB962C8B-B14F-4D97-AF65-F5344CB8AC3E}">
-        <p14:creationId xmlns:p14="http://schemas.microsoft.com/office/powerpoint/2010/main" val="2673385592"/>
-      </p:ext>
-    </p:extLst>
-  </p:cSld>
-  <p:clrMapOvr>
-    <a:masterClrMapping/>
-  </p:clrMapOvr>
-</p:notes>
-</file>
-
 <file path=ppt/slideLayouts/slideLayout1.xml><?xml version="1.0" encoding="utf-8"?>
 <p:sldLayout xmlns:a="http://schemas.openxmlformats.org/drawingml/2006/main" xmlns:r="http://schemas.openxmlformats.org/officeDocument/2006/relationships" xmlns:p="http://schemas.openxmlformats.org/presentationml/2006/main" type="title" preserve="1">
   <p:cSld name="Title Slide">
@@ -1017,7 +781,7 @@
           <a:p>
             <a:fld id="{074E2275-5F71-463B-81D5-512688C0E738}" type="datetimeFigureOut">
               <a:rPr lang="en-US" smtClean="0"/>
-              <a:t>7/11/2020</a:t>
+              <a:t>7/12/2020</a:t>
             </a:fld>
             <a:endParaRPr lang="en-US"/>
           </a:p>
@@ -1215,7 +979,7 @@
           <a:p>
             <a:fld id="{074E2275-5F71-463B-81D5-512688C0E738}" type="datetimeFigureOut">
               <a:rPr lang="en-US" smtClean="0"/>
-              <a:t>7/11/2020</a:t>
+              <a:t>7/12/2020</a:t>
             </a:fld>
             <a:endParaRPr lang="en-US"/>
           </a:p>
@@ -1423,7 +1187,7 @@
           <a:p>
             <a:fld id="{074E2275-5F71-463B-81D5-512688C0E738}" type="datetimeFigureOut">
               <a:rPr lang="en-US" smtClean="0"/>
-              <a:t>7/11/2020</a:t>
+              <a:t>7/12/2020</a:t>
             </a:fld>
             <a:endParaRPr lang="en-US"/>
           </a:p>
@@ -1621,7 +1385,7 @@
           <a:p>
             <a:fld id="{074E2275-5F71-463B-81D5-512688C0E738}" type="datetimeFigureOut">
               <a:rPr lang="en-US" smtClean="0"/>
-              <a:t>7/11/2020</a:t>
+              <a:t>7/12/2020</a:t>
             </a:fld>
             <a:endParaRPr lang="en-US"/>
           </a:p>
@@ -1896,7 +1660,7 @@
           <a:p>
             <a:fld id="{074E2275-5F71-463B-81D5-512688C0E738}" type="datetimeFigureOut">
               <a:rPr lang="en-US" smtClean="0"/>
-              <a:t>7/11/2020</a:t>
+              <a:t>7/12/2020</a:t>
             </a:fld>
             <a:endParaRPr lang="en-US"/>
           </a:p>
@@ -2161,7 +1925,7 @@
           <a:p>
             <a:fld id="{074E2275-5F71-463B-81D5-512688C0E738}" type="datetimeFigureOut">
               <a:rPr lang="en-US" smtClean="0"/>
-              <a:t>7/11/2020</a:t>
+              <a:t>7/12/2020</a:t>
             </a:fld>
             <a:endParaRPr lang="en-US"/>
           </a:p>
@@ -2573,7 +2337,7 @@
           <a:p>
             <a:fld id="{074E2275-5F71-463B-81D5-512688C0E738}" type="datetimeFigureOut">
               <a:rPr lang="en-US" smtClean="0"/>
-              <a:t>7/11/2020</a:t>
+              <a:t>7/12/2020</a:t>
             </a:fld>
             <a:endParaRPr lang="en-US"/>
           </a:p>
@@ -2714,7 +2478,7 @@
           <a:p>
             <a:fld id="{074E2275-5F71-463B-81D5-512688C0E738}" type="datetimeFigureOut">
               <a:rPr lang="en-US" smtClean="0"/>
-              <a:t>7/11/2020</a:t>
+              <a:t>7/12/2020</a:t>
             </a:fld>
             <a:endParaRPr lang="en-US"/>
           </a:p>
@@ -2827,7 +2591,7 @@
           <a:p>
             <a:fld id="{074E2275-5F71-463B-81D5-512688C0E738}" type="datetimeFigureOut">
               <a:rPr lang="en-US" smtClean="0"/>
-              <a:t>7/11/2020</a:t>
+              <a:t>7/12/2020</a:t>
             </a:fld>
             <a:endParaRPr lang="en-US"/>
           </a:p>
@@ -3138,7 +2902,7 @@
           <a:p>
             <a:fld id="{074E2275-5F71-463B-81D5-512688C0E738}" type="datetimeFigureOut">
               <a:rPr lang="en-US" smtClean="0"/>
-              <a:t>7/11/2020</a:t>
+              <a:t>7/12/2020</a:t>
             </a:fld>
             <a:endParaRPr lang="en-US"/>
           </a:p>
@@ -3426,7 +3190,7 @@
           <a:p>
             <a:fld id="{074E2275-5F71-463B-81D5-512688C0E738}" type="datetimeFigureOut">
               <a:rPr lang="en-US" smtClean="0"/>
-              <a:t>7/11/2020</a:t>
+              <a:t>7/12/2020</a:t>
             </a:fld>
             <a:endParaRPr lang="en-US"/>
           </a:p>
@@ -3667,7 +3431,7 @@
           <a:p>
             <a:fld id="{074E2275-5F71-463B-81D5-512688C0E738}" type="datetimeFigureOut">
               <a:rPr lang="en-US" smtClean="0"/>
-              <a:t>7/11/2020</a:t>
+              <a:t>7/12/2020</a:t>
             </a:fld>
             <a:endParaRPr lang="en-US"/>
           </a:p>
@@ -4345,335 +4109,6 @@
           <p:cNvPr id="2" name="Title 1">
             <a:extLst>
               <a:ext uri="{FF2B5EF4-FFF2-40B4-BE49-F238E27FC236}">
-                <a16:creationId xmlns:a16="http://schemas.microsoft.com/office/drawing/2014/main" id="{ADAD6A8C-E34B-41F2-AC8C-F15DA7BFC456}"/>
-              </a:ext>
-            </a:extLst>
-          </p:cNvPr>
-          <p:cNvSpPr>
-            <a:spLocks noGrp="1"/>
-          </p:cNvSpPr>
-          <p:nvPr>
-            <p:ph type="title"/>
-          </p:nvPr>
-        </p:nvSpPr>
-        <p:spPr>
-          <a:xfrm>
-            <a:off x="838200" y="365125"/>
-            <a:ext cx="10515600" cy="1070643"/>
-          </a:xfrm>
-        </p:spPr>
-        <p:txBody>
-          <a:bodyPr/>
-          <a:lstStyle/>
-          <a:p>
-            <a:r>
-              <a:rPr lang="en-US" dirty="0"/>
-              <a:t>Type System</a:t>
-            </a:r>
-          </a:p>
-        </p:txBody>
-      </p:sp>
-      <p:sp>
-        <p:nvSpPr>
-          <p:cNvPr id="3" name="Content Placeholder 2">
-            <a:extLst>
-              <a:ext uri="{FF2B5EF4-FFF2-40B4-BE49-F238E27FC236}">
-                <a16:creationId xmlns:a16="http://schemas.microsoft.com/office/drawing/2014/main" id="{0262FB39-07E3-4C26-94D4-0784FC22217E}"/>
-              </a:ext>
-            </a:extLst>
-          </p:cNvPr>
-          <p:cNvSpPr>
-            <a:spLocks noGrp="1"/>
-          </p:cNvSpPr>
-          <p:nvPr>
-            <p:ph idx="1"/>
-          </p:nvPr>
-        </p:nvSpPr>
-        <p:spPr/>
-        <p:txBody>
-          <a:bodyPr>
-            <a:normAutofit/>
-          </a:bodyPr>
-          <a:lstStyle/>
-          <a:p>
-            <a:pPr marL="0" indent="0">
-              <a:buNone/>
-            </a:pPr>
-            <a:r>
-              <a:rPr lang="en-US" b="1" dirty="0"/>
-              <a:t>Formalization of JavaScript’s types</a:t>
-            </a:r>
-            <a:br>
-              <a:rPr lang="en-US" dirty="0"/>
-            </a:br>
-            <a:r>
-              <a:rPr lang="en-US" dirty="0"/>
-              <a:t>Static representation of JavaScript’s dynamic type system</a:t>
-            </a:r>
-          </a:p>
-          <a:p>
-            <a:pPr marL="0" indent="0">
-              <a:buNone/>
-            </a:pPr>
-            <a:r>
-              <a:rPr lang="en-US" b="1" dirty="0"/>
-              <a:t>Type inference and structural typing</a:t>
-            </a:r>
-          </a:p>
-          <a:p>
-            <a:pPr marL="0" indent="0">
-              <a:buNone/>
-            </a:pPr>
-            <a:r>
-              <a:rPr lang="en-US" dirty="0"/>
-              <a:t>In practice very few type annotations are necessary</a:t>
-            </a:r>
-          </a:p>
-          <a:p>
-            <a:pPr marL="0" indent="0">
-              <a:buNone/>
-            </a:pPr>
-            <a:r>
-              <a:rPr lang="en-US" b="1" dirty="0"/>
-              <a:t>Works with existing JavaScript libraries</a:t>
-            </a:r>
-          </a:p>
-          <a:p>
-            <a:pPr marL="0" indent="0">
-              <a:buNone/>
-            </a:pPr>
-            <a:r>
-              <a:rPr lang="en-US" dirty="0"/>
-              <a:t>Declaration files can be written and maintained separately</a:t>
-            </a:r>
-          </a:p>
-          <a:p>
-            <a:pPr marL="0" indent="0">
-              <a:buNone/>
-            </a:pPr>
-            <a:r>
-              <a:rPr lang="en-US" b="1" dirty="0"/>
-              <a:t>Not “provably type safe”</a:t>
-            </a:r>
-          </a:p>
-          <a:p>
-            <a:pPr marL="0" indent="0">
-              <a:buNone/>
-            </a:pPr>
-            <a:r>
-              <a:rPr lang="en-US" dirty="0"/>
-              <a:t>Types reflect intent but do not provide guarantees</a:t>
-            </a:r>
-          </a:p>
-        </p:txBody>
-      </p:sp>
-    </p:spTree>
-    <p:extLst>
-      <p:ext uri="{BB962C8B-B14F-4D97-AF65-F5344CB8AC3E}">
-        <p14:creationId xmlns:p14="http://schemas.microsoft.com/office/powerpoint/2010/main" val="1830755428"/>
-      </p:ext>
-    </p:extLst>
-  </p:cSld>
-  <p:clrMapOvr>
-    <a:masterClrMapping/>
-  </p:clrMapOvr>
-</p:sld>
-</file>
-
-<file path=ppt/slides/slide11.xml><?xml version="1.0" encoding="utf-8"?>
-<p:sld xmlns:a="http://schemas.openxmlformats.org/drawingml/2006/main" xmlns:r="http://schemas.openxmlformats.org/officeDocument/2006/relationships" xmlns:p="http://schemas.openxmlformats.org/presentationml/2006/main">
-  <p:cSld>
-    <p:spTree>
-      <p:nvGrpSpPr>
-        <p:cNvPr id="1" name=""/>
-        <p:cNvGrpSpPr/>
-        <p:nvPr/>
-      </p:nvGrpSpPr>
-      <p:grpSpPr>
-        <a:xfrm>
-          <a:off x="0" y="0"/>
-          <a:ext cx="0" cy="0"/>
-          <a:chOff x="0" y="0"/>
-          <a:chExt cx="0" cy="0"/>
-        </a:xfrm>
-      </p:grpSpPr>
-      <p:sp>
-        <p:nvSpPr>
-          <p:cNvPr id="2" name="Title 1">
-            <a:extLst>
-              <a:ext uri="{FF2B5EF4-FFF2-40B4-BE49-F238E27FC236}">
-                <a16:creationId xmlns:a16="http://schemas.microsoft.com/office/drawing/2014/main" id="{ADAD6A8C-E34B-41F2-AC8C-F15DA7BFC456}"/>
-              </a:ext>
-            </a:extLst>
-          </p:cNvPr>
-          <p:cNvSpPr>
-            <a:spLocks noGrp="1"/>
-          </p:cNvSpPr>
-          <p:nvPr>
-            <p:ph type="title"/>
-          </p:nvPr>
-        </p:nvSpPr>
-        <p:spPr>
-          <a:xfrm>
-            <a:off x="838200" y="365125"/>
-            <a:ext cx="10515600" cy="1070643"/>
-          </a:xfrm>
-        </p:spPr>
-        <p:txBody>
-          <a:bodyPr/>
-          <a:lstStyle/>
-          <a:p>
-            <a:r>
-              <a:rPr lang="en-US" dirty="0"/>
-              <a:t>Why Typescript?</a:t>
-            </a:r>
-          </a:p>
-        </p:txBody>
-      </p:sp>
-      <p:sp>
-        <p:nvSpPr>
-          <p:cNvPr id="3" name="Content Placeholder 2">
-            <a:extLst>
-              <a:ext uri="{FF2B5EF4-FFF2-40B4-BE49-F238E27FC236}">
-                <a16:creationId xmlns:a16="http://schemas.microsoft.com/office/drawing/2014/main" id="{0262FB39-07E3-4C26-94D4-0784FC22217E}"/>
-              </a:ext>
-            </a:extLst>
-          </p:cNvPr>
-          <p:cNvSpPr>
-            <a:spLocks noGrp="1"/>
-          </p:cNvSpPr>
-          <p:nvPr>
-            <p:ph idx="1"/>
-          </p:nvPr>
-        </p:nvSpPr>
-        <p:spPr/>
-        <p:txBody>
-          <a:bodyPr>
-            <a:normAutofit fontScale="92500" lnSpcReduction="10000"/>
-          </a:bodyPr>
-          <a:lstStyle/>
-          <a:p>
-            <a:r>
-              <a:rPr lang="en-US" b="1" dirty="0"/>
-              <a:t>TypeScript is a language for application scale JavaScript development.</a:t>
-            </a:r>
-          </a:p>
-          <a:p>
-            <a:pPr lvl="1"/>
-            <a:r>
-              <a:rPr lang="en-US" dirty="0"/>
-              <a:t>Modular Development</a:t>
-            </a:r>
-          </a:p>
-          <a:p>
-            <a:pPr lvl="1"/>
-            <a:r>
-              <a:rPr lang="en-US" dirty="0"/>
-              <a:t>Scalable HTML5 client side development</a:t>
-            </a:r>
-          </a:p>
-          <a:p>
-            <a:r>
-              <a:rPr lang="en-US" dirty="0"/>
-              <a:t>Static Typing / Optional Typing</a:t>
-            </a:r>
-          </a:p>
-          <a:p>
-            <a:pPr lvl="1"/>
-            <a:r>
-              <a:rPr lang="en-US" dirty="0"/>
-              <a:t>Disappear at runtime with zero cost </a:t>
-            </a:r>
-          </a:p>
-          <a:p>
-            <a:r>
-              <a:rPr lang="en-US" dirty="0"/>
-              <a:t>Compilation</a:t>
-            </a:r>
-          </a:p>
-          <a:p>
-            <a:pPr lvl="1"/>
-            <a:r>
-              <a:rPr lang="en-US" dirty="0"/>
-              <a:t>Syntax checking, type checking, com</a:t>
-            </a:r>
-          </a:p>
-          <a:p>
-            <a:r>
-              <a:rPr lang="en-US" dirty="0"/>
-              <a:t>Type Definitions (.</a:t>
-            </a:r>
-            <a:r>
-              <a:rPr lang="en-US" dirty="0" err="1"/>
-              <a:t>d.ts</a:t>
-            </a:r>
-            <a:r>
-              <a:rPr lang="en-US" dirty="0"/>
-              <a:t> extension)</a:t>
-            </a:r>
-          </a:p>
-          <a:p>
-            <a:pPr lvl="1"/>
-            <a:r>
-              <a:rPr lang="en-US" dirty="0"/>
-              <a:t>Provides definitions for external JS libraries.</a:t>
-            </a:r>
-          </a:p>
-          <a:p>
-            <a:r>
-              <a:rPr lang="en-US" dirty="0"/>
-              <a:t>OOP</a:t>
-            </a:r>
-          </a:p>
-          <a:p>
-            <a:pPr lvl="1"/>
-            <a:r>
-              <a:rPr lang="en-US" dirty="0"/>
-              <a:t>Classes, Interfaces, modules </a:t>
-            </a:r>
-            <a:r>
-              <a:rPr lang="en-US" dirty="0" err="1"/>
-              <a:t>etc</a:t>
-            </a:r>
-            <a:endParaRPr lang="en-US" dirty="0"/>
-          </a:p>
-        </p:txBody>
-      </p:sp>
-    </p:spTree>
-    <p:extLst>
-      <p:ext uri="{BB962C8B-B14F-4D97-AF65-F5344CB8AC3E}">
-        <p14:creationId xmlns:p14="http://schemas.microsoft.com/office/powerpoint/2010/main" val="59594838"/>
-      </p:ext>
-    </p:extLst>
-  </p:cSld>
-  <p:clrMapOvr>
-    <a:masterClrMapping/>
-  </p:clrMapOvr>
-</p:sld>
-</file>
-
-<file path=ppt/slides/slide12.xml><?xml version="1.0" encoding="utf-8"?>
-<p:sld xmlns:a="http://schemas.openxmlformats.org/drawingml/2006/main" xmlns:r="http://schemas.openxmlformats.org/officeDocument/2006/relationships" xmlns:p="http://schemas.openxmlformats.org/presentationml/2006/main">
-  <p:cSld>
-    <p:spTree>
-      <p:nvGrpSpPr>
-        <p:cNvPr id="1" name=""/>
-        <p:cNvGrpSpPr/>
-        <p:nvPr/>
-      </p:nvGrpSpPr>
-      <p:grpSpPr>
-        <a:xfrm>
-          <a:off x="0" y="0"/>
-          <a:ext cx="0" cy="0"/>
-          <a:chOff x="0" y="0"/>
-          <a:chExt cx="0" cy="0"/>
-        </a:xfrm>
-      </p:grpSpPr>
-      <p:sp>
-        <p:nvSpPr>
-          <p:cNvPr id="2" name="Title 1">
-            <a:extLst>
-              <a:ext uri="{FF2B5EF4-FFF2-40B4-BE49-F238E27FC236}">
                 <a16:creationId xmlns:a16="http://schemas.microsoft.com/office/drawing/2014/main" id="{8640F2BA-BFBF-448F-A8A3-D8386A862C9C}"/>
               </a:ext>
             </a:extLst>
@@ -4805,6 +4240,284 @@
 </p:sld>
 </file>
 
+<file path=ppt/slides/slide11.xml><?xml version="1.0" encoding="utf-8"?>
+<p:sld xmlns:a="http://schemas.openxmlformats.org/drawingml/2006/main" xmlns:r="http://schemas.openxmlformats.org/officeDocument/2006/relationships" xmlns:p="http://schemas.openxmlformats.org/presentationml/2006/main">
+  <p:cSld>
+    <p:spTree>
+      <p:nvGrpSpPr>
+        <p:cNvPr id="1" name=""/>
+        <p:cNvGrpSpPr/>
+        <p:nvPr/>
+      </p:nvGrpSpPr>
+      <p:grpSpPr>
+        <a:xfrm>
+          <a:off x="0" y="0"/>
+          <a:ext cx="0" cy="0"/>
+          <a:chOff x="0" y="0"/>
+          <a:chExt cx="0" cy="0"/>
+        </a:xfrm>
+      </p:grpSpPr>
+      <p:sp>
+        <p:nvSpPr>
+          <p:cNvPr id="2" name="Title 1">
+            <a:extLst>
+              <a:ext uri="{FF2B5EF4-FFF2-40B4-BE49-F238E27FC236}">
+                <a16:creationId xmlns:a16="http://schemas.microsoft.com/office/drawing/2014/main" id="{E0222A41-2882-4440-BC79-A5D4C51AC412}"/>
+              </a:ext>
+            </a:extLst>
+          </p:cNvPr>
+          <p:cNvSpPr>
+            <a:spLocks noGrp="1"/>
+          </p:cNvSpPr>
+          <p:nvPr>
+            <p:ph type="title"/>
+          </p:nvPr>
+        </p:nvSpPr>
+        <p:spPr/>
+        <p:txBody>
+          <a:bodyPr/>
+          <a:lstStyle/>
+          <a:p>
+            <a:r>
+              <a:rPr lang="en-US" dirty="0"/>
+              <a:t>Type Annotation</a:t>
+            </a:r>
+          </a:p>
+        </p:txBody>
+      </p:sp>
+      <p:sp>
+        <p:nvSpPr>
+          <p:cNvPr id="3" name="Content Placeholder 2">
+            <a:extLst>
+              <a:ext uri="{FF2B5EF4-FFF2-40B4-BE49-F238E27FC236}">
+                <a16:creationId xmlns:a16="http://schemas.microsoft.com/office/drawing/2014/main" id="{8FDBE132-C651-4AB4-B90C-A5A14A5DB930}"/>
+              </a:ext>
+            </a:extLst>
+          </p:cNvPr>
+          <p:cNvSpPr>
+            <a:spLocks noGrp="1"/>
+          </p:cNvSpPr>
+          <p:nvPr>
+            <p:ph idx="1"/>
+          </p:nvPr>
+        </p:nvSpPr>
+        <p:spPr/>
+        <p:txBody>
+          <a:bodyPr/>
+          <a:lstStyle/>
+          <a:p>
+            <a:r>
+              <a:rPr lang="en-US" dirty="0"/>
+              <a:t>Types</a:t>
+            </a:r>
+          </a:p>
+          <a:p>
+            <a:pPr marL="457200" lvl="1" indent="0">
+              <a:buNone/>
+            </a:pPr>
+            <a:r>
+              <a:rPr lang="en-US" dirty="0"/>
+              <a:t>Any Type is a super set of all types</a:t>
+            </a:r>
+          </a:p>
+          <a:p>
+            <a:pPr marL="457200" lvl="1" indent="0">
+              <a:buNone/>
+            </a:pPr>
+            <a:r>
+              <a:rPr lang="en-US" dirty="0"/>
+              <a:t>Number, Boolean, String, Arrays, </a:t>
+            </a:r>
+            <a:r>
+              <a:rPr lang="en-US" dirty="0" err="1"/>
+              <a:t>enum</a:t>
+            </a:r>
+            <a:r>
+              <a:rPr lang="en-US" dirty="0"/>
+              <a:t>, Tuple</a:t>
+            </a:r>
+          </a:p>
+          <a:p>
+            <a:r>
+              <a:rPr lang="en-US" dirty="0"/>
+              <a:t>Object Types</a:t>
+            </a:r>
+          </a:p>
+          <a:p>
+            <a:pPr lvl="1"/>
+            <a:r>
+              <a:rPr lang="en-US" dirty="0"/>
+              <a:t>Classes, Modules, Interfaces</a:t>
+            </a:r>
+          </a:p>
+          <a:p>
+            <a:r>
+              <a:rPr lang="en-US" dirty="0"/>
+              <a:t>void</a:t>
+            </a:r>
+          </a:p>
+          <a:p>
+            <a:pPr marL="800100" lvl="1" indent="-342900"/>
+            <a:r>
+              <a:rPr lang="en-US" dirty="0"/>
+              <a:t>Used as the return type of functions that don’t return any value</a:t>
+            </a:r>
+          </a:p>
+          <a:p>
+            <a:pPr lvl="1"/>
+            <a:endParaRPr lang="en-US" dirty="0"/>
+          </a:p>
+        </p:txBody>
+      </p:sp>
+    </p:spTree>
+    <p:extLst>
+      <p:ext uri="{BB962C8B-B14F-4D97-AF65-F5344CB8AC3E}">
+        <p14:creationId xmlns:p14="http://schemas.microsoft.com/office/powerpoint/2010/main" val="4187264714"/>
+      </p:ext>
+    </p:extLst>
+  </p:cSld>
+  <p:clrMapOvr>
+    <a:masterClrMapping/>
+  </p:clrMapOvr>
+</p:sld>
+</file>
+
+<file path=ppt/slides/slide12.xml><?xml version="1.0" encoding="utf-8"?>
+<p:sld xmlns:a="http://schemas.openxmlformats.org/drawingml/2006/main" xmlns:r="http://schemas.openxmlformats.org/officeDocument/2006/relationships" xmlns:p="http://schemas.openxmlformats.org/presentationml/2006/main">
+  <p:cSld>
+    <p:spTree>
+      <p:nvGrpSpPr>
+        <p:cNvPr id="1" name=""/>
+        <p:cNvGrpSpPr/>
+        <p:nvPr/>
+      </p:nvGrpSpPr>
+      <p:grpSpPr>
+        <a:xfrm>
+          <a:off x="0" y="0"/>
+          <a:ext cx="0" cy="0"/>
+          <a:chOff x="0" y="0"/>
+          <a:chExt cx="0" cy="0"/>
+        </a:xfrm>
+      </p:grpSpPr>
+      <p:sp>
+        <p:nvSpPr>
+          <p:cNvPr id="2" name="Title 1">
+            <a:extLst>
+              <a:ext uri="{FF2B5EF4-FFF2-40B4-BE49-F238E27FC236}">
+                <a16:creationId xmlns:a16="http://schemas.microsoft.com/office/drawing/2014/main" id="{DD2F2281-CA69-4D9D-866E-948AA861E82B}"/>
+              </a:ext>
+            </a:extLst>
+          </p:cNvPr>
+          <p:cNvSpPr>
+            <a:spLocks noGrp="1"/>
+          </p:cNvSpPr>
+          <p:nvPr>
+            <p:ph type="title"/>
+          </p:nvPr>
+        </p:nvSpPr>
+        <p:spPr/>
+        <p:txBody>
+          <a:bodyPr/>
+          <a:lstStyle/>
+          <a:p>
+            <a:r>
+              <a:rPr lang="en-US" dirty="0"/>
+              <a:t>Classes and modules</a:t>
+            </a:r>
+          </a:p>
+        </p:txBody>
+      </p:sp>
+      <p:sp>
+        <p:nvSpPr>
+          <p:cNvPr id="3" name="Content Placeholder 2">
+            <a:extLst>
+              <a:ext uri="{FF2B5EF4-FFF2-40B4-BE49-F238E27FC236}">
+                <a16:creationId xmlns:a16="http://schemas.microsoft.com/office/drawing/2014/main" id="{9CBC86C6-E6BF-4165-A62A-6B188FD7E47A}"/>
+              </a:ext>
+            </a:extLst>
+          </p:cNvPr>
+          <p:cNvSpPr>
+            <a:spLocks noGrp="1"/>
+          </p:cNvSpPr>
+          <p:nvPr>
+            <p:ph idx="1"/>
+          </p:nvPr>
+        </p:nvSpPr>
+        <p:spPr/>
+        <p:txBody>
+          <a:bodyPr/>
+          <a:lstStyle/>
+          <a:p>
+            <a:pPr marL="0" indent="0">
+              <a:buNone/>
+            </a:pPr>
+            <a:r>
+              <a:rPr lang="en-US" b="1" dirty="0"/>
+              <a:t>Scalable application structuring</a:t>
+            </a:r>
+            <a:br>
+              <a:rPr lang="en-US" dirty="0"/>
+            </a:br>
+            <a:r>
+              <a:rPr lang="en-US" dirty="0"/>
+              <a:t>Classes, Modules, and Interfaces enable clear contracts between components</a:t>
+            </a:r>
+          </a:p>
+          <a:p>
+            <a:pPr marL="0" indent="0">
+              <a:buNone/>
+            </a:pPr>
+            <a:r>
+              <a:rPr lang="en-US" b="1" dirty="0"/>
+              <a:t>Aligned with emerging standards</a:t>
+            </a:r>
+          </a:p>
+          <a:p>
+            <a:pPr marL="0" indent="0">
+              <a:buNone/>
+            </a:pPr>
+            <a:r>
+              <a:rPr lang="en-US" dirty="0"/>
+              <a:t>Class, Module, and Arrow Function syntax aligns with ECMAScript 6 proposals</a:t>
+            </a:r>
+          </a:p>
+          <a:p>
+            <a:pPr marL="0" indent="0">
+              <a:buNone/>
+            </a:pPr>
+            <a:r>
+              <a:rPr lang="en-US" b="1" dirty="0"/>
+              <a:t>Supports popular module systems</a:t>
+            </a:r>
+          </a:p>
+          <a:p>
+            <a:pPr marL="0" indent="0">
+              <a:buNone/>
+            </a:pPr>
+            <a:r>
+              <a:rPr lang="en-US" dirty="0" err="1"/>
+              <a:t>CommonJS</a:t>
+            </a:r>
+            <a:r>
+              <a:rPr lang="en-US" dirty="0"/>
+              <a:t> and AMD modules in any ECMAScript 3 compatible environment</a:t>
+            </a:r>
+          </a:p>
+        </p:txBody>
+      </p:sp>
+    </p:spTree>
+    <p:extLst>
+      <p:ext uri="{BB962C8B-B14F-4D97-AF65-F5344CB8AC3E}">
+        <p14:creationId xmlns:p14="http://schemas.microsoft.com/office/powerpoint/2010/main" val="1350801308"/>
+      </p:ext>
+    </p:extLst>
+  </p:cSld>
+  <p:clrMapOvr>
+    <a:masterClrMapping/>
+  </p:clrMapOvr>
+</p:sld>
+</file>
+
 <file path=ppt/slides/slide13.xml><?xml version="1.0" encoding="utf-8"?>
 <p:sld xmlns:a="http://schemas.openxmlformats.org/drawingml/2006/main" xmlns:r="http://schemas.openxmlformats.org/officeDocument/2006/relationships" xmlns:p="http://schemas.openxmlformats.org/presentationml/2006/main">
   <p:cSld>
@@ -4827,7 +4540,7 @@
           <p:cNvPr id="2" name="Title 1">
             <a:extLst>
               <a:ext uri="{FF2B5EF4-FFF2-40B4-BE49-F238E27FC236}">
-                <a16:creationId xmlns:a16="http://schemas.microsoft.com/office/drawing/2014/main" id="{8CF47D31-9691-401D-A372-EF9710BFEC1C}"/>
+                <a16:creationId xmlns:a16="http://schemas.microsoft.com/office/drawing/2014/main" id="{B175E0A3-D876-40BD-88AD-61C3373AB1A5}"/>
               </a:ext>
             </a:extLst>
           </p:cNvPr>
@@ -4845,7 +4558,7 @@
           <a:p>
             <a:r>
               <a:rPr lang="en-US" dirty="0"/>
-              <a:t>Features	</a:t>
+              <a:t>TypeScript Lab</a:t>
             </a:r>
           </a:p>
         </p:txBody>
@@ -4855,7 +4568,7 @@
           <p:cNvPr id="3" name="Content Placeholder 2">
             <a:extLst>
               <a:ext uri="{FF2B5EF4-FFF2-40B4-BE49-F238E27FC236}">
-                <a16:creationId xmlns:a16="http://schemas.microsoft.com/office/drawing/2014/main" id="{1C13BB5A-EEE2-43D8-81EA-7BDC3CF66EAB}"/>
+                <a16:creationId xmlns:a16="http://schemas.microsoft.com/office/drawing/2014/main" id="{5F3A23A3-9E18-4532-A6F4-19777A76C4BD}"/>
               </a:ext>
             </a:extLst>
           </p:cNvPr>
@@ -4871,17 +4584,14 @@
           <a:bodyPr/>
           <a:lstStyle/>
           <a:p>
-            <a:r>
-              <a:rPr lang="en-US" dirty="0"/>
-              <a:t>Type Annotations</a:t>
-            </a:r>
+            <a:endParaRPr lang="en-US"/>
           </a:p>
         </p:txBody>
       </p:sp>
     </p:spTree>
     <p:extLst>
       <p:ext uri="{BB962C8B-B14F-4D97-AF65-F5344CB8AC3E}">
-        <p14:creationId xmlns:p14="http://schemas.microsoft.com/office/powerpoint/2010/main" val="2548674253"/>
+        <p14:creationId xmlns:p14="http://schemas.microsoft.com/office/powerpoint/2010/main" val="3391409840"/>
       </p:ext>
     </p:extLst>
   </p:cSld>
@@ -4913,7 +4623,7 @@
           <p:cNvPr id="2" name="Title 1">
             <a:extLst>
               <a:ext uri="{FF2B5EF4-FFF2-40B4-BE49-F238E27FC236}">
-                <a16:creationId xmlns:a16="http://schemas.microsoft.com/office/drawing/2014/main" id="{E0222A41-2882-4440-BC79-A5D4C51AC412}"/>
+                <a16:creationId xmlns:a16="http://schemas.microsoft.com/office/drawing/2014/main" id="{B175E0A3-D876-40BD-88AD-61C3373AB1A5}"/>
               </a:ext>
             </a:extLst>
           </p:cNvPr>
@@ -4931,7 +4641,7 @@
           <a:p>
             <a:r>
               <a:rPr lang="en-US" dirty="0"/>
-              <a:t>Types</a:t>
+              <a:t>Angular Journey</a:t>
             </a:r>
           </a:p>
         </p:txBody>
@@ -4941,7 +4651,7 @@
           <p:cNvPr id="3" name="Content Placeholder 2">
             <a:extLst>
               <a:ext uri="{FF2B5EF4-FFF2-40B4-BE49-F238E27FC236}">
-                <a16:creationId xmlns:a16="http://schemas.microsoft.com/office/drawing/2014/main" id="{8FDBE132-C651-4AB4-B90C-A5A14A5DB930}"/>
+                <a16:creationId xmlns:a16="http://schemas.microsoft.com/office/drawing/2014/main" id="{5F3A23A3-9E18-4532-A6F4-19777A76C4BD}"/>
               </a:ext>
             </a:extLst>
           </p:cNvPr>
@@ -4954,33 +4664,120 @@
         </p:nvSpPr>
         <p:spPr/>
         <p:txBody>
-          <a:bodyPr/>
+          <a:bodyPr>
+            <a:normAutofit fontScale="92500" lnSpcReduction="10000"/>
+          </a:bodyPr>
           <a:lstStyle/>
           <a:p>
-            <a:r>
-              <a:rPr lang="en-US" dirty="0"/>
-              <a:t>Primitive Types</a:t>
-            </a:r>
+            <a:pPr marL="0" indent="0">
+              <a:buNone/>
+            </a:pPr>
+            <a:r>
+              <a:rPr lang="en-US" b="1" dirty="0"/>
+              <a:t>2010 – Angular JS released</a:t>
+            </a:r>
+            <a:endParaRPr lang="en-US" dirty="0"/>
           </a:p>
           <a:p>
             <a:pPr lvl="1"/>
             <a:r>
-              <a:rPr lang="en-US" dirty="0"/>
-              <a:t>Number Boolean String </a:t>
-            </a:r>
-          </a:p>
-          <a:p>
-            <a:r>
-              <a:rPr lang="en-US" dirty="0"/>
-              <a:t>Object Types</a:t>
-            </a:r>
+              <a:rPr lang="en-US" dirty="0" err="1"/>
+              <a:t>AngularJs</a:t>
+            </a:r>
+            <a:r>
+              <a:rPr lang="en-US" dirty="0"/>
+              <a:t> built on the concept of “scope” and controllers, </a:t>
+            </a:r>
+          </a:p>
+          <a:p>
+            <a:pPr marL="0" indent="0">
+              <a:buNone/>
+            </a:pPr>
+            <a:r>
+              <a:rPr lang="en-US" b="1" dirty="0"/>
+              <a:t>2016 – Angular 2 Released</a:t>
+            </a:r>
+            <a:endParaRPr lang="en-US" dirty="0"/>
           </a:p>
           <a:p>
             <a:pPr lvl="1"/>
             <a:r>
               <a:rPr lang="en-US" dirty="0"/>
-              <a:t>Classes, Modules, Interfaces</a:t>
-            </a:r>
+              <a:t>Angular is a complete </a:t>
+            </a:r>
+            <a:r>
+              <a:rPr lang="en-US" b="1" i="1" dirty="0"/>
+              <a:t>rewrite</a:t>
+            </a:r>
+            <a:r>
+              <a:rPr lang="en-US" dirty="0"/>
+              <a:t> of AngularJS</a:t>
+            </a:r>
+          </a:p>
+          <a:p>
+            <a:pPr lvl="1"/>
+            <a:r>
+              <a:rPr lang="en-US" dirty="0"/>
+              <a:t>An Angular application and its architecture are different from AngularJS. The main building elements for Angular are </a:t>
+            </a:r>
+            <a:r>
+              <a:rPr lang="en-US" b="1" i="1" dirty="0"/>
+              <a:t>modules, components, templates, metadata, data binding, directives, services, and dependency injection</a:t>
+            </a:r>
+            <a:endParaRPr lang="en-US" dirty="0"/>
+          </a:p>
+          <a:p>
+            <a:pPr lvl="1"/>
+            <a:r>
+              <a:rPr lang="en-US" dirty="0"/>
+              <a:t>Angular 2 also recommends using the TypeScript language</a:t>
+            </a:r>
+          </a:p>
+          <a:p>
+            <a:pPr lvl="1"/>
+            <a:r>
+              <a:rPr lang="en-US" dirty="0"/>
+              <a:t>Support reactive programming using </a:t>
+            </a:r>
+            <a:r>
+              <a:rPr lang="en-US" b="1" i="1" dirty="0" err="1"/>
+              <a:t>RxJS</a:t>
+            </a:r>
+            <a:endParaRPr lang="en-US" dirty="0"/>
+          </a:p>
+          <a:p>
+            <a:pPr marL="0" indent="0">
+              <a:buNone/>
+            </a:pPr>
+            <a:r>
+              <a:rPr lang="en-US" b="1" dirty="0"/>
+              <a:t>Angular 3 </a:t>
+            </a:r>
+            <a:endParaRPr lang="en-US" dirty="0"/>
+          </a:p>
+          <a:p>
+            <a:pPr lvl="1"/>
+            <a:r>
+              <a:rPr lang="en-US" i="1" dirty="0"/>
+              <a:t>Angular 3 was not launched due to misalignment in </a:t>
+            </a:r>
+            <a:r>
+              <a:rPr lang="en-US" i="1" dirty="0" err="1"/>
+              <a:t>Angular’s</a:t>
+            </a:r>
+            <a:r>
+              <a:rPr lang="en-US" i="1" dirty="0"/>
+              <a:t> router packaging </a:t>
+            </a:r>
+            <a:r>
+              <a:rPr lang="en-US" dirty="0"/>
+              <a:t>which was already distributed as v3.3.0</a:t>
+            </a:r>
+            <a:r>
+              <a:rPr lang="en-US" i="1" dirty="0"/>
+              <a:t> at that time.</a:t>
+            </a:r>
+            <a:endParaRPr lang="en-US" dirty="0"/>
           </a:p>
           <a:p>
             <a:endParaRPr lang="en-US" dirty="0"/>
@@ -4990,7 +4787,7 @@
     </p:spTree>
     <p:extLst>
       <p:ext uri="{BB962C8B-B14F-4D97-AF65-F5344CB8AC3E}">
-        <p14:creationId xmlns:p14="http://schemas.microsoft.com/office/powerpoint/2010/main" val="4187264714"/>
+        <p14:creationId xmlns:p14="http://schemas.microsoft.com/office/powerpoint/2010/main" val="2405828142"/>
       </p:ext>
     </p:extLst>
   </p:cSld>
@@ -5019,291 +4816,296 @@
       </p:grpSpPr>
       <p:sp>
         <p:nvSpPr>
-          <p:cNvPr id="2" name="Subtitle 1"/>
-          <p:cNvSpPr>
-            <a:spLocks noGrp="1"/>
-          </p:cNvSpPr>
-          <p:nvPr>
-            <p:ph type="subTitle" idx="1"/>
+          <p:cNvPr id="2" name="Title 1">
+            <a:extLst>
+              <a:ext uri="{FF2B5EF4-FFF2-40B4-BE49-F238E27FC236}">
+                <a16:creationId xmlns:a16="http://schemas.microsoft.com/office/drawing/2014/main" id="{B175E0A3-D876-40BD-88AD-61C3373AB1A5}"/>
+              </a:ext>
+            </a:extLst>
+          </p:cNvPr>
+          <p:cNvSpPr>
+            <a:spLocks noGrp="1"/>
+          </p:cNvSpPr>
+          <p:nvPr>
+            <p:ph type="title"/>
+          </p:nvPr>
+        </p:nvSpPr>
+        <p:spPr/>
+        <p:txBody>
+          <a:bodyPr/>
+          <a:lstStyle/>
+          <a:p>
+            <a:r>
+              <a:rPr lang="en-US" dirty="0"/>
+              <a:t>Angular Journey</a:t>
+            </a:r>
+          </a:p>
+        </p:txBody>
+      </p:sp>
+      <p:sp>
+        <p:nvSpPr>
+          <p:cNvPr id="3" name="Content Placeholder 2">
+            <a:extLst>
+              <a:ext uri="{FF2B5EF4-FFF2-40B4-BE49-F238E27FC236}">
+                <a16:creationId xmlns:a16="http://schemas.microsoft.com/office/drawing/2014/main" id="{5F3A23A3-9E18-4532-A6F4-19777A76C4BD}"/>
+              </a:ext>
+            </a:extLst>
+          </p:cNvPr>
+          <p:cNvSpPr>
+            <a:spLocks noGrp="1"/>
+          </p:cNvSpPr>
+          <p:nvPr>
+            <p:ph idx="1"/>
           </p:nvPr>
         </p:nvSpPr>
         <p:spPr>
           <a:xfrm>
-            <a:off x="518983" y="1338649"/>
-            <a:ext cx="10198444" cy="5519351"/>
+            <a:off x="838200" y="1540042"/>
+            <a:ext cx="10515600" cy="4636921"/>
           </a:xfrm>
         </p:spPr>
         <p:txBody>
           <a:bodyPr>
-            <a:noAutofit/>
+            <a:normAutofit fontScale="32500" lnSpcReduction="20000"/>
           </a:bodyPr>
           <a:lstStyle/>
           <a:p>
-            <a:pPr marL="342900" indent="-342900">
-              <a:buFont typeface="Arial" panose="020B0604020202020204" pitchFamily="34" charset="0"/>
-              <a:buChar char="•"/>
+            <a:pPr marL="0" indent="0">
+              <a:buNone/>
             </a:pPr>
             <a:r>
-              <a:rPr lang="en-US" sz="1800" dirty="0">
-                <a:solidFill>
-                  <a:schemeClr val="tx1"/>
-                </a:solidFill>
+              <a:rPr lang="en-US" dirty="0"/>
+              <a:t>2017 - Angular 4 </a:t>
+            </a:r>
+          </a:p>
+          <a:p>
+            <a:r>
+              <a:rPr lang="en-US" dirty="0"/>
+              <a:t> Introducing </a:t>
+            </a:r>
+            <a:r>
+              <a:rPr lang="en-US" b="1" dirty="0" err="1"/>
+              <a:t>HttpClient</a:t>
+            </a:r>
+            <a:r>
+              <a:rPr lang="en-US" dirty="0"/>
+              <a:t>, a smaller, easier to use, and more powerful library for making HTTP Requests.</a:t>
+            </a:r>
+          </a:p>
+          <a:p>
+            <a:pPr lvl="0"/>
+            <a:r>
+              <a:rPr lang="en-US" dirty="0"/>
+              <a:t>New </a:t>
+            </a:r>
+            <a:r>
+              <a:rPr lang="en-US" b="1" dirty="0"/>
+              <a:t>router life cycle</a:t>
+            </a:r>
+            <a:r>
+              <a:rPr lang="en-US" dirty="0"/>
+              <a:t> events for Guards and Resolvers. </a:t>
+            </a:r>
+          </a:p>
+          <a:p>
+            <a:pPr lvl="0"/>
+            <a:r>
+              <a:rPr lang="en-US" dirty="0"/>
+              <a:t>Allowed adding </a:t>
+            </a:r>
+            <a:r>
+              <a:rPr lang="en-US" dirty="0" err="1"/>
+              <a:t>BrowserAnimationsModule</a:t>
+            </a:r>
+            <a:r>
+              <a:rPr lang="en-US" dirty="0"/>
+              <a:t> in </a:t>
+            </a:r>
+            <a:r>
+              <a:rPr lang="en-US" dirty="0" err="1"/>
+              <a:t>NgModule</a:t>
+            </a:r>
+            <a:r>
+              <a:rPr lang="en-US" dirty="0"/>
+              <a:t>.</a:t>
+            </a:r>
+          </a:p>
+          <a:p>
+            <a:pPr lvl="0"/>
+            <a:r>
+              <a:rPr lang="en-US" dirty="0"/>
+              <a:t>Angular 4 is compatible with TypeScript 2.1 and TypeScript 2.2.</a:t>
+            </a:r>
+          </a:p>
+          <a:p>
+            <a:pPr lvl="0"/>
+            <a:r>
+              <a:rPr lang="en-US" b="1" i="1" dirty="0"/>
+              <a:t>Angular Universal</a:t>
+            </a:r>
+            <a:r>
+              <a:rPr lang="en-US" dirty="0"/>
+              <a:t>: The vast majority of the Angular Universal code has been merged into Angular core. </a:t>
+            </a:r>
+          </a:p>
+          <a:p>
+            <a:pPr marL="0" indent="0">
+              <a:buNone/>
+            </a:pPr>
+            <a:r>
+              <a:rPr lang="en-US" b="1" dirty="0"/>
+              <a:t>2017 – Angular 5</a:t>
+            </a:r>
+          </a:p>
+          <a:p>
+            <a:r>
+              <a:rPr lang="en-US" dirty="0"/>
+              <a:t> support for </a:t>
+            </a:r>
+            <a:r>
+              <a:rPr lang="en-US" u="sng" dirty="0">
+                <a:hlinkClick r:id="rId2" tooltip="Progressive web app"/>
               </a:rPr>
-              <a:t>Any</a:t>
-            </a:r>
-          </a:p>
-          <a:p>
-            <a:pPr marL="800100" lvl="1" indent="-342900" algn="l">
-              <a:buFont typeface="Arial" panose="020B0604020202020204" pitchFamily="34" charset="0"/>
-              <a:buChar char="•"/>
+              <a:t>progressive web apps</a:t>
+            </a:r>
+            <a:r>
+              <a:rPr lang="en-US" dirty="0"/>
+              <a:t>, a build optimizer and improvements related to Material Design</a:t>
+            </a:r>
+          </a:p>
+          <a:p>
+            <a:pPr lvl="0"/>
+            <a:r>
+              <a:rPr lang="en-US" b="1" dirty="0"/>
+              <a:t>@angular/http</a:t>
+            </a:r>
+            <a:r>
+              <a:rPr lang="en-US" dirty="0"/>
+              <a:t> is replaced with </a:t>
+            </a:r>
+            <a:r>
+              <a:rPr lang="en-US" b="1" dirty="0"/>
+              <a:t>@angular/common/http</a:t>
+            </a:r>
+            <a:r>
+              <a:rPr lang="en-US" dirty="0"/>
+              <a:t> library.</a:t>
+            </a:r>
+          </a:p>
+          <a:p>
+            <a:pPr lvl="0"/>
+            <a:r>
+              <a:rPr lang="en-US" dirty="0"/>
+              <a:t>An improved compiler that supports incremental compilation meaning faster rebuilds.</a:t>
+            </a:r>
+          </a:p>
+          <a:p>
+            <a:pPr lvl="0"/>
+            <a:r>
+              <a:rPr lang="en-US" dirty="0" err="1"/>
+              <a:t>RxJS</a:t>
+            </a:r>
+            <a:r>
+              <a:rPr lang="en-US" dirty="0"/>
+              <a:t> (reactive programming library) has been updated to version 5.5.2 or later.</a:t>
+            </a:r>
+          </a:p>
+          <a:p>
+            <a:pPr marL="0" indent="0">
+              <a:buNone/>
             </a:pPr>
             <a:r>
-              <a:rPr lang="en-US" sz="1800" dirty="0">
-                <a:solidFill>
-                  <a:schemeClr val="tx1"/>
-                </a:solidFill>
-              </a:rPr>
-              <a:t>Any Type is a super set of all types</a:t>
-            </a:r>
-          </a:p>
-          <a:p>
-            <a:pPr marL="1257300" lvl="2" indent="-342900" algn="l">
-              <a:buFont typeface="Arial" panose="020B0604020202020204" pitchFamily="34" charset="0"/>
-              <a:buChar char="•"/>
-            </a:pPr>
-            <a:r>
-              <a:rPr lang="en-US" dirty="0">
-                <a:solidFill>
-                  <a:schemeClr val="tx1"/>
-                </a:solidFill>
-              </a:rPr>
-              <a:t>var x : any;</a:t>
-            </a:r>
-          </a:p>
-          <a:p>
-            <a:pPr marL="1257300" lvl="2" indent="-342900" algn="l">
-              <a:buFont typeface="Arial" panose="020B0604020202020204" pitchFamily="34" charset="0"/>
-              <a:buChar char="•"/>
-            </a:pPr>
-            <a:r>
-              <a:rPr lang="en-US" dirty="0">
-                <a:solidFill>
-                  <a:schemeClr val="tx1"/>
-                </a:solidFill>
-              </a:rPr>
-              <a:t>var y;</a:t>
-            </a:r>
-            <a:endParaRPr lang="en-US" sz="1800" dirty="0">
-              <a:solidFill>
-                <a:schemeClr val="tx1"/>
-              </a:solidFill>
-            </a:endParaRPr>
-          </a:p>
-          <a:p>
-            <a:pPr marL="342900" indent="-342900">
-              <a:buFont typeface="Arial" panose="020B0604020202020204" pitchFamily="34" charset="0"/>
-              <a:buChar char="•"/>
-            </a:pPr>
-            <a:r>
-              <a:rPr lang="en-US" sz="1800" dirty="0">
-                <a:solidFill>
-                  <a:schemeClr val="tx1"/>
-                </a:solidFill>
-              </a:rPr>
-              <a:t>Primitive</a:t>
-            </a:r>
-          </a:p>
-          <a:p>
-            <a:pPr marL="742950" lvl="1" indent="-285750" algn="l">
-              <a:buFont typeface="Arial" panose="020B0604020202020204" pitchFamily="34" charset="0"/>
-              <a:buChar char="•"/>
-            </a:pPr>
-            <a:r>
-              <a:rPr lang="en-US" sz="1800" dirty="0">
-                <a:solidFill>
-                  <a:schemeClr val="tx1"/>
-                </a:solidFill>
-              </a:rPr>
-              <a:t>Number</a:t>
-            </a:r>
-          </a:p>
-          <a:p>
-            <a:pPr marL="1200150" lvl="2" indent="-285750" algn="l">
-              <a:buFont typeface="Arial" pitchFamily="34" charset="0"/>
-              <a:buChar char="•"/>
-            </a:pPr>
-            <a:r>
-              <a:rPr lang="en-US" dirty="0">
-                <a:solidFill>
-                  <a:schemeClr val="tx1"/>
-                </a:solidFill>
-              </a:rPr>
-              <a:t>Does not have separate integer and float/double type.</a:t>
-            </a:r>
-          </a:p>
-          <a:p>
-            <a:pPr marL="1200150" lvl="2" indent="-285750" algn="l">
-              <a:buFont typeface="Arial" pitchFamily="34" charset="0"/>
-              <a:buChar char="•"/>
-            </a:pPr>
-            <a:r>
-              <a:rPr lang="en-US" dirty="0">
-                <a:solidFill>
-                  <a:schemeClr val="tx1"/>
-                </a:solidFill>
-              </a:rPr>
-              <a:t>var num : number = 20;</a:t>
-            </a:r>
-          </a:p>
-          <a:p>
-            <a:pPr marL="1200150" lvl="2" indent="-285750" algn="l">
-              <a:buFont typeface="Arial" pitchFamily="34" charset="0"/>
-              <a:buChar char="•"/>
-            </a:pPr>
-            <a:r>
-              <a:rPr lang="en-US" dirty="0">
-                <a:solidFill>
-                  <a:schemeClr val="tx1"/>
-                </a:solidFill>
-              </a:rPr>
-              <a:t>var num = 20;</a:t>
-            </a:r>
-          </a:p>
-          <a:p>
-            <a:pPr marL="800100" lvl="1" indent="-342900" algn="l">
-              <a:buFont typeface="Arial" panose="020B0604020202020204" pitchFamily="34" charset="0"/>
-              <a:buChar char="•"/>
-            </a:pPr>
-            <a:r>
-              <a:rPr lang="en-US" sz="1800" dirty="0">
-                <a:solidFill>
-                  <a:schemeClr val="tx1"/>
-                </a:solidFill>
-              </a:rPr>
-              <a:t>String</a:t>
-            </a:r>
-          </a:p>
-          <a:p>
-            <a:pPr marL="1257300" lvl="2" indent="-342900" algn="l">
-              <a:buFont typeface="Arial" panose="020B0604020202020204" pitchFamily="34" charset="0"/>
-              <a:buChar char="•"/>
-            </a:pPr>
-            <a:r>
-              <a:rPr lang="en-US" dirty="0">
-                <a:solidFill>
-                  <a:schemeClr val="tx1"/>
-                </a:solidFill>
-              </a:rPr>
-              <a:t>Both single quote or double quotes can be used.</a:t>
-            </a:r>
-          </a:p>
-          <a:p>
-            <a:pPr marL="1257300" lvl="2" indent="-342900" algn="l">
-              <a:buFont typeface="Arial" panose="020B0604020202020204" pitchFamily="34" charset="0"/>
-              <a:buChar char="•"/>
-            </a:pPr>
-            <a:r>
-              <a:rPr lang="en-US" dirty="0">
-                <a:solidFill>
-                  <a:schemeClr val="tx1"/>
-                </a:solidFill>
-              </a:rPr>
-              <a:t>var name : string = “hello”;</a:t>
-            </a:r>
-          </a:p>
-          <a:p>
-            <a:pPr marL="1257300" lvl="2" indent="-342900" algn="l">
-              <a:buFont typeface="Arial" panose="020B0604020202020204" pitchFamily="34" charset="0"/>
-              <a:buChar char="•"/>
-            </a:pPr>
-            <a:r>
-              <a:rPr lang="en-US" dirty="0">
-                <a:solidFill>
-                  <a:schemeClr val="tx1"/>
-                </a:solidFill>
-              </a:rPr>
-              <a:t>var name =’hello’; </a:t>
-            </a:r>
-          </a:p>
-          <a:p>
-            <a:pPr marL="800100" lvl="1" indent="-342900" algn="l">
-              <a:buFont typeface="Arial" panose="020B0604020202020204" pitchFamily="34" charset="0"/>
-              <a:buChar char="•"/>
-            </a:pPr>
-            <a:r>
-              <a:rPr lang="en-US" sz="2000" dirty="0">
-                <a:solidFill>
-                  <a:schemeClr val="tx1"/>
-                </a:solidFill>
-              </a:rPr>
-              <a:t>Bool</a:t>
-            </a:r>
-          </a:p>
-          <a:p>
-            <a:pPr marL="1200150" lvl="2" indent="-285750" algn="l">
-              <a:buFont typeface="Arial" panose="020B0604020202020204" pitchFamily="34" charset="0"/>
-              <a:buChar char="•"/>
-            </a:pPr>
-            <a:r>
-              <a:rPr lang="en-US" dirty="0">
-                <a:solidFill>
-                  <a:schemeClr val="tx1"/>
-                </a:solidFill>
-              </a:rPr>
-              <a:t>var isOpen =true;</a:t>
-            </a:r>
-          </a:p>
-        </p:txBody>
-      </p:sp>
-      <p:sp>
-        <p:nvSpPr>
-          <p:cNvPr id="3" name="Title 2"/>
-          <p:cNvSpPr>
-            <a:spLocks noGrp="1"/>
-          </p:cNvSpPr>
-          <p:nvPr>
-            <p:ph type="ctrTitle"/>
-          </p:nvPr>
-        </p:nvSpPr>
-        <p:spPr>
-          <a:xfrm>
-            <a:off x="518983" y="354227"/>
-            <a:ext cx="10058400" cy="791949"/>
-          </a:xfrm>
-        </p:spPr>
-        <p:txBody>
-          <a:bodyPr/>
-          <a:lstStyle/>
-          <a:p>
-            <a:r>
-              <a:rPr lang="en-US" sz="4000" dirty="0"/>
-              <a:t>Type Annotation	</a:t>
-            </a:r>
+              <a:rPr lang="en-US" b="1" dirty="0"/>
+              <a:t>2018 – Angular 6</a:t>
+            </a:r>
+          </a:p>
+          <a:p>
+            <a:r>
+              <a:rPr lang="en-US" dirty="0"/>
+              <a:t>Features like : ng update, ng add, Angular Elements, Angular Material + CDK Components, Angular Material Starter Components, CLI Workspaces, Library Support, Tree Shakable Providers, Animations Performance Improvements, and </a:t>
+            </a:r>
+            <a:r>
+              <a:rPr lang="en-US" dirty="0" err="1"/>
+              <a:t>RxJS</a:t>
+            </a:r>
+            <a:r>
+              <a:rPr lang="en-US" dirty="0"/>
+              <a:t> v6.</a:t>
+            </a:r>
+          </a:p>
+          <a:p>
+            <a:r>
+              <a:rPr lang="en-US" dirty="0"/>
+              <a:t> Added a new command to manage </a:t>
+            </a:r>
+            <a:r>
+              <a:rPr lang="en-US" dirty="0" err="1"/>
+              <a:t>npm</a:t>
+            </a:r>
+            <a:r>
+              <a:rPr lang="en-US" dirty="0"/>
+              <a:t> dependencies — </a:t>
+            </a:r>
+            <a:r>
+              <a:rPr lang="en-US" b="1" dirty="0"/>
+              <a:t>ng update, ng add</a:t>
+            </a:r>
+            <a:endParaRPr lang="en-US" dirty="0"/>
+          </a:p>
+          <a:p>
+            <a:pPr lvl="0"/>
+            <a:r>
+              <a:rPr lang="en-US" dirty="0"/>
+              <a:t>Angular Material + CDK Components.</a:t>
+            </a:r>
+          </a:p>
+          <a:p>
+            <a:pPr lvl="0"/>
+            <a:r>
+              <a:rPr lang="en-US" i="1" dirty="0"/>
+              <a:t>Angular Elements</a:t>
+            </a:r>
+            <a:endParaRPr lang="en-US" dirty="0"/>
+          </a:p>
+          <a:p>
+            <a:pPr lvl="0"/>
+            <a:r>
+              <a:rPr lang="en-US" i="1" dirty="0"/>
+              <a:t>Ivy Renderer</a:t>
+            </a:r>
+            <a:endParaRPr lang="en-US" dirty="0"/>
+          </a:p>
+          <a:p>
+            <a:pPr lvl="0"/>
+            <a:r>
+              <a:rPr lang="en-US" i="1" dirty="0"/>
+              <a:t>Service Worker</a:t>
+            </a:r>
+            <a:endParaRPr lang="en-US" dirty="0"/>
+          </a:p>
+          <a:p>
+            <a:pPr lvl="0"/>
+            <a:r>
+              <a:rPr lang="en-US" i="1" dirty="0"/>
+              <a:t>Schematics</a:t>
+            </a:r>
+            <a:endParaRPr lang="en-US" dirty="0"/>
+          </a:p>
+          <a:p>
+            <a:endParaRPr lang="en-US" dirty="0"/>
           </a:p>
         </p:txBody>
       </p:sp>
     </p:spTree>
     <p:extLst>
       <p:ext uri="{BB962C8B-B14F-4D97-AF65-F5344CB8AC3E}">
-        <p14:creationId xmlns:p14="http://schemas.microsoft.com/office/powerpoint/2010/main" val="1610566144"/>
+        <p14:creationId xmlns:p14="http://schemas.microsoft.com/office/powerpoint/2010/main" val="759927998"/>
       </p:ext>
     </p:extLst>
   </p:cSld>
   <p:clrMapOvr>
     <a:masterClrMapping/>
   </p:clrMapOvr>
-  <mc:AlternateContent xmlns:mc="http://schemas.openxmlformats.org/markup-compatibility/2006">
-    <mc:Choice xmlns:p14="http://schemas.microsoft.com/office/powerpoint/2010/main" Requires="p14">
-      <p:transition spd="med" p14:dur="700">
-        <p:fade/>
-      </p:transition>
-    </mc:Choice>
-    <mc:Fallback>
-      <p:transition spd="med">
-        <p:fade/>
-      </p:transition>
-    </mc:Fallback>
-  </mc:AlternateContent>
 </p:sld>
 </file>
 
@@ -5326,260 +5128,215 @@
       </p:grpSpPr>
       <p:sp>
         <p:nvSpPr>
-          <p:cNvPr id="2" name="Subtitle 1"/>
-          <p:cNvSpPr>
-            <a:spLocks noGrp="1"/>
-          </p:cNvSpPr>
-          <p:nvPr>
-            <p:ph type="subTitle" idx="1"/>
+          <p:cNvPr id="2" name="Title 1">
+            <a:extLst>
+              <a:ext uri="{FF2B5EF4-FFF2-40B4-BE49-F238E27FC236}">
+                <a16:creationId xmlns:a16="http://schemas.microsoft.com/office/drawing/2014/main" id="{B175E0A3-D876-40BD-88AD-61C3373AB1A5}"/>
+              </a:ext>
+            </a:extLst>
+          </p:cNvPr>
+          <p:cNvSpPr>
+            <a:spLocks noGrp="1"/>
+          </p:cNvSpPr>
+          <p:nvPr>
+            <p:ph type="title"/>
+          </p:nvPr>
+        </p:nvSpPr>
+        <p:spPr/>
+        <p:txBody>
+          <a:bodyPr/>
+          <a:lstStyle/>
+          <a:p>
+            <a:r>
+              <a:rPr lang="en-US" dirty="0"/>
+              <a:t>Angular Journey</a:t>
+            </a:r>
+          </a:p>
+        </p:txBody>
+      </p:sp>
+      <p:sp>
+        <p:nvSpPr>
+          <p:cNvPr id="3" name="Content Placeholder 2">
+            <a:extLst>
+              <a:ext uri="{FF2B5EF4-FFF2-40B4-BE49-F238E27FC236}">
+                <a16:creationId xmlns:a16="http://schemas.microsoft.com/office/drawing/2014/main" id="{5F3A23A3-9E18-4532-A6F4-19777A76C4BD}"/>
+              </a:ext>
+            </a:extLst>
+          </p:cNvPr>
+          <p:cNvSpPr>
+            <a:spLocks noGrp="1"/>
+          </p:cNvSpPr>
+          <p:nvPr>
+            <p:ph idx="1"/>
           </p:nvPr>
         </p:nvSpPr>
         <p:spPr>
           <a:xfrm>
-            <a:off x="518983" y="1348721"/>
-            <a:ext cx="10058400" cy="4955060"/>
+            <a:off x="838200" y="1540042"/>
+            <a:ext cx="10515600" cy="4636921"/>
           </a:xfrm>
         </p:spPr>
         <p:txBody>
           <a:bodyPr>
-            <a:noAutofit/>
+            <a:normAutofit fontScale="47500" lnSpcReduction="20000"/>
           </a:bodyPr>
           <a:lstStyle/>
           <a:p>
-            <a:pPr marL="342900" indent="-342900">
-              <a:buFont typeface="Arial" panose="020B0604020202020204" pitchFamily="34" charset="0"/>
-              <a:buChar char="•"/>
+            <a:pPr marL="0" indent="0">
+              <a:buNone/>
             </a:pPr>
             <a:r>
-              <a:rPr lang="en-US" sz="1800" dirty="0">
-                <a:solidFill>
-                  <a:schemeClr val="tx1"/>
-                </a:solidFill>
-              </a:rPr>
-              <a:t>Void</a:t>
-            </a:r>
-          </a:p>
-          <a:p>
-            <a:pPr marL="800100" lvl="1" indent="-342900" algn="l">
-              <a:buFont typeface="Arial" panose="020B0604020202020204" pitchFamily="34" charset="0"/>
-              <a:buChar char="•"/>
+              <a:rPr lang="en-US" b="1" dirty="0"/>
+              <a:t>2018 – Angular  7</a:t>
+            </a:r>
+          </a:p>
+          <a:p>
+            <a:r>
+              <a:rPr lang="en-US" dirty="0"/>
+              <a:t>Angular 7 was released on October 18, 2018. Updates regarding Application Performance, Angular Material &amp; CDK, Virtual Scrolling, Improved Accessibility of Selects, now supports Content Projection using web standard for custom elements, and dependency updates regarding Typescript 3.1, </a:t>
+            </a:r>
+            <a:r>
+              <a:rPr lang="en-US" dirty="0" err="1"/>
+              <a:t>RxJS</a:t>
+            </a:r>
+            <a:r>
+              <a:rPr lang="en-US" dirty="0"/>
+              <a:t> 6.3, Node 10 </a:t>
+            </a:r>
+          </a:p>
+          <a:p>
+            <a:pPr lvl="0"/>
+            <a:r>
+              <a:rPr lang="en-US" b="1" dirty="0"/>
+              <a:t>Drag &amp; Drop</a:t>
+            </a:r>
+            <a:r>
+              <a:rPr lang="en-US" dirty="0"/>
+              <a:t> API has been added.</a:t>
+            </a:r>
+          </a:p>
+          <a:p>
+            <a:pPr lvl="0"/>
+            <a:r>
+              <a:rPr lang="en-US" dirty="0"/>
+              <a:t>Supported </a:t>
+            </a:r>
+            <a:r>
+              <a:rPr lang="en-US" b="1" dirty="0"/>
+              <a:t>Virtual Scrolling</a:t>
+            </a:r>
+            <a:r>
+              <a:rPr lang="en-US" dirty="0"/>
+              <a:t>.</a:t>
+            </a:r>
+          </a:p>
+          <a:p>
+            <a:pPr lvl="0"/>
+            <a:r>
+              <a:rPr lang="en-US" dirty="0"/>
+              <a:t>CLI Prompts have been added.</a:t>
+            </a:r>
+          </a:p>
+          <a:p>
+            <a:pPr lvl="0"/>
+            <a:r>
+              <a:rPr lang="en-US" dirty="0"/>
+              <a:t>Angular Elements now supports content projection using web standards for custom elements.</a:t>
+            </a:r>
+          </a:p>
+          <a:p>
+            <a:pPr marL="0" indent="0">
+              <a:buNone/>
             </a:pPr>
-            <a:r>
-              <a:rPr lang="en-US" sz="1800" dirty="0">
-                <a:solidFill>
-                  <a:schemeClr val="tx1"/>
-                </a:solidFill>
-              </a:rPr>
-              <a:t>Used as the return type of functions that don’t return any value</a:t>
-            </a:r>
-          </a:p>
-          <a:p>
-            <a:pPr lvl="1" algn="l"/>
-            <a:endParaRPr lang="en-US" sz="1800" dirty="0">
-              <a:solidFill>
-                <a:schemeClr val="tx1"/>
-              </a:solidFill>
-            </a:endParaRPr>
-          </a:p>
-          <a:p>
-            <a:pPr marL="342900" indent="-342900">
-              <a:buFont typeface="Arial" panose="020B0604020202020204" pitchFamily="34" charset="0"/>
-              <a:buChar char="•"/>
+            <a:endParaRPr lang="en-US" dirty="0"/>
+          </a:p>
+          <a:p>
+            <a:pPr marL="0" indent="0">
+              <a:buNone/>
             </a:pPr>
             <a:r>
-              <a:rPr lang="en-US" sz="1800" dirty="0">
-                <a:solidFill>
-                  <a:schemeClr val="tx1"/>
-                </a:solidFill>
-              </a:rPr>
-              <a:t>Object Types</a:t>
-            </a:r>
-          </a:p>
-          <a:p>
-            <a:pPr marL="800100" lvl="1" indent="-342900" algn="l">
-              <a:buFont typeface="Arial" panose="020B0604020202020204" pitchFamily="34" charset="0"/>
-              <a:buChar char="•"/>
-            </a:pPr>
-            <a:r>
-              <a:rPr lang="en-US" sz="1800" dirty="0">
-                <a:solidFill>
-                  <a:schemeClr val="tx1"/>
-                </a:solidFill>
-              </a:rPr>
-              <a:t>class, interface, module.</a:t>
-            </a:r>
-          </a:p>
-          <a:p>
-            <a:pPr lvl="1" algn="l"/>
-            <a:endParaRPr lang="en-US" sz="1800" dirty="0">
-              <a:solidFill>
-                <a:schemeClr val="tx1"/>
-              </a:solidFill>
-            </a:endParaRPr>
-          </a:p>
-          <a:p>
-            <a:pPr marL="342900" indent="-342900">
-              <a:buFont typeface="Arial" panose="020B0604020202020204" pitchFamily="34" charset="0"/>
-              <a:buChar char="•"/>
-            </a:pPr>
-            <a:r>
-              <a:rPr lang="en-US" sz="1800" dirty="0">
-                <a:solidFill>
-                  <a:schemeClr val="tx1"/>
-                </a:solidFill>
-              </a:rPr>
-              <a:t>Array</a:t>
-            </a:r>
-          </a:p>
-          <a:p>
-            <a:pPr marL="800100" lvl="1" indent="-342900" algn="l">
-              <a:buFont typeface="Arial" panose="020B0604020202020204" pitchFamily="34" charset="0"/>
-              <a:buChar char="•"/>
-            </a:pPr>
-            <a:r>
-              <a:rPr lang="en-US" sz="1800" dirty="0">
-                <a:solidFill>
-                  <a:schemeClr val="tx1"/>
-                </a:solidFill>
-              </a:rPr>
-              <a:t>Array types can be written in:</a:t>
-            </a:r>
-          </a:p>
-          <a:p>
-            <a:pPr marL="1257300" lvl="2" indent="-342900" algn="l">
-              <a:buFont typeface="Arial" panose="020B0604020202020204" pitchFamily="34" charset="0"/>
-              <a:buChar char="•"/>
-            </a:pPr>
-            <a:r>
-              <a:rPr lang="en-US" dirty="0">
-                <a:solidFill>
-                  <a:schemeClr val="tx1"/>
-                </a:solidFill>
-              </a:rPr>
-              <a:t> var list: number[] = [1, 2, 3];</a:t>
-            </a:r>
-          </a:p>
-          <a:p>
-            <a:pPr marL="1257300" lvl="2" indent="-342900" algn="l">
-              <a:buFont typeface="Arial" panose="020B0604020202020204" pitchFamily="34" charset="0"/>
-              <a:buChar char="•"/>
-            </a:pPr>
-            <a:r>
-              <a:rPr lang="en-US" dirty="0">
-                <a:solidFill>
-                  <a:schemeClr val="tx1"/>
-                </a:solidFill>
-              </a:rPr>
-              <a:t> var list: Array&lt;number&gt; = [1, 2, 3];</a:t>
-            </a:r>
-          </a:p>
-          <a:p>
-            <a:pPr marL="1257300" lvl="2" indent="-342900" algn="l">
-              <a:buFont typeface="Arial" panose="020B0604020202020204" pitchFamily="34" charset="0"/>
-              <a:buChar char="•"/>
-            </a:pPr>
-            <a:r>
-              <a:rPr lang="en-US" dirty="0">
-                <a:solidFill>
-                  <a:schemeClr val="tx1"/>
-                </a:solidFill>
-              </a:rPr>
-              <a:t>var list:any[] = [1, true, "free"]</a:t>
-            </a:r>
-          </a:p>
-          <a:p>
-            <a:pPr marL="342900" indent="-342900">
-              <a:buFont typeface="Arial" panose="020B0604020202020204" pitchFamily="34" charset="0"/>
-              <a:buChar char="•"/>
-            </a:pPr>
-            <a:r>
-              <a:rPr lang="en-US" sz="1800" dirty="0">
-                <a:solidFill>
-                  <a:schemeClr val="tx1"/>
-                </a:solidFill>
-              </a:rPr>
-              <a:t>Enum</a:t>
-            </a:r>
-          </a:p>
-          <a:p>
-            <a:pPr marL="1200150" lvl="2" indent="-285750" algn="l">
-              <a:buFont typeface="Arial" panose="020B0604020202020204" pitchFamily="34" charset="0"/>
-              <a:buChar char="•"/>
-            </a:pPr>
-            <a:r>
-              <a:rPr lang="en-US" dirty="0">
-                <a:solidFill>
-                  <a:schemeClr val="tx1"/>
-                </a:solidFill>
-              </a:rPr>
-              <a:t>enum Color { Red, Green, Blue };</a:t>
-            </a:r>
-          </a:p>
-          <a:p>
-            <a:pPr marL="1200150" lvl="2" indent="-285750" algn="l">
-              <a:buFont typeface="Arial" panose="020B0604020202020204" pitchFamily="34" charset="0"/>
-              <a:buChar char="•"/>
-            </a:pPr>
-            <a:r>
-              <a:rPr lang="en-US" dirty="0">
-                <a:solidFill>
-                  <a:schemeClr val="tx1"/>
-                </a:solidFill>
-              </a:rPr>
-              <a:t>var color = Color.Blue;</a:t>
-            </a:r>
-          </a:p>
-        </p:txBody>
-      </p:sp>
-      <p:sp>
-        <p:nvSpPr>
-          <p:cNvPr id="3" name="Title 2"/>
-          <p:cNvSpPr>
-            <a:spLocks noGrp="1"/>
-          </p:cNvSpPr>
-          <p:nvPr>
-            <p:ph type="ctrTitle"/>
-          </p:nvPr>
-        </p:nvSpPr>
-        <p:spPr>
-          <a:xfrm>
-            <a:off x="518983" y="354227"/>
-            <a:ext cx="10058400" cy="791949"/>
-          </a:xfrm>
-        </p:spPr>
-        <p:txBody>
-          <a:bodyPr/>
-          <a:lstStyle/>
-          <a:p>
-            <a:r>
-              <a:rPr lang="en-US" sz="4000" dirty="0"/>
-              <a:t>Type Annotation	</a:t>
-            </a:r>
+              <a:rPr lang="en-US" b="1" dirty="0"/>
+              <a:t>2019 - Angular 8</a:t>
+            </a:r>
+          </a:p>
+          <a:p>
+            <a:r>
+              <a:rPr lang="en-US" b="1" dirty="0"/>
+              <a:t>Featuring Differential loading for all application code, Dynamic imports for lazy routes, Web workers, TypeScript 3.4 support, and Angular Ivy as an opt-in preview. Angular Ivy opt-in preview includes: </a:t>
+            </a:r>
+          </a:p>
+          <a:p>
+            <a:pPr lvl="0"/>
+            <a:r>
+              <a:rPr lang="en-US" dirty="0"/>
+              <a:t>Generated code that is easier to read and debug at runtime</a:t>
+            </a:r>
+          </a:p>
+          <a:p>
+            <a:pPr lvl="0"/>
+            <a:r>
+              <a:rPr lang="en-US" dirty="0"/>
+              <a:t>Faster re-build time</a:t>
+            </a:r>
+          </a:p>
+          <a:p>
+            <a:pPr lvl="0"/>
+            <a:r>
+              <a:rPr lang="en-US" dirty="0"/>
+              <a:t>Improved payload size</a:t>
+            </a:r>
+          </a:p>
+          <a:p>
+            <a:pPr lvl="0"/>
+            <a:r>
+              <a:rPr lang="en-US" dirty="0"/>
+              <a:t>Improved template type checking</a:t>
+            </a:r>
+          </a:p>
+          <a:p>
+            <a:pPr lvl="0"/>
+            <a:r>
+              <a:rPr lang="en-US" dirty="0"/>
+              <a:t>Route Configurations use Dynamic Imports using </a:t>
+            </a:r>
+            <a:r>
+              <a:rPr lang="en-US" dirty="0" err="1"/>
+              <a:t>loadChildren</a:t>
+            </a:r>
+            <a:r>
+              <a:rPr lang="en-US" dirty="0"/>
+              <a:t>.</a:t>
+            </a:r>
+          </a:p>
+          <a:p>
+            <a:pPr lvl="0"/>
+            <a:r>
+              <a:rPr lang="en-US" dirty="0"/>
+              <a:t>Added Web Worker Support.</a:t>
+            </a:r>
+          </a:p>
+          <a:p>
+            <a:pPr lvl="0"/>
+            <a:r>
+              <a:rPr lang="en-US" dirty="0"/>
+              <a:t>Much-anticipated Ivy compiler as an opt-in feature.</a:t>
+            </a:r>
+          </a:p>
+          <a:p>
+            <a:endParaRPr lang="en-US" dirty="0"/>
           </a:p>
         </p:txBody>
       </p:sp>
     </p:spTree>
     <p:extLst>
       <p:ext uri="{BB962C8B-B14F-4D97-AF65-F5344CB8AC3E}">
-        <p14:creationId xmlns:p14="http://schemas.microsoft.com/office/powerpoint/2010/main" val="2686202050"/>
+        <p14:creationId xmlns:p14="http://schemas.microsoft.com/office/powerpoint/2010/main" val="772129745"/>
       </p:ext>
     </p:extLst>
   </p:cSld>
   <p:clrMapOvr>
     <a:masterClrMapping/>
   </p:clrMapOvr>
-  <mc:AlternateContent xmlns:mc="http://schemas.openxmlformats.org/markup-compatibility/2006">
-    <mc:Choice xmlns:p14="http://schemas.microsoft.com/office/powerpoint/2010/main" Requires="p14">
-      <p:transition spd="med" p14:dur="700">
-        <p:fade/>
-      </p:transition>
-    </mc:Choice>
-    <mc:Fallback>
-      <p:transition spd="med">
-        <p:fade/>
-      </p:transition>
-    </mc:Fallback>
-  </mc:AlternateContent>
 </p:sld>
 </file>
 
@@ -5602,129 +5359,252 @@
       </p:grpSpPr>
       <p:sp>
         <p:nvSpPr>
-          <p:cNvPr id="2" name="Subtitle 1"/>
-          <p:cNvSpPr>
-            <a:spLocks noGrp="1"/>
-          </p:cNvSpPr>
-          <p:nvPr>
-            <p:ph type="subTitle" idx="1"/>
+          <p:cNvPr id="2" name="Title 1">
+            <a:extLst>
+              <a:ext uri="{FF2B5EF4-FFF2-40B4-BE49-F238E27FC236}">
+                <a16:creationId xmlns:a16="http://schemas.microsoft.com/office/drawing/2014/main" id="{B175E0A3-D876-40BD-88AD-61C3373AB1A5}"/>
+              </a:ext>
+            </a:extLst>
+          </p:cNvPr>
+          <p:cNvSpPr>
+            <a:spLocks noGrp="1"/>
+          </p:cNvSpPr>
+          <p:nvPr>
+            <p:ph type="title"/>
+          </p:nvPr>
+        </p:nvSpPr>
+        <p:spPr/>
+        <p:txBody>
+          <a:bodyPr/>
+          <a:lstStyle/>
+          <a:p>
+            <a:r>
+              <a:rPr lang="en-US" dirty="0"/>
+              <a:t>Angular Journey</a:t>
+            </a:r>
+          </a:p>
+        </p:txBody>
+      </p:sp>
+      <p:sp>
+        <p:nvSpPr>
+          <p:cNvPr id="3" name="Content Placeholder 2">
+            <a:extLst>
+              <a:ext uri="{FF2B5EF4-FFF2-40B4-BE49-F238E27FC236}">
+                <a16:creationId xmlns:a16="http://schemas.microsoft.com/office/drawing/2014/main" id="{5F3A23A3-9E18-4532-A6F4-19777A76C4BD}"/>
+              </a:ext>
+            </a:extLst>
+          </p:cNvPr>
+          <p:cNvSpPr>
+            <a:spLocks noGrp="1"/>
+          </p:cNvSpPr>
+          <p:nvPr>
+            <p:ph idx="1"/>
           </p:nvPr>
         </p:nvSpPr>
         <p:spPr>
           <a:xfrm>
-            <a:off x="518983" y="1339667"/>
-            <a:ext cx="10058400" cy="4955060"/>
+            <a:off x="838200" y="1540042"/>
+            <a:ext cx="10515600" cy="4636921"/>
           </a:xfrm>
         </p:spPr>
         <p:txBody>
           <a:bodyPr>
-            <a:noAutofit/>
+            <a:normAutofit fontScale="47500" lnSpcReduction="20000"/>
           </a:bodyPr>
           <a:lstStyle/>
           <a:p>
-            <a:pPr marL="342900" indent="-342900">
-              <a:buFont typeface="Arial" panose="020B0604020202020204" pitchFamily="34" charset="0"/>
-              <a:buChar char="•"/>
+            <a:pPr marL="0" indent="0">
+              <a:buNone/>
             </a:pPr>
             <a:r>
-              <a:rPr lang="en-US" sz="1800" dirty="0">
-                <a:solidFill>
-                  <a:schemeClr val="tx1"/>
-                </a:solidFill>
+              <a:rPr lang="en-US" b="1" dirty="0"/>
+              <a:t>2020 - Angular 9</a:t>
+            </a:r>
+          </a:p>
+          <a:p>
+            <a:r>
+              <a:rPr lang="en-US" dirty="0"/>
+              <a:t>Version 9 moves all applications to use the </a:t>
+            </a:r>
+            <a:r>
+              <a:rPr lang="en-US" u="sng" dirty="0">
+                <a:hlinkClick r:id="rId2"/>
               </a:rPr>
-              <a:t>Tuple</a:t>
-            </a:r>
-          </a:p>
-          <a:p>
-            <a:pPr marL="800100" lvl="1" indent="-342900" algn="l">
-              <a:buFont typeface="Arial" panose="020B0604020202020204" pitchFamily="34" charset="0"/>
-              <a:buChar char="•"/>
+              <a:t>Ivy compiler and runtime</a:t>
+            </a:r>
+            <a:r>
+              <a:rPr lang="en-US" dirty="0"/>
+              <a:t> by default. Angular has been updated to work with TypeScript 3.6 and 3.7. In addition to hundreds of bug fixes, the Ivy compiler and runtime offers numerous advantages:</a:t>
+            </a:r>
+          </a:p>
+          <a:p>
+            <a:pPr lvl="0"/>
+            <a:r>
+              <a:rPr lang="en-US" dirty="0"/>
+              <a:t>Smaller bundle sizes</a:t>
+            </a:r>
+          </a:p>
+          <a:p>
+            <a:pPr lvl="0"/>
+            <a:r>
+              <a:rPr lang="en-US" dirty="0"/>
+              <a:t>Faster testing</a:t>
+            </a:r>
+          </a:p>
+          <a:p>
+            <a:pPr lvl="0"/>
+            <a:r>
+              <a:rPr lang="en-US" dirty="0"/>
+              <a:t>Better debugging</a:t>
+            </a:r>
+          </a:p>
+          <a:p>
+            <a:pPr lvl="0"/>
+            <a:r>
+              <a:rPr lang="en-US" dirty="0"/>
+              <a:t>Improved CSS class and style binding</a:t>
+            </a:r>
+          </a:p>
+          <a:p>
+            <a:pPr lvl="0"/>
+            <a:r>
+              <a:rPr lang="en-US" dirty="0"/>
+              <a:t>Improved type checking</a:t>
+            </a:r>
+          </a:p>
+          <a:p>
+            <a:pPr lvl="0"/>
+            <a:r>
+              <a:rPr lang="en-US" dirty="0"/>
+              <a:t>Improved build times, enabling AOT on by default</a:t>
+            </a:r>
+          </a:p>
+          <a:p>
+            <a:pPr lvl="0"/>
+            <a:r>
+              <a:rPr lang="en-US" dirty="0"/>
+              <a:t>Improved </a:t>
+            </a:r>
+            <a:r>
+              <a:rPr lang="en-US" u="sng" dirty="0">
+                <a:hlinkClick r:id="rId3" tooltip="Internationalization and localization"/>
+              </a:rPr>
+              <a:t>Internationalization</a:t>
+            </a:r>
+            <a:endParaRPr lang="en-US" dirty="0"/>
+          </a:p>
+          <a:p>
+            <a:pPr marL="0" indent="0">
+              <a:buNone/>
             </a:pPr>
             <a:r>
-              <a:rPr lang="en-US" sz="1800" dirty="0">
-                <a:solidFill>
-                  <a:schemeClr val="tx1"/>
-                </a:solidFill>
+              <a:rPr lang="en-US" b="1" dirty="0"/>
+              <a:t> </a:t>
+            </a:r>
+          </a:p>
+          <a:p>
+            <a:pPr marL="0" indent="0">
+              <a:buNone/>
+            </a:pPr>
+            <a:r>
+              <a:rPr lang="en-US" b="1" dirty="0"/>
+              <a:t>2020 - Angular 10 was released on June 24, 2020.</a:t>
+            </a:r>
+          </a:p>
+          <a:p>
+            <a:pPr lvl="0"/>
+            <a:r>
+              <a:rPr lang="en-US" dirty="0"/>
+              <a:t>New date range picker.</a:t>
+            </a:r>
+          </a:p>
+          <a:p>
+            <a:pPr lvl="0"/>
+            <a:r>
+              <a:rPr lang="en-US" dirty="0"/>
+              <a:t>Warnings about </a:t>
+            </a:r>
+            <a:r>
+              <a:rPr lang="en-US" dirty="0" err="1"/>
+              <a:t>CommonJS</a:t>
+            </a:r>
+            <a:r>
+              <a:rPr lang="en-US" dirty="0"/>
+              <a:t> imports </a:t>
+            </a:r>
+          </a:p>
+          <a:p>
+            <a:pPr lvl="0"/>
+            <a:r>
+              <a:rPr lang="en-US" dirty="0"/>
+              <a:t>Optional stricter settings that can improve maintainability, help catch bugs, and enable advanced optimizations.</a:t>
+            </a:r>
+          </a:p>
+          <a:p>
+            <a:pPr lvl="0"/>
+            <a:r>
+              <a:rPr lang="en-US" dirty="0"/>
+              <a:t>New versions supported of TypeScript 3.9, </a:t>
+            </a:r>
+            <a:r>
+              <a:rPr lang="en-US" dirty="0" err="1"/>
+              <a:t>TSLib</a:t>
+            </a:r>
+            <a:r>
+              <a:rPr lang="en-US" dirty="0"/>
+              <a:t> 2.0, </a:t>
+            </a:r>
+            <a:r>
+              <a:rPr lang="en-US" dirty="0" err="1"/>
+              <a:t>TSLint</a:t>
+            </a:r>
+            <a:r>
+              <a:rPr lang="en-US" dirty="0"/>
+              <a:t> 6.</a:t>
+            </a:r>
+          </a:p>
+          <a:p>
+            <a:r>
+              <a:rPr lang="en-US" b="1" dirty="0"/>
+              <a:t> New Default Browser Configuration</a:t>
+            </a:r>
+            <a:endParaRPr lang="en-US" dirty="0"/>
+          </a:p>
+          <a:p>
+            <a:pPr marL="0" indent="0">
+              <a:buNone/>
+            </a:pPr>
+            <a:r>
+              <a:rPr lang="en-US" b="1" dirty="0"/>
+              <a:t>	D</a:t>
+            </a:r>
+            <a:r>
+              <a:rPr lang="en-US" dirty="0"/>
+              <a:t>eprecating support for older browsers including IE 9, 10, and </a:t>
+            </a:r>
+            <a:r>
+              <a:rPr lang="en-US" u="sng" dirty="0">
+                <a:hlinkClick r:id="rId4"/>
               </a:rPr>
-              <a:t>Tuple types allow you to express an array where the type of a fixed number of elements is known.</a:t>
-            </a:r>
-          </a:p>
-          <a:p>
-            <a:pPr marL="1257300" lvl="2" indent="-342900" algn="l">
-              <a:buFont typeface="Arial" panose="020B0604020202020204" pitchFamily="34" charset="0"/>
-              <a:buChar char="•"/>
-            </a:pPr>
-            <a:r>
-              <a:rPr lang="en-US" dirty="0">
-                <a:solidFill>
-                  <a:schemeClr val="tx1"/>
-                </a:solidFill>
-              </a:rPr>
-              <a:t>var x: [string, number];</a:t>
-            </a:r>
-          </a:p>
-          <a:p>
-            <a:pPr lvl="2" algn="l"/>
-            <a:r>
-              <a:rPr lang="en-US" dirty="0">
-                <a:solidFill>
-                  <a:schemeClr val="tx1"/>
-                </a:solidFill>
-              </a:rPr>
-              <a:t>        x = ['hello', 10];</a:t>
-            </a:r>
-          </a:p>
-        </p:txBody>
-      </p:sp>
-      <p:sp>
-        <p:nvSpPr>
-          <p:cNvPr id="3" name="Title 2"/>
-          <p:cNvSpPr>
-            <a:spLocks noGrp="1"/>
-          </p:cNvSpPr>
-          <p:nvPr>
-            <p:ph type="ctrTitle"/>
-          </p:nvPr>
-        </p:nvSpPr>
-        <p:spPr>
-          <a:xfrm>
-            <a:off x="518983" y="354227"/>
-            <a:ext cx="10058400" cy="791949"/>
-          </a:xfrm>
-        </p:spPr>
-        <p:txBody>
-          <a:bodyPr/>
-          <a:lstStyle/>
-          <a:p>
-            <a:r>
-              <a:rPr lang="en-US" sz="4000" dirty="0"/>
-              <a:t>Type Annotation	</a:t>
-            </a:r>
+              <a:t>Internet Explorer Mobile</a:t>
+            </a:r>
+            <a:endParaRPr lang="en-US" dirty="0"/>
+          </a:p>
+          <a:p>
+            <a:endParaRPr lang="en-US" dirty="0"/>
           </a:p>
         </p:txBody>
       </p:sp>
     </p:spTree>
     <p:extLst>
       <p:ext uri="{BB962C8B-B14F-4D97-AF65-F5344CB8AC3E}">
-        <p14:creationId xmlns:p14="http://schemas.microsoft.com/office/powerpoint/2010/main" val="1994542069"/>
+        <p14:creationId xmlns:p14="http://schemas.microsoft.com/office/powerpoint/2010/main" val="1933429271"/>
       </p:ext>
     </p:extLst>
   </p:cSld>
   <p:clrMapOvr>
     <a:masterClrMapping/>
   </p:clrMapOvr>
-  <mc:AlternateContent xmlns:mc="http://schemas.openxmlformats.org/markup-compatibility/2006">
-    <mc:Choice xmlns:p14="http://schemas.microsoft.com/office/powerpoint/2010/main" Requires="p14">
-      <p:transition spd="med" p14:dur="700">
-        <p:fade/>
-      </p:transition>
-    </mc:Choice>
-    <mc:Fallback>
-      <p:transition spd="med">
-        <p:fade/>
-      </p:transition>
-    </mc:Fallback>
-  </mc:AlternateContent>
 </p:sld>
 </file>
 
@@ -5750,7 +5630,7 @@
           <p:cNvPr id="2" name="Title 1">
             <a:extLst>
               <a:ext uri="{FF2B5EF4-FFF2-40B4-BE49-F238E27FC236}">
-                <a16:creationId xmlns:a16="http://schemas.microsoft.com/office/drawing/2014/main" id="{DD2F2281-CA69-4D9D-866E-948AA861E82B}"/>
+                <a16:creationId xmlns:a16="http://schemas.microsoft.com/office/drawing/2014/main" id="{3B958A1C-0E49-4767-A728-F05EE8D59B50}"/>
               </a:ext>
             </a:extLst>
           </p:cNvPr>
@@ -5768,7 +5648,7 @@
           <a:p>
             <a:r>
               <a:rPr lang="en-US" dirty="0"/>
-              <a:t>Classes and modules</a:t>
+              <a:t>Features &amp; Benefits</a:t>
             </a:r>
           </a:p>
         </p:txBody>
@@ -5778,7 +5658,7 @@
           <p:cNvPr id="3" name="Content Placeholder 2">
             <a:extLst>
               <a:ext uri="{FF2B5EF4-FFF2-40B4-BE49-F238E27FC236}">
-                <a16:creationId xmlns:a16="http://schemas.microsoft.com/office/drawing/2014/main" id="{9CBC86C6-E6BF-4165-A62A-6B188FD7E47A}"/>
+                <a16:creationId xmlns:a16="http://schemas.microsoft.com/office/drawing/2014/main" id="{5D893A7D-83EC-44A3-8905-3C7F4F5E57D7}"/>
               </a:ext>
             </a:extLst>
           </p:cNvPr>
@@ -5791,70 +5671,221 @@
         </p:nvSpPr>
         <p:spPr/>
         <p:txBody>
-          <a:bodyPr/>
+          <a:bodyPr>
+            <a:normAutofit fontScale="25000" lnSpcReduction="20000"/>
+          </a:bodyPr>
           <a:lstStyle/>
           <a:p>
+            <a:r>
+              <a:rPr lang="en-US" dirty="0"/>
+              <a:t>CROSS PLATFORM</a:t>
+            </a:r>
+          </a:p>
+          <a:p>
+            <a:r>
+              <a:rPr lang="en-US" dirty="0"/>
+              <a:t>Progressive Web Apps</a:t>
+            </a:r>
+          </a:p>
+          <a:p>
+            <a:r>
+              <a:rPr lang="en-US" dirty="0"/>
+              <a:t>Use modern web platform capabilities to deliver app-like experiences. High performance, offline, and zero-step installation.</a:t>
+            </a:r>
+          </a:p>
+          <a:p>
+            <a:r>
+              <a:rPr lang="en-US" dirty="0"/>
+              <a:t>Native</a:t>
+            </a:r>
+          </a:p>
+          <a:p>
+            <a:r>
+              <a:rPr lang="en-US" dirty="0"/>
+              <a:t>Build native mobile apps with strategies from Cordova, Ionic, or </a:t>
+            </a:r>
+            <a:r>
+              <a:rPr lang="en-US" dirty="0" err="1"/>
+              <a:t>NativeScript</a:t>
+            </a:r>
+            <a:r>
+              <a:rPr lang="en-US" dirty="0"/>
+              <a:t>.</a:t>
+            </a:r>
+          </a:p>
+          <a:p>
+            <a:r>
+              <a:rPr lang="en-US" dirty="0"/>
+              <a:t>Desktop</a:t>
+            </a:r>
+          </a:p>
+          <a:p>
+            <a:r>
+              <a:rPr lang="en-US" dirty="0"/>
+              <a:t>Create desktop-installed apps across Mac, Windows, and Linux using the same Angular methods you've learned for the web plus the ability to access native OS APIs.</a:t>
+            </a:r>
+          </a:p>
+          <a:p>
             <a:pPr marL="0" indent="0">
               <a:buNone/>
             </a:pPr>
-            <a:r>
-              <a:rPr lang="en-US" b="1" dirty="0"/>
-              <a:t>Scalable application structuring</a:t>
-            </a:r>
-            <a:br>
-              <a:rPr lang="en-US" dirty="0"/>
-            </a:br>
-            <a:r>
-              <a:rPr lang="en-US" dirty="0"/>
-              <a:t>Classes, Modules, and Interfaces enable clear contracts between components</a:t>
+            <a:endParaRPr lang="en-US" dirty="0"/>
+          </a:p>
+          <a:p>
+            <a:r>
+              <a:rPr lang="en-US" dirty="0"/>
+              <a:t>SPEED AND PERFORMANCE</a:t>
+            </a:r>
+          </a:p>
+          <a:p>
+            <a:r>
+              <a:rPr lang="en-US" dirty="0"/>
+              <a:t>Code Generation</a:t>
+            </a:r>
+          </a:p>
+          <a:p>
+            <a:r>
+              <a:rPr lang="en-US" dirty="0"/>
+              <a:t>Angular turns your templates into code that's highly optimized for today's JavaScript virtual machines, giving you all the benefits of hand-written code with the productivity of a framework.</a:t>
+            </a:r>
+          </a:p>
+          <a:p>
+            <a:r>
+              <a:rPr lang="en-US" dirty="0"/>
+              <a:t>Universal</a:t>
+            </a:r>
+          </a:p>
+          <a:p>
+            <a:r>
+              <a:rPr lang="en-US" dirty="0"/>
+              <a:t>Serve the first view of your application on Node.js®, .NET, PHP, and other servers for near-instant rendering in just HTML and CSS. Also paves the way for sites that optimize for SEO.</a:t>
+            </a:r>
+          </a:p>
+          <a:p>
+            <a:r>
+              <a:rPr lang="en-US" dirty="0"/>
+              <a:t>Code Splitting</a:t>
+            </a:r>
+          </a:p>
+          <a:p>
+            <a:r>
+              <a:rPr lang="en-US" dirty="0"/>
+              <a:t>Angular apps load quickly with the new Component Router, which delivers automatic code-splitting so users only load code required to render the view they request.</a:t>
             </a:r>
           </a:p>
           <a:p>
             <a:pPr marL="0" indent="0">
               <a:buNone/>
             </a:pPr>
-            <a:r>
-              <a:rPr lang="en-US" b="1" dirty="0"/>
-              <a:t>Aligned with emerging standards</a:t>
-            </a:r>
-          </a:p>
-          <a:p>
-            <a:pPr marL="0" indent="0">
-              <a:buNone/>
-            </a:pPr>
-            <a:r>
-              <a:rPr lang="en-US" dirty="0"/>
-              <a:t>Class, Module, and Arrow Function syntax aligns with ECMAScript 6 proposals</a:t>
-            </a:r>
-          </a:p>
-          <a:p>
-            <a:pPr marL="0" indent="0">
-              <a:buNone/>
-            </a:pPr>
-            <a:r>
-              <a:rPr lang="en-US" b="1" dirty="0"/>
-              <a:t>Supports popular module systems</a:t>
-            </a:r>
-          </a:p>
-          <a:p>
-            <a:pPr marL="0" indent="0">
-              <a:buNone/>
-            </a:pPr>
+            <a:endParaRPr lang="en-US" dirty="0"/>
+          </a:p>
+          <a:p>
+            <a:r>
+              <a:rPr lang="en-US" dirty="0"/>
+              <a:t>PRODUCTIVITY</a:t>
+            </a:r>
+          </a:p>
+          <a:p>
+            <a:r>
+              <a:rPr lang="en-US" dirty="0"/>
+              <a:t>Templates</a:t>
+            </a:r>
+          </a:p>
+          <a:p>
+            <a:r>
+              <a:rPr lang="en-US" dirty="0"/>
+              <a:t>Quickly create UI views with simple and powerful template syntax.</a:t>
+            </a:r>
+          </a:p>
+          <a:p>
+            <a:r>
+              <a:rPr lang="en-US" dirty="0"/>
+              <a:t>Angular CLI</a:t>
+            </a:r>
+          </a:p>
+          <a:p>
+            <a:r>
+              <a:rPr lang="en-US" dirty="0"/>
+              <a:t>Command line tools: start building fast, add components and tests, then instantly deploy.</a:t>
+            </a:r>
+          </a:p>
+          <a:p>
+            <a:r>
+              <a:rPr lang="en-US" dirty="0"/>
+              <a:t>IDEs</a:t>
+            </a:r>
+          </a:p>
+          <a:p>
+            <a:r>
+              <a:rPr lang="en-US" dirty="0"/>
+              <a:t>Get intelligent code completion, instant errors, and other feedback in popular editors and IDEs.</a:t>
+            </a:r>
+          </a:p>
+          <a:p>
+            <a:r>
+              <a:rPr lang="en-US" dirty="0"/>
+              <a:t> </a:t>
+            </a:r>
+          </a:p>
+          <a:p>
+            <a:r>
+              <a:rPr lang="en-US" dirty="0"/>
+              <a:t>FULL DEVELOPMENT STORY</a:t>
+            </a:r>
+          </a:p>
+          <a:p>
+            <a:r>
+              <a:rPr lang="en-US" dirty="0"/>
+              <a:t>Testing</a:t>
+            </a:r>
+          </a:p>
+          <a:p>
+            <a:r>
+              <a:rPr lang="en-US" dirty="0"/>
+              <a:t>With Karma for unit tests, you can know if you've broken things every time you save. And Protractor makes your scenario tests run faster and in a stable manner.</a:t>
+            </a:r>
+          </a:p>
+          <a:p>
+            <a:r>
+              <a:rPr lang="en-US" dirty="0"/>
+              <a:t>Animation</a:t>
+            </a:r>
+          </a:p>
+          <a:p>
+            <a:r>
+              <a:rPr lang="en-US" dirty="0"/>
+              <a:t>Create high-performance, complex choreographies and animation timelines with very little code through </a:t>
+            </a:r>
             <a:r>
               <a:rPr lang="en-US" dirty="0" err="1"/>
-              <a:t>CommonJS</a:t>
-            </a:r>
-            <a:r>
-              <a:rPr lang="en-US" dirty="0"/>
-              <a:t> and AMD modules in any ECMAScript 3 compatible environment</a:t>
-            </a:r>
+              <a:t>Angular's</a:t>
+            </a:r>
+            <a:r>
+              <a:rPr lang="en-US" dirty="0"/>
+              <a:t> intuitive API.</a:t>
+            </a:r>
+          </a:p>
+          <a:p>
+            <a:r>
+              <a:rPr lang="en-US" dirty="0"/>
+              <a:t>Accessibility</a:t>
+            </a:r>
+          </a:p>
+          <a:p>
+            <a:r>
+              <a:rPr lang="en-US" dirty="0"/>
+              <a:t>Create accessible applications with ARIA-enabled components, developer guides, and built-in a11y test infrastructure</a:t>
+            </a:r>
+          </a:p>
+          <a:p>
+            <a:endParaRPr lang="en-US" dirty="0"/>
           </a:p>
         </p:txBody>
       </p:sp>
     </p:spTree>
     <p:extLst>
       <p:ext uri="{BB962C8B-B14F-4D97-AF65-F5344CB8AC3E}">
-        <p14:creationId xmlns:p14="http://schemas.microsoft.com/office/powerpoint/2010/main" val="1350801308"/>
+        <p14:creationId xmlns:p14="http://schemas.microsoft.com/office/powerpoint/2010/main" val="1513118307"/>
       </p:ext>
     </p:extLst>
   </p:cSld>
@@ -5886,7 +5917,7 @@
           <p:cNvPr id="2" name="Title 1">
             <a:extLst>
               <a:ext uri="{FF2B5EF4-FFF2-40B4-BE49-F238E27FC236}">
-                <a16:creationId xmlns:a16="http://schemas.microsoft.com/office/drawing/2014/main" id="{B175E0A3-D876-40BD-88AD-61C3373AB1A5}"/>
+                <a16:creationId xmlns:a16="http://schemas.microsoft.com/office/drawing/2014/main" id="{98C30922-1452-42C1-B5E8-E81F16DDC1F9}"/>
               </a:ext>
             </a:extLst>
           </p:cNvPr>
@@ -5904,7 +5935,7 @@
           <a:p>
             <a:r>
               <a:rPr lang="en-US" dirty="0"/>
-              <a:t>TypeScript Lab</a:t>
+              <a:t>Architecture</a:t>
             </a:r>
           </a:p>
         </p:txBody>
@@ -5914,7 +5945,7 @@
           <p:cNvPr id="3" name="Content Placeholder 2">
             <a:extLst>
               <a:ext uri="{FF2B5EF4-FFF2-40B4-BE49-F238E27FC236}">
-                <a16:creationId xmlns:a16="http://schemas.microsoft.com/office/drawing/2014/main" id="{5F3A23A3-9E18-4532-A6F4-19777A76C4BD}"/>
+                <a16:creationId xmlns:a16="http://schemas.microsoft.com/office/drawing/2014/main" id="{1C07FCC3-ECB4-4F1A-B6E5-6D5CBAD6BA14}"/>
               </a:ext>
             </a:extLst>
           </p:cNvPr>
@@ -5930,14 +5961,56 @@
           <a:bodyPr/>
           <a:lstStyle/>
           <a:p>
-            <a:endParaRPr lang="en-US"/>
-          </a:p>
-        </p:txBody>
-      </p:sp>
+            <a:pPr marL="0" indent="0">
+              <a:buNone/>
+            </a:pPr>
+            <a:r>
+              <a:rPr lang="en-US" dirty="0"/>
+              <a:t>	</a:t>
+            </a:r>
+          </a:p>
+        </p:txBody>
+      </p:sp>
+      <p:pic>
+        <p:nvPicPr>
+          <p:cNvPr id="4" name="Picture 3">
+            <a:extLst>
+              <a:ext uri="{FF2B5EF4-FFF2-40B4-BE49-F238E27FC236}">
+                <a16:creationId xmlns:a16="http://schemas.microsoft.com/office/drawing/2014/main" id="{76461ED8-3C37-4FDC-9295-BAC12DB17081}"/>
+              </a:ext>
+            </a:extLst>
+          </p:cNvPr>
+          <p:cNvPicPr>
+            <a:picLocks noChangeAspect="1"/>
+          </p:cNvPicPr>
+          <p:nvPr/>
+        </p:nvPicPr>
+        <p:blipFill>
+          <a:blip r:embed="rId2">
+            <a:extLst>
+              <a:ext uri="{28A0092B-C50C-407E-A947-70E740481C1C}">
+                <a14:useLocalDpi xmlns:a14="http://schemas.microsoft.com/office/drawing/2010/main" val="0"/>
+              </a:ext>
+            </a:extLst>
+          </a:blip>
+          <a:stretch>
+            <a:fillRect/>
+          </a:stretch>
+        </p:blipFill>
+        <p:spPr>
+          <a:xfrm>
+            <a:off x="3941127" y="1964419"/>
+            <a:ext cx="6716062" cy="3410426"/>
+          </a:xfrm>
+          <a:prstGeom prst="rect">
+            <a:avLst/>
+          </a:prstGeom>
+        </p:spPr>
+      </p:pic>
     </p:spTree>
     <p:extLst>
       <p:ext uri="{BB962C8B-B14F-4D97-AF65-F5344CB8AC3E}">
-        <p14:creationId xmlns:p14="http://schemas.microsoft.com/office/powerpoint/2010/main" val="3391409840"/>
+        <p14:creationId xmlns:p14="http://schemas.microsoft.com/office/powerpoint/2010/main" val="1302101724"/>
       </p:ext>
     </p:extLst>
   </p:cSld>
@@ -5987,7 +6060,7 @@
           <a:p>
             <a:r>
               <a:rPr lang="en-US" dirty="0"/>
-              <a:t>JS Journey</a:t>
+              <a:t>JavaScript Journey</a:t>
             </a:r>
           </a:p>
         </p:txBody>
@@ -6010,15 +6083,202 @@
         </p:nvSpPr>
         <p:spPr/>
         <p:txBody>
-          <a:bodyPr/>
+          <a:bodyPr>
+            <a:normAutofit fontScale="55000" lnSpcReduction="20000"/>
+          </a:bodyPr>
           <a:lstStyle/>
           <a:p>
             <a:pPr marL="0" indent="0">
               <a:buNone/>
             </a:pPr>
             <a:r>
-              <a:rPr lang="en-US" dirty="0"/>
-              <a:t>“TypeScript is a typed superset of JavaScript compiled to JavaScript”</a:t>
+              <a:rPr lang="en-US" b="1" dirty="0"/>
+              <a:t>Brendan </a:t>
+            </a:r>
+            <a:r>
+              <a:rPr lang="en-US" b="1" dirty="0" err="1"/>
+              <a:t>Eich</a:t>
+            </a:r>
+            <a:r>
+              <a:rPr lang="en-US" b="1" dirty="0"/>
+              <a:t> of </a:t>
+            </a:r>
+            <a:r>
+              <a:rPr lang="en-US" dirty="0" err="1"/>
+              <a:t>NetScape</a:t>
+            </a:r>
+            <a:r>
+              <a:rPr lang="en-US" dirty="0"/>
+              <a:t> 1995; initially it was named </a:t>
+            </a:r>
+            <a:r>
+              <a:rPr lang="en-US" b="1" dirty="0"/>
+              <a:t>Mocha</a:t>
+            </a:r>
+            <a:r>
+              <a:rPr lang="en-US" dirty="0"/>
+              <a:t>, later renamed to </a:t>
+            </a:r>
+            <a:r>
+              <a:rPr lang="en-US" b="1" dirty="0" err="1"/>
+              <a:t>LiveScript</a:t>
+            </a:r>
+            <a:r>
+              <a:rPr lang="en-US" dirty="0"/>
+              <a:t>, and finally </a:t>
+            </a:r>
+            <a:r>
+              <a:rPr lang="en-US" b="1" dirty="0"/>
+              <a:t>JavaScript</a:t>
+            </a:r>
+            <a:r>
+              <a:rPr lang="en-US" dirty="0"/>
+              <a:t>.</a:t>
+            </a:r>
+          </a:p>
+          <a:p>
+            <a:pPr marL="0" indent="0">
+              <a:buNone/>
+            </a:pPr>
+            <a:r>
+              <a:rPr lang="en-US" b="1" dirty="0"/>
+              <a:t>1995</a:t>
+            </a:r>
+            <a:r>
+              <a:rPr lang="en-US" dirty="0"/>
+              <a:t> – Netscape passed JavaScript to the European Computer Manufacturers Association (</a:t>
+            </a:r>
+            <a:r>
+              <a:rPr lang="en-US" b="1" dirty="0"/>
+              <a:t>ECMA</a:t>
+            </a:r>
+            <a:r>
+              <a:rPr lang="en-US" dirty="0"/>
+              <a:t>) for standardization</a:t>
+            </a:r>
+          </a:p>
+          <a:p>
+            <a:pPr marL="0" indent="0">
+              <a:buNone/>
+            </a:pPr>
+            <a:r>
+              <a:rPr lang="en-US" b="1" dirty="0"/>
+              <a:t>1997</a:t>
+            </a:r>
+            <a:r>
+              <a:rPr lang="en-US" dirty="0"/>
+              <a:t> - the first standard version of JavaScript, ECMAScript 1, was released.</a:t>
+            </a:r>
+          </a:p>
+          <a:p>
+            <a:pPr marL="0" indent="0">
+              <a:buNone/>
+            </a:pPr>
+            <a:r>
+              <a:rPr lang="en-US" b="1" dirty="0"/>
+              <a:t>1998</a:t>
+            </a:r>
+            <a:r>
+              <a:rPr lang="en-US" dirty="0"/>
+              <a:t> - ECMAScript 2 was released the next year, with minimal changes to the previous version to keep up with the ISO standard for the language.</a:t>
+            </a:r>
+          </a:p>
+          <a:p>
+            <a:pPr marL="0" indent="0">
+              <a:buNone/>
+            </a:pPr>
+            <a:r>
+              <a:rPr lang="en-US" b="1" dirty="0"/>
+              <a:t>1999 - </a:t>
+            </a:r>
+            <a:r>
+              <a:rPr lang="en-US" dirty="0"/>
+              <a:t>ECMAScript 3 was released with introduction of the language’s regular expression and exception handling features.</a:t>
+            </a:r>
+          </a:p>
+          <a:p>
+            <a:pPr marL="0" indent="0">
+              <a:buNone/>
+            </a:pPr>
+            <a:r>
+              <a:rPr lang="en-US" b="1" dirty="0"/>
+              <a:t>2003</a:t>
+            </a:r>
+            <a:r>
+              <a:rPr lang="en-US" dirty="0"/>
+              <a:t> - ECMAScript 4 was abandoned</a:t>
+            </a:r>
+          </a:p>
+          <a:p>
+            <a:pPr marL="0" indent="0">
+              <a:buNone/>
+            </a:pPr>
+            <a:r>
+              <a:rPr lang="en-US" b="1" dirty="0"/>
+              <a:t>2009 - </a:t>
+            </a:r>
+            <a:r>
+              <a:rPr lang="en-US" dirty="0"/>
+              <a:t>ECMAScript 5 and came with lots of new features including </a:t>
+            </a:r>
+            <a:r>
+              <a:rPr lang="en-US" b="1" dirty="0"/>
+              <a:t>support for the parsing of JSON files</a:t>
+            </a:r>
+            <a:r>
+              <a:rPr lang="en-US" dirty="0"/>
+              <a:t>.</a:t>
+            </a:r>
+          </a:p>
+          <a:p>
+            <a:pPr marL="0" indent="0">
+              <a:buNone/>
+            </a:pPr>
+            <a:r>
+              <a:rPr lang="en-US" b="1" dirty="0"/>
+              <a:t>2009</a:t>
+            </a:r>
+            <a:r>
+              <a:rPr lang="en-US" dirty="0"/>
+              <a:t> - </a:t>
+            </a:r>
+            <a:r>
+              <a:rPr lang="en-US" dirty="0" err="1"/>
+              <a:t>commonJS</a:t>
+            </a:r>
+            <a:r>
+              <a:rPr lang="en-US" dirty="0"/>
+              <a:t> project is created</a:t>
+            </a:r>
+          </a:p>
+          <a:p>
+            <a:pPr marL="0" indent="0">
+              <a:buNone/>
+            </a:pPr>
+            <a:r>
+              <a:rPr lang="en-US" b="1" dirty="0"/>
+              <a:t>2015 - ECMAScript 6 </a:t>
+            </a:r>
+            <a:r>
+              <a:rPr lang="en-US" dirty="0"/>
+              <a:t>was renamed to </a:t>
+            </a:r>
+            <a:r>
+              <a:rPr lang="en-US" b="1" dirty="0"/>
+              <a:t>ECMAScript 2015 (ES2015)</a:t>
+            </a:r>
+            <a:r>
+              <a:rPr lang="en-US" dirty="0"/>
+              <a:t>, and this naming pattern has continued for the latest releases of the JavaScript standard. Every year June month the standards are released. </a:t>
+            </a:r>
+          </a:p>
+          <a:p>
+            <a:pPr marL="0" indent="0">
+              <a:buNone/>
+            </a:pPr>
+            <a:r>
+              <a:rPr lang="en-US" dirty="0"/>
+              <a:t>Currently Standard ES2020 is approved.</a:t>
             </a:r>
           </a:p>
           <a:p>
@@ -6031,85 +6291,50 @@
             <a:pPr marL="0" indent="0">
               <a:buNone/>
             </a:pPr>
+            <a:r>
+              <a:rPr lang="en-US" dirty="0">
+                <a:hlinkClick r:id="rId2"/>
+              </a:rPr>
+              <a:t>https://en.wikipedia.org/wiki/ECMAScript</a:t>
+            </a:r>
             <a:endParaRPr lang="en-US" dirty="0"/>
           </a:p>
-        </p:txBody>
-      </p:sp>
-      <p:pic>
-        <p:nvPicPr>
-          <p:cNvPr id="6" name="Picture 5">
-            <a:extLst>
-              <a:ext uri="{FF2B5EF4-FFF2-40B4-BE49-F238E27FC236}">
-                <a16:creationId xmlns:a16="http://schemas.microsoft.com/office/drawing/2014/main" id="{C8EB5858-78AC-4258-B15D-391A701CA594}"/>
-              </a:ext>
-            </a:extLst>
-          </p:cNvPr>
-          <p:cNvPicPr>
-            <a:picLocks noChangeAspect="1"/>
-          </p:cNvPicPr>
-          <p:nvPr/>
-        </p:nvPicPr>
-        <p:blipFill>
-          <a:blip r:embed="rId2">
-            <a:extLst>
-              <a:ext uri="{28A0092B-C50C-407E-A947-70E740481C1C}">
-                <a14:useLocalDpi xmlns:a14="http://schemas.microsoft.com/office/drawing/2010/main" val="0"/>
-              </a:ext>
-            </a:extLst>
-          </a:blip>
-          <a:stretch>
-            <a:fillRect/>
-          </a:stretch>
-        </p:blipFill>
-        <p:spPr>
-          <a:xfrm>
-            <a:off x="737073" y="2833604"/>
-            <a:ext cx="11605956" cy="1829438"/>
-          </a:xfrm>
-          <a:prstGeom prst="rect">
-            <a:avLst/>
-          </a:prstGeom>
-        </p:spPr>
-      </p:pic>
-      <p:sp>
-        <p:nvSpPr>
-          <p:cNvPr id="7" name="Rectangle 6">
-            <a:extLst>
-              <a:ext uri="{FF2B5EF4-FFF2-40B4-BE49-F238E27FC236}">
-                <a16:creationId xmlns:a16="http://schemas.microsoft.com/office/drawing/2014/main" id="{A63E22FA-64FC-48E2-A5A4-A2FE21A57CF7}"/>
-              </a:ext>
-            </a:extLst>
-          </p:cNvPr>
-          <p:cNvSpPr/>
-          <p:nvPr/>
-        </p:nvSpPr>
-        <p:spPr>
-          <a:xfrm>
-            <a:off x="1214069" y="4663042"/>
-            <a:ext cx="4437882" cy="369332"/>
-          </a:xfrm>
-          <a:prstGeom prst="rect">
-            <a:avLst/>
-          </a:prstGeom>
-        </p:spPr>
-        <p:txBody>
-          <a:bodyPr wrap="none">
-            <a:spAutoFit/>
-          </a:bodyPr>
-          <a:lstStyle/>
-          <a:p>
-            <a:r>
-              <a:rPr lang="en-US" dirty="0"/>
-              <a:t>JS is </a:t>
-            </a:r>
-            <a:r>
-              <a:rPr lang="en-US" dirty="0" err="1"/>
-              <a:t>everwhere</a:t>
-            </a:r>
-            <a:r>
-              <a:rPr lang="en-US" dirty="0"/>
-              <a:t> and huge amount of libraries </a:t>
-            </a:r>
+          <a:p>
+            <a:pPr marL="0" indent="0">
+              <a:buNone/>
+            </a:pPr>
+            <a:endParaRPr lang="en-US" dirty="0"/>
+          </a:p>
+          <a:p>
+            <a:pPr marL="0" indent="0">
+              <a:buNone/>
+            </a:pPr>
+            <a:r>
+              <a:rPr lang="en-US" dirty="0"/>
+              <a:t>An</a:t>
+            </a:r>
+            <a:r>
+              <a:rPr lang="en-US" sz="2900" dirty="0"/>
+              <a:t>d “JavaScript is every where”</a:t>
+            </a:r>
+          </a:p>
+          <a:p>
+            <a:pPr marL="0" indent="0">
+              <a:buNone/>
+            </a:pPr>
+            <a:endParaRPr lang="en-US" dirty="0"/>
+          </a:p>
+          <a:p>
+            <a:pPr marL="0" indent="0">
+              <a:buNone/>
+            </a:pPr>
+            <a:endParaRPr lang="en-US" dirty="0"/>
+          </a:p>
+          <a:p>
+            <a:pPr marL="0" indent="0">
+              <a:buNone/>
+            </a:pPr>
+            <a:endParaRPr lang="en-US" dirty="0"/>
           </a:p>
         </p:txBody>
       </p:sp>
@@ -6148,7 +6373,7 @@
           <p:cNvPr id="2" name="Title 1">
             <a:extLst>
               <a:ext uri="{FF2B5EF4-FFF2-40B4-BE49-F238E27FC236}">
-                <a16:creationId xmlns:a16="http://schemas.microsoft.com/office/drawing/2014/main" id="{98C30922-1452-42C1-B5E8-E81F16DDC1F9}"/>
+                <a16:creationId xmlns:a16="http://schemas.microsoft.com/office/drawing/2014/main" id="{93D9955C-5C13-4A36-A65C-2A65273BC0A3}"/>
               </a:ext>
             </a:extLst>
           </p:cNvPr>
@@ -6165,85 +6390,299 @@
           <a:lstStyle/>
           <a:p>
             <a:r>
+              <a:rPr lang="en-US" dirty="0"/>
+              <a:t>Angular CLI</a:t>
+            </a:r>
+          </a:p>
+        </p:txBody>
+      </p:sp>
+      <p:sp>
+        <p:nvSpPr>
+          <p:cNvPr id="3" name="Content Placeholder 2">
+            <a:extLst>
+              <a:ext uri="{FF2B5EF4-FFF2-40B4-BE49-F238E27FC236}">
+                <a16:creationId xmlns:a16="http://schemas.microsoft.com/office/drawing/2014/main" id="{62999CFD-6E5B-412E-AB01-28A209ECF4E4}"/>
+              </a:ext>
+            </a:extLst>
+          </p:cNvPr>
+          <p:cNvSpPr>
+            <a:spLocks noGrp="1"/>
+          </p:cNvSpPr>
+          <p:nvPr>
+            <p:ph idx="1"/>
+          </p:nvPr>
+        </p:nvSpPr>
+        <p:spPr/>
+        <p:txBody>
+          <a:bodyPr>
+            <a:normAutofit fontScale="40000" lnSpcReduction="20000"/>
+          </a:bodyPr>
+          <a:lstStyle/>
+          <a:p>
+            <a:r>
+              <a:rPr lang="en-US" b="1" dirty="0"/>
+              <a:t>analytics</a:t>
+            </a:r>
+            <a:r>
+              <a:rPr lang="en-US" dirty="0"/>
+              <a:t> Configures the gathering of Angular CLI usage metrics. See </a:t>
+            </a:r>
+            <a:r>
+              <a:rPr lang="en-US" dirty="0">
+                <a:hlinkClick r:id="rId2"/>
+              </a:rPr>
+              <a:t>https://angular.io/cli/usage-analytics-gathering</a:t>
+            </a:r>
+            <a:r>
+              <a:rPr lang="en-US" dirty="0"/>
+              <a:t>.</a:t>
+            </a:r>
+          </a:p>
+          <a:p>
+            <a:r>
+              <a:rPr lang="en-US" dirty="0"/>
+              <a:t> </a:t>
+            </a:r>
+            <a:r>
+              <a:rPr lang="en-US" b="1" dirty="0"/>
+              <a:t>build</a:t>
+            </a:r>
+            <a:r>
+              <a:rPr lang="en-US" dirty="0"/>
+              <a:t> (b) Compiles an Angular app into an output directory named </a:t>
+            </a:r>
+            <a:r>
               <a:rPr lang="en-US" dirty="0" err="1"/>
-              <a:t>ARchitecture</a:t>
+              <a:t>dist</a:t>
+            </a:r>
+            <a:r>
+              <a:rPr lang="en-US" dirty="0"/>
+              <a:t>/ at the given output path. Must be executed from within a workspace directory.</a:t>
+            </a:r>
+          </a:p>
+          <a:p>
+            <a:r>
+              <a:rPr lang="en-US" dirty="0"/>
+              <a:t> </a:t>
+            </a:r>
+            <a:r>
+              <a:rPr lang="en-US" b="1" dirty="0"/>
+              <a:t>deploy</a:t>
+            </a:r>
+            <a:r>
+              <a:rPr lang="en-US" dirty="0"/>
+              <a:t> Invokes the deploy builder for a specified project or for the default project in the workspace.</a:t>
+            </a:r>
+          </a:p>
+          <a:p>
+            <a:r>
+              <a:rPr lang="en-US" dirty="0"/>
+              <a:t> </a:t>
+            </a:r>
+            <a:r>
+              <a:rPr lang="en-US" b="1" dirty="0"/>
+              <a:t>config</a:t>
+            </a:r>
+            <a:r>
+              <a:rPr lang="en-US" dirty="0"/>
+              <a:t> Retrieves or sets Angular configuration values in the </a:t>
+            </a:r>
+            <a:r>
+              <a:rPr lang="en-US" dirty="0" err="1"/>
+              <a:t>angular.json</a:t>
+            </a:r>
+            <a:r>
+              <a:rPr lang="en-US" dirty="0"/>
+              <a:t> file for the workspace.</a:t>
+            </a:r>
+          </a:p>
+          <a:p>
+            <a:r>
+              <a:rPr lang="en-US" dirty="0"/>
+              <a:t> </a:t>
+            </a:r>
+            <a:r>
+              <a:rPr lang="en-US" b="1" dirty="0"/>
+              <a:t>doc</a:t>
+            </a:r>
+            <a:r>
+              <a:rPr lang="en-US" dirty="0"/>
+              <a:t> (d) Opens the official Angular documentation (angular.io) in a browser, and searches for a given keyword.</a:t>
+            </a:r>
+          </a:p>
+          <a:p>
+            <a:r>
+              <a:rPr lang="en-US" dirty="0"/>
+              <a:t>  </a:t>
+            </a:r>
+            <a:r>
+              <a:rPr lang="en-US" b="1" dirty="0"/>
+              <a:t>e2e</a:t>
+            </a:r>
+            <a:r>
+              <a:rPr lang="en-US" dirty="0"/>
+              <a:t> (e) Builds and serves an Angular app, then runs end-to-end tests using Protractor.</a:t>
+            </a:r>
+          </a:p>
+          <a:p>
+            <a:r>
+              <a:rPr lang="en-US" dirty="0"/>
+              <a:t>  </a:t>
+            </a:r>
+            <a:r>
+              <a:rPr lang="en-US" b="1" dirty="0"/>
+              <a:t>generate</a:t>
+            </a:r>
+            <a:r>
+              <a:rPr lang="en-US" dirty="0"/>
+              <a:t> (g) Generates and/or modifies files based on a schematic.</a:t>
+            </a:r>
+          </a:p>
+          <a:p>
+            <a:r>
+              <a:rPr lang="en-US" dirty="0"/>
+              <a:t>  </a:t>
+            </a:r>
+            <a:r>
+              <a:rPr lang="en-US" b="1" dirty="0"/>
+              <a:t>help</a:t>
+            </a:r>
+            <a:r>
+              <a:rPr lang="en-US" dirty="0"/>
+              <a:t> Lists available commands and their short descriptions.</a:t>
+            </a:r>
+          </a:p>
+          <a:p>
+            <a:r>
+              <a:rPr lang="en-US" dirty="0"/>
+              <a:t>  </a:t>
+            </a:r>
+            <a:r>
+              <a:rPr lang="en-US" b="1" dirty="0"/>
+              <a:t>lint</a:t>
+            </a:r>
+            <a:r>
+              <a:rPr lang="en-US" dirty="0"/>
+              <a:t> (l) Runs linting tools on Angular app code in a given project folder.</a:t>
+            </a:r>
+          </a:p>
+          <a:p>
+            <a:r>
+              <a:rPr lang="en-US" dirty="0"/>
+              <a:t>  </a:t>
+            </a:r>
+            <a:r>
+              <a:rPr lang="en-US" b="1" dirty="0"/>
+              <a:t>new</a:t>
+            </a:r>
+            <a:r>
+              <a:rPr lang="en-US" dirty="0"/>
+              <a:t> (n) Creates a new workspace and an initial Angular app.</a:t>
+            </a:r>
+          </a:p>
+          <a:p>
+            <a:r>
+              <a:rPr lang="en-US" dirty="0"/>
+              <a:t>  </a:t>
+            </a:r>
+            <a:r>
+              <a:rPr lang="en-US" b="1" dirty="0"/>
+              <a:t>run</a:t>
+            </a:r>
+            <a:r>
+              <a:rPr lang="en-US" dirty="0"/>
+              <a:t> Runs an Architect target with an optional custom builder configuration defined in your project.</a:t>
+            </a:r>
+          </a:p>
+          <a:p>
+            <a:r>
+              <a:rPr lang="en-US" dirty="0"/>
+              <a:t>  </a:t>
+            </a:r>
+            <a:r>
+              <a:rPr lang="en-US" b="1" dirty="0"/>
+              <a:t>serve</a:t>
+            </a:r>
+            <a:r>
+              <a:rPr lang="en-US" dirty="0"/>
+              <a:t> (s) Builds and serves your app, rebuilding on file changes.</a:t>
+            </a:r>
+          </a:p>
+          <a:p>
+            <a:r>
+              <a:rPr lang="en-US" dirty="0"/>
+              <a:t>  </a:t>
+            </a:r>
+            <a:r>
+              <a:rPr lang="en-US" b="1" dirty="0"/>
+              <a:t>test</a:t>
+            </a:r>
+            <a:r>
+              <a:rPr lang="en-US" dirty="0"/>
+              <a:t> (t) Runs unit tests in a project.</a:t>
+            </a:r>
+          </a:p>
+          <a:p>
+            <a:r>
+              <a:rPr lang="en-US" dirty="0"/>
+              <a:t>  </a:t>
+            </a:r>
+            <a:r>
+              <a:rPr lang="en-US" b="1" dirty="0"/>
+              <a:t>update</a:t>
+            </a:r>
+            <a:r>
+              <a:rPr lang="en-US" dirty="0"/>
+              <a:t> Updates your application and its dependencies. See </a:t>
+            </a:r>
+            <a:r>
+              <a:rPr lang="en-US" dirty="0">
+                <a:hlinkClick r:id="rId3"/>
+              </a:rPr>
+              <a:t>https://update.angular.io/</a:t>
             </a:r>
             <a:endParaRPr lang="en-US" dirty="0"/>
           </a:p>
-        </p:txBody>
-      </p:sp>
-      <p:sp>
-        <p:nvSpPr>
-          <p:cNvPr id="3" name="Content Placeholder 2">
-            <a:extLst>
-              <a:ext uri="{FF2B5EF4-FFF2-40B4-BE49-F238E27FC236}">
-                <a16:creationId xmlns:a16="http://schemas.microsoft.com/office/drawing/2014/main" id="{1C07FCC3-ECB4-4F1A-B6E5-6D5CBAD6BA14}"/>
-              </a:ext>
-            </a:extLst>
-          </p:cNvPr>
-          <p:cNvSpPr>
-            <a:spLocks noGrp="1"/>
-          </p:cNvSpPr>
-          <p:nvPr>
-            <p:ph idx="1"/>
-          </p:nvPr>
-        </p:nvSpPr>
-        <p:spPr/>
-        <p:txBody>
-          <a:bodyPr/>
-          <a:lstStyle/>
-          <a:p>
-            <a:r>
-              <a:rPr lang="en-US" dirty="0" err="1"/>
-              <a:t>Architecure</a:t>
-            </a:r>
-            <a:r>
-              <a:rPr lang="en-US" dirty="0"/>
-              <a:t> 	</a:t>
-            </a:r>
-          </a:p>
-        </p:txBody>
-      </p:sp>
-      <p:pic>
-        <p:nvPicPr>
-          <p:cNvPr id="4" name="Picture 3">
-            <a:extLst>
-              <a:ext uri="{FF2B5EF4-FFF2-40B4-BE49-F238E27FC236}">
-                <a16:creationId xmlns:a16="http://schemas.microsoft.com/office/drawing/2014/main" id="{76461ED8-3C37-4FDC-9295-BAC12DB17081}"/>
-              </a:ext>
-            </a:extLst>
-          </p:cNvPr>
-          <p:cNvPicPr>
-            <a:picLocks noChangeAspect="1"/>
-          </p:cNvPicPr>
-          <p:nvPr/>
-        </p:nvPicPr>
-        <p:blipFill>
-          <a:blip r:embed="rId2">
-            <a:extLst>
-              <a:ext uri="{28A0092B-C50C-407E-A947-70E740481C1C}">
-                <a14:useLocalDpi xmlns:a14="http://schemas.microsoft.com/office/drawing/2010/main" val="0"/>
-              </a:ext>
-            </a:extLst>
-          </a:blip>
-          <a:stretch>
-            <a:fillRect/>
-          </a:stretch>
-        </p:blipFill>
-        <p:spPr>
-          <a:xfrm>
-            <a:off x="4374264" y="2606103"/>
-            <a:ext cx="6716062" cy="3410426"/>
-          </a:xfrm>
-          <a:prstGeom prst="rect">
-            <a:avLst/>
-          </a:prstGeom>
-        </p:spPr>
-      </p:pic>
+          <a:p>
+            <a:r>
+              <a:rPr lang="en-US" dirty="0"/>
+              <a:t>  </a:t>
+            </a:r>
+            <a:r>
+              <a:rPr lang="en-US" b="1" dirty="0"/>
+              <a:t>version</a:t>
+            </a:r>
+            <a:r>
+              <a:rPr lang="en-US" dirty="0"/>
+              <a:t> (v) Outputs Angular CLI version.</a:t>
+            </a:r>
+          </a:p>
+          <a:p>
+            <a:r>
+              <a:rPr lang="en-US" dirty="0"/>
+              <a:t>  </a:t>
+            </a:r>
+            <a:r>
+              <a:rPr lang="en-US" b="1" dirty="0"/>
+              <a:t>xi18n</a:t>
+            </a:r>
+            <a:r>
+              <a:rPr lang="en-US" dirty="0"/>
+              <a:t> (i18n-extract) Extracts i18n messages from source code.</a:t>
+            </a:r>
+          </a:p>
+          <a:p>
+            <a:pPr marL="0" indent="0">
+              <a:buNone/>
+            </a:pPr>
+            <a:endParaRPr lang="en-US" dirty="0"/>
+          </a:p>
+        </p:txBody>
+      </p:sp>
     </p:spTree>
     <p:extLst>
       <p:ext uri="{BB962C8B-B14F-4D97-AF65-F5344CB8AC3E}">
-        <p14:creationId xmlns:p14="http://schemas.microsoft.com/office/powerpoint/2010/main" val="1302101724"/>
+        <p14:creationId xmlns:p14="http://schemas.microsoft.com/office/powerpoint/2010/main" val="2246730008"/>
       </p:ext>
     </p:extLst>
   </p:cSld>
@@ -6275,7 +6714,7 @@
           <p:cNvPr id="2" name="Title 1">
             <a:extLst>
               <a:ext uri="{FF2B5EF4-FFF2-40B4-BE49-F238E27FC236}">
-                <a16:creationId xmlns:a16="http://schemas.microsoft.com/office/drawing/2014/main" id="{3B958A1C-0E49-4767-A728-F05EE8D59B50}"/>
+                <a16:creationId xmlns:a16="http://schemas.microsoft.com/office/drawing/2014/main" id="{3C139F73-CE1B-4F11-A35C-1EB8612E6672}"/>
               </a:ext>
             </a:extLst>
           </p:cNvPr>
@@ -6293,314 +6732,86 @@
           <a:p>
             <a:r>
               <a:rPr lang="en-US" dirty="0"/>
-              <a:t>Features &amp; Benefits</a:t>
-            </a:r>
-          </a:p>
-        </p:txBody>
-      </p:sp>
-      <p:sp>
-        <p:nvSpPr>
-          <p:cNvPr id="3" name="Content Placeholder 2">
-            <a:extLst>
-              <a:ext uri="{FF2B5EF4-FFF2-40B4-BE49-F238E27FC236}">
-                <a16:creationId xmlns:a16="http://schemas.microsoft.com/office/drawing/2014/main" id="{5D893A7D-83EC-44A3-8905-3C7F4F5E57D7}"/>
-              </a:ext>
-            </a:extLst>
-          </p:cNvPr>
-          <p:cNvSpPr>
-            <a:spLocks noGrp="1"/>
-          </p:cNvSpPr>
+              <a:t>Compilation	</a:t>
+            </a:r>
+          </a:p>
+        </p:txBody>
+      </p:sp>
+      <p:pic>
+        <p:nvPicPr>
+          <p:cNvPr id="5" name="Content Placeholder 4">
+            <a:extLst>
+              <a:ext uri="{FF2B5EF4-FFF2-40B4-BE49-F238E27FC236}">
+                <a16:creationId xmlns:a16="http://schemas.microsoft.com/office/drawing/2014/main" id="{54B18D31-691E-4C8B-AD1C-7BAB9B73B2EB}"/>
+              </a:ext>
+            </a:extLst>
+          </p:cNvPr>
+          <p:cNvPicPr>
+            <a:picLocks noGrp="1" noChangeAspect="1"/>
+          </p:cNvPicPr>
           <p:nvPr>
             <p:ph idx="1"/>
           </p:nvPr>
-        </p:nvSpPr>
-        <p:spPr/>
-        <p:txBody>
-          <a:bodyPr>
-            <a:normAutofit fontScale="40000" lnSpcReduction="20000"/>
-          </a:bodyPr>
-          <a:lstStyle/>
-          <a:p>
-            <a:pPr marL="0" indent="0">
-              <a:spcBef>
-                <a:spcPts val="700"/>
-              </a:spcBef>
-              <a:spcAft>
-                <a:spcPts val="0"/>
-              </a:spcAft>
-              <a:buNone/>
-            </a:pPr>
-            <a:r>
-              <a:rPr lang="en-US" dirty="0">
-                <a:solidFill>
-                  <a:srgbClr val="1976D2"/>
-                </a:solidFill>
-                <a:latin typeface="Roboto"/>
-              </a:rPr>
-              <a:t>CROSS PLATFORM</a:t>
-            </a:r>
-          </a:p>
-          <a:p>
-            <a:pPr>
-              <a:spcBef>
-                <a:spcPts val="600"/>
-              </a:spcBef>
-              <a:spcAft>
-                <a:spcPts val="600"/>
-              </a:spcAft>
-            </a:pPr>
-            <a:r>
-              <a:rPr lang="en-US" dirty="0">
-                <a:latin typeface="Roboto"/>
-              </a:rPr>
-              <a:t>Progressive Web Apps</a:t>
-            </a:r>
-          </a:p>
-          <a:p>
-            <a:pPr>
-              <a:spcBef>
-                <a:spcPts val="600"/>
-              </a:spcBef>
-              <a:spcAft>
-                <a:spcPts val="600"/>
-              </a:spcAft>
-            </a:pPr>
-            <a:r>
-              <a:rPr lang="en-US" dirty="0">
-                <a:latin typeface="Roboto"/>
-              </a:rPr>
-              <a:t>Native</a:t>
-            </a:r>
-          </a:p>
-          <a:p>
-            <a:pPr>
-              <a:spcBef>
-                <a:spcPts val="600"/>
-              </a:spcBef>
-              <a:spcAft>
-                <a:spcPts val="600"/>
-              </a:spcAft>
-            </a:pPr>
-            <a:r>
-              <a:rPr lang="en-US" dirty="0">
-                <a:latin typeface="Roboto"/>
-              </a:rPr>
-              <a:t>Desktop</a:t>
-            </a:r>
-          </a:p>
-          <a:p>
-            <a:pPr marL="0" indent="0">
-              <a:spcBef>
-                <a:spcPts val="700"/>
-              </a:spcBef>
-              <a:spcAft>
-                <a:spcPts val="0"/>
-              </a:spcAft>
-              <a:buNone/>
-            </a:pPr>
-            <a:r>
-              <a:rPr lang="en-US" dirty="0">
-                <a:solidFill>
-                  <a:srgbClr val="1976D2"/>
-                </a:solidFill>
-                <a:latin typeface="Roboto"/>
-              </a:rPr>
-              <a:t>SPEED AND PERFORMANCE</a:t>
-            </a:r>
-          </a:p>
-          <a:p>
-            <a:pPr>
-              <a:spcBef>
-                <a:spcPts val="600"/>
-              </a:spcBef>
-              <a:spcAft>
-                <a:spcPts val="600"/>
-              </a:spcAft>
-            </a:pPr>
-            <a:r>
-              <a:rPr lang="en-US" dirty="0">
-                <a:latin typeface="Roboto"/>
-              </a:rPr>
-              <a:t>Code Generation</a:t>
-            </a:r>
-          </a:p>
-          <a:p>
-            <a:pPr>
-              <a:spcBef>
-                <a:spcPts val="600"/>
-              </a:spcBef>
-              <a:spcAft>
-                <a:spcPts val="600"/>
-              </a:spcAft>
-            </a:pPr>
-            <a:r>
-              <a:rPr lang="en-US" dirty="0">
-                <a:latin typeface="Roboto"/>
-              </a:rPr>
-              <a:t>Universal</a:t>
-            </a:r>
-          </a:p>
-          <a:p>
-            <a:pPr>
-              <a:spcBef>
-                <a:spcPts val="600"/>
-              </a:spcBef>
-              <a:spcAft>
-                <a:spcPts val="600"/>
-              </a:spcAft>
-            </a:pPr>
-            <a:r>
-              <a:rPr lang="en-US" dirty="0">
-                <a:latin typeface="Roboto"/>
-              </a:rPr>
-              <a:t>Code Splitting</a:t>
-            </a:r>
-          </a:p>
-          <a:p>
-            <a:pPr marL="0" indent="0">
-              <a:spcBef>
-                <a:spcPts val="700"/>
-              </a:spcBef>
-              <a:spcAft>
-                <a:spcPts val="0"/>
-              </a:spcAft>
-              <a:buNone/>
-            </a:pPr>
-            <a:r>
-              <a:rPr lang="en-US" dirty="0">
-                <a:solidFill>
-                  <a:srgbClr val="1976D2"/>
-                </a:solidFill>
-                <a:latin typeface="Roboto"/>
-              </a:rPr>
-              <a:t>PRODUCTIVITY</a:t>
-            </a:r>
-          </a:p>
-          <a:p>
-            <a:pPr>
-              <a:spcBef>
-                <a:spcPts val="600"/>
-              </a:spcBef>
-              <a:spcAft>
-                <a:spcPts val="600"/>
-              </a:spcAft>
-            </a:pPr>
-            <a:r>
-              <a:rPr lang="en-US" dirty="0">
-                <a:latin typeface="Roboto"/>
-              </a:rPr>
-              <a:t>Templates</a:t>
-            </a:r>
-          </a:p>
-          <a:p>
-            <a:pPr>
-              <a:spcBef>
-                <a:spcPts val="600"/>
-              </a:spcBef>
-              <a:spcAft>
-                <a:spcPts val="600"/>
-              </a:spcAft>
-            </a:pPr>
-            <a:r>
-              <a:rPr lang="en-US" dirty="0">
-                <a:latin typeface="Roboto"/>
-              </a:rPr>
-              <a:t>Angular CLI</a:t>
-            </a:r>
-          </a:p>
-          <a:p>
-            <a:pPr>
-              <a:spcBef>
-                <a:spcPts val="600"/>
-              </a:spcBef>
-              <a:spcAft>
-                <a:spcPts val="600"/>
-              </a:spcAft>
-            </a:pPr>
-            <a:r>
-              <a:rPr lang="en-US" dirty="0">
-                <a:latin typeface="Roboto"/>
-              </a:rPr>
-              <a:t>IDEs</a:t>
-            </a:r>
-          </a:p>
-          <a:p>
-            <a:pPr marL="0" indent="0">
-              <a:spcBef>
-                <a:spcPts val="700"/>
-              </a:spcBef>
-              <a:spcAft>
-                <a:spcPts val="0"/>
-              </a:spcAft>
-              <a:buNone/>
-            </a:pPr>
-            <a:r>
-              <a:rPr lang="en-US" dirty="0">
-                <a:solidFill>
-                  <a:srgbClr val="1976D2"/>
-                </a:solidFill>
-                <a:latin typeface="Roboto"/>
-              </a:rPr>
-              <a:t>FULL DEVELOPMENT STORY</a:t>
-            </a:r>
-          </a:p>
-          <a:p>
-            <a:pPr>
-              <a:spcBef>
-                <a:spcPts val="600"/>
-              </a:spcBef>
-              <a:spcAft>
-                <a:spcPts val="600"/>
-              </a:spcAft>
-            </a:pPr>
-            <a:r>
-              <a:rPr lang="en-US" dirty="0">
-                <a:latin typeface="Roboto"/>
-              </a:rPr>
-              <a:t>Testing</a:t>
-            </a:r>
-          </a:p>
-          <a:p>
-            <a:pPr>
-              <a:spcBef>
-                <a:spcPts val="600"/>
-              </a:spcBef>
-              <a:spcAft>
-                <a:spcPts val="600"/>
-              </a:spcAft>
-            </a:pPr>
-            <a:r>
-              <a:rPr lang="en-US" dirty="0">
-                <a:latin typeface="Roboto"/>
-              </a:rPr>
-              <a:t>Animation</a:t>
-            </a:r>
-          </a:p>
-          <a:p>
-            <a:pPr>
-              <a:spcBef>
-                <a:spcPts val="600"/>
-              </a:spcBef>
-              <a:spcAft>
-                <a:spcPts val="600"/>
-              </a:spcAft>
-            </a:pPr>
-            <a:r>
-              <a:rPr lang="en-US" dirty="0">
-                <a:latin typeface="Roboto"/>
-              </a:rPr>
-              <a:t>Accessibility</a:t>
-            </a:r>
-          </a:p>
-          <a:p>
-            <a:endParaRPr lang="en-US" dirty="0"/>
-          </a:p>
-        </p:txBody>
-      </p:sp>
+        </p:nvPicPr>
+        <p:blipFill>
+          <a:blip r:embed="rId2">
+            <a:extLst>
+              <a:ext uri="{28A0092B-C50C-407E-A947-70E740481C1C}">
+                <a14:useLocalDpi xmlns:a14="http://schemas.microsoft.com/office/drawing/2010/main" val="0"/>
+              </a:ext>
+            </a:extLst>
+          </a:blip>
+          <a:stretch>
+            <a:fillRect/>
+          </a:stretch>
+        </p:blipFill>
+        <p:spPr>
+          <a:xfrm>
+            <a:off x="1032976" y="1999860"/>
+            <a:ext cx="3372321" cy="2591162"/>
+          </a:xfrm>
+        </p:spPr>
+      </p:pic>
+      <p:pic>
+        <p:nvPicPr>
+          <p:cNvPr id="7" name="Picture 6">
+            <a:extLst>
+              <a:ext uri="{FF2B5EF4-FFF2-40B4-BE49-F238E27FC236}">
+                <a16:creationId xmlns:a16="http://schemas.microsoft.com/office/drawing/2014/main" id="{4449AD68-8443-44DB-8EAF-007CC186524F}"/>
+              </a:ext>
+            </a:extLst>
+          </p:cNvPr>
+          <p:cNvPicPr>
+            <a:picLocks noChangeAspect="1"/>
+          </p:cNvPicPr>
+          <p:nvPr/>
+        </p:nvPicPr>
+        <p:blipFill>
+          <a:blip r:embed="rId3">
+            <a:extLst>
+              <a:ext uri="{28A0092B-C50C-407E-A947-70E740481C1C}">
+                <a14:useLocalDpi xmlns:a14="http://schemas.microsoft.com/office/drawing/2010/main" val="0"/>
+              </a:ext>
+            </a:extLst>
+          </a:blip>
+          <a:stretch>
+            <a:fillRect/>
+          </a:stretch>
+        </p:blipFill>
+        <p:spPr>
+          <a:xfrm>
+            <a:off x="4466997" y="1880971"/>
+            <a:ext cx="3258005" cy="3096057"/>
+          </a:xfrm>
+          <a:prstGeom prst="rect">
+            <a:avLst/>
+          </a:prstGeom>
+        </p:spPr>
+      </p:pic>
     </p:spTree>
     <p:extLst>
       <p:ext uri="{BB962C8B-B14F-4D97-AF65-F5344CB8AC3E}">
-        <p14:creationId xmlns:p14="http://schemas.microsoft.com/office/powerpoint/2010/main" val="1513118307"/>
+        <p14:creationId xmlns:p14="http://schemas.microsoft.com/office/powerpoint/2010/main" val="3153811046"/>
       </p:ext>
     </p:extLst>
   </p:cSld>
@@ -6632,7 +6843,7 @@
           <p:cNvPr id="2" name="Title 1">
             <a:extLst>
               <a:ext uri="{FF2B5EF4-FFF2-40B4-BE49-F238E27FC236}">
-                <a16:creationId xmlns:a16="http://schemas.microsoft.com/office/drawing/2014/main" id="{93D9955C-5C13-4A36-A65C-2A65273BC0A3}"/>
+                <a16:creationId xmlns:a16="http://schemas.microsoft.com/office/drawing/2014/main" id="{5AAC673F-FA3D-4744-97FE-6EA78BAD0236}"/>
               </a:ext>
             </a:extLst>
           </p:cNvPr>
@@ -6650,40 +6861,64 @@
           <a:p>
             <a:r>
               <a:rPr lang="en-US" dirty="0"/>
-              <a:t>Angular CLI</a:t>
-            </a:r>
-          </a:p>
-        </p:txBody>
-      </p:sp>
-      <p:sp>
-        <p:nvSpPr>
-          <p:cNvPr id="3" name="Content Placeholder 2">
-            <a:extLst>
-              <a:ext uri="{FF2B5EF4-FFF2-40B4-BE49-F238E27FC236}">
-                <a16:creationId xmlns:a16="http://schemas.microsoft.com/office/drawing/2014/main" id="{62999CFD-6E5B-412E-AB01-28A209ECF4E4}"/>
-              </a:ext>
-            </a:extLst>
-          </p:cNvPr>
-          <p:cNvSpPr>
-            <a:spLocks noGrp="1"/>
-          </p:cNvSpPr>
+              <a:t>Modules</a:t>
+            </a:r>
+          </a:p>
+        </p:txBody>
+      </p:sp>
+      <p:pic>
+        <p:nvPicPr>
+          <p:cNvPr id="1025" name="Picture 1" descr="Machine generated alternative text:&#10;Defining the Angular Module &#10;app.module.ts &#10;import { NgModu1e } from 'Oangular/core' ; &#10;import { BrowserModu1e } from 'Cangular/platform-browser' ; &#10;import { AppComponent from &#10;' . /app. component' ; &#10;CNgModu1e ( { &#10;imports: [ BrowserModu1e ] , &#10;declarations: [ AppComponent ] , &#10;bootstrap: [ AppComponent ] &#10;export class AppModu1e { } ">
+            <a:extLst>
+              <a:ext uri="{FF2B5EF4-FFF2-40B4-BE49-F238E27FC236}">
+                <a16:creationId xmlns:a16="http://schemas.microsoft.com/office/drawing/2014/main" id="{5E6C0B2B-7A17-41E5-B21F-B40F4D08BB7D}"/>
+              </a:ext>
+            </a:extLst>
+          </p:cNvPr>
+          <p:cNvPicPr>
+            <a:picLocks noGrp="1" noChangeAspect="1" noChangeArrowheads="1"/>
+          </p:cNvPicPr>
           <p:nvPr>
             <p:ph idx="1"/>
           </p:nvPr>
-        </p:nvSpPr>
-        <p:spPr/>
-        <p:txBody>
-          <a:bodyPr/>
-          <a:lstStyle/>
-          <a:p>
-            <a:endParaRPr lang="en-US"/>
-          </a:p>
-        </p:txBody>
-      </p:sp>
+        </p:nvPicPr>
+        <p:blipFill>
+          <a:blip r:embed="rId2">
+            <a:extLst>
+              <a:ext uri="{28A0092B-C50C-407E-A947-70E740481C1C}">
+                <a14:useLocalDpi xmlns:a14="http://schemas.microsoft.com/office/drawing/2010/main" val="0"/>
+              </a:ext>
+            </a:extLst>
+          </a:blip>
+          <a:srcRect/>
+          <a:stretch>
+            <a:fillRect/>
+          </a:stretch>
+        </p:blipFill>
+        <p:spPr bwMode="auto">
+          <a:xfrm>
+            <a:off x="2075374" y="1957138"/>
+            <a:ext cx="6283962" cy="3194876"/>
+          </a:xfrm>
+          <a:prstGeom prst="rect">
+            <a:avLst/>
+          </a:prstGeom>
+          <a:noFill/>
+          <a:extLst>
+            <a:ext uri="{909E8E84-426E-40DD-AFC4-6F175D3DCCD1}">
+              <a14:hiddenFill xmlns:a14="http://schemas.microsoft.com/office/drawing/2010/main">
+                <a:solidFill>
+                  <a:srgbClr val="FFFFFF"/>
+                </a:solidFill>
+              </a14:hiddenFill>
+            </a:ext>
+          </a:extLst>
+        </p:spPr>
+      </p:pic>
     </p:spTree>
     <p:extLst>
       <p:ext uri="{BB962C8B-B14F-4D97-AF65-F5344CB8AC3E}">
-        <p14:creationId xmlns:p14="http://schemas.microsoft.com/office/powerpoint/2010/main" val="2246730008"/>
+        <p14:creationId xmlns:p14="http://schemas.microsoft.com/office/powerpoint/2010/main" val="3209673707"/>
       </p:ext>
     </p:extLst>
   </p:cSld>
@@ -6933,6 +7168,172 @@
         </p:nvSpPr>
         <p:spPr/>
         <p:txBody>
+          <a:bodyPr>
+            <a:normAutofit fontScale="92500"/>
+          </a:bodyPr>
+          <a:lstStyle/>
+          <a:p>
+            <a:pPr marL="0" indent="0">
+              <a:buNone/>
+            </a:pPr>
+            <a:r>
+              <a:rPr lang="en-US" b="1" dirty="0"/>
+              <a:t>Interpolation </a:t>
+            </a:r>
+            <a:endParaRPr lang="en-US" dirty="0"/>
+          </a:p>
+          <a:p>
+            <a:r>
+              <a:rPr lang="en-US" dirty="0"/>
+              <a:t>&lt;h1&gt;{{</a:t>
+            </a:r>
+            <a:r>
+              <a:rPr lang="en-US" dirty="0" err="1"/>
+              <a:t>pageTitle</a:t>
+            </a:r>
+            <a:r>
+              <a:rPr lang="en-US" dirty="0"/>
+              <a:t>}}&lt;/h1&gt;</a:t>
+            </a:r>
+          </a:p>
+          <a:p>
+            <a:r>
+              <a:rPr lang="en-US" dirty="0"/>
+              <a:t>{{'Title: ' + </a:t>
+            </a:r>
+            <a:r>
+              <a:rPr lang="en-US" dirty="0" err="1"/>
+              <a:t>pageTitle</a:t>
+            </a:r>
+            <a:r>
+              <a:rPr lang="en-US" dirty="0"/>
+              <a:t>}}</a:t>
+            </a:r>
+          </a:p>
+          <a:p>
+            <a:r>
+              <a:rPr lang="en-US" dirty="0"/>
+              <a:t>{{2*20+1}}</a:t>
+            </a:r>
+          </a:p>
+          <a:p>
+            <a:endParaRPr lang="en-US" dirty="0"/>
+          </a:p>
+          <a:p>
+            <a:pPr marL="0" indent="0">
+              <a:buNone/>
+            </a:pPr>
+            <a:r>
+              <a:rPr lang="en-US" b="1" dirty="0"/>
+              <a:t>Directive</a:t>
+            </a:r>
+            <a:r>
+              <a:rPr lang="en-US" dirty="0"/>
+              <a:t> - </a:t>
+            </a:r>
+          </a:p>
+          <a:p>
+            <a:pPr marL="0" indent="0">
+              <a:buNone/>
+            </a:pPr>
+            <a:r>
+              <a:rPr lang="en-US" dirty="0"/>
+              <a:t>Custom HTML element or attribute used to power up and extend our HTML.</a:t>
+            </a:r>
+          </a:p>
+          <a:p>
+            <a:r>
+              <a:rPr lang="en-US" dirty="0"/>
+              <a:t> Custom</a:t>
+            </a:r>
+          </a:p>
+          <a:p>
+            <a:r>
+              <a:rPr lang="en-US" dirty="0"/>
+              <a:t>Built-In</a:t>
+            </a:r>
+          </a:p>
+          <a:p>
+            <a:endParaRPr lang="en-US" dirty="0"/>
+          </a:p>
+        </p:txBody>
+      </p:sp>
+    </p:spTree>
+    <p:extLst>
+      <p:ext uri="{BB962C8B-B14F-4D97-AF65-F5344CB8AC3E}">
+        <p14:creationId xmlns:p14="http://schemas.microsoft.com/office/powerpoint/2010/main" val="1295899454"/>
+      </p:ext>
+    </p:extLst>
+  </p:cSld>
+  <p:clrMapOvr>
+    <a:masterClrMapping/>
+  </p:clrMapOvr>
+</p:sld>
+</file>
+
+<file path=ppt/slides/slide25.xml><?xml version="1.0" encoding="utf-8"?>
+<p:sld xmlns:a="http://schemas.openxmlformats.org/drawingml/2006/main" xmlns:r="http://schemas.openxmlformats.org/officeDocument/2006/relationships" xmlns:p="http://schemas.openxmlformats.org/presentationml/2006/main">
+  <p:cSld>
+    <p:spTree>
+      <p:nvGrpSpPr>
+        <p:cNvPr id="1" name=""/>
+        <p:cNvGrpSpPr/>
+        <p:nvPr/>
+      </p:nvGrpSpPr>
+      <p:grpSpPr>
+        <a:xfrm>
+          <a:off x="0" y="0"/>
+          <a:ext cx="0" cy="0"/>
+          <a:chOff x="0" y="0"/>
+          <a:chExt cx="0" cy="0"/>
+        </a:xfrm>
+      </p:grpSpPr>
+      <p:sp>
+        <p:nvSpPr>
+          <p:cNvPr id="2" name="Title 1">
+            <a:extLst>
+              <a:ext uri="{FF2B5EF4-FFF2-40B4-BE49-F238E27FC236}">
+                <a16:creationId xmlns:a16="http://schemas.microsoft.com/office/drawing/2014/main" id="{98C30922-1452-42C1-B5E8-E81F16DDC1F9}"/>
+              </a:ext>
+            </a:extLst>
+          </p:cNvPr>
+          <p:cNvSpPr>
+            <a:spLocks noGrp="1"/>
+          </p:cNvSpPr>
+          <p:nvPr>
+            <p:ph type="title"/>
+          </p:nvPr>
+        </p:nvSpPr>
+        <p:spPr/>
+        <p:txBody>
+          <a:bodyPr/>
+          <a:lstStyle/>
+          <a:p>
+            <a:r>
+              <a:rPr lang="en-US" dirty="0"/>
+              <a:t>Directives</a:t>
+            </a:r>
+          </a:p>
+        </p:txBody>
+      </p:sp>
+      <p:sp>
+        <p:nvSpPr>
+          <p:cNvPr id="3" name="Content Placeholder 2">
+            <a:extLst>
+              <a:ext uri="{FF2B5EF4-FFF2-40B4-BE49-F238E27FC236}">
+                <a16:creationId xmlns:a16="http://schemas.microsoft.com/office/drawing/2014/main" id="{1C07FCC3-ECB4-4F1A-B6E5-6D5CBAD6BA14}"/>
+              </a:ext>
+            </a:extLst>
+          </p:cNvPr>
+          <p:cNvSpPr>
+            <a:spLocks noGrp="1"/>
+          </p:cNvSpPr>
+          <p:nvPr>
+            <p:ph idx="1"/>
+          </p:nvPr>
+        </p:nvSpPr>
+        <p:spPr/>
+        <p:txBody>
           <a:bodyPr/>
           <a:lstStyle/>
           <a:p>
@@ -7043,89 +7444,6 @@
 </p:sld>
 </file>
 
-<file path=ppt/slides/slide25.xml><?xml version="1.0" encoding="utf-8"?>
-<p:sld xmlns:a="http://schemas.openxmlformats.org/drawingml/2006/main" xmlns:r="http://schemas.openxmlformats.org/officeDocument/2006/relationships" xmlns:p="http://schemas.openxmlformats.org/presentationml/2006/main">
-  <p:cSld>
-    <p:spTree>
-      <p:nvGrpSpPr>
-        <p:cNvPr id="1" name=""/>
-        <p:cNvGrpSpPr/>
-        <p:nvPr/>
-      </p:nvGrpSpPr>
-      <p:grpSpPr>
-        <a:xfrm>
-          <a:off x="0" y="0"/>
-          <a:ext cx="0" cy="0"/>
-          <a:chOff x="0" y="0"/>
-          <a:chExt cx="0" cy="0"/>
-        </a:xfrm>
-      </p:grpSpPr>
-      <p:sp>
-        <p:nvSpPr>
-          <p:cNvPr id="2" name="Title 1">
-            <a:extLst>
-              <a:ext uri="{FF2B5EF4-FFF2-40B4-BE49-F238E27FC236}">
-                <a16:creationId xmlns:a16="http://schemas.microsoft.com/office/drawing/2014/main" id="{98C30922-1452-42C1-B5E8-E81F16DDC1F9}"/>
-              </a:ext>
-            </a:extLst>
-          </p:cNvPr>
-          <p:cNvSpPr>
-            <a:spLocks noGrp="1"/>
-          </p:cNvSpPr>
-          <p:nvPr>
-            <p:ph type="title"/>
-          </p:nvPr>
-        </p:nvSpPr>
-        <p:spPr/>
-        <p:txBody>
-          <a:bodyPr/>
-          <a:lstStyle/>
-          <a:p>
-            <a:r>
-              <a:rPr lang="en-US" dirty="0"/>
-              <a:t>Data Binding &amp; Pipes</a:t>
-            </a:r>
-          </a:p>
-        </p:txBody>
-      </p:sp>
-      <p:sp>
-        <p:nvSpPr>
-          <p:cNvPr id="3" name="Content Placeholder 2">
-            <a:extLst>
-              <a:ext uri="{FF2B5EF4-FFF2-40B4-BE49-F238E27FC236}">
-                <a16:creationId xmlns:a16="http://schemas.microsoft.com/office/drawing/2014/main" id="{1C07FCC3-ECB4-4F1A-B6E5-6D5CBAD6BA14}"/>
-              </a:ext>
-            </a:extLst>
-          </p:cNvPr>
-          <p:cNvSpPr>
-            <a:spLocks noGrp="1"/>
-          </p:cNvSpPr>
-          <p:nvPr>
-            <p:ph idx="1"/>
-          </p:nvPr>
-        </p:nvSpPr>
-        <p:spPr/>
-        <p:txBody>
-          <a:bodyPr/>
-          <a:lstStyle/>
-          <a:p>
-            <a:endParaRPr lang="en-US"/>
-          </a:p>
-        </p:txBody>
-      </p:sp>
-    </p:spTree>
-    <p:extLst>
-      <p:ext uri="{BB962C8B-B14F-4D97-AF65-F5344CB8AC3E}">
-        <p14:creationId xmlns:p14="http://schemas.microsoft.com/office/powerpoint/2010/main" val="714656914"/>
-      </p:ext>
-    </p:extLst>
-  </p:cSld>
-  <p:clrMapOvr>
-    <a:masterClrMapping/>
-  </p:clrMapOvr>
-</p:sld>
-</file>
-
 <file path=ppt/slides/slide26.xml><?xml version="1.0" encoding="utf-8"?>
 <p:sld xmlns:a="http://schemas.openxmlformats.org/drawingml/2006/main" xmlns:r="http://schemas.openxmlformats.org/officeDocument/2006/relationships" xmlns:p="http://schemas.openxmlformats.org/presentationml/2006/main">
   <p:cSld>
@@ -7166,50 +7484,175 @@
           <a:p>
             <a:r>
               <a:rPr lang="en-US" dirty="0"/>
-              <a:t>Life Cycle Hooks	</a:t>
-            </a:r>
-          </a:p>
-        </p:txBody>
-      </p:sp>
-      <p:pic>
-        <p:nvPicPr>
-          <p:cNvPr id="5" name="Content Placeholder 4">
-            <a:extLst>
-              <a:ext uri="{FF2B5EF4-FFF2-40B4-BE49-F238E27FC236}">
-                <a16:creationId xmlns:a16="http://schemas.microsoft.com/office/drawing/2014/main" id="{A9A2CEF4-B8DF-47BA-A72C-07EF86DCB863}"/>
-              </a:ext>
-            </a:extLst>
-          </p:cNvPr>
-          <p:cNvPicPr>
-            <a:picLocks noGrp="1" noChangeAspect="1"/>
-          </p:cNvPicPr>
+              <a:t>Binding &amp; Pipes</a:t>
+            </a:r>
+          </a:p>
+        </p:txBody>
+      </p:sp>
+      <p:sp>
+        <p:nvSpPr>
+          <p:cNvPr id="3" name="Content Placeholder 2">
+            <a:extLst>
+              <a:ext uri="{FF2B5EF4-FFF2-40B4-BE49-F238E27FC236}">
+                <a16:creationId xmlns:a16="http://schemas.microsoft.com/office/drawing/2014/main" id="{1C07FCC3-ECB4-4F1A-B6E5-6D5CBAD6BA14}"/>
+              </a:ext>
+            </a:extLst>
+          </p:cNvPr>
+          <p:cNvSpPr>
+            <a:spLocks noGrp="1"/>
+          </p:cNvSpPr>
           <p:nvPr>
             <p:ph idx="1"/>
           </p:nvPr>
-        </p:nvPicPr>
-        <p:blipFill>
-          <a:blip r:embed="rId2">
-            <a:extLst>
-              <a:ext uri="{28A0092B-C50C-407E-A947-70E740481C1C}">
-                <a14:useLocalDpi xmlns:a14="http://schemas.microsoft.com/office/drawing/2010/main" val="0"/>
-              </a:ext>
-            </a:extLst>
-          </a:blip>
-          <a:stretch>
-            <a:fillRect/>
-          </a:stretch>
-        </p:blipFill>
-        <p:spPr>
-          <a:xfrm>
-            <a:off x="7884256" y="1573466"/>
-            <a:ext cx="2695951" cy="2962688"/>
-          </a:xfrm>
-        </p:spPr>
-      </p:pic>
+        </p:nvSpPr>
+        <p:spPr/>
+        <p:txBody>
+          <a:bodyPr>
+            <a:normAutofit fontScale="92500" lnSpcReduction="20000"/>
+          </a:bodyPr>
+          <a:lstStyle/>
+          <a:p>
+            <a:pPr marL="0" indent="0">
+              <a:buNone/>
+            </a:pPr>
+            <a:r>
+              <a:rPr lang="en-US" b="1" dirty="0"/>
+              <a:t>Binding</a:t>
+            </a:r>
+            <a:endParaRPr lang="en-US" dirty="0"/>
+          </a:p>
+          <a:p>
+            <a:r>
+              <a:rPr lang="en-US" dirty="0"/>
+              <a:t>Coordinates communication between the component's class and its template and often involves passing data.</a:t>
+            </a:r>
+          </a:p>
+          <a:p>
+            <a:pPr marL="0" indent="0">
+              <a:buNone/>
+            </a:pPr>
+            <a:r>
+              <a:rPr lang="en-US" dirty="0"/>
+              <a:t>Pipes </a:t>
+            </a:r>
+          </a:p>
+          <a:p>
+            <a:pPr marL="0" indent="0">
+              <a:buNone/>
+            </a:pPr>
+            <a:r>
+              <a:rPr lang="en-US" dirty="0"/>
+              <a:t>Transforming Data </a:t>
+            </a:r>
+          </a:p>
+          <a:p>
+            <a:pPr marL="0" indent="0">
+              <a:buNone/>
+            </a:pPr>
+            <a:r>
+              <a:rPr lang="en-US" b="1" dirty="0"/>
+              <a:t>Pipe Examples</a:t>
+            </a:r>
+            <a:endParaRPr lang="en-US" dirty="0"/>
+          </a:p>
+          <a:p>
+            <a:r>
+              <a:rPr lang="en-US" dirty="0"/>
+              <a:t>{{ </a:t>
+            </a:r>
+            <a:r>
+              <a:rPr lang="en-US" dirty="0" err="1"/>
+              <a:t>product.productCode</a:t>
+            </a:r>
+            <a:r>
+              <a:rPr lang="en-US" dirty="0"/>
+              <a:t> | lowercase }}</a:t>
+            </a:r>
+          </a:p>
+          <a:p>
+            <a:r>
+              <a:rPr lang="en-US" dirty="0"/>
+              <a:t>&lt;</a:t>
+            </a:r>
+            <a:r>
+              <a:rPr lang="en-US" dirty="0" err="1"/>
+              <a:t>img</a:t>
+            </a:r>
+            <a:r>
+              <a:rPr lang="en-US" dirty="0"/>
+              <a:t> [</a:t>
+            </a:r>
+            <a:r>
+              <a:rPr lang="en-US" dirty="0" err="1"/>
+              <a:t>src</a:t>
+            </a:r>
+            <a:r>
+              <a:rPr lang="en-US" dirty="0"/>
+              <a:t>]='</a:t>
+            </a:r>
+            <a:r>
+              <a:rPr lang="en-US" dirty="0" err="1"/>
+              <a:t>product.imageUrl</a:t>
+            </a:r>
+            <a:r>
+              <a:rPr lang="en-US" dirty="0"/>
+              <a:t>'</a:t>
+            </a:r>
+          </a:p>
+          <a:p>
+            <a:r>
+              <a:rPr lang="en-US" dirty="0"/>
+              <a:t>[title]='</a:t>
+            </a:r>
+            <a:r>
+              <a:rPr lang="en-US" dirty="0" err="1"/>
+              <a:t>product.productName</a:t>
+            </a:r>
+            <a:r>
+              <a:rPr lang="en-US" dirty="0"/>
+              <a:t> | uppercase'&gt;</a:t>
+            </a:r>
+          </a:p>
+          <a:p>
+            <a:r>
+              <a:rPr lang="en-US" dirty="0"/>
+              <a:t>{{ </a:t>
+            </a:r>
+            <a:r>
+              <a:rPr lang="en-US" dirty="0" err="1"/>
+              <a:t>product.price</a:t>
+            </a:r>
+            <a:r>
+              <a:rPr lang="en-US" dirty="0"/>
+              <a:t> | currency | lowercase }}</a:t>
+            </a:r>
+          </a:p>
+          <a:p>
+            <a:r>
+              <a:rPr lang="en-US" dirty="0"/>
+              <a:t>{{ </a:t>
+            </a:r>
+            <a:r>
+              <a:rPr lang="en-US" dirty="0" err="1"/>
+              <a:t>product.price</a:t>
+            </a:r>
+            <a:r>
+              <a:rPr lang="en-US" dirty="0"/>
+              <a:t> | currency:'USD':'symbol':'1.2-2' }}</a:t>
+            </a:r>
+          </a:p>
+          <a:p>
+            <a:pPr marL="0" indent="0">
+              <a:buNone/>
+            </a:pPr>
+            <a:endParaRPr lang="en-US" dirty="0"/>
+          </a:p>
+        </p:txBody>
+      </p:sp>
     </p:spTree>
     <p:extLst>
       <p:ext uri="{BB962C8B-B14F-4D97-AF65-F5344CB8AC3E}">
-        <p14:creationId xmlns:p14="http://schemas.microsoft.com/office/powerpoint/2010/main" val="4027140780"/>
+        <p14:creationId xmlns:p14="http://schemas.microsoft.com/office/powerpoint/2010/main" val="2925284146"/>
       </p:ext>
     </p:extLst>
   </p:cSld>
@@ -7259,40 +7702,1481 @@
           <a:p>
             <a:r>
               <a:rPr lang="en-US" dirty="0"/>
-              <a:t>Forms</a:t>
-            </a:r>
-          </a:p>
-        </p:txBody>
-      </p:sp>
-      <p:sp>
-        <p:nvSpPr>
-          <p:cNvPr id="3" name="Content Placeholder 2">
-            <a:extLst>
-              <a:ext uri="{FF2B5EF4-FFF2-40B4-BE49-F238E27FC236}">
-                <a16:creationId xmlns:a16="http://schemas.microsoft.com/office/drawing/2014/main" id="{1C07FCC3-ECB4-4F1A-B6E5-6D5CBAD6BA14}"/>
-              </a:ext>
-            </a:extLst>
-          </p:cNvPr>
-          <p:cNvSpPr>
-            <a:spLocks noGrp="1"/>
+              <a:t>Life Cycle Hooks</a:t>
+            </a:r>
+          </a:p>
+        </p:txBody>
+      </p:sp>
+      <p:sp>
+        <p:nvSpPr>
+          <p:cNvPr id="4" name="Rectangle 1">
+            <a:extLst>
+              <a:ext uri="{FF2B5EF4-FFF2-40B4-BE49-F238E27FC236}">
+                <a16:creationId xmlns:a16="http://schemas.microsoft.com/office/drawing/2014/main" id="{A496FB78-1721-4B71-8D02-98E2278CC659}"/>
+              </a:ext>
+            </a:extLst>
+          </p:cNvPr>
+          <p:cNvSpPr>
+            <a:spLocks noGrp="1" noChangeArrowheads="1"/>
           </p:cNvSpPr>
           <p:nvPr>
             <p:ph idx="1"/>
           </p:nvPr>
         </p:nvSpPr>
-        <p:spPr/>
-        <p:txBody>
-          <a:bodyPr/>
+        <p:spPr bwMode="auto">
+          <a:prstGeom prst="rect">
+            <a:avLst/>
+          </a:prstGeom>
+          <a:solidFill>
+            <a:srgbClr val="FFFFFF"/>
+          </a:solidFill>
+          <a:ln>
+            <a:noFill/>
+          </a:ln>
+          <a:effectLst/>
+          <a:extLst>
+            <a:ext uri="{91240B29-F687-4F45-9708-019B960494DF}">
+              <a14:hiddenLine xmlns:a14="http://schemas.microsoft.com/office/drawing/2010/main" w="9525">
+                <a:solidFill>
+                  <a:schemeClr val="tx1"/>
+                </a:solidFill>
+                <a:miter lim="800000"/>
+                <a:headEnd/>
+                <a:tailEnd/>
+              </a14:hiddenLine>
+            </a:ext>
+            <a:ext uri="{AF507438-7753-43E0-B8FC-AC1667EBCBE1}">
+              <a14:hiddenEffects xmlns:a14="http://schemas.microsoft.com/office/drawing/2010/main">
+                <a:effectLst>
+                  <a:outerShdw dist="35921" dir="2700000" algn="ctr" rotWithShape="0">
+                    <a:schemeClr val="bg2"/>
+                  </a:outerShdw>
+                </a:effectLst>
+              </a14:hiddenEffects>
+            </a:ext>
+          </a:extLst>
+        </p:spPr>
+        <p:txBody>
+          <a:bodyPr vert="horz" wrap="none" lIns="0" tIns="0" rIns="0" bIns="152352" numCol="1" anchor="ctr" anchorCtr="0" compatLnSpc="1">
+            <a:prstTxWarp prst="textNoShape">
+              <a:avLst/>
+            </a:prstTxWarp>
+            <a:spAutoFit/>
+          </a:bodyPr>
           <a:lstStyle/>
           <a:p>
-            <a:endParaRPr lang="en-US"/>
+            <a:pPr marL="0" marR="0" lvl="0" indent="0" algn="l" defTabSz="914400" rtl="0" eaLnBrk="0" fontAlgn="base" latinLnBrk="0" hangingPunct="0">
+              <a:lnSpc>
+                <a:spcPct val="100000"/>
+              </a:lnSpc>
+              <a:spcBef>
+                <a:spcPct val="0"/>
+              </a:spcBef>
+              <a:spcAft>
+                <a:spcPct val="0"/>
+              </a:spcAft>
+              <a:buClrTx/>
+              <a:buSzTx/>
+              <a:buFontTx/>
+              <a:buNone/>
+              <a:tabLst/>
+            </a:pPr>
+            <a:r>
+              <a:rPr kumimoji="0" lang="en-US" altLang="en-US" sz="1300" b="0" i="0" u="none" strike="noStrike" cap="none" normalizeH="0" baseline="0" dirty="0">
+                <a:ln>
+                  <a:noFill/>
+                </a:ln>
+                <a:solidFill>
+                  <a:srgbClr val="333333"/>
+                </a:solidFill>
+                <a:effectLst/>
+                <a:latin typeface="Calibri" panose="020F0502020204030204" pitchFamily="34" charset="0"/>
+                <a:ea typeface="Times New Roman" panose="02020603050405020304" pitchFamily="18" charset="0"/>
+                <a:cs typeface="Times New Roman" panose="02020603050405020304" pitchFamily="18" charset="0"/>
+                <a:hlinkClick r:id="rId2"/>
+              </a:rPr>
+              <a:t>Hooks for the Component</a:t>
+            </a:r>
+            <a:endParaRPr kumimoji="0" lang="en-US" altLang="en-US" sz="1200" b="0" i="0" u="none" strike="noStrike" cap="none" normalizeH="0" baseline="0" dirty="0">
+              <a:ln>
+                <a:noFill/>
+              </a:ln>
+              <a:solidFill>
+                <a:schemeClr val="tx1"/>
+              </a:solidFill>
+              <a:effectLst/>
+              <a:ea typeface="Times New Roman" panose="02020603050405020304" pitchFamily="18" charset="0"/>
+            </a:endParaRPr>
+          </a:p>
+          <a:p>
+            <a:pPr marL="0" marR="0" lvl="0" indent="0" algn="l" defTabSz="914400" rtl="0" eaLnBrk="0" fontAlgn="base" latinLnBrk="0" hangingPunct="0">
+              <a:lnSpc>
+                <a:spcPct val="100000"/>
+              </a:lnSpc>
+              <a:spcBef>
+                <a:spcPct val="0"/>
+              </a:spcBef>
+              <a:spcAft>
+                <a:spcPct val="0"/>
+              </a:spcAft>
+              <a:buClrTx/>
+              <a:buSzTx/>
+              <a:buFontTx/>
+              <a:buNone/>
+              <a:tabLst/>
+            </a:pPr>
+            <a:r>
+              <a:rPr kumimoji="0" lang="en-US" altLang="en-US" sz="1300" b="1" i="0" u="none" strike="noStrike" cap="none" normalizeH="0" baseline="0" dirty="0">
+                <a:ln>
+                  <a:noFill/>
+                </a:ln>
+                <a:solidFill>
+                  <a:srgbClr val="333333"/>
+                </a:solidFill>
+                <a:effectLst/>
+                <a:latin typeface="Helvetica" panose="020B0604020202020204" pitchFamily="34" charset="0"/>
+                <a:ea typeface="Times New Roman" panose="02020603050405020304" pitchFamily="18" charset="0"/>
+                <a:cs typeface="Times New Roman" panose="02020603050405020304" pitchFamily="18" charset="0"/>
+              </a:rPr>
+              <a:t>constructor</a:t>
+            </a:r>
+            <a:endParaRPr kumimoji="0" lang="en-US" altLang="en-US" sz="1200" b="0" i="0" u="none" strike="noStrike" cap="none" normalizeH="0" baseline="0" dirty="0">
+              <a:ln>
+                <a:noFill/>
+              </a:ln>
+              <a:solidFill>
+                <a:schemeClr val="tx1"/>
+              </a:solidFill>
+              <a:effectLst/>
+              <a:ea typeface="Times New Roman" panose="02020603050405020304" pitchFamily="18" charset="0"/>
+            </a:endParaRPr>
+          </a:p>
+          <a:p>
+            <a:pPr marL="0" marR="0" lvl="0" indent="0" algn="l" defTabSz="914400" rtl="0" eaLnBrk="0" fontAlgn="base" latinLnBrk="0" hangingPunct="0">
+              <a:lnSpc>
+                <a:spcPct val="100000"/>
+              </a:lnSpc>
+              <a:spcBef>
+                <a:spcPct val="0"/>
+              </a:spcBef>
+              <a:spcAft>
+                <a:spcPct val="0"/>
+              </a:spcAft>
+              <a:buClrTx/>
+              <a:buSzTx/>
+              <a:buFontTx/>
+              <a:buNone/>
+              <a:tabLst/>
+            </a:pPr>
+            <a:r>
+              <a:rPr kumimoji="0" lang="en-US" altLang="en-US" sz="1300" b="0" i="0" u="none" strike="noStrike" cap="none" normalizeH="0" baseline="0" dirty="0">
+                <a:ln>
+                  <a:noFill/>
+                </a:ln>
+                <a:solidFill>
+                  <a:srgbClr val="333333"/>
+                </a:solidFill>
+                <a:effectLst/>
+                <a:latin typeface="Helvetica" panose="020B0604020202020204" pitchFamily="34" charset="0"/>
+                <a:ea typeface="Times New Roman" panose="02020603050405020304" pitchFamily="18" charset="0"/>
+              </a:rPr>
+              <a:t>This is invoked when Angular creates a component or directive by calling </a:t>
+            </a:r>
+            <a:r>
+              <a:rPr kumimoji="0" lang="en-US" altLang="en-US" sz="1000" b="0" i="0" u="none" strike="noStrike" cap="none" normalizeH="0" baseline="0" dirty="0">
+                <a:ln>
+                  <a:noFill/>
+                </a:ln>
+                <a:solidFill>
+                  <a:srgbClr val="F4645F"/>
+                </a:solidFill>
+                <a:effectLst/>
+                <a:latin typeface="Consolas" panose="020B0609020204030204" pitchFamily="49" charset="0"/>
+                <a:ea typeface="Times New Roman" panose="02020603050405020304" pitchFamily="18" charset="0"/>
+                <a:cs typeface="Courier New" panose="02070309020205020404" pitchFamily="49" charset="0"/>
+              </a:rPr>
+              <a:t>new</a:t>
+            </a:r>
+            <a:r>
+              <a:rPr kumimoji="0" lang="en-US" altLang="en-US" sz="1300" b="0" i="0" u="none" strike="noStrike" cap="none" normalizeH="0" baseline="0" dirty="0">
+                <a:ln>
+                  <a:noFill/>
+                </a:ln>
+                <a:solidFill>
+                  <a:srgbClr val="333333"/>
+                </a:solidFill>
+                <a:effectLst/>
+                <a:latin typeface="Helvetica" panose="020B0604020202020204" pitchFamily="34" charset="0"/>
+                <a:ea typeface="Times New Roman" panose="02020603050405020304" pitchFamily="18" charset="0"/>
+              </a:rPr>
+              <a:t> on the class.</a:t>
+            </a:r>
+            <a:endParaRPr kumimoji="0" lang="en-US" altLang="en-US" sz="1200" b="0" i="0" u="none" strike="noStrike" cap="none" normalizeH="0" baseline="0" dirty="0">
+              <a:ln>
+                <a:noFill/>
+              </a:ln>
+              <a:solidFill>
+                <a:schemeClr val="tx1"/>
+              </a:solidFill>
+              <a:effectLst/>
+              <a:ea typeface="Times New Roman" panose="02020603050405020304" pitchFamily="18" charset="0"/>
+            </a:endParaRPr>
+          </a:p>
+          <a:p>
+            <a:pPr marL="0" marR="0" lvl="0" indent="0" algn="l" defTabSz="914400" rtl="0" eaLnBrk="0" fontAlgn="base" latinLnBrk="0" hangingPunct="0">
+              <a:lnSpc>
+                <a:spcPct val="100000"/>
+              </a:lnSpc>
+              <a:spcBef>
+                <a:spcPct val="0"/>
+              </a:spcBef>
+              <a:spcAft>
+                <a:spcPct val="0"/>
+              </a:spcAft>
+              <a:buClrTx/>
+              <a:buSzTx/>
+              <a:buFontTx/>
+              <a:buNone/>
+              <a:tabLst/>
+            </a:pPr>
+            <a:r>
+              <a:rPr kumimoji="0" lang="en-US" altLang="en-US" sz="1300" b="1" i="0" u="none" strike="noStrike" cap="none" normalizeH="0" baseline="0" dirty="0" err="1">
+                <a:ln>
+                  <a:noFill/>
+                </a:ln>
+                <a:solidFill>
+                  <a:srgbClr val="333333"/>
+                </a:solidFill>
+                <a:effectLst/>
+                <a:latin typeface="Helvetica" panose="020B0604020202020204" pitchFamily="34" charset="0"/>
+                <a:ea typeface="Times New Roman" panose="02020603050405020304" pitchFamily="18" charset="0"/>
+                <a:cs typeface="Times New Roman" panose="02020603050405020304" pitchFamily="18" charset="0"/>
+              </a:rPr>
+              <a:t>ngOnChanges</a:t>
+            </a:r>
+            <a:endParaRPr kumimoji="0" lang="en-US" altLang="en-US" sz="1200" b="0" i="0" u="none" strike="noStrike" cap="none" normalizeH="0" baseline="0" dirty="0">
+              <a:ln>
+                <a:noFill/>
+              </a:ln>
+              <a:solidFill>
+                <a:schemeClr val="tx1"/>
+              </a:solidFill>
+              <a:effectLst/>
+              <a:ea typeface="Times New Roman" panose="02020603050405020304" pitchFamily="18" charset="0"/>
+            </a:endParaRPr>
+          </a:p>
+          <a:p>
+            <a:pPr marL="0" marR="0" lvl="0" indent="0" algn="l" defTabSz="914400" rtl="0" eaLnBrk="0" fontAlgn="base" latinLnBrk="0" hangingPunct="0">
+              <a:lnSpc>
+                <a:spcPct val="100000"/>
+              </a:lnSpc>
+              <a:spcBef>
+                <a:spcPct val="0"/>
+              </a:spcBef>
+              <a:spcAft>
+                <a:spcPct val="0"/>
+              </a:spcAft>
+              <a:buClrTx/>
+              <a:buSzTx/>
+              <a:buFontTx/>
+              <a:buNone/>
+              <a:tabLst/>
+            </a:pPr>
+            <a:r>
+              <a:rPr kumimoji="0" lang="en-US" altLang="en-US" sz="1300" b="0" i="0" u="none" strike="noStrike" cap="none" normalizeH="0" baseline="0" dirty="0">
+                <a:ln>
+                  <a:noFill/>
+                </a:ln>
+                <a:solidFill>
+                  <a:srgbClr val="333333"/>
+                </a:solidFill>
+                <a:effectLst/>
+                <a:latin typeface="Helvetica" panose="020B0604020202020204" pitchFamily="34" charset="0"/>
+                <a:ea typeface="Times New Roman" panose="02020603050405020304" pitchFamily="18" charset="0"/>
+              </a:rPr>
+              <a:t>Invoked </a:t>
+            </a:r>
+            <a:r>
+              <a:rPr kumimoji="0" lang="en-US" altLang="en-US" sz="1300" b="1" i="0" u="none" strike="noStrike" cap="none" normalizeH="0" baseline="0" dirty="0">
+                <a:ln>
+                  <a:noFill/>
+                </a:ln>
+                <a:solidFill>
+                  <a:srgbClr val="333333"/>
+                </a:solidFill>
+                <a:effectLst/>
+                <a:latin typeface="Helvetica" panose="020B0604020202020204" pitchFamily="34" charset="0"/>
+                <a:ea typeface="Times New Roman" panose="02020603050405020304" pitchFamily="18" charset="0"/>
+              </a:rPr>
+              <a:t>every</a:t>
+            </a:r>
+            <a:r>
+              <a:rPr kumimoji="0" lang="en-US" altLang="en-US" sz="1300" b="0" i="0" u="none" strike="noStrike" cap="none" normalizeH="0" baseline="0" dirty="0">
+                <a:ln>
+                  <a:noFill/>
+                </a:ln>
+                <a:solidFill>
+                  <a:srgbClr val="333333"/>
+                </a:solidFill>
+                <a:effectLst/>
+                <a:latin typeface="Helvetica" panose="020B0604020202020204" pitchFamily="34" charset="0"/>
+                <a:ea typeface="Times New Roman" panose="02020603050405020304" pitchFamily="18" charset="0"/>
+              </a:rPr>
+              <a:t> time there is a change in one of </a:t>
+            </a:r>
+            <a:r>
+              <a:rPr kumimoji="0" lang="en-US" altLang="en-US" sz="1300" b="0" i="0" u="none" strike="noStrike" cap="none" normalizeH="0" baseline="0" dirty="0" err="1">
+                <a:ln>
+                  <a:noFill/>
+                </a:ln>
+                <a:solidFill>
+                  <a:srgbClr val="333333"/>
+                </a:solidFill>
+                <a:effectLst/>
+                <a:latin typeface="Helvetica" panose="020B0604020202020204" pitchFamily="34" charset="0"/>
+                <a:ea typeface="Times New Roman" panose="02020603050405020304" pitchFamily="18" charset="0"/>
+              </a:rPr>
+              <a:t>th</a:t>
+            </a:r>
+            <a:r>
+              <a:rPr kumimoji="0" lang="en-US" altLang="en-US" sz="1300" b="0" i="0" u="none" strike="noStrike" cap="none" normalizeH="0" baseline="0" dirty="0">
+                <a:ln>
+                  <a:noFill/>
+                </a:ln>
+                <a:solidFill>
+                  <a:srgbClr val="333333"/>
+                </a:solidFill>
+                <a:effectLst/>
+                <a:latin typeface="Helvetica" panose="020B0604020202020204" pitchFamily="34" charset="0"/>
+                <a:ea typeface="Times New Roman" panose="02020603050405020304" pitchFamily="18" charset="0"/>
+              </a:rPr>
+              <a:t> </a:t>
+            </a:r>
+            <a:r>
+              <a:rPr kumimoji="0" lang="en-US" altLang="en-US" sz="1300" b="0" i="1" u="none" strike="noStrike" cap="none" normalizeH="0" baseline="0" dirty="0">
+                <a:ln>
+                  <a:noFill/>
+                </a:ln>
+                <a:solidFill>
+                  <a:srgbClr val="333333"/>
+                </a:solidFill>
+                <a:effectLst/>
+                <a:latin typeface="Helvetica" panose="020B0604020202020204" pitchFamily="34" charset="0"/>
+                <a:ea typeface="Times New Roman" panose="02020603050405020304" pitchFamily="18" charset="0"/>
+              </a:rPr>
+              <a:t>input</a:t>
+            </a:r>
+            <a:r>
+              <a:rPr kumimoji="0" lang="en-US" altLang="en-US" sz="1300" b="0" i="0" u="none" strike="noStrike" cap="none" normalizeH="0" baseline="0" dirty="0">
+                <a:ln>
+                  <a:noFill/>
+                </a:ln>
+                <a:solidFill>
+                  <a:srgbClr val="333333"/>
+                </a:solidFill>
+                <a:effectLst/>
+                <a:latin typeface="Helvetica" panose="020B0604020202020204" pitchFamily="34" charset="0"/>
+                <a:ea typeface="Times New Roman" panose="02020603050405020304" pitchFamily="18" charset="0"/>
+              </a:rPr>
+              <a:t> properties of the component.</a:t>
+            </a:r>
+            <a:endParaRPr kumimoji="0" lang="en-US" altLang="en-US" sz="1200" b="0" i="0" u="none" strike="noStrike" cap="none" normalizeH="0" baseline="0" dirty="0">
+              <a:ln>
+                <a:noFill/>
+              </a:ln>
+              <a:solidFill>
+                <a:schemeClr val="tx1"/>
+              </a:solidFill>
+              <a:effectLst/>
+              <a:ea typeface="Times New Roman" panose="02020603050405020304" pitchFamily="18" charset="0"/>
+            </a:endParaRPr>
+          </a:p>
+          <a:p>
+            <a:pPr marL="0" marR="0" lvl="0" indent="0" algn="l" defTabSz="914400" rtl="0" eaLnBrk="0" fontAlgn="base" latinLnBrk="0" hangingPunct="0">
+              <a:lnSpc>
+                <a:spcPct val="100000"/>
+              </a:lnSpc>
+              <a:spcBef>
+                <a:spcPct val="0"/>
+              </a:spcBef>
+              <a:spcAft>
+                <a:spcPct val="0"/>
+              </a:spcAft>
+              <a:buClrTx/>
+              <a:buSzTx/>
+              <a:buFontTx/>
+              <a:buNone/>
+              <a:tabLst/>
+            </a:pPr>
+            <a:r>
+              <a:rPr kumimoji="0" lang="en-US" altLang="en-US" sz="1300" b="1" i="0" u="none" strike="noStrike" cap="none" normalizeH="0" baseline="0" dirty="0" err="1">
+                <a:ln>
+                  <a:noFill/>
+                </a:ln>
+                <a:solidFill>
+                  <a:srgbClr val="333333"/>
+                </a:solidFill>
+                <a:effectLst/>
+                <a:latin typeface="Helvetica" panose="020B0604020202020204" pitchFamily="34" charset="0"/>
+                <a:ea typeface="Times New Roman" panose="02020603050405020304" pitchFamily="18" charset="0"/>
+                <a:cs typeface="Times New Roman" panose="02020603050405020304" pitchFamily="18" charset="0"/>
+              </a:rPr>
+              <a:t>ngOnInit</a:t>
+            </a:r>
+            <a:endParaRPr kumimoji="0" lang="en-US" altLang="en-US" sz="1200" b="0" i="0" u="none" strike="noStrike" cap="none" normalizeH="0" baseline="0" dirty="0">
+              <a:ln>
+                <a:noFill/>
+              </a:ln>
+              <a:solidFill>
+                <a:schemeClr val="tx1"/>
+              </a:solidFill>
+              <a:effectLst/>
+              <a:ea typeface="Times New Roman" panose="02020603050405020304" pitchFamily="18" charset="0"/>
+            </a:endParaRPr>
+          </a:p>
+          <a:p>
+            <a:pPr marL="0" marR="0" lvl="0" indent="0" algn="l" defTabSz="914400" rtl="0" eaLnBrk="0" fontAlgn="base" latinLnBrk="0" hangingPunct="0">
+              <a:lnSpc>
+                <a:spcPct val="100000"/>
+              </a:lnSpc>
+              <a:spcBef>
+                <a:spcPct val="0"/>
+              </a:spcBef>
+              <a:spcAft>
+                <a:spcPct val="0"/>
+              </a:spcAft>
+              <a:buClrTx/>
+              <a:buSzTx/>
+              <a:buFontTx/>
+              <a:buNone/>
+              <a:tabLst/>
+            </a:pPr>
+            <a:r>
+              <a:rPr kumimoji="0" lang="en-US" altLang="en-US" sz="1300" b="0" i="0" u="none" strike="noStrike" cap="none" normalizeH="0" baseline="0" dirty="0">
+                <a:ln>
+                  <a:noFill/>
+                </a:ln>
+                <a:solidFill>
+                  <a:srgbClr val="333333"/>
+                </a:solidFill>
+                <a:effectLst/>
+                <a:latin typeface="Helvetica" panose="020B0604020202020204" pitchFamily="34" charset="0"/>
+                <a:ea typeface="Times New Roman" panose="02020603050405020304" pitchFamily="18" charset="0"/>
+              </a:rPr>
+              <a:t>Invoked when given component has been initialized.</a:t>
+            </a:r>
+            <a:br>
+              <a:rPr kumimoji="0" lang="en-US" altLang="en-US" sz="1300" b="0" i="0" u="none" strike="noStrike" cap="none" normalizeH="0" baseline="0" dirty="0">
+                <a:ln>
+                  <a:noFill/>
+                </a:ln>
+                <a:solidFill>
+                  <a:srgbClr val="333333"/>
+                </a:solidFill>
+                <a:effectLst/>
+                <a:latin typeface="Helvetica" panose="020B0604020202020204" pitchFamily="34" charset="0"/>
+                <a:ea typeface="Times New Roman" panose="02020603050405020304" pitchFamily="18" charset="0"/>
+              </a:rPr>
+            </a:br>
+            <a:r>
+              <a:rPr kumimoji="0" lang="en-US" altLang="en-US" sz="1300" b="0" i="0" u="none" strike="noStrike" cap="none" normalizeH="0" baseline="0" dirty="0">
+                <a:ln>
+                  <a:noFill/>
+                </a:ln>
+                <a:solidFill>
+                  <a:srgbClr val="333333"/>
+                </a:solidFill>
+                <a:effectLst/>
+                <a:latin typeface="Helvetica" panose="020B0604020202020204" pitchFamily="34" charset="0"/>
+                <a:ea typeface="Times New Roman" panose="02020603050405020304" pitchFamily="18" charset="0"/>
+              </a:rPr>
+              <a:t>This hook is only called </a:t>
+            </a:r>
+            <a:r>
+              <a:rPr kumimoji="0" lang="en-US" altLang="en-US" sz="1300" b="1" i="0" u="none" strike="noStrike" cap="none" normalizeH="0" baseline="0" dirty="0">
+                <a:ln>
+                  <a:noFill/>
+                </a:ln>
+                <a:solidFill>
+                  <a:srgbClr val="333333"/>
+                </a:solidFill>
+                <a:effectLst/>
+                <a:latin typeface="Helvetica" panose="020B0604020202020204" pitchFamily="34" charset="0"/>
+                <a:ea typeface="Times New Roman" panose="02020603050405020304" pitchFamily="18" charset="0"/>
+              </a:rPr>
+              <a:t>once</a:t>
+            </a:r>
+            <a:r>
+              <a:rPr kumimoji="0" lang="en-US" altLang="en-US" sz="1300" b="0" i="0" u="none" strike="noStrike" cap="none" normalizeH="0" baseline="0" dirty="0">
+                <a:ln>
+                  <a:noFill/>
+                </a:ln>
+                <a:solidFill>
+                  <a:srgbClr val="333333"/>
+                </a:solidFill>
+                <a:effectLst/>
+                <a:latin typeface="Helvetica" panose="020B0604020202020204" pitchFamily="34" charset="0"/>
+                <a:ea typeface="Times New Roman" panose="02020603050405020304" pitchFamily="18" charset="0"/>
+              </a:rPr>
+              <a:t> after the first </a:t>
+            </a:r>
+            <a:r>
+              <a:rPr kumimoji="0" lang="en-US" altLang="en-US" sz="1000" b="0" i="0" u="none" strike="noStrike" cap="none" normalizeH="0" baseline="0" dirty="0" err="1">
+                <a:ln>
+                  <a:noFill/>
+                </a:ln>
+                <a:solidFill>
+                  <a:srgbClr val="F4645F"/>
+                </a:solidFill>
+                <a:effectLst/>
+                <a:latin typeface="Consolas" panose="020B0609020204030204" pitchFamily="49" charset="0"/>
+                <a:ea typeface="Times New Roman" panose="02020603050405020304" pitchFamily="18" charset="0"/>
+                <a:cs typeface="Courier New" panose="02070309020205020404" pitchFamily="49" charset="0"/>
+              </a:rPr>
+              <a:t>ngOnChanges</a:t>
+            </a:r>
+            <a:endParaRPr kumimoji="0" lang="en-US" altLang="en-US" sz="1200" b="0" i="0" u="none" strike="noStrike" cap="none" normalizeH="0" baseline="0" dirty="0">
+              <a:ln>
+                <a:noFill/>
+              </a:ln>
+              <a:solidFill>
+                <a:schemeClr val="tx1"/>
+              </a:solidFill>
+              <a:effectLst/>
+              <a:ea typeface="Times New Roman" panose="02020603050405020304" pitchFamily="18" charset="0"/>
+            </a:endParaRPr>
+          </a:p>
+          <a:p>
+            <a:pPr marL="0" marR="0" lvl="0" indent="0" algn="l" defTabSz="914400" rtl="0" eaLnBrk="0" fontAlgn="base" latinLnBrk="0" hangingPunct="0">
+              <a:lnSpc>
+                <a:spcPct val="100000"/>
+              </a:lnSpc>
+              <a:spcBef>
+                <a:spcPct val="0"/>
+              </a:spcBef>
+              <a:spcAft>
+                <a:spcPct val="0"/>
+              </a:spcAft>
+              <a:buClrTx/>
+              <a:buSzTx/>
+              <a:buFontTx/>
+              <a:buNone/>
+              <a:tabLst/>
+            </a:pPr>
+            <a:r>
+              <a:rPr kumimoji="0" lang="en-US" altLang="en-US" sz="1300" b="1" i="0" u="none" strike="noStrike" cap="none" normalizeH="0" baseline="0" dirty="0" err="1">
+                <a:ln>
+                  <a:noFill/>
+                </a:ln>
+                <a:solidFill>
+                  <a:srgbClr val="333333"/>
+                </a:solidFill>
+                <a:effectLst/>
+                <a:latin typeface="Helvetica" panose="020B0604020202020204" pitchFamily="34" charset="0"/>
+                <a:ea typeface="Times New Roman" panose="02020603050405020304" pitchFamily="18" charset="0"/>
+                <a:cs typeface="Times New Roman" panose="02020603050405020304" pitchFamily="18" charset="0"/>
+              </a:rPr>
+              <a:t>ngDoCheck</a:t>
+            </a:r>
+            <a:endParaRPr kumimoji="0" lang="en-US" altLang="en-US" sz="1200" b="0" i="0" u="none" strike="noStrike" cap="none" normalizeH="0" baseline="0" dirty="0">
+              <a:ln>
+                <a:noFill/>
+              </a:ln>
+              <a:solidFill>
+                <a:schemeClr val="tx1"/>
+              </a:solidFill>
+              <a:effectLst/>
+              <a:ea typeface="Times New Roman" panose="02020603050405020304" pitchFamily="18" charset="0"/>
+            </a:endParaRPr>
+          </a:p>
+          <a:p>
+            <a:pPr marL="0" marR="0" lvl="0" indent="0" algn="l" defTabSz="914400" rtl="0" eaLnBrk="0" fontAlgn="base" latinLnBrk="0" hangingPunct="0">
+              <a:lnSpc>
+                <a:spcPct val="100000"/>
+              </a:lnSpc>
+              <a:spcBef>
+                <a:spcPct val="0"/>
+              </a:spcBef>
+              <a:spcAft>
+                <a:spcPct val="0"/>
+              </a:spcAft>
+              <a:buClrTx/>
+              <a:buSzTx/>
+              <a:buFontTx/>
+              <a:buNone/>
+              <a:tabLst/>
+            </a:pPr>
+            <a:r>
+              <a:rPr kumimoji="0" lang="en-US" altLang="en-US" sz="1300" b="0" i="0" u="none" strike="noStrike" cap="none" normalizeH="0" baseline="0" dirty="0">
+                <a:ln>
+                  <a:noFill/>
+                </a:ln>
+                <a:solidFill>
+                  <a:srgbClr val="333333"/>
+                </a:solidFill>
+                <a:effectLst/>
+                <a:latin typeface="Helvetica" panose="020B0604020202020204" pitchFamily="34" charset="0"/>
+                <a:ea typeface="Times New Roman" panose="02020603050405020304" pitchFamily="18" charset="0"/>
+              </a:rPr>
+              <a:t>Invoked when the change detector of the given component is invoked. It allows us to implement our own change detection algorithm for the given component.</a:t>
+            </a:r>
+            <a:endParaRPr kumimoji="0" lang="en-US" altLang="en-US" sz="1200" b="0" i="0" u="none" strike="noStrike" cap="none" normalizeH="0" baseline="0" dirty="0">
+              <a:ln>
+                <a:noFill/>
+              </a:ln>
+              <a:solidFill>
+                <a:schemeClr val="tx1"/>
+              </a:solidFill>
+              <a:effectLst/>
+              <a:ea typeface="Times New Roman" panose="02020603050405020304" pitchFamily="18" charset="0"/>
+            </a:endParaRPr>
+          </a:p>
+          <a:p>
+            <a:pPr marL="0" marR="0" lvl="0" indent="0" algn="l" defTabSz="914400" rtl="0" eaLnBrk="0" fontAlgn="base" latinLnBrk="0" hangingPunct="0">
+              <a:lnSpc>
+                <a:spcPct val="100000"/>
+              </a:lnSpc>
+              <a:spcBef>
+                <a:spcPct val="0"/>
+              </a:spcBef>
+              <a:spcAft>
+                <a:spcPct val="0"/>
+              </a:spcAft>
+              <a:buClrTx/>
+              <a:buSzTx/>
+              <a:buFontTx/>
+              <a:buNone/>
+              <a:tabLst/>
+            </a:pPr>
+            <a:r>
+              <a:rPr kumimoji="0" lang="en-US" altLang="en-US" sz="1300" b="1" i="0" u="none" strike="noStrike" cap="none" normalizeH="0" baseline="0" dirty="0" err="1">
+                <a:ln>
+                  <a:noFill/>
+                </a:ln>
+                <a:solidFill>
+                  <a:srgbClr val="333333"/>
+                </a:solidFill>
+                <a:effectLst/>
+                <a:latin typeface="Helvetica" panose="020B0604020202020204" pitchFamily="34" charset="0"/>
+                <a:ea typeface="Times New Roman" panose="02020603050405020304" pitchFamily="18" charset="0"/>
+                <a:cs typeface="Times New Roman" panose="02020603050405020304" pitchFamily="18" charset="0"/>
+              </a:rPr>
+              <a:t>ngOnDestroy</a:t>
+            </a:r>
+            <a:endParaRPr kumimoji="0" lang="en-US" altLang="en-US" sz="1200" b="0" i="0" u="none" strike="noStrike" cap="none" normalizeH="0" baseline="0" dirty="0">
+              <a:ln>
+                <a:noFill/>
+              </a:ln>
+              <a:solidFill>
+                <a:schemeClr val="tx1"/>
+              </a:solidFill>
+              <a:effectLst/>
+              <a:ea typeface="Times New Roman" panose="02020603050405020304" pitchFamily="18" charset="0"/>
+            </a:endParaRPr>
+          </a:p>
+          <a:p>
+            <a:pPr marL="0" marR="0" lvl="0" indent="0" algn="l" defTabSz="914400" rtl="0" eaLnBrk="0" fontAlgn="base" latinLnBrk="0" hangingPunct="0">
+              <a:lnSpc>
+                <a:spcPct val="100000"/>
+              </a:lnSpc>
+              <a:spcBef>
+                <a:spcPct val="0"/>
+              </a:spcBef>
+              <a:spcAft>
+                <a:spcPct val="0"/>
+              </a:spcAft>
+              <a:buClrTx/>
+              <a:buSzTx/>
+              <a:buFontTx/>
+              <a:buNone/>
+              <a:tabLst/>
+            </a:pPr>
+            <a:r>
+              <a:rPr kumimoji="0" lang="en-US" altLang="en-US" sz="1300" b="0" i="0" u="none" strike="noStrike" cap="none" normalizeH="0" baseline="0" dirty="0">
+                <a:ln>
+                  <a:noFill/>
+                </a:ln>
+                <a:solidFill>
+                  <a:srgbClr val="333333"/>
+                </a:solidFill>
+                <a:effectLst/>
+                <a:latin typeface="Helvetica" panose="020B0604020202020204" pitchFamily="34" charset="0"/>
+                <a:ea typeface="Times New Roman" panose="02020603050405020304" pitchFamily="18" charset="0"/>
+              </a:rPr>
+              <a:t>This method will be invoked just before Angular destroys the component.</a:t>
+            </a:r>
+            <a:br>
+              <a:rPr kumimoji="0" lang="en-US" altLang="en-US" sz="1300" b="0" i="0" u="none" strike="noStrike" cap="none" normalizeH="0" baseline="0" dirty="0">
+                <a:ln>
+                  <a:noFill/>
+                </a:ln>
+                <a:solidFill>
+                  <a:srgbClr val="333333"/>
+                </a:solidFill>
+                <a:effectLst/>
+                <a:latin typeface="Helvetica" panose="020B0604020202020204" pitchFamily="34" charset="0"/>
+                <a:ea typeface="Times New Roman" panose="02020603050405020304" pitchFamily="18" charset="0"/>
+              </a:rPr>
+            </a:br>
+            <a:r>
+              <a:rPr kumimoji="0" lang="en-US" altLang="en-US" sz="1300" b="0" i="0" u="none" strike="noStrike" cap="none" normalizeH="0" baseline="0" dirty="0">
+                <a:ln>
+                  <a:noFill/>
+                </a:ln>
+                <a:solidFill>
+                  <a:srgbClr val="333333"/>
+                </a:solidFill>
+                <a:effectLst/>
+                <a:latin typeface="Helvetica" panose="020B0604020202020204" pitchFamily="34" charset="0"/>
+                <a:ea typeface="Times New Roman" panose="02020603050405020304" pitchFamily="18" charset="0"/>
+              </a:rPr>
+              <a:t>Use this hook to unsubscribe observables and detach event handlers to avoid memory leaks.</a:t>
+            </a:r>
+            <a:endParaRPr kumimoji="0" lang="en-US" altLang="en-US" sz="1200" b="0" i="0" u="none" strike="noStrike" cap="none" normalizeH="0" baseline="0" dirty="0">
+              <a:ln>
+                <a:noFill/>
+              </a:ln>
+              <a:solidFill>
+                <a:schemeClr val="tx1"/>
+              </a:solidFill>
+              <a:effectLst/>
+              <a:ea typeface="Times New Roman" panose="02020603050405020304" pitchFamily="18" charset="0"/>
+            </a:endParaRPr>
+          </a:p>
+          <a:p>
+            <a:pPr marL="0" marR="0" lvl="0" indent="0" algn="l" defTabSz="914400" rtl="0" eaLnBrk="0" fontAlgn="base" latinLnBrk="0" hangingPunct="0">
+              <a:lnSpc>
+                <a:spcPct val="100000"/>
+              </a:lnSpc>
+              <a:spcBef>
+                <a:spcPct val="0"/>
+              </a:spcBef>
+              <a:spcAft>
+                <a:spcPct val="0"/>
+              </a:spcAft>
+              <a:buClrTx/>
+              <a:buSzTx/>
+              <a:buFontTx/>
+              <a:buNone/>
+              <a:tabLst/>
+            </a:pPr>
+            <a:r>
+              <a:rPr kumimoji="0" lang="en-US" altLang="en-US" sz="2200" b="1" i="0" u="none" strike="noStrike" cap="none" normalizeH="0" baseline="0" dirty="0">
+                <a:ln>
+                  <a:noFill/>
+                </a:ln>
+                <a:solidFill>
+                  <a:srgbClr val="000000"/>
+                </a:solidFill>
+                <a:effectLst/>
+                <a:latin typeface="Helvetica" panose="020B0604020202020204" pitchFamily="34" charset="0"/>
+                <a:ea typeface="Times New Roman" panose="02020603050405020304" pitchFamily="18" charset="0"/>
+                <a:cs typeface="Times New Roman" panose="02020603050405020304" pitchFamily="18" charset="0"/>
+                <a:hlinkClick r:id="rId3"/>
+              </a:rPr>
+              <a:t>Hooks for</a:t>
+            </a:r>
+            <a:r>
+              <a:rPr kumimoji="0" lang="en-US" altLang="en-US" sz="2200" b="1" i="0" u="none" strike="noStrike" cap="none" normalizeH="0" baseline="0" dirty="0">
+                <a:ln>
+                  <a:noFill/>
+                </a:ln>
+                <a:solidFill>
+                  <a:srgbClr val="000000"/>
+                </a:solidFill>
+                <a:effectLst/>
+                <a:latin typeface="Calibri Light" panose="020F0302020204030204" pitchFamily="34" charset="0"/>
+                <a:ea typeface="Times New Roman" panose="02020603050405020304" pitchFamily="18" charset="0"/>
+                <a:cs typeface="Times New Roman" panose="02020603050405020304" pitchFamily="18" charset="0"/>
+                <a:hlinkClick r:id="rId3"/>
+              </a:rPr>
+              <a:t> </a:t>
+            </a:r>
+            <a:r>
+              <a:rPr kumimoji="0" lang="en-US" altLang="en-US" sz="2200" b="1" i="0" u="none" strike="noStrike" cap="none" normalizeH="0" baseline="0" dirty="0">
+                <a:ln>
+                  <a:noFill/>
+                </a:ln>
+                <a:solidFill>
+                  <a:srgbClr val="000000"/>
+                </a:solidFill>
+                <a:effectLst/>
+                <a:latin typeface="Helvetica" panose="020B0604020202020204" pitchFamily="34" charset="0"/>
+                <a:ea typeface="Times New Roman" panose="02020603050405020304" pitchFamily="18" charset="0"/>
+                <a:cs typeface="Times New Roman" panose="02020603050405020304" pitchFamily="18" charset="0"/>
+                <a:hlinkClick r:id="rId3"/>
+              </a:rPr>
+              <a:t>the Component</a:t>
+            </a:r>
+            <a:r>
+              <a:rPr kumimoji="0" lang="en-US" altLang="en-US" sz="2200" b="1" i="0" u="none" strike="noStrike" cap="none" normalizeH="0" baseline="0" dirty="0">
+                <a:ln>
+                  <a:noFill/>
+                </a:ln>
+                <a:solidFill>
+                  <a:srgbClr val="000000"/>
+                </a:solidFill>
+                <a:effectLst/>
+                <a:latin typeface="Calibri Light" panose="020F0302020204030204" pitchFamily="34" charset="0"/>
+                <a:ea typeface="Times New Roman" panose="02020603050405020304" pitchFamily="18" charset="0"/>
+                <a:cs typeface="Times New Roman" panose="02020603050405020304" pitchFamily="18" charset="0"/>
+                <a:hlinkClick r:id="rId3"/>
+              </a:rPr>
+              <a:t>’</a:t>
+            </a:r>
+            <a:r>
+              <a:rPr kumimoji="0" lang="en-US" altLang="en-US" sz="2200" b="1" i="0" u="none" strike="noStrike" cap="none" normalizeH="0" baseline="0" dirty="0">
+                <a:ln>
+                  <a:noFill/>
+                </a:ln>
+                <a:solidFill>
+                  <a:srgbClr val="000000"/>
+                </a:solidFill>
+                <a:effectLst/>
+                <a:latin typeface="Helvetica" panose="020B0604020202020204" pitchFamily="34" charset="0"/>
+                <a:ea typeface="Times New Roman" panose="02020603050405020304" pitchFamily="18" charset="0"/>
+                <a:cs typeface="Times New Roman" panose="02020603050405020304" pitchFamily="18" charset="0"/>
+                <a:hlinkClick r:id="rId3"/>
+              </a:rPr>
+              <a:t>s Children</a:t>
+            </a:r>
+            <a:endParaRPr kumimoji="0" lang="en-US" altLang="en-US" sz="1200" b="0" i="0" u="none" strike="noStrike" cap="none" normalizeH="0" baseline="0" dirty="0">
+              <a:ln>
+                <a:noFill/>
+              </a:ln>
+              <a:solidFill>
+                <a:srgbClr val="1F3763"/>
+              </a:solidFill>
+              <a:effectLst/>
+              <a:latin typeface="Calibri Light" panose="020F0302020204030204" pitchFamily="34" charset="0"/>
+              <a:ea typeface="Times New Roman" panose="02020603050405020304" pitchFamily="18" charset="0"/>
+              <a:cs typeface="Times New Roman" panose="02020603050405020304" pitchFamily="18" charset="0"/>
+            </a:endParaRPr>
+          </a:p>
+          <a:p>
+            <a:pPr marL="0" marR="0" lvl="0" indent="0" algn="l" defTabSz="914400" rtl="0" eaLnBrk="0" fontAlgn="base" latinLnBrk="0" hangingPunct="0">
+              <a:lnSpc>
+                <a:spcPct val="100000"/>
+              </a:lnSpc>
+              <a:spcBef>
+                <a:spcPct val="0"/>
+              </a:spcBef>
+              <a:spcAft>
+                <a:spcPct val="0"/>
+              </a:spcAft>
+              <a:buClrTx/>
+              <a:buSzTx/>
+              <a:buFontTx/>
+              <a:buNone/>
+              <a:tabLst/>
+            </a:pPr>
+            <a:r>
+              <a:rPr kumimoji="0" lang="en-US" altLang="en-US" sz="1300" b="0" i="0" u="none" strike="noStrike" cap="none" normalizeH="0" baseline="0" dirty="0">
+                <a:ln>
+                  <a:noFill/>
+                </a:ln>
+                <a:solidFill>
+                  <a:srgbClr val="333333"/>
+                </a:solidFill>
+                <a:effectLst/>
+                <a:latin typeface="Helvetica" panose="020B0604020202020204" pitchFamily="34" charset="0"/>
+                <a:ea typeface="Times New Roman" panose="02020603050405020304" pitchFamily="18" charset="0"/>
+              </a:rPr>
+              <a:t>These hooks are only called for components and not directives.</a:t>
+            </a:r>
+            <a:endParaRPr kumimoji="0" lang="en-US" altLang="en-US" sz="1100" b="0" i="1" u="none" strike="noStrike" cap="none" normalizeH="0" baseline="0" dirty="0">
+              <a:ln>
+                <a:noFill/>
+              </a:ln>
+              <a:solidFill>
+                <a:srgbClr val="2F5496"/>
+              </a:solidFill>
+              <a:effectLst/>
+              <a:latin typeface="Calibri Light" panose="020F0302020204030204" pitchFamily="34" charset="0"/>
+              <a:ea typeface="Times New Roman" panose="02020603050405020304" pitchFamily="18" charset="0"/>
+              <a:cs typeface="Times New Roman" panose="02020603050405020304" pitchFamily="18" charset="0"/>
+            </a:endParaRPr>
+          </a:p>
+          <a:p>
+            <a:pPr marL="0" marR="0" lvl="0" indent="0" algn="l" defTabSz="914400" rtl="0" eaLnBrk="0" fontAlgn="base" latinLnBrk="0" hangingPunct="0">
+              <a:lnSpc>
+                <a:spcPct val="100000"/>
+              </a:lnSpc>
+              <a:spcBef>
+                <a:spcPct val="0"/>
+              </a:spcBef>
+              <a:spcAft>
+                <a:spcPct val="0"/>
+              </a:spcAft>
+              <a:buClrTx/>
+              <a:buSzTx/>
+              <a:buFontTx/>
+              <a:buNone/>
+              <a:tabLst/>
+            </a:pPr>
+            <a:r>
+              <a:rPr kumimoji="0" lang="en-US" altLang="en-US" sz="1500" b="1" i="1" u="none" strike="noStrike" cap="none" normalizeH="0" baseline="0" dirty="0">
+                <a:ln>
+                  <a:noFill/>
+                </a:ln>
+                <a:solidFill>
+                  <a:srgbClr val="333333"/>
+                </a:solidFill>
+                <a:effectLst/>
+                <a:latin typeface="Helvetica" panose="020B0604020202020204" pitchFamily="34" charset="0"/>
+                <a:ea typeface="Times New Roman" panose="02020603050405020304" pitchFamily="18" charset="0"/>
+                <a:cs typeface="Times New Roman" panose="02020603050405020304" pitchFamily="18" charset="0"/>
+              </a:rPr>
+              <a:t>Note</a:t>
+            </a:r>
+            <a:endParaRPr kumimoji="0" lang="en-US" altLang="en-US" sz="1100" b="0" i="1" u="none" strike="noStrike" cap="none" normalizeH="0" baseline="0" dirty="0">
+              <a:ln>
+                <a:noFill/>
+              </a:ln>
+              <a:solidFill>
+                <a:srgbClr val="2F5496"/>
+              </a:solidFill>
+              <a:effectLst/>
+              <a:latin typeface="Calibri Light" panose="020F0302020204030204" pitchFamily="34" charset="0"/>
+              <a:ea typeface="Times New Roman" panose="02020603050405020304" pitchFamily="18" charset="0"/>
+              <a:cs typeface="Times New Roman" panose="02020603050405020304" pitchFamily="18" charset="0"/>
+            </a:endParaRPr>
+          </a:p>
+          <a:p>
+            <a:pPr marL="0" marR="0" lvl="0" indent="0" algn="l" defTabSz="914400" rtl="0" eaLnBrk="0" fontAlgn="base" latinLnBrk="0" hangingPunct="0">
+              <a:lnSpc>
+                <a:spcPct val="100000"/>
+              </a:lnSpc>
+              <a:spcBef>
+                <a:spcPct val="0"/>
+              </a:spcBef>
+              <a:spcAft>
+                <a:spcPct val="0"/>
+              </a:spcAft>
+              <a:buClrTx/>
+              <a:buSzTx/>
+              <a:buFontTx/>
+              <a:buNone/>
+              <a:tabLst/>
+            </a:pPr>
+            <a:r>
+              <a:rPr kumimoji="0" lang="en-US" altLang="en-US" sz="1300" b="0" i="0" u="none" strike="noStrike" cap="none" normalizeH="0" baseline="0" dirty="0">
+                <a:ln>
+                  <a:noFill/>
+                </a:ln>
+                <a:solidFill>
+                  <a:srgbClr val="333333"/>
+                </a:solidFill>
+                <a:effectLst/>
+                <a:latin typeface="Helvetica" panose="020B0604020202020204" pitchFamily="34" charset="0"/>
+                <a:ea typeface="Times New Roman" panose="02020603050405020304" pitchFamily="18" charset="0"/>
+                <a:cs typeface="Times New Roman" panose="02020603050405020304" pitchFamily="18" charset="0"/>
+              </a:rPr>
+              <a:t>We will cover the</a:t>
+            </a:r>
+            <a:r>
+              <a:rPr kumimoji="0" lang="en-US" altLang="en-US" sz="1300" b="0" i="0" u="none" strike="noStrike" cap="none" normalizeH="0" baseline="0" dirty="0">
+                <a:ln>
+                  <a:noFill/>
+                </a:ln>
+                <a:solidFill>
+                  <a:srgbClr val="333333"/>
+                </a:solidFill>
+                <a:effectLst/>
+                <a:latin typeface="Calibri" panose="020F0502020204030204" pitchFamily="34" charset="0"/>
+                <a:ea typeface="Times New Roman" panose="02020603050405020304" pitchFamily="18" charset="0"/>
+                <a:cs typeface="Times New Roman" panose="02020603050405020304" pitchFamily="18" charset="0"/>
+              </a:rPr>
+              <a:t> </a:t>
+            </a:r>
+            <a:r>
+              <a:rPr kumimoji="0" lang="en-US" altLang="en-US" sz="1300" b="0" i="0" u="none" strike="noStrike" cap="none" normalizeH="0" baseline="0" dirty="0">
+                <a:ln>
+                  <a:noFill/>
+                </a:ln>
+                <a:solidFill>
+                  <a:srgbClr val="333333"/>
+                </a:solidFill>
+                <a:effectLst/>
+                <a:latin typeface="Helvetica" panose="020B0604020202020204" pitchFamily="34" charset="0"/>
+                <a:ea typeface="Times New Roman" panose="02020603050405020304" pitchFamily="18" charset="0"/>
+                <a:cs typeface="Times New Roman" panose="02020603050405020304" pitchFamily="18" charset="0"/>
+              </a:rPr>
+              <a:t>difference between Components and</a:t>
+            </a:r>
+            <a:r>
+              <a:rPr kumimoji="0" lang="en-US" altLang="en-US" sz="1300" b="0" i="0" u="none" strike="noStrike" cap="none" normalizeH="0" baseline="0" dirty="0">
+                <a:ln>
+                  <a:noFill/>
+                </a:ln>
+                <a:solidFill>
+                  <a:srgbClr val="333333"/>
+                </a:solidFill>
+                <a:effectLst/>
+                <a:latin typeface="Calibri" panose="020F0502020204030204" pitchFamily="34" charset="0"/>
+                <a:ea typeface="Times New Roman" panose="02020603050405020304" pitchFamily="18" charset="0"/>
+                <a:cs typeface="Times New Roman" panose="02020603050405020304" pitchFamily="18" charset="0"/>
+              </a:rPr>
+              <a:t> </a:t>
+            </a:r>
+            <a:r>
+              <a:rPr kumimoji="0" lang="en-US" altLang="en-US" sz="1300" b="0" i="0" u="none" strike="noStrike" cap="none" normalizeH="0" baseline="0" dirty="0">
+                <a:ln>
+                  <a:noFill/>
+                </a:ln>
+                <a:solidFill>
+                  <a:srgbClr val="333333"/>
+                </a:solidFill>
+                <a:effectLst/>
+                <a:latin typeface="Helvetica" panose="020B0604020202020204" pitchFamily="34" charset="0"/>
+                <a:ea typeface="Times New Roman" panose="02020603050405020304" pitchFamily="18" charset="0"/>
+                <a:cs typeface="Times New Roman" panose="02020603050405020304" pitchFamily="18" charset="0"/>
+              </a:rPr>
+              <a:t>Directives in</a:t>
+            </a:r>
+            <a:r>
+              <a:rPr kumimoji="0" lang="en-US" altLang="en-US" sz="1300" b="0" i="0" u="none" strike="noStrike" cap="none" normalizeH="0" baseline="0" dirty="0">
+                <a:ln>
+                  <a:noFill/>
+                </a:ln>
+                <a:solidFill>
+                  <a:srgbClr val="333333"/>
+                </a:solidFill>
+                <a:effectLst/>
+                <a:latin typeface="Calibri" panose="020F0502020204030204" pitchFamily="34" charset="0"/>
+                <a:ea typeface="Times New Roman" panose="02020603050405020304" pitchFamily="18" charset="0"/>
+                <a:cs typeface="Times New Roman" panose="02020603050405020304" pitchFamily="18" charset="0"/>
+              </a:rPr>
+              <a:t> </a:t>
+            </a:r>
+            <a:r>
+              <a:rPr kumimoji="0" lang="en-US" altLang="en-US" sz="1300" b="0" i="0" u="none" strike="noStrike" cap="none" normalizeH="0" baseline="0" dirty="0">
+                <a:ln>
+                  <a:noFill/>
+                </a:ln>
+                <a:solidFill>
+                  <a:srgbClr val="333333"/>
+                </a:solidFill>
+                <a:effectLst/>
+                <a:latin typeface="Helvetica" panose="020B0604020202020204" pitchFamily="34" charset="0"/>
+                <a:ea typeface="Times New Roman" panose="02020603050405020304" pitchFamily="18" charset="0"/>
+                <a:cs typeface="Times New Roman" panose="02020603050405020304" pitchFamily="18" charset="0"/>
+              </a:rPr>
+              <a:t>the next section.</a:t>
+            </a:r>
+            <a:endParaRPr kumimoji="0" lang="en-US" altLang="en-US" sz="1200" b="0" i="0" u="none" strike="noStrike" cap="none" normalizeH="0" baseline="0" dirty="0">
+              <a:ln>
+                <a:noFill/>
+              </a:ln>
+              <a:solidFill>
+                <a:schemeClr val="tx1"/>
+              </a:solidFill>
+              <a:effectLst/>
+              <a:ea typeface="Times New Roman" panose="02020603050405020304" pitchFamily="18" charset="0"/>
+            </a:endParaRPr>
+          </a:p>
+          <a:p>
+            <a:pPr marL="0" marR="0" lvl="0" indent="0" algn="l" defTabSz="914400" rtl="0" eaLnBrk="0" fontAlgn="base" latinLnBrk="0" hangingPunct="0">
+              <a:lnSpc>
+                <a:spcPct val="100000"/>
+              </a:lnSpc>
+              <a:spcBef>
+                <a:spcPct val="0"/>
+              </a:spcBef>
+              <a:spcAft>
+                <a:spcPct val="0"/>
+              </a:spcAft>
+              <a:buClrTx/>
+              <a:buSzTx/>
+              <a:buFontTx/>
+              <a:buNone/>
+              <a:tabLst/>
+            </a:pPr>
+            <a:r>
+              <a:rPr kumimoji="0" lang="en-US" altLang="en-US" sz="1300" b="1" i="0" u="none" strike="noStrike" cap="none" normalizeH="0" baseline="0" dirty="0" err="1">
+                <a:ln>
+                  <a:noFill/>
+                </a:ln>
+                <a:solidFill>
+                  <a:srgbClr val="333333"/>
+                </a:solidFill>
+                <a:effectLst/>
+                <a:latin typeface="Helvetica" panose="020B0604020202020204" pitchFamily="34" charset="0"/>
+                <a:ea typeface="Times New Roman" panose="02020603050405020304" pitchFamily="18" charset="0"/>
+                <a:cs typeface="Times New Roman" panose="02020603050405020304" pitchFamily="18" charset="0"/>
+              </a:rPr>
+              <a:t>ngAfterContentInit</a:t>
+            </a:r>
+            <a:endParaRPr kumimoji="0" lang="en-US" altLang="en-US" sz="1200" b="0" i="0" u="none" strike="noStrike" cap="none" normalizeH="0" baseline="0" dirty="0">
+              <a:ln>
+                <a:noFill/>
+              </a:ln>
+              <a:solidFill>
+                <a:schemeClr val="tx1"/>
+              </a:solidFill>
+              <a:effectLst/>
+              <a:ea typeface="Times New Roman" panose="02020603050405020304" pitchFamily="18" charset="0"/>
+            </a:endParaRPr>
+          </a:p>
+          <a:p>
+            <a:pPr marL="0" marR="0" lvl="0" indent="0" algn="l" defTabSz="914400" rtl="0" eaLnBrk="0" fontAlgn="base" latinLnBrk="0" hangingPunct="0">
+              <a:lnSpc>
+                <a:spcPct val="100000"/>
+              </a:lnSpc>
+              <a:spcBef>
+                <a:spcPct val="0"/>
+              </a:spcBef>
+              <a:spcAft>
+                <a:spcPct val="0"/>
+              </a:spcAft>
+              <a:buClrTx/>
+              <a:buSzTx/>
+              <a:buFontTx/>
+              <a:buNone/>
+              <a:tabLst/>
+            </a:pPr>
+            <a:r>
+              <a:rPr kumimoji="0" lang="en-US" altLang="en-US" sz="1300" b="0" i="0" u="none" strike="noStrike" cap="none" normalizeH="0" baseline="0" dirty="0">
+                <a:ln>
+                  <a:noFill/>
+                </a:ln>
+                <a:solidFill>
+                  <a:srgbClr val="333333"/>
+                </a:solidFill>
+                <a:effectLst/>
+                <a:latin typeface="Helvetica" panose="020B0604020202020204" pitchFamily="34" charset="0"/>
+                <a:ea typeface="Times New Roman" panose="02020603050405020304" pitchFamily="18" charset="0"/>
+              </a:rPr>
+              <a:t>Invoked </a:t>
+            </a:r>
+            <a:r>
+              <a:rPr kumimoji="0" lang="en-US" altLang="en-US" sz="1300" b="0" i="1" u="none" strike="noStrike" cap="none" normalizeH="0" baseline="0" dirty="0">
+                <a:ln>
+                  <a:noFill/>
+                </a:ln>
+                <a:solidFill>
+                  <a:srgbClr val="333333"/>
+                </a:solidFill>
+                <a:effectLst/>
+                <a:latin typeface="Helvetica" panose="020B0604020202020204" pitchFamily="34" charset="0"/>
+                <a:ea typeface="Times New Roman" panose="02020603050405020304" pitchFamily="18" charset="0"/>
+              </a:rPr>
+              <a:t>after</a:t>
+            </a:r>
+            <a:r>
+              <a:rPr kumimoji="0" lang="en-US" altLang="en-US" sz="1300" b="0" i="0" u="none" strike="noStrike" cap="none" normalizeH="0" baseline="0" dirty="0">
+                <a:ln>
+                  <a:noFill/>
+                </a:ln>
+                <a:solidFill>
+                  <a:srgbClr val="333333"/>
+                </a:solidFill>
+                <a:effectLst/>
+                <a:latin typeface="Helvetica" panose="020B0604020202020204" pitchFamily="34" charset="0"/>
+                <a:ea typeface="Times New Roman" panose="02020603050405020304" pitchFamily="18" charset="0"/>
+              </a:rPr>
+              <a:t> Angular performs any content projection into the component’s view (see the previous lecture on </a:t>
+            </a:r>
+            <a:r>
+              <a:rPr kumimoji="0" lang="en-US" altLang="en-US" sz="1300" b="0" i="1" u="none" strike="noStrike" cap="none" normalizeH="0" baseline="0" dirty="0">
+                <a:ln>
+                  <a:noFill/>
+                </a:ln>
+                <a:solidFill>
+                  <a:srgbClr val="333333"/>
+                </a:solidFill>
+                <a:effectLst/>
+                <a:latin typeface="Helvetica" panose="020B0604020202020204" pitchFamily="34" charset="0"/>
+                <a:ea typeface="Times New Roman" panose="02020603050405020304" pitchFamily="18" charset="0"/>
+              </a:rPr>
+              <a:t>Content Projection</a:t>
+            </a:r>
+            <a:r>
+              <a:rPr kumimoji="0" lang="en-US" altLang="en-US" sz="1300" b="0" i="0" u="none" strike="noStrike" cap="none" normalizeH="0" baseline="0" dirty="0">
+                <a:ln>
+                  <a:noFill/>
+                </a:ln>
+                <a:solidFill>
+                  <a:srgbClr val="333333"/>
+                </a:solidFill>
+                <a:effectLst/>
+                <a:latin typeface="Helvetica" panose="020B0604020202020204" pitchFamily="34" charset="0"/>
+                <a:ea typeface="Times New Roman" panose="02020603050405020304" pitchFamily="18" charset="0"/>
+              </a:rPr>
+              <a:t> for more info).</a:t>
+            </a:r>
+            <a:endParaRPr kumimoji="0" lang="en-US" altLang="en-US" sz="1200" b="0" i="0" u="none" strike="noStrike" cap="none" normalizeH="0" baseline="0" dirty="0">
+              <a:ln>
+                <a:noFill/>
+              </a:ln>
+              <a:solidFill>
+                <a:schemeClr val="tx1"/>
+              </a:solidFill>
+              <a:effectLst/>
+              <a:ea typeface="Times New Roman" panose="02020603050405020304" pitchFamily="18" charset="0"/>
+            </a:endParaRPr>
+          </a:p>
+          <a:p>
+            <a:pPr marL="0" marR="0" lvl="0" indent="0" algn="l" defTabSz="914400" rtl="0" eaLnBrk="0" fontAlgn="base" latinLnBrk="0" hangingPunct="0">
+              <a:lnSpc>
+                <a:spcPct val="100000"/>
+              </a:lnSpc>
+              <a:spcBef>
+                <a:spcPct val="0"/>
+              </a:spcBef>
+              <a:spcAft>
+                <a:spcPct val="0"/>
+              </a:spcAft>
+              <a:buClrTx/>
+              <a:buSzTx/>
+              <a:buFontTx/>
+              <a:buNone/>
+              <a:tabLst/>
+            </a:pPr>
+            <a:r>
+              <a:rPr kumimoji="0" lang="en-US" altLang="en-US" sz="1300" b="1" i="0" u="none" strike="noStrike" cap="none" normalizeH="0" baseline="0" dirty="0" err="1">
+                <a:ln>
+                  <a:noFill/>
+                </a:ln>
+                <a:solidFill>
+                  <a:srgbClr val="333333"/>
+                </a:solidFill>
+                <a:effectLst/>
+                <a:latin typeface="Helvetica" panose="020B0604020202020204" pitchFamily="34" charset="0"/>
+                <a:ea typeface="Times New Roman" panose="02020603050405020304" pitchFamily="18" charset="0"/>
+                <a:cs typeface="Times New Roman" panose="02020603050405020304" pitchFamily="18" charset="0"/>
+              </a:rPr>
+              <a:t>ngAfterContentChecked</a:t>
+            </a:r>
+            <a:endParaRPr kumimoji="0" lang="en-US" altLang="en-US" sz="1200" b="0" i="0" u="none" strike="noStrike" cap="none" normalizeH="0" baseline="0" dirty="0">
+              <a:ln>
+                <a:noFill/>
+              </a:ln>
+              <a:solidFill>
+                <a:schemeClr val="tx1"/>
+              </a:solidFill>
+              <a:effectLst/>
+              <a:ea typeface="Times New Roman" panose="02020603050405020304" pitchFamily="18" charset="0"/>
+            </a:endParaRPr>
+          </a:p>
+          <a:p>
+            <a:pPr marL="0" marR="0" lvl="0" indent="0" algn="l" defTabSz="914400" rtl="0" eaLnBrk="0" fontAlgn="base" latinLnBrk="0" hangingPunct="0">
+              <a:lnSpc>
+                <a:spcPct val="100000"/>
+              </a:lnSpc>
+              <a:spcBef>
+                <a:spcPct val="0"/>
+              </a:spcBef>
+              <a:spcAft>
+                <a:spcPct val="0"/>
+              </a:spcAft>
+              <a:buClrTx/>
+              <a:buSzTx/>
+              <a:buFontTx/>
+              <a:buNone/>
+              <a:tabLst/>
+            </a:pPr>
+            <a:r>
+              <a:rPr kumimoji="0" lang="en-US" altLang="en-US" sz="1300" b="0" i="0" u="none" strike="noStrike" cap="none" normalizeH="0" baseline="0" dirty="0">
+                <a:ln>
+                  <a:noFill/>
+                </a:ln>
+                <a:solidFill>
+                  <a:srgbClr val="333333"/>
+                </a:solidFill>
+                <a:effectLst/>
+                <a:latin typeface="Helvetica" panose="020B0604020202020204" pitchFamily="34" charset="0"/>
+                <a:ea typeface="Times New Roman" panose="02020603050405020304" pitchFamily="18" charset="0"/>
+              </a:rPr>
+              <a:t>Invoked each time the content of the given component has been checked by the change detection mechanism of Angular.</a:t>
+            </a:r>
+            <a:endParaRPr kumimoji="0" lang="en-US" altLang="en-US" sz="1200" b="0" i="0" u="none" strike="noStrike" cap="none" normalizeH="0" baseline="0" dirty="0">
+              <a:ln>
+                <a:noFill/>
+              </a:ln>
+              <a:solidFill>
+                <a:schemeClr val="tx1"/>
+              </a:solidFill>
+              <a:effectLst/>
+              <a:ea typeface="Times New Roman" panose="02020603050405020304" pitchFamily="18" charset="0"/>
+            </a:endParaRPr>
+          </a:p>
+          <a:p>
+            <a:pPr marL="0" marR="0" lvl="0" indent="0" algn="l" defTabSz="914400" rtl="0" eaLnBrk="0" fontAlgn="base" latinLnBrk="0" hangingPunct="0">
+              <a:lnSpc>
+                <a:spcPct val="100000"/>
+              </a:lnSpc>
+              <a:spcBef>
+                <a:spcPct val="0"/>
+              </a:spcBef>
+              <a:spcAft>
+                <a:spcPct val="0"/>
+              </a:spcAft>
+              <a:buClrTx/>
+              <a:buSzTx/>
+              <a:buFontTx/>
+              <a:buNone/>
+              <a:tabLst/>
+            </a:pPr>
+            <a:r>
+              <a:rPr kumimoji="0" lang="en-US" altLang="en-US" sz="1300" b="1" i="0" u="none" strike="noStrike" cap="none" normalizeH="0" baseline="0" dirty="0" err="1">
+                <a:ln>
+                  <a:noFill/>
+                </a:ln>
+                <a:solidFill>
+                  <a:srgbClr val="333333"/>
+                </a:solidFill>
+                <a:effectLst/>
+                <a:latin typeface="Helvetica" panose="020B0604020202020204" pitchFamily="34" charset="0"/>
+                <a:ea typeface="Times New Roman" panose="02020603050405020304" pitchFamily="18" charset="0"/>
+                <a:cs typeface="Times New Roman" panose="02020603050405020304" pitchFamily="18" charset="0"/>
+              </a:rPr>
+              <a:t>ngAfterViewInit</a:t>
+            </a:r>
+            <a:endParaRPr kumimoji="0" lang="en-US" altLang="en-US" sz="1200" b="0" i="0" u="none" strike="noStrike" cap="none" normalizeH="0" baseline="0" dirty="0">
+              <a:ln>
+                <a:noFill/>
+              </a:ln>
+              <a:solidFill>
+                <a:schemeClr val="tx1"/>
+              </a:solidFill>
+              <a:effectLst/>
+              <a:ea typeface="Times New Roman" panose="02020603050405020304" pitchFamily="18" charset="0"/>
+            </a:endParaRPr>
+          </a:p>
+          <a:p>
+            <a:pPr marL="0" marR="0" lvl="0" indent="0" algn="l" defTabSz="914400" rtl="0" eaLnBrk="0" fontAlgn="base" latinLnBrk="0" hangingPunct="0">
+              <a:lnSpc>
+                <a:spcPct val="100000"/>
+              </a:lnSpc>
+              <a:spcBef>
+                <a:spcPct val="0"/>
+              </a:spcBef>
+              <a:spcAft>
+                <a:spcPct val="0"/>
+              </a:spcAft>
+              <a:buClrTx/>
+              <a:buSzTx/>
+              <a:buFontTx/>
+              <a:buNone/>
+              <a:tabLst/>
+            </a:pPr>
+            <a:r>
+              <a:rPr kumimoji="0" lang="en-US" altLang="en-US" sz="1300" b="0" i="0" u="none" strike="noStrike" cap="none" normalizeH="0" baseline="0" dirty="0">
+                <a:ln>
+                  <a:noFill/>
+                </a:ln>
+                <a:solidFill>
+                  <a:srgbClr val="333333"/>
+                </a:solidFill>
+                <a:effectLst/>
+                <a:latin typeface="Helvetica" panose="020B0604020202020204" pitchFamily="34" charset="0"/>
+                <a:ea typeface="Times New Roman" panose="02020603050405020304" pitchFamily="18" charset="0"/>
+              </a:rPr>
+              <a:t>Invoked when the component’s view has been fully initialized.</a:t>
+            </a:r>
+            <a:endParaRPr kumimoji="0" lang="en-US" altLang="en-US" sz="1200" b="0" i="0" u="none" strike="noStrike" cap="none" normalizeH="0" baseline="0" dirty="0">
+              <a:ln>
+                <a:noFill/>
+              </a:ln>
+              <a:solidFill>
+                <a:schemeClr val="tx1"/>
+              </a:solidFill>
+              <a:effectLst/>
+              <a:ea typeface="Times New Roman" panose="02020603050405020304" pitchFamily="18" charset="0"/>
+            </a:endParaRPr>
+          </a:p>
+          <a:p>
+            <a:pPr marL="0" marR="0" lvl="0" indent="0" algn="l" defTabSz="914400" rtl="0" eaLnBrk="0" fontAlgn="base" latinLnBrk="0" hangingPunct="0">
+              <a:lnSpc>
+                <a:spcPct val="100000"/>
+              </a:lnSpc>
+              <a:spcBef>
+                <a:spcPct val="0"/>
+              </a:spcBef>
+              <a:spcAft>
+                <a:spcPct val="0"/>
+              </a:spcAft>
+              <a:buClrTx/>
+              <a:buSzTx/>
+              <a:buFontTx/>
+              <a:buNone/>
+              <a:tabLst/>
+            </a:pPr>
+            <a:r>
+              <a:rPr kumimoji="0" lang="en-US" altLang="en-US" sz="1300" b="1" i="0" u="none" strike="noStrike" cap="none" normalizeH="0" baseline="0" dirty="0" err="1">
+                <a:ln>
+                  <a:noFill/>
+                </a:ln>
+                <a:solidFill>
+                  <a:srgbClr val="333333"/>
+                </a:solidFill>
+                <a:effectLst/>
+                <a:latin typeface="Helvetica" panose="020B0604020202020204" pitchFamily="34" charset="0"/>
+                <a:ea typeface="Times New Roman" panose="02020603050405020304" pitchFamily="18" charset="0"/>
+                <a:cs typeface="Times New Roman" panose="02020603050405020304" pitchFamily="18" charset="0"/>
+              </a:rPr>
+              <a:t>ngAfterViewChecked</a:t>
+            </a:r>
+            <a:endParaRPr kumimoji="0" lang="en-US" altLang="en-US" sz="1200" b="0" i="0" u="none" strike="noStrike" cap="none" normalizeH="0" baseline="0" dirty="0">
+              <a:ln>
+                <a:noFill/>
+              </a:ln>
+              <a:solidFill>
+                <a:schemeClr val="tx1"/>
+              </a:solidFill>
+              <a:effectLst/>
+              <a:ea typeface="Times New Roman" panose="02020603050405020304" pitchFamily="18" charset="0"/>
+            </a:endParaRPr>
+          </a:p>
+          <a:p>
+            <a:pPr marL="0" marR="0" lvl="0" indent="0" algn="l" defTabSz="914400" rtl="0" eaLnBrk="0" fontAlgn="base" latinLnBrk="0" hangingPunct="0">
+              <a:lnSpc>
+                <a:spcPct val="100000"/>
+              </a:lnSpc>
+              <a:spcBef>
+                <a:spcPct val="0"/>
+              </a:spcBef>
+              <a:spcAft>
+                <a:spcPct val="0"/>
+              </a:spcAft>
+              <a:buClrTx/>
+              <a:buSzTx/>
+              <a:buFontTx/>
+              <a:buNone/>
+              <a:tabLst/>
+            </a:pPr>
+            <a:r>
+              <a:rPr kumimoji="0" lang="en-US" altLang="en-US" sz="1300" b="0" i="0" u="none" strike="noStrike" cap="none" normalizeH="0" baseline="0" dirty="0">
+                <a:ln>
+                  <a:noFill/>
+                </a:ln>
+                <a:solidFill>
+                  <a:srgbClr val="333333"/>
+                </a:solidFill>
+                <a:effectLst/>
+                <a:latin typeface="Helvetica" panose="020B0604020202020204" pitchFamily="34" charset="0"/>
+                <a:ea typeface="Times New Roman" panose="02020603050405020304" pitchFamily="18" charset="0"/>
+              </a:rPr>
+              <a:t>Invoked each time the view of the given component has been checked by the change detection mechanism of Angular.</a:t>
+            </a:r>
+            <a:endParaRPr kumimoji="0" lang="en-US" altLang="en-US" sz="1800" b="0" i="0" u="none" strike="noStrike" cap="none" normalizeH="0" baseline="0" dirty="0">
+              <a:ln>
+                <a:noFill/>
+              </a:ln>
+              <a:solidFill>
+                <a:schemeClr val="tx1"/>
+              </a:solidFill>
+              <a:effectLst/>
+              <a:latin typeface="Arial" panose="020B0604020202020204" pitchFamily="34" charset="0"/>
+            </a:endParaRPr>
           </a:p>
         </p:txBody>
       </p:sp>
     </p:spTree>
     <p:extLst>
       <p:ext uri="{BB962C8B-B14F-4D97-AF65-F5344CB8AC3E}">
-        <p14:creationId xmlns:p14="http://schemas.microsoft.com/office/powerpoint/2010/main" val="2084183852"/>
+        <p14:creationId xmlns:p14="http://schemas.microsoft.com/office/powerpoint/2010/main" val="3362695432"/>
       </p:ext>
     </p:extLst>
   </p:cSld>
@@ -7324,7 +9208,7 @@
           <p:cNvPr id="2" name="Title 1">
             <a:extLst>
               <a:ext uri="{FF2B5EF4-FFF2-40B4-BE49-F238E27FC236}">
-                <a16:creationId xmlns:a16="http://schemas.microsoft.com/office/drawing/2014/main" id="{168D52F0-7E4B-457E-8E36-23B3A8736436}"/>
+                <a16:creationId xmlns:a16="http://schemas.microsoft.com/office/drawing/2014/main" id="{98C30922-1452-42C1-B5E8-E81F16DDC1F9}"/>
               </a:ext>
             </a:extLst>
           </p:cNvPr>
@@ -7342,40 +9226,86 @@
           <a:p>
             <a:r>
               <a:rPr lang="en-US" dirty="0"/>
-              <a:t>Template Driven Forms</a:t>
-            </a:r>
-          </a:p>
-        </p:txBody>
-      </p:sp>
-      <p:sp>
-        <p:nvSpPr>
-          <p:cNvPr id="3" name="Content Placeholder 2">
-            <a:extLst>
-              <a:ext uri="{FF2B5EF4-FFF2-40B4-BE49-F238E27FC236}">
-                <a16:creationId xmlns:a16="http://schemas.microsoft.com/office/drawing/2014/main" id="{732F9610-E6A9-438E-9505-1520B97EDB5A}"/>
-              </a:ext>
-            </a:extLst>
-          </p:cNvPr>
-          <p:cNvSpPr>
-            <a:spLocks noGrp="1"/>
-          </p:cNvSpPr>
+              <a:t>Life Cycle Hooks	</a:t>
+            </a:r>
+          </a:p>
+        </p:txBody>
+      </p:sp>
+      <p:pic>
+        <p:nvPicPr>
+          <p:cNvPr id="5" name="Content Placeholder 4">
+            <a:extLst>
+              <a:ext uri="{FF2B5EF4-FFF2-40B4-BE49-F238E27FC236}">
+                <a16:creationId xmlns:a16="http://schemas.microsoft.com/office/drawing/2014/main" id="{A9A2CEF4-B8DF-47BA-A72C-07EF86DCB863}"/>
+              </a:ext>
+            </a:extLst>
+          </p:cNvPr>
+          <p:cNvPicPr>
+            <a:picLocks noGrp="1" noChangeAspect="1"/>
+          </p:cNvPicPr>
           <p:nvPr>
             <p:ph idx="1"/>
           </p:nvPr>
-        </p:nvSpPr>
-        <p:spPr/>
-        <p:txBody>
-          <a:bodyPr/>
-          <a:lstStyle/>
-          <a:p>
-            <a:endParaRPr lang="en-US"/>
-          </a:p>
-        </p:txBody>
-      </p:sp>
+        </p:nvPicPr>
+        <p:blipFill>
+          <a:blip r:embed="rId2">
+            <a:extLst>
+              <a:ext uri="{28A0092B-C50C-407E-A947-70E740481C1C}">
+                <a14:useLocalDpi xmlns:a14="http://schemas.microsoft.com/office/drawing/2010/main" val="0"/>
+              </a:ext>
+            </a:extLst>
+          </a:blip>
+          <a:stretch>
+            <a:fillRect/>
+          </a:stretch>
+        </p:blipFill>
+        <p:spPr>
+          <a:xfrm>
+            <a:off x="6769330" y="1515102"/>
+            <a:ext cx="3483172" cy="3827796"/>
+          </a:xfrm>
+        </p:spPr>
+      </p:pic>
+      <p:pic>
+        <p:nvPicPr>
+          <p:cNvPr id="4" name="Picture 3">
+            <a:extLst>
+              <a:ext uri="{FF2B5EF4-FFF2-40B4-BE49-F238E27FC236}">
+                <a16:creationId xmlns:a16="http://schemas.microsoft.com/office/drawing/2014/main" id="{8AC0CF54-4219-4BD6-86BC-9E87E0E97ACB}"/>
+              </a:ext>
+            </a:extLst>
+          </p:cNvPr>
+          <p:cNvPicPr>
+            <a:picLocks noChangeAspect="1"/>
+          </p:cNvPicPr>
+          <p:nvPr/>
+        </p:nvPicPr>
+        <p:blipFill>
+          <a:blip r:embed="rId3">
+            <a:extLst>
+              <a:ext uri="{28A0092B-C50C-407E-A947-70E740481C1C}">
+                <a14:useLocalDpi xmlns:a14="http://schemas.microsoft.com/office/drawing/2010/main" val="0"/>
+              </a:ext>
+            </a:extLst>
+          </a:blip>
+          <a:stretch>
+            <a:fillRect/>
+          </a:stretch>
+        </p:blipFill>
+        <p:spPr>
+          <a:xfrm>
+            <a:off x="1647204" y="2139867"/>
+            <a:ext cx="4448796" cy="2200582"/>
+          </a:xfrm>
+          <a:prstGeom prst="rect">
+            <a:avLst/>
+          </a:prstGeom>
+        </p:spPr>
+      </p:pic>
     </p:spTree>
     <p:extLst>
       <p:ext uri="{BB962C8B-B14F-4D97-AF65-F5344CB8AC3E}">
-        <p14:creationId xmlns:p14="http://schemas.microsoft.com/office/powerpoint/2010/main" val="842726617"/>
+        <p14:creationId xmlns:p14="http://schemas.microsoft.com/office/powerpoint/2010/main" val="4027140780"/>
       </p:ext>
     </p:extLst>
   </p:cSld>
@@ -7407,7 +9337,7 @@
           <p:cNvPr id="2" name="Title 1">
             <a:extLst>
               <a:ext uri="{FF2B5EF4-FFF2-40B4-BE49-F238E27FC236}">
-                <a16:creationId xmlns:a16="http://schemas.microsoft.com/office/drawing/2014/main" id="{6E260A6A-275F-42E7-9C28-C4C7F93C73E1}"/>
+                <a16:creationId xmlns:a16="http://schemas.microsoft.com/office/drawing/2014/main" id="{98C30922-1452-42C1-B5E8-E81F16DDC1F9}"/>
               </a:ext>
             </a:extLst>
           </p:cNvPr>
@@ -7425,17 +9355,17 @@
           <a:p>
             <a:r>
               <a:rPr lang="en-US" dirty="0"/>
-              <a:t>Reactive Forms</a:t>
-            </a:r>
-          </a:p>
-        </p:txBody>
-      </p:sp>
-      <p:sp>
-        <p:nvSpPr>
-          <p:cNvPr id="3" name="Content Placeholder 2">
-            <a:extLst>
-              <a:ext uri="{FF2B5EF4-FFF2-40B4-BE49-F238E27FC236}">
-                <a16:creationId xmlns:a16="http://schemas.microsoft.com/office/drawing/2014/main" id="{853F8607-6CA2-4B3B-8DC5-FC11F4442ED0}"/>
+              <a:t>Angular Material</a:t>
+            </a:r>
+          </a:p>
+        </p:txBody>
+      </p:sp>
+      <p:sp>
+        <p:nvSpPr>
+          <p:cNvPr id="4" name="Content Placeholder 3">
+            <a:extLst>
+              <a:ext uri="{FF2B5EF4-FFF2-40B4-BE49-F238E27FC236}">
+                <a16:creationId xmlns:a16="http://schemas.microsoft.com/office/drawing/2014/main" id="{5C53CAC8-94A9-4F78-9C99-B63DCE714EA5}"/>
               </a:ext>
             </a:extLst>
           </p:cNvPr>
@@ -7458,7 +9388,7 @@
     </p:spTree>
     <p:extLst>
       <p:ext uri="{BB962C8B-B14F-4D97-AF65-F5344CB8AC3E}">
-        <p14:creationId xmlns:p14="http://schemas.microsoft.com/office/powerpoint/2010/main" val="1942708461"/>
+        <p14:creationId xmlns:p14="http://schemas.microsoft.com/office/powerpoint/2010/main" val="60001243"/>
       </p:ext>
     </p:extLst>
   </p:cSld>
@@ -7490,7 +9420,7 @@
           <p:cNvPr id="2" name="Title 1">
             <a:extLst>
               <a:ext uri="{FF2B5EF4-FFF2-40B4-BE49-F238E27FC236}">
-                <a16:creationId xmlns:a16="http://schemas.microsoft.com/office/drawing/2014/main" id="{47320416-8175-42D3-A469-0EC88C8814D8}"/>
+                <a16:creationId xmlns:a16="http://schemas.microsoft.com/office/drawing/2014/main" id="{98C30922-1452-42C1-B5E8-E81F16DDC1F9}"/>
               </a:ext>
             </a:extLst>
           </p:cNvPr>
@@ -7507,12 +9437,8 @@
           <a:lstStyle/>
           <a:p>
             <a:r>
-              <a:rPr lang="en-US" dirty="0" err="1"/>
-              <a:t>Javascript</a:t>
-            </a:r>
-            <a:r>
-              <a:rPr lang="en-US" dirty="0"/>
-              <a:t> problems</a:t>
+              <a:rPr lang="en-US" dirty="0"/>
+              <a:t>JavaScript Journey</a:t>
             </a:r>
           </a:p>
         </p:txBody>
@@ -7522,7 +9448,7 @@
           <p:cNvPr id="3" name="Content Placeholder 2">
             <a:extLst>
               <a:ext uri="{FF2B5EF4-FFF2-40B4-BE49-F238E27FC236}">
-                <a16:creationId xmlns:a16="http://schemas.microsoft.com/office/drawing/2014/main" id="{20939B7B-75E5-4E6F-8AB6-EDE69FE6039E}"/>
+                <a16:creationId xmlns:a16="http://schemas.microsoft.com/office/drawing/2014/main" id="{1C07FCC3-ECB4-4F1A-B6E5-6D5CBAD6BA14}"/>
               </a:ext>
             </a:extLst>
           </p:cNvPr>
@@ -7536,99 +9462,193 @@
         <p:spPr/>
         <p:txBody>
           <a:bodyPr>
-            <a:normAutofit fontScale="77500" lnSpcReduction="20000"/>
+            <a:normAutofit fontScale="92500" lnSpcReduction="10000"/>
           </a:bodyPr>
           <a:lstStyle/>
           <a:p>
+            <a:pPr marL="0" indent="0">
+              <a:buNone/>
+            </a:pPr>
             <a:r>
               <a:rPr lang="en-US" b="1" dirty="0"/>
-              <a:t>Application scale JavaScript development is hard.</a:t>
-            </a:r>
+              <a:t>Brendan </a:t>
+            </a:r>
+            <a:r>
+              <a:rPr lang="en-US" b="1" dirty="0" err="1"/>
+              <a:t>Eich</a:t>
+            </a:r>
+            <a:r>
+              <a:rPr lang="en-US" b="1" dirty="0"/>
+              <a:t> of </a:t>
+            </a:r>
+            <a:r>
+              <a:rPr lang="en-US" dirty="0" err="1"/>
+              <a:t>NetScape</a:t>
+            </a:r>
+            <a:r>
+              <a:rPr lang="en-US" dirty="0"/>
+              <a:t> 1995; initially it was named </a:t>
+            </a:r>
+            <a:r>
+              <a:rPr lang="en-US" b="1" dirty="0"/>
+              <a:t>Mocha</a:t>
+            </a:r>
+            <a:r>
+              <a:rPr lang="en-US" dirty="0"/>
+              <a:t>, later renamed to </a:t>
+            </a:r>
+            <a:r>
+              <a:rPr lang="en-US" b="1" dirty="0" err="1"/>
+              <a:t>LiveScript</a:t>
+            </a:r>
+            <a:r>
+              <a:rPr lang="en-US" dirty="0"/>
+              <a:t>, and finally </a:t>
+            </a:r>
+            <a:r>
+              <a:rPr lang="en-US" b="1" dirty="0"/>
+              <a:t>JavaScript</a:t>
+            </a:r>
+            <a:r>
+              <a:rPr lang="en-US" dirty="0"/>
+              <a:t>.</a:t>
+            </a:r>
+          </a:p>
+          <a:p>
+            <a:pPr marL="0" indent="0">
+              <a:buNone/>
+            </a:pPr>
+            <a:r>
+              <a:rPr lang="en-US" b="1" dirty="0"/>
+              <a:t>1995</a:t>
+            </a:r>
+            <a:r>
+              <a:rPr lang="en-US" dirty="0"/>
+              <a:t> – Netscape passed JavaScript to the European Computer Manufacturers Association (</a:t>
+            </a:r>
+            <a:r>
+              <a:rPr lang="en-US" b="1" dirty="0"/>
+              <a:t>ECMA</a:t>
+            </a:r>
+            <a:r>
+              <a:rPr lang="en-US" dirty="0"/>
+              <a:t>) for standardization</a:t>
+            </a:r>
+          </a:p>
+          <a:p>
+            <a:pPr marL="0" indent="0">
+              <a:spcAft>
+                <a:spcPct val="0"/>
+              </a:spcAft>
+            </a:pPr>
+            <a:r>
+              <a:rPr lang="en-US" altLang="en-US" dirty="0"/>
+              <a:t>ECMA–262 1</a:t>
+            </a:r>
+            <a:r>
+              <a:rPr lang="en-US" altLang="en-US" baseline="30000" dirty="0"/>
+              <a:t>st</a:t>
+            </a:r>
+            <a:r>
+              <a:rPr lang="en-US" altLang="en-US" dirty="0"/>
+              <a:t> Edition June 1997</a:t>
+            </a:r>
+          </a:p>
+          <a:p>
+            <a:pPr marL="0" indent="0">
+              <a:spcAft>
+                <a:spcPct val="0"/>
+              </a:spcAft>
+            </a:pPr>
+            <a:r>
+              <a:rPr lang="en-US" altLang="en-US" dirty="0"/>
+              <a:t>ISO/IEC 16262 Approved April 1998</a:t>
+            </a:r>
+          </a:p>
+          <a:p>
+            <a:pPr marL="0" indent="0">
+              <a:spcAft>
+                <a:spcPct val="0"/>
+              </a:spcAft>
+            </a:pPr>
+            <a:r>
+              <a:rPr lang="en-US" altLang="en-US" dirty="0"/>
+              <a:t>ECMA–262 2</a:t>
+            </a:r>
+            <a:r>
+              <a:rPr lang="en-US" altLang="en-US" baseline="30000" dirty="0"/>
+              <a:t>nd</a:t>
+            </a:r>
+            <a:r>
+              <a:rPr lang="en-US" altLang="en-US" dirty="0"/>
+              <a:t> Edition June 1998</a:t>
+            </a:r>
+          </a:p>
+          <a:p>
+            <a:pPr marL="0" indent="0">
+              <a:spcAft>
+                <a:spcPct val="0"/>
+              </a:spcAft>
+            </a:pPr>
+            <a:r>
+              <a:rPr lang="en-US" altLang="en-US" dirty="0"/>
+              <a:t>ECMA–262 3</a:t>
+            </a:r>
+            <a:r>
+              <a:rPr lang="en-US" altLang="en-US" baseline="30000" dirty="0"/>
+              <a:t>rd</a:t>
+            </a:r>
+            <a:r>
+              <a:rPr lang="en-US" altLang="en-US" dirty="0"/>
+              <a:t> Edition December 1999</a:t>
+            </a:r>
+          </a:p>
+          <a:p>
+            <a:pPr marL="0" indent="0">
+              <a:spcAft>
+                <a:spcPct val="0"/>
+              </a:spcAft>
+            </a:pPr>
+            <a:r>
+              <a:rPr lang="en-US" altLang="en-US" dirty="0"/>
+              <a:t>ECMA–262 5</a:t>
+            </a:r>
+            <a:r>
+              <a:rPr lang="en-US" altLang="en-US" baseline="30000" dirty="0"/>
+              <a:t>th</a:t>
+            </a:r>
+            <a:r>
+              <a:rPr lang="en-US" altLang="en-US" dirty="0"/>
+              <a:t> Edition December 2009</a:t>
+            </a:r>
+          </a:p>
+          <a:p>
+            <a:pPr marL="0" indent="0">
+              <a:spcAft>
+                <a:spcPct val="0"/>
+              </a:spcAft>
+            </a:pPr>
+            <a:r>
+              <a:rPr lang="en-US" altLang="en-US" dirty="0"/>
+              <a:t>ECMA–262 5.1 Edition June 2011</a:t>
+            </a:r>
+          </a:p>
+          <a:p>
+            <a:pPr marL="0" indent="0">
+              <a:buNone/>
+            </a:pPr>
             <a:endParaRPr lang="en-US" dirty="0"/>
           </a:p>
           <a:p>
-            <a:r>
-              <a:rPr lang="en-US" dirty="0"/>
-              <a:t>Dynamic typing </a:t>
-            </a:r>
-          </a:p>
-          <a:p>
-            <a:r>
-              <a:rPr lang="en-US" dirty="0"/>
-              <a:t>Lack of modularity</a:t>
-            </a:r>
-          </a:p>
-          <a:p>
-            <a:r>
-              <a:rPr lang="en-US" dirty="0"/>
-              <a:t>Scope can’t be defined at block level</a:t>
-            </a:r>
-          </a:p>
-          <a:p>
-            <a:r>
-              <a:rPr lang="en-US" dirty="0"/>
-              <a:t>OOPS is hard (</a:t>
-            </a:r>
-            <a:r>
-              <a:rPr lang="en-US" dirty="0" err="1"/>
-              <a:t>eg</a:t>
-            </a:r>
-            <a:r>
-              <a:rPr lang="en-US" dirty="0"/>
-              <a:t> Based on object extension. Not class inheritance )</a:t>
-            </a:r>
-          </a:p>
-          <a:p>
-            <a:r>
-              <a:rPr lang="en-US" dirty="0" err="1"/>
-              <a:t>Javascript</a:t>
-            </a:r>
-            <a:r>
-              <a:rPr lang="en-US" dirty="0"/>
-              <a:t> development scales badly</a:t>
-            </a:r>
-          </a:p>
-          <a:p>
-            <a:r>
-              <a:rPr lang="en-AU" dirty="0"/>
-              <a:t>JS is designed for small things</a:t>
-            </a:r>
-          </a:p>
-          <a:p>
-            <a:r>
-              <a:rPr lang="en-AU" dirty="0"/>
-              <a:t>We now use to do big things</a:t>
-            </a:r>
-          </a:p>
-          <a:p>
-            <a:r>
-              <a:rPr lang="en-AU" dirty="0"/>
-              <a:t>AJAX and REST = never refresh the page</a:t>
-            </a:r>
-            <a:br>
-              <a:rPr lang="en-AU" dirty="0"/>
-            </a:br>
-            <a:endParaRPr lang="en-AU" dirty="0"/>
-          </a:p>
-          <a:p>
-            <a:r>
-              <a:rPr lang="en-AU" dirty="0"/>
-              <a:t>But JavaScript is not suited for building large applications</a:t>
-            </a:r>
-          </a:p>
-          <a:p>
-            <a:r>
-              <a:rPr lang="en-AU" dirty="0"/>
-              <a:t>Your JavaScript code gets complex; it becomes extremely unwieldy</a:t>
-            </a:r>
-          </a:p>
-          <a:p>
+            <a:pPr marL="0" indent="0">
+              <a:buNone/>
+            </a:pPr>
             <a:endParaRPr lang="en-US" dirty="0"/>
           </a:p>
           <a:p>
-            <a:endParaRPr lang="en-US" dirty="0"/>
-          </a:p>
-          <a:p>
+            <a:pPr marL="0" indent="0">
+              <a:buNone/>
+            </a:pPr>
             <a:endParaRPr lang="en-US" dirty="0"/>
           </a:p>
         </p:txBody>
@@ -7636,7 +9656,7 @@
     </p:spTree>
     <p:extLst>
       <p:ext uri="{BB962C8B-B14F-4D97-AF65-F5344CB8AC3E}">
-        <p14:creationId xmlns:p14="http://schemas.microsoft.com/office/powerpoint/2010/main" val="2038345399"/>
+        <p14:creationId xmlns:p14="http://schemas.microsoft.com/office/powerpoint/2010/main" val="2252827483"/>
       </p:ext>
     </p:extLst>
   </p:cSld>
@@ -7668,7 +9688,7 @@
           <p:cNvPr id="2" name="Title 1">
             <a:extLst>
               <a:ext uri="{FF2B5EF4-FFF2-40B4-BE49-F238E27FC236}">
-                <a16:creationId xmlns:a16="http://schemas.microsoft.com/office/drawing/2014/main" id="{5C0AF642-893F-47E6-8575-BAC977BD3F79}"/>
+                <a16:creationId xmlns:a16="http://schemas.microsoft.com/office/drawing/2014/main" id="{98C30922-1452-42C1-B5E8-E81F16DDC1F9}"/>
               </a:ext>
             </a:extLst>
           </p:cNvPr>
@@ -7686,40 +9706,50 @@
           <a:p>
             <a:r>
               <a:rPr lang="en-US" dirty="0"/>
-              <a:t>Angular Lab	</a:t>
-            </a:r>
-          </a:p>
-        </p:txBody>
-      </p:sp>
-      <p:sp>
-        <p:nvSpPr>
-          <p:cNvPr id="3" name="Content Placeholder 2">
-            <a:extLst>
-              <a:ext uri="{FF2B5EF4-FFF2-40B4-BE49-F238E27FC236}">
-                <a16:creationId xmlns:a16="http://schemas.microsoft.com/office/drawing/2014/main" id="{02B9EF30-9CAE-4F60-911D-B59AB9EF2D06}"/>
-              </a:ext>
-            </a:extLst>
-          </p:cNvPr>
-          <p:cNvSpPr>
-            <a:spLocks noGrp="1"/>
-          </p:cNvSpPr>
+              <a:t>Forms</a:t>
+            </a:r>
+          </a:p>
+        </p:txBody>
+      </p:sp>
+      <p:pic>
+        <p:nvPicPr>
+          <p:cNvPr id="5" name="Content Placeholder 4">
+            <a:extLst>
+              <a:ext uri="{FF2B5EF4-FFF2-40B4-BE49-F238E27FC236}">
+                <a16:creationId xmlns:a16="http://schemas.microsoft.com/office/drawing/2014/main" id="{322E6A2F-37A4-4373-9B10-120058CB9097}"/>
+              </a:ext>
+            </a:extLst>
+          </p:cNvPr>
+          <p:cNvPicPr>
+            <a:picLocks noGrp="1" noChangeAspect="1"/>
+          </p:cNvPicPr>
           <p:nvPr>
             <p:ph idx="1"/>
           </p:nvPr>
-        </p:nvSpPr>
-        <p:spPr/>
-        <p:txBody>
-          <a:bodyPr/>
-          <a:lstStyle/>
-          <a:p>
-            <a:endParaRPr lang="en-US" dirty="0"/>
-          </a:p>
-        </p:txBody>
-      </p:sp>
+        </p:nvPicPr>
+        <p:blipFill>
+          <a:blip r:embed="rId2">
+            <a:extLst>
+              <a:ext uri="{28A0092B-C50C-407E-A947-70E740481C1C}">
+                <a14:useLocalDpi xmlns:a14="http://schemas.microsoft.com/office/drawing/2010/main" val="0"/>
+              </a:ext>
+            </a:extLst>
+          </a:blip>
+          <a:stretch>
+            <a:fillRect/>
+          </a:stretch>
+        </p:blipFill>
+        <p:spPr>
+          <a:xfrm>
+            <a:off x="838200" y="1919994"/>
+            <a:ext cx="10515600" cy="4162599"/>
+          </a:xfrm>
+        </p:spPr>
+      </p:pic>
     </p:spTree>
     <p:extLst>
       <p:ext uri="{BB962C8B-B14F-4D97-AF65-F5344CB8AC3E}">
-        <p14:creationId xmlns:p14="http://schemas.microsoft.com/office/powerpoint/2010/main" val="1723441809"/>
+        <p14:creationId xmlns:p14="http://schemas.microsoft.com/office/powerpoint/2010/main" val="2084183852"/>
       </p:ext>
     </p:extLst>
   </p:cSld>
@@ -7751,7 +9781,7 @@
           <p:cNvPr id="2" name="Title 1">
             <a:extLst>
               <a:ext uri="{FF2B5EF4-FFF2-40B4-BE49-F238E27FC236}">
-                <a16:creationId xmlns:a16="http://schemas.microsoft.com/office/drawing/2014/main" id="{08879D6F-E424-45C2-96E8-254D95C14ED4}"/>
+                <a16:creationId xmlns:a16="http://schemas.microsoft.com/office/drawing/2014/main" id="{168D52F0-7E4B-457E-8E36-23B3A8736436}"/>
               </a:ext>
             </a:extLst>
           </p:cNvPr>
@@ -7769,7 +9799,7 @@
           <a:p>
             <a:r>
               <a:rPr lang="en-US" dirty="0"/>
-              <a:t>Services and Dependency Injection</a:t>
+              <a:t>Template Driven Forms</a:t>
             </a:r>
           </a:p>
         </p:txBody>
@@ -7779,7 +9809,7 @@
           <p:cNvPr id="3" name="Content Placeholder 2">
             <a:extLst>
               <a:ext uri="{FF2B5EF4-FFF2-40B4-BE49-F238E27FC236}">
-                <a16:creationId xmlns:a16="http://schemas.microsoft.com/office/drawing/2014/main" id="{16D5A9B7-059E-4409-8682-8BEBC2786557}"/>
+                <a16:creationId xmlns:a16="http://schemas.microsoft.com/office/drawing/2014/main" id="{732F9610-E6A9-438E-9505-1520B97EDB5A}"/>
               </a:ext>
             </a:extLst>
           </p:cNvPr>
@@ -7802,7 +9832,7 @@
     </p:spTree>
     <p:extLst>
       <p:ext uri="{BB962C8B-B14F-4D97-AF65-F5344CB8AC3E}">
-        <p14:creationId xmlns:p14="http://schemas.microsoft.com/office/powerpoint/2010/main" val="2851658927"/>
+        <p14:creationId xmlns:p14="http://schemas.microsoft.com/office/powerpoint/2010/main" val="842726617"/>
       </p:ext>
     </p:extLst>
   </p:cSld>
@@ -7834,7 +9864,7 @@
           <p:cNvPr id="2" name="Title 1">
             <a:extLst>
               <a:ext uri="{FF2B5EF4-FFF2-40B4-BE49-F238E27FC236}">
-                <a16:creationId xmlns:a16="http://schemas.microsoft.com/office/drawing/2014/main" id="{EF1086BF-4FB6-431D-B2B3-988AA95EB1C3}"/>
+                <a16:creationId xmlns:a16="http://schemas.microsoft.com/office/drawing/2014/main" id="{6E260A6A-275F-42E7-9C28-C4C7F93C73E1}"/>
               </a:ext>
             </a:extLst>
           </p:cNvPr>
@@ -7852,7 +9882,7 @@
           <a:p>
             <a:r>
               <a:rPr lang="en-US" dirty="0"/>
-              <a:t>Retrieving Data Using Http</a:t>
+              <a:t>Reactive Forms</a:t>
             </a:r>
           </a:p>
         </p:txBody>
@@ -7862,7 +9892,7 @@
           <p:cNvPr id="3" name="Content Placeholder 2">
             <a:extLst>
               <a:ext uri="{FF2B5EF4-FFF2-40B4-BE49-F238E27FC236}">
-                <a16:creationId xmlns:a16="http://schemas.microsoft.com/office/drawing/2014/main" id="{63A3B72A-8BDD-4852-8C86-018E3DC47B38}"/>
+                <a16:creationId xmlns:a16="http://schemas.microsoft.com/office/drawing/2014/main" id="{853F8607-6CA2-4B3B-8DC5-FC11F4442ED0}"/>
               </a:ext>
             </a:extLst>
           </p:cNvPr>
@@ -7885,7 +9915,7 @@
     </p:spTree>
     <p:extLst>
       <p:ext uri="{BB962C8B-B14F-4D97-AF65-F5344CB8AC3E}">
-        <p14:creationId xmlns:p14="http://schemas.microsoft.com/office/powerpoint/2010/main" val="3569982098"/>
+        <p14:creationId xmlns:p14="http://schemas.microsoft.com/office/powerpoint/2010/main" val="1942708461"/>
       </p:ext>
     </p:extLst>
   </p:cSld>
@@ -7917,7 +9947,7 @@
           <p:cNvPr id="2" name="Title 1">
             <a:extLst>
               <a:ext uri="{FF2B5EF4-FFF2-40B4-BE49-F238E27FC236}">
-                <a16:creationId xmlns:a16="http://schemas.microsoft.com/office/drawing/2014/main" id="{EF1086BF-4FB6-431D-B2B3-988AA95EB1C3}"/>
+                <a16:creationId xmlns:a16="http://schemas.microsoft.com/office/drawing/2014/main" id="{5C0AF642-893F-47E6-8575-BAC977BD3F79}"/>
               </a:ext>
             </a:extLst>
           </p:cNvPr>
@@ -7935,7 +9965,7 @@
           <a:p>
             <a:r>
               <a:rPr lang="en-US" dirty="0"/>
-              <a:t>Navigation and Routing</a:t>
+              <a:t>Angular Lab	</a:t>
             </a:r>
           </a:p>
         </p:txBody>
@@ -7945,7 +9975,7 @@
           <p:cNvPr id="3" name="Content Placeholder 2">
             <a:extLst>
               <a:ext uri="{FF2B5EF4-FFF2-40B4-BE49-F238E27FC236}">
-                <a16:creationId xmlns:a16="http://schemas.microsoft.com/office/drawing/2014/main" id="{63A3B72A-8BDD-4852-8C86-018E3DC47B38}"/>
+                <a16:creationId xmlns:a16="http://schemas.microsoft.com/office/drawing/2014/main" id="{02B9EF30-9CAE-4F60-911D-B59AB9EF2D06}"/>
               </a:ext>
             </a:extLst>
           </p:cNvPr>
@@ -7961,14 +9991,14 @@
           <a:bodyPr/>
           <a:lstStyle/>
           <a:p>
-            <a:endParaRPr lang="en-US"/>
+            <a:endParaRPr lang="en-US" dirty="0"/>
           </a:p>
         </p:txBody>
       </p:sp>
     </p:spTree>
     <p:extLst>
       <p:ext uri="{BB962C8B-B14F-4D97-AF65-F5344CB8AC3E}">
-        <p14:creationId xmlns:p14="http://schemas.microsoft.com/office/powerpoint/2010/main" val="913801662"/>
+        <p14:creationId xmlns:p14="http://schemas.microsoft.com/office/powerpoint/2010/main" val="1723441809"/>
       </p:ext>
     </p:extLst>
   </p:cSld>
@@ -7978,7 +10008,7 @@
 </p:sld>
 </file>
 
-<file path=ppt/slides/slide34.xml><?xml version="1.0" encoding="utf-8"?>
+<file path=ppt/slides/slide4.xml><?xml version="1.0" encoding="utf-8"?>
 <p:sld xmlns:a="http://schemas.openxmlformats.org/drawingml/2006/main" xmlns:r="http://schemas.openxmlformats.org/officeDocument/2006/relationships" xmlns:p="http://schemas.openxmlformats.org/presentationml/2006/main">
   <p:cSld>
     <p:spTree>
@@ -8000,7 +10030,7 @@
           <p:cNvPr id="2" name="Title 1">
             <a:extLst>
               <a:ext uri="{FF2B5EF4-FFF2-40B4-BE49-F238E27FC236}">
-                <a16:creationId xmlns:a16="http://schemas.microsoft.com/office/drawing/2014/main" id="{EF1086BF-4FB6-431D-B2B3-988AA95EB1C3}"/>
+                <a16:creationId xmlns:a16="http://schemas.microsoft.com/office/drawing/2014/main" id="{47320416-8175-42D3-A469-0EC88C8814D8}"/>
               </a:ext>
             </a:extLst>
           </p:cNvPr>
@@ -8018,8 +10048,13 @@
           <a:p>
             <a:r>
               <a:rPr lang="en-US" dirty="0"/>
-              <a:t>Build</a:t>
-            </a:r>
+              <a:t>What’s the problem with </a:t>
+            </a:r>
+            <a:r>
+              <a:rPr lang="en-US" dirty="0" err="1"/>
+              <a:t>Javascript</a:t>
+            </a:r>
+            <a:endParaRPr lang="en-US" dirty="0"/>
           </a:p>
         </p:txBody>
       </p:sp>
@@ -8028,7 +10063,7 @@
           <p:cNvPr id="3" name="Content Placeholder 2">
             <a:extLst>
               <a:ext uri="{FF2B5EF4-FFF2-40B4-BE49-F238E27FC236}">
-                <a16:creationId xmlns:a16="http://schemas.microsoft.com/office/drawing/2014/main" id="{63A3B72A-8BDD-4852-8C86-018E3DC47B38}"/>
+                <a16:creationId xmlns:a16="http://schemas.microsoft.com/office/drawing/2014/main" id="{20939B7B-75E5-4E6F-8AB6-EDE69FE6039E}"/>
               </a:ext>
             </a:extLst>
           </p:cNvPr>
@@ -8041,17 +10076,105 @@
         </p:nvSpPr>
         <p:spPr/>
         <p:txBody>
-          <a:bodyPr/>
+          <a:bodyPr>
+            <a:normAutofit fontScale="92500" lnSpcReduction="10000"/>
+          </a:bodyPr>
           <a:lstStyle/>
           <a:p>
-            <a:endParaRPr lang="en-US"/>
+            <a:pPr marL="0" indent="0">
+              <a:buNone/>
+            </a:pPr>
+            <a:r>
+              <a:rPr lang="en-US" b="1" dirty="0"/>
+              <a:t>Application scale JavaScript development is hard.</a:t>
+            </a:r>
+          </a:p>
+          <a:p>
+            <a:pPr marL="0" indent="0">
+              <a:buNone/>
+            </a:pPr>
+            <a:r>
+              <a:rPr lang="en-US" dirty="0"/>
+              <a:t>	JavaScript was designed for small things</a:t>
+            </a:r>
+          </a:p>
+          <a:p>
+            <a:pPr marL="0" indent="0">
+              <a:buNone/>
+            </a:pPr>
+            <a:r>
+              <a:rPr lang="en-US" dirty="0"/>
+              <a:t>	When building large applications the </a:t>
+            </a:r>
+            <a:r>
+              <a:rPr lang="en-AU" dirty="0"/>
+              <a:t>JavaScript code gets 	complex; it becomes extremely hard to maintain.</a:t>
+            </a:r>
+            <a:endParaRPr lang="en-US" dirty="0"/>
+          </a:p>
+          <a:p>
+            <a:pPr marL="0" indent="0">
+              <a:buNone/>
+            </a:pPr>
+            <a:r>
+              <a:rPr lang="en-US" dirty="0"/>
+              <a:t>Dynamic typing </a:t>
+            </a:r>
+          </a:p>
+          <a:p>
+            <a:pPr marL="0" indent="0">
+              <a:buNone/>
+            </a:pPr>
+            <a:r>
+              <a:rPr lang="en-US" dirty="0"/>
+              <a:t>	Lack of compile time type checking</a:t>
+            </a:r>
+          </a:p>
+          <a:p>
+            <a:r>
+              <a:rPr lang="en-US" dirty="0"/>
+              <a:t>Scope can’t be defined at block level</a:t>
+            </a:r>
+          </a:p>
+          <a:p>
+            <a:r>
+              <a:rPr lang="en-US" dirty="0"/>
+              <a:t>Lack of modularity</a:t>
+            </a:r>
+          </a:p>
+          <a:p>
+            <a:r>
+              <a:rPr lang="en-US" dirty="0"/>
+              <a:t>OOPS is hard (</a:t>
+            </a:r>
+            <a:r>
+              <a:rPr lang="en-US" dirty="0" err="1"/>
+              <a:t>eg</a:t>
+            </a:r>
+            <a:r>
+              <a:rPr lang="en-US" dirty="0"/>
+              <a:t> Based on object extension. Not class inheritance )</a:t>
+            </a:r>
+            <a:br>
+              <a:rPr lang="en-AU" dirty="0"/>
+            </a:br>
+            <a:endParaRPr lang="en-AU" dirty="0"/>
+          </a:p>
+          <a:p>
+            <a:endParaRPr lang="en-US" dirty="0"/>
+          </a:p>
+          <a:p>
+            <a:endParaRPr lang="en-US" dirty="0"/>
+          </a:p>
+          <a:p>
+            <a:endParaRPr lang="en-US" dirty="0"/>
           </a:p>
         </p:txBody>
       </p:sp>
     </p:spTree>
     <p:extLst>
       <p:ext uri="{BB962C8B-B14F-4D97-AF65-F5344CB8AC3E}">
-        <p14:creationId xmlns:p14="http://schemas.microsoft.com/office/powerpoint/2010/main" val="2304464289"/>
+        <p14:creationId xmlns:p14="http://schemas.microsoft.com/office/powerpoint/2010/main" val="2038345399"/>
       </p:ext>
     </p:extLst>
   </p:cSld>
@@ -8061,90 +10184,7 @@
 </p:sld>
 </file>
 
-<file path=ppt/slides/slide35.xml><?xml version="1.0" encoding="utf-8"?>
-<p:sld xmlns:a="http://schemas.openxmlformats.org/drawingml/2006/main" xmlns:r="http://schemas.openxmlformats.org/officeDocument/2006/relationships" xmlns:p="http://schemas.openxmlformats.org/presentationml/2006/main">
-  <p:cSld>
-    <p:spTree>
-      <p:nvGrpSpPr>
-        <p:cNvPr id="1" name=""/>
-        <p:cNvGrpSpPr/>
-        <p:nvPr/>
-      </p:nvGrpSpPr>
-      <p:grpSpPr>
-        <a:xfrm>
-          <a:off x="0" y="0"/>
-          <a:ext cx="0" cy="0"/>
-          <a:chOff x="0" y="0"/>
-          <a:chExt cx="0" cy="0"/>
-        </a:xfrm>
-      </p:grpSpPr>
-      <p:sp>
-        <p:nvSpPr>
-          <p:cNvPr id="2" name="Title 1">
-            <a:extLst>
-              <a:ext uri="{FF2B5EF4-FFF2-40B4-BE49-F238E27FC236}">
-                <a16:creationId xmlns:a16="http://schemas.microsoft.com/office/drawing/2014/main" id="{EF1086BF-4FB6-431D-B2B3-988AA95EB1C3}"/>
-              </a:ext>
-            </a:extLst>
-          </p:cNvPr>
-          <p:cNvSpPr>
-            <a:spLocks noGrp="1"/>
-          </p:cNvSpPr>
-          <p:nvPr>
-            <p:ph type="title"/>
-          </p:nvPr>
-        </p:nvSpPr>
-        <p:spPr/>
-        <p:txBody>
-          <a:bodyPr/>
-          <a:lstStyle/>
-          <a:p>
-            <a:r>
-              <a:rPr lang="en-US" dirty="0"/>
-              <a:t>Unit Testing</a:t>
-            </a:r>
-          </a:p>
-        </p:txBody>
-      </p:sp>
-      <p:sp>
-        <p:nvSpPr>
-          <p:cNvPr id="3" name="Content Placeholder 2">
-            <a:extLst>
-              <a:ext uri="{FF2B5EF4-FFF2-40B4-BE49-F238E27FC236}">
-                <a16:creationId xmlns:a16="http://schemas.microsoft.com/office/drawing/2014/main" id="{63A3B72A-8BDD-4852-8C86-018E3DC47B38}"/>
-              </a:ext>
-            </a:extLst>
-          </p:cNvPr>
-          <p:cNvSpPr>
-            <a:spLocks noGrp="1"/>
-          </p:cNvSpPr>
-          <p:nvPr>
-            <p:ph idx="1"/>
-          </p:nvPr>
-        </p:nvSpPr>
-        <p:spPr/>
-        <p:txBody>
-          <a:bodyPr/>
-          <a:lstStyle/>
-          <a:p>
-            <a:endParaRPr lang="en-US"/>
-          </a:p>
-        </p:txBody>
-      </p:sp>
-    </p:spTree>
-    <p:extLst>
-      <p:ext uri="{BB962C8B-B14F-4D97-AF65-F5344CB8AC3E}">
-        <p14:creationId xmlns:p14="http://schemas.microsoft.com/office/powerpoint/2010/main" val="2941130154"/>
-      </p:ext>
-    </p:extLst>
-  </p:cSld>
-  <p:clrMapOvr>
-    <a:masterClrMapping/>
-  </p:clrMapOvr>
-</p:sld>
-</file>
-
-<file path=ppt/slides/slide4.xml><?xml version="1.0" encoding="utf-8"?>
+<file path=ppt/slides/slide5.xml><?xml version="1.0" encoding="utf-8"?>
 <p:sld xmlns:a="http://schemas.openxmlformats.org/drawingml/2006/main" xmlns:r="http://schemas.openxmlformats.org/officeDocument/2006/relationships" xmlns:p="http://schemas.openxmlformats.org/presentationml/2006/main">
   <p:cSld>
     <p:spTree>
@@ -8537,529 +10577,6 @@
 </p:sld>
 </file>
 
-<file path=ppt/slides/slide5.xml><?xml version="1.0" encoding="utf-8"?>
-<p:sld xmlns:a="http://schemas.openxmlformats.org/drawingml/2006/main" xmlns:r="http://schemas.openxmlformats.org/officeDocument/2006/relationships" xmlns:p="http://schemas.openxmlformats.org/presentationml/2006/main" show="0">
-  <p:cSld>
-    <p:spTree>
-      <p:nvGrpSpPr>
-        <p:cNvPr id="1" name=""/>
-        <p:cNvGrpSpPr/>
-        <p:nvPr/>
-      </p:nvGrpSpPr>
-      <p:grpSpPr>
-        <a:xfrm>
-          <a:off x="0" y="0"/>
-          <a:ext cx="0" cy="0"/>
-          <a:chOff x="0" y="0"/>
-          <a:chExt cx="0" cy="0"/>
-        </a:xfrm>
-      </p:grpSpPr>
-      <p:sp>
-        <p:nvSpPr>
-          <p:cNvPr id="2" name="Title 1"/>
-          <p:cNvSpPr>
-            <a:spLocks noGrp="1"/>
-          </p:cNvSpPr>
-          <p:nvPr>
-            <p:ph type="title"/>
-          </p:nvPr>
-        </p:nvSpPr>
-        <p:spPr/>
-        <p:txBody>
-          <a:bodyPr/>
-          <a:lstStyle/>
-          <a:p>
-            <a:r>
-              <a:rPr lang="en-AU" dirty="0"/>
-              <a:t>Problems - parameters</a:t>
-            </a:r>
-          </a:p>
-        </p:txBody>
-      </p:sp>
-      <p:sp>
-        <p:nvSpPr>
-          <p:cNvPr id="3" name="Content Placeholder 2"/>
-          <p:cNvSpPr>
-            <a:spLocks noGrp="1"/>
-          </p:cNvSpPr>
-          <p:nvPr>
-            <p:ph idx="1"/>
-          </p:nvPr>
-        </p:nvSpPr>
-        <p:spPr>
-          <a:xfrm>
-            <a:off x="1914629" y="1943105"/>
-            <a:ext cx="8366321" cy="4259733"/>
-          </a:xfrm>
-        </p:spPr>
-        <p:txBody>
-          <a:bodyPr>
-            <a:normAutofit fontScale="55000" lnSpcReduction="20000"/>
-          </a:bodyPr>
-          <a:lstStyle/>
-          <a:p>
-            <a:r>
-              <a:rPr lang="en-AU" dirty="0">
-                <a:effectLst/>
-              </a:rPr>
-              <a:t>Define a function with arguments.  That is your contract with your caller.</a:t>
-            </a:r>
-            <a:br>
-              <a:rPr lang="en-AU" dirty="0">
-                <a:effectLst/>
-              </a:rPr>
-            </a:br>
-            <a:r>
-              <a:rPr lang="en-AU" dirty="0">
-                <a:effectLst/>
-              </a:rPr>
-              <a:t>Unfortunately, in JavaScript, function parameters are more like </a:t>
-            </a:r>
-            <a:r>
-              <a:rPr lang="en-AU" dirty="0">
-                <a:solidFill>
-                  <a:schemeClr val="accent1"/>
-                </a:solidFill>
-                <a:effectLst/>
-              </a:rPr>
-              <a:t>guidelines, because callers don't take them seriously</a:t>
-            </a:r>
-          </a:p>
-          <a:p>
-            <a:pPr marL="0" indent="0">
-              <a:buNone/>
-            </a:pPr>
-            <a:endParaRPr lang="en-AU" dirty="0">
-              <a:effectLst/>
-            </a:endParaRPr>
-          </a:p>
-          <a:p>
-            <a:r>
-              <a:rPr lang="en-AU" dirty="0">
-                <a:effectLst/>
-              </a:rPr>
-              <a:t>function f(x) { return x + 1; }</a:t>
-            </a:r>
-          </a:p>
-          <a:p>
-            <a:r>
-              <a:rPr lang="en-AU" dirty="0">
-                <a:effectLst/>
-              </a:rPr>
-              <a:t>f("hello");</a:t>
-            </a:r>
-            <a:br>
-              <a:rPr lang="en-AU" dirty="0">
-                <a:effectLst/>
-              </a:rPr>
-            </a:br>
-            <a:r>
-              <a:rPr lang="en-AU" dirty="0">
-                <a:effectLst/>
-              </a:rPr>
-              <a:t>f(1234);</a:t>
-            </a:r>
-            <a:br>
-              <a:rPr lang="en-AU" dirty="0">
-                <a:effectLst/>
-              </a:rPr>
-            </a:br>
-            <a:r>
-              <a:rPr lang="en-AU" dirty="0">
-                <a:effectLst/>
-              </a:rPr>
-              <a:t>f();</a:t>
-            </a:r>
-            <a:br>
-              <a:rPr lang="en-AU" dirty="0">
-                <a:effectLst/>
-              </a:rPr>
-            </a:br>
-            <a:r>
-              <a:rPr lang="en-AU" dirty="0">
-                <a:effectLst/>
-              </a:rPr>
-              <a:t>f(function(){});</a:t>
-            </a:r>
-            <a:br>
-              <a:rPr lang="en-AU" dirty="0">
-                <a:effectLst/>
-              </a:rPr>
-            </a:br>
-            <a:r>
-              <a:rPr lang="en-AU" dirty="0">
-                <a:effectLst/>
-              </a:rPr>
-              <a:t>f([4]);</a:t>
-            </a:r>
-            <a:br>
-              <a:rPr lang="en-AU" dirty="0">
-                <a:effectLst/>
-              </a:rPr>
-            </a:br>
-            <a:r>
-              <a:rPr lang="en-AU" dirty="0">
-                <a:effectLst/>
-              </a:rPr>
-              <a:t>f("hello", "world");</a:t>
-            </a:r>
-            <a:br>
-              <a:rPr lang="en-AU" dirty="0">
-                <a:effectLst/>
-              </a:rPr>
-            </a:br>
-            <a:endParaRPr lang="en-AU" dirty="0">
-              <a:effectLst/>
-            </a:endParaRPr>
-          </a:p>
-          <a:p>
-            <a:r>
-              <a:rPr lang="en-AU" dirty="0">
-                <a:effectLst/>
-              </a:rPr>
-              <a:t>// and then we have this magic object.  </a:t>
-            </a:r>
-            <a:br>
-              <a:rPr lang="en-AU" dirty="0">
-                <a:effectLst/>
-              </a:rPr>
-            </a:br>
-            <a:r>
-              <a:rPr lang="en-AU" dirty="0">
-                <a:effectLst/>
-              </a:rPr>
-              <a:t>function f() { console.log(</a:t>
-            </a:r>
-            <a:r>
-              <a:rPr lang="en-AU" dirty="0" err="1">
-                <a:effectLst/>
-              </a:rPr>
-              <a:t>arguments.length</a:t>
-            </a:r>
-            <a:r>
-              <a:rPr lang="en-AU" dirty="0">
-                <a:effectLst/>
-              </a:rPr>
-              <a:t>); }</a:t>
-            </a:r>
-            <a:br>
-              <a:rPr lang="en-AU" dirty="0">
-                <a:effectLst/>
-              </a:rPr>
-            </a:br>
-            <a:r>
-              <a:rPr lang="en-AU" dirty="0">
-                <a:effectLst/>
-              </a:rPr>
-              <a:t>f(1,1,2,2);</a:t>
-            </a:r>
-            <a:br>
-              <a:rPr lang="en-AU" dirty="0">
-                <a:effectLst/>
-              </a:rPr>
-            </a:br>
-            <a:endParaRPr lang="en-AU" dirty="0">
-              <a:effectLst/>
-            </a:endParaRPr>
-          </a:p>
-          <a:p>
-            <a:r>
-              <a:rPr lang="en-AU" dirty="0">
-                <a:effectLst/>
-              </a:rPr>
-              <a:t>// Where did </a:t>
-            </a:r>
-            <a:r>
-              <a:rPr lang="en-AU" i="1" dirty="0">
-                <a:effectLst/>
-              </a:rPr>
-              <a:t>arguments</a:t>
-            </a:r>
-            <a:r>
-              <a:rPr lang="en-AU" dirty="0">
-                <a:effectLst/>
-              </a:rPr>
-              <a:t> come from?</a:t>
-            </a:r>
-            <a:br>
-              <a:rPr lang="en-AU" dirty="0">
-                <a:effectLst/>
-              </a:rPr>
-            </a:br>
-            <a:r>
-              <a:rPr lang="en-AU" dirty="0">
-                <a:effectLst/>
-              </a:rPr>
-              <a:t>// Caller can still do whatever they want.  </a:t>
-            </a:r>
-            <a:r>
-              <a:rPr lang="en-AU" dirty="0" err="1">
-                <a:effectLst/>
-              </a:rPr>
-              <a:t>Callee</a:t>
-            </a:r>
-            <a:r>
-              <a:rPr lang="en-AU" dirty="0">
-                <a:effectLst/>
-              </a:rPr>
-              <a:t> has to be defensive and check everything.</a:t>
-            </a:r>
-          </a:p>
-          <a:p>
-            <a:r>
-              <a:rPr lang="en-AU" dirty="0">
-                <a:solidFill>
-                  <a:schemeClr val="accent1"/>
-                </a:solidFill>
-                <a:effectLst/>
-              </a:rPr>
-              <a:t>// It is so easy to get wrong</a:t>
-            </a:r>
-          </a:p>
-        </p:txBody>
-      </p:sp>
-    </p:spTree>
-    <p:extLst>
-      <p:ext uri="{BB962C8B-B14F-4D97-AF65-F5344CB8AC3E}">
-        <p14:creationId xmlns:p14="http://schemas.microsoft.com/office/powerpoint/2010/main" val="2009215727"/>
-      </p:ext>
-    </p:extLst>
-  </p:cSld>
-  <p:clrMapOvr>
-    <a:masterClrMapping/>
-  </p:clrMapOvr>
-  <p:transition>
-    <p:fade/>
-  </p:transition>
-  <p:timing>
-    <p:tnLst>
-      <p:par>
-        <p:cTn id="1" dur="indefinite" restart="never" nodeType="tmRoot">
-          <p:childTnLst>
-            <p:seq concurrent="1" nextAc="seek">
-              <p:cTn id="2" dur="indefinite" nodeType="mainSeq">
-                <p:childTnLst>
-                  <p:par>
-                    <p:cTn id="3" fill="hold">
-                      <p:stCondLst>
-                        <p:cond delay="indefinite"/>
-                      </p:stCondLst>
-                      <p:childTnLst>
-                        <p:par>
-                          <p:cTn id="4" fill="hold">
-                            <p:stCondLst>
-                              <p:cond delay="0"/>
-                            </p:stCondLst>
-                            <p:childTnLst>
-                              <p:par>
-                                <p:cTn id="5" presetID="1" presetClass="entr" presetSubtype="0" fill="hold" nodeType="clickEffect">
-                                  <p:stCondLst>
-                                    <p:cond delay="0"/>
-                                  </p:stCondLst>
-                                  <p:childTnLst>
-                                    <p:set>
-                                      <p:cBhvr>
-                                        <p:cTn id="6" dur="1" fill="hold">
-                                          <p:stCondLst>
-                                            <p:cond delay="0"/>
-                                          </p:stCondLst>
-                                        </p:cTn>
-                                        <p:tgtEl>
-                                          <p:spTgt spid="3">
-                                            <p:txEl>
-                                              <p:pRg st="3" end="3"/>
-                                            </p:txEl>
-                                          </p:spTgt>
-                                        </p:tgtEl>
-                                        <p:attrNameLst>
-                                          <p:attrName>style.visibility</p:attrName>
-                                        </p:attrNameLst>
-                                      </p:cBhvr>
-                                      <p:to>
-                                        <p:strVal val="visible"/>
-                                      </p:to>
-                                    </p:set>
-                                  </p:childTnLst>
-                                </p:cTn>
-                              </p:par>
-                            </p:childTnLst>
-                          </p:cTn>
-                        </p:par>
-                      </p:childTnLst>
-                    </p:cTn>
-                  </p:par>
-                  <p:par>
-                    <p:cTn id="7" fill="hold">
-                      <p:stCondLst>
-                        <p:cond delay="indefinite"/>
-                      </p:stCondLst>
-                      <p:childTnLst>
-                        <p:par>
-                          <p:cTn id="8" fill="hold">
-                            <p:stCondLst>
-                              <p:cond delay="0"/>
-                            </p:stCondLst>
-                            <p:childTnLst>
-                              <p:par>
-                                <p:cTn id="9" presetID="1" presetClass="entr" presetSubtype="0" fill="hold" nodeType="clickEffect">
-                                  <p:stCondLst>
-                                    <p:cond delay="0"/>
-                                  </p:stCondLst>
-                                  <p:childTnLst>
-                                    <p:set>
-                                      <p:cBhvr>
-                                        <p:cTn id="10" dur="1" fill="hold">
-                                          <p:stCondLst>
-                                            <p:cond delay="0"/>
-                                          </p:stCondLst>
-                                        </p:cTn>
-                                        <p:tgtEl>
-                                          <p:spTgt spid="3">
-                                            <p:txEl>
-                                              <p:pRg st="4" end="4"/>
-                                            </p:txEl>
-                                          </p:spTgt>
-                                        </p:tgtEl>
-                                        <p:attrNameLst>
-                                          <p:attrName>style.visibility</p:attrName>
-                                        </p:attrNameLst>
-                                      </p:cBhvr>
-                                      <p:to>
-                                        <p:strVal val="visible"/>
-                                      </p:to>
-                                    </p:set>
-                                  </p:childTnLst>
-                                </p:cTn>
-                              </p:par>
-                            </p:childTnLst>
-                          </p:cTn>
-                        </p:par>
-                      </p:childTnLst>
-                    </p:cTn>
-                  </p:par>
-                  <p:par>
-                    <p:cTn id="11" fill="hold">
-                      <p:stCondLst>
-                        <p:cond delay="indefinite"/>
-                      </p:stCondLst>
-                      <p:childTnLst>
-                        <p:par>
-                          <p:cTn id="12" fill="hold">
-                            <p:stCondLst>
-                              <p:cond delay="0"/>
-                            </p:stCondLst>
-                            <p:childTnLst>
-                              <p:par>
-                                <p:cTn id="13" presetID="1" presetClass="entr" presetSubtype="0" fill="hold" nodeType="clickEffect">
-                                  <p:stCondLst>
-                                    <p:cond delay="0"/>
-                                  </p:stCondLst>
-                                  <p:childTnLst>
-                                    <p:set>
-                                      <p:cBhvr>
-                                        <p:cTn id="14" dur="1" fill="hold">
-                                          <p:stCondLst>
-                                            <p:cond delay="0"/>
-                                          </p:stCondLst>
-                                        </p:cTn>
-                                        <p:tgtEl>
-                                          <p:spTgt spid="3">
-                                            <p:txEl>
-                                              <p:pRg st="5" end="5"/>
-                                            </p:txEl>
-                                          </p:spTgt>
-                                        </p:tgtEl>
-                                        <p:attrNameLst>
-                                          <p:attrName>style.visibility</p:attrName>
-                                        </p:attrNameLst>
-                                      </p:cBhvr>
-                                      <p:to>
-                                        <p:strVal val="visible"/>
-                                      </p:to>
-                                    </p:set>
-                                  </p:childTnLst>
-                                </p:cTn>
-                              </p:par>
-                            </p:childTnLst>
-                          </p:cTn>
-                        </p:par>
-                      </p:childTnLst>
-                    </p:cTn>
-                  </p:par>
-                  <p:par>
-                    <p:cTn id="15" fill="hold">
-                      <p:stCondLst>
-                        <p:cond delay="indefinite"/>
-                      </p:stCondLst>
-                      <p:childTnLst>
-                        <p:par>
-                          <p:cTn id="16" fill="hold">
-                            <p:stCondLst>
-                              <p:cond delay="0"/>
-                            </p:stCondLst>
-                            <p:childTnLst>
-                              <p:par>
-                                <p:cTn id="17" presetID="1" presetClass="entr" presetSubtype="0" fill="hold" nodeType="clickEffect">
-                                  <p:stCondLst>
-                                    <p:cond delay="0"/>
-                                  </p:stCondLst>
-                                  <p:childTnLst>
-                                    <p:set>
-                                      <p:cBhvr>
-                                        <p:cTn id="18" dur="1" fill="hold">
-                                          <p:stCondLst>
-                                            <p:cond delay="0"/>
-                                          </p:stCondLst>
-                                        </p:cTn>
-                                        <p:tgtEl>
-                                          <p:spTgt spid="3">
-                                            <p:txEl>
-                                              <p:pRg st="6" end="6"/>
-                                            </p:txEl>
-                                          </p:spTgt>
-                                        </p:tgtEl>
-                                        <p:attrNameLst>
-                                          <p:attrName>style.visibility</p:attrName>
-                                        </p:attrNameLst>
-                                      </p:cBhvr>
-                                      <p:to>
-                                        <p:strVal val="visible"/>
-                                      </p:to>
-                                    </p:set>
-                                  </p:childTnLst>
-                                </p:cTn>
-                              </p:par>
-                            </p:childTnLst>
-                          </p:cTn>
-                        </p:par>
-                      </p:childTnLst>
-                    </p:cTn>
-                  </p:par>
-                </p:childTnLst>
-              </p:cTn>
-              <p:prevCondLst>
-                <p:cond evt="onPrev" delay="0">
-                  <p:tgtEl>
-                    <p:sldTgt/>
-                  </p:tgtEl>
-                </p:cond>
-              </p:prevCondLst>
-              <p:nextCondLst>
-                <p:cond evt="onNext" delay="0">
-                  <p:tgtEl>
-                    <p:sldTgt/>
-                  </p:tgtEl>
-                </p:cond>
-              </p:nextCondLst>
-            </p:seq>
-          </p:childTnLst>
-        </p:cTn>
-      </p:par>
-    </p:tnLst>
-  </p:timing>
-</p:sld>
-</file>
-
 <file path=ppt/slides/slide6.xml><?xml version="1.0" encoding="utf-8"?>
 <p:sld xmlns:a="http://schemas.openxmlformats.org/drawingml/2006/main" xmlns:r="http://schemas.openxmlformats.org/officeDocument/2006/relationships" xmlns:p="http://schemas.openxmlformats.org/presentationml/2006/main">
   <p:cSld>
@@ -9321,7 +10838,13 @@
       </p:grpSpPr>
       <p:sp>
         <p:nvSpPr>
-          <p:cNvPr id="2" name="Title 1"/>
+          <p:cNvPr id="2" name="Title 1">
+            <a:extLst>
+              <a:ext uri="{FF2B5EF4-FFF2-40B4-BE49-F238E27FC236}">
+                <a16:creationId xmlns:a16="http://schemas.microsoft.com/office/drawing/2014/main" id="{98C30922-1452-42C1-B5E8-E81F16DDC1F9}"/>
+              </a:ext>
+            </a:extLst>
+          </p:cNvPr>
           <p:cNvSpPr>
             <a:spLocks noGrp="1"/>
           </p:cNvSpPr>
@@ -9336,15 +10859,20 @@
           <a:p>
             <a:r>
               <a:rPr lang="en-US" dirty="0"/>
-              <a:t>Problem - object inheritance is hard</a:t>
-            </a:r>
-            <a:endParaRPr lang="en-AU" dirty="0"/>
-          </a:p>
-        </p:txBody>
-      </p:sp>
-      <p:sp>
-        <p:nvSpPr>
-          <p:cNvPr id="3" name="Content Placeholder 2"/>
+              <a:t>Typescript overview</a:t>
+            </a:r>
+          </a:p>
+        </p:txBody>
+      </p:sp>
+      <p:sp>
+        <p:nvSpPr>
+          <p:cNvPr id="3" name="Content Placeholder 2">
+            <a:extLst>
+              <a:ext uri="{FF2B5EF4-FFF2-40B4-BE49-F238E27FC236}">
+                <a16:creationId xmlns:a16="http://schemas.microsoft.com/office/drawing/2014/main" id="{1C07FCC3-ECB4-4F1A-B6E5-6D5CBAD6BA14}"/>
+              </a:ext>
+            </a:extLst>
+          </p:cNvPr>
           <p:cNvSpPr>
             <a:spLocks noGrp="1"/>
           </p:cNvSpPr>
@@ -9359,251 +10887,103 @@
           </a:bodyPr>
           <a:lstStyle/>
           <a:p>
+            <a:pPr marL="0" indent="0">
+              <a:buNone/>
+            </a:pPr>
+            <a:r>
+              <a:rPr lang="en-US" dirty="0"/>
+              <a:t>“</a:t>
+            </a:r>
+            <a:r>
+              <a:rPr lang="en-US" b="1" dirty="0"/>
+              <a:t>TypeScript is a typed superset of JavaScript that compiles to plain JavaScript.</a:t>
+            </a:r>
+            <a:r>
+              <a:rPr lang="en-US" dirty="0"/>
+              <a:t>”</a:t>
+            </a:r>
+          </a:p>
+          <a:p>
+            <a:pPr marL="0" indent="0">
+              <a:buNone/>
+            </a:pPr>
+            <a:r>
+              <a:rPr lang="en-US" dirty="0"/>
+              <a:t>Any browser. Any Host. Any OS. Open source. </a:t>
+            </a:r>
+          </a:p>
+          <a:p>
+            <a:pPr marL="0" indent="0">
+              <a:buNone/>
+            </a:pPr>
+            <a:r>
+              <a:rPr lang="en-US" dirty="0"/>
+              <a:t> Typescript was first made public in </a:t>
+            </a:r>
+            <a:r>
+              <a:rPr lang="en-US" b="1" dirty="0"/>
+              <a:t>October 2012</a:t>
+            </a:r>
+          </a:p>
+          <a:p>
+            <a:r>
+              <a:rPr lang="en-US" dirty="0"/>
+              <a:t> </a:t>
+            </a:r>
+            <a:r>
+              <a:rPr lang="en-US" b="1" dirty="0"/>
+              <a:t>Anders Hejlsberg</a:t>
+            </a:r>
+            <a:r>
+              <a:rPr lang="en-US" dirty="0"/>
+              <a:t>, lead architect of C# and creator of Delphi and Turbo Pascal, has worked on the development of </a:t>
+            </a:r>
+            <a:r>
+              <a:rPr lang="en-US" b="1" dirty="0"/>
+              <a:t>TypeScript</a:t>
+            </a:r>
             <a:endParaRPr lang="en-US" dirty="0"/>
           </a:p>
           <a:p>
             <a:r>
               <a:rPr lang="en-US" dirty="0"/>
-              <a:t>Based on object extension.  Not class inheritance (at a syntax level)</a:t>
-            </a:r>
-          </a:p>
-          <a:p>
+              <a:t>Made in Microsoft in 2012 and released as version 0.8</a:t>
+            </a:r>
+          </a:p>
+          <a:p>
+            <a:r>
+              <a:rPr lang="en-US" dirty="0"/>
+              <a:t>TypeScript adopts its basic language features from the ECMAScript5 specification</a:t>
+            </a:r>
+          </a:p>
+          <a:p>
+            <a:r>
+              <a:rPr lang="en-US" b="1" dirty="0"/>
+              <a:t>Around 30 versions released so far, latest being 3.9 released on May 2020. </a:t>
+            </a:r>
+          </a:p>
+          <a:p>
+            <a:r>
+              <a:rPr lang="en-US" b="1" dirty="0"/>
+              <a:t>Version 4.0 beta is now available.</a:t>
+            </a:r>
             <a:endParaRPr lang="en-US" dirty="0"/>
           </a:p>
           <a:p>
-            <a:r>
-              <a:rPr lang="en-US" dirty="0" err="1"/>
-              <a:t>var</a:t>
-            </a:r>
-            <a:r>
-              <a:rPr lang="en-US" dirty="0"/>
-              <a:t> animal = {</a:t>
-            </a:r>
-            <a:br>
-              <a:rPr lang="en-US" dirty="0"/>
-            </a:br>
-            <a:r>
-              <a:rPr lang="en-US" dirty="0"/>
-              <a:t>    </a:t>
-            </a:r>
-            <a:r>
-              <a:rPr lang="en-US" dirty="0" err="1"/>
-              <a:t>var</a:t>
-            </a:r>
-            <a:r>
-              <a:rPr lang="en-US" dirty="0"/>
-              <a:t> name;</a:t>
-            </a:r>
-            <a:br>
-              <a:rPr lang="en-US" dirty="0"/>
-            </a:br>
-            <a:r>
-              <a:rPr lang="en-US" dirty="0"/>
-              <a:t>};</a:t>
-            </a:r>
-            <a:br>
-              <a:rPr lang="en-US" dirty="0"/>
-            </a:br>
-            <a:br>
-              <a:rPr lang="en-US" dirty="0"/>
-            </a:br>
-            <a:r>
-              <a:rPr lang="en-US" dirty="0" err="1"/>
-              <a:t>var</a:t>
-            </a:r>
-            <a:r>
-              <a:rPr lang="en-US" dirty="0"/>
-              <a:t> cat = </a:t>
-            </a:r>
-            <a:r>
-              <a:rPr lang="en-US" dirty="0" err="1"/>
-              <a:t>jQuery.extend</a:t>
-            </a:r>
-            <a:r>
-              <a:rPr lang="en-US" dirty="0"/>
-              <a:t>( animal, </a:t>
-            </a:r>
-            <a:br>
-              <a:rPr lang="en-US" dirty="0"/>
-            </a:br>
-            <a:r>
-              <a:rPr lang="en-US" dirty="0"/>
-              <a:t>    </a:t>
-            </a:r>
-            <a:r>
-              <a:rPr lang="en-US" dirty="0" err="1"/>
-              <a:t>var</a:t>
-            </a:r>
-            <a:r>
-              <a:rPr lang="en-US" dirty="0"/>
-              <a:t> claw = function() { /*claw*/ };</a:t>
-            </a:r>
-            <a:br>
-              <a:rPr lang="en-US" dirty="0"/>
-            </a:br>
-            <a:r>
-              <a:rPr lang="en-US" dirty="0"/>
-              <a:t>});</a:t>
-            </a:r>
-          </a:p>
-          <a:p>
             <a:endParaRPr lang="en-US" dirty="0"/>
-          </a:p>
-          <a:p>
-            <a:r>
-              <a:rPr lang="en-US" dirty="0">
-                <a:solidFill>
-                  <a:schemeClr val="tx2"/>
-                </a:solidFill>
-              </a:rPr>
-              <a:t>//Syntax complicated, so nobody really does it.</a:t>
-            </a:r>
-            <a:endParaRPr lang="en-AU" dirty="0">
-              <a:solidFill>
-                <a:schemeClr val="tx2"/>
-              </a:solidFill>
-            </a:endParaRPr>
           </a:p>
         </p:txBody>
       </p:sp>
     </p:spTree>
     <p:extLst>
       <p:ext uri="{BB962C8B-B14F-4D97-AF65-F5344CB8AC3E}">
-        <p14:creationId xmlns:p14="http://schemas.microsoft.com/office/powerpoint/2010/main" val="1800811051"/>
+        <p14:creationId xmlns:p14="http://schemas.microsoft.com/office/powerpoint/2010/main" val="456940067"/>
       </p:ext>
     </p:extLst>
   </p:cSld>
   <p:clrMapOvr>
     <a:masterClrMapping/>
   </p:clrMapOvr>
-  <p:timing>
-    <p:tnLst>
-      <p:par>
-        <p:cTn id="1" dur="indefinite" restart="never" nodeType="tmRoot">
-          <p:childTnLst>
-            <p:seq concurrent="1" nextAc="seek">
-              <p:cTn id="2" dur="indefinite" nodeType="mainSeq">
-                <p:childTnLst>
-                  <p:par>
-                    <p:cTn id="3" fill="hold">
-                      <p:stCondLst>
-                        <p:cond delay="indefinite"/>
-                      </p:stCondLst>
-                      <p:childTnLst>
-                        <p:par>
-                          <p:cTn id="4" fill="hold">
-                            <p:stCondLst>
-                              <p:cond delay="0"/>
-                            </p:stCondLst>
-                            <p:childTnLst>
-                              <p:par>
-                                <p:cTn id="5" presetID="1" presetClass="entr" presetSubtype="0" fill="hold" nodeType="clickEffect">
-                                  <p:stCondLst>
-                                    <p:cond delay="0"/>
-                                  </p:stCondLst>
-                                  <p:childTnLst>
-                                    <p:set>
-                                      <p:cBhvr>
-                                        <p:cTn id="6" dur="1" fill="hold">
-                                          <p:stCondLst>
-                                            <p:cond delay="0"/>
-                                          </p:stCondLst>
-                                        </p:cTn>
-                                        <p:tgtEl>
-                                          <p:spTgt spid="3">
-                                            <p:txEl>
-                                              <p:pRg st="3" end="3"/>
-                                            </p:txEl>
-                                          </p:spTgt>
-                                        </p:tgtEl>
-                                        <p:attrNameLst>
-                                          <p:attrName>style.visibility</p:attrName>
-                                        </p:attrNameLst>
-                                      </p:cBhvr>
-                                      <p:to>
-                                        <p:strVal val="visible"/>
-                                      </p:to>
-                                    </p:set>
-                                  </p:childTnLst>
-                                </p:cTn>
-                              </p:par>
-                            </p:childTnLst>
-                          </p:cTn>
-                        </p:par>
-                      </p:childTnLst>
-                    </p:cTn>
-                  </p:par>
-                  <p:par>
-                    <p:cTn id="7" fill="hold">
-                      <p:stCondLst>
-                        <p:cond delay="indefinite"/>
-                      </p:stCondLst>
-                      <p:childTnLst>
-                        <p:par>
-                          <p:cTn id="8" fill="hold">
-                            <p:stCondLst>
-                              <p:cond delay="0"/>
-                            </p:stCondLst>
-                            <p:childTnLst>
-                              <p:par>
-                                <p:cTn id="9" presetID="1" presetClass="entr" presetSubtype="0" fill="hold" nodeType="clickEffect">
-                                  <p:stCondLst>
-                                    <p:cond delay="0"/>
-                                  </p:stCondLst>
-                                  <p:childTnLst>
-                                    <p:set>
-                                      <p:cBhvr>
-                                        <p:cTn id="10" dur="1" fill="hold">
-                                          <p:stCondLst>
-                                            <p:cond delay="0"/>
-                                          </p:stCondLst>
-                                        </p:cTn>
-                                        <p:tgtEl>
-                                          <p:spTgt spid="3">
-                                            <p:txEl>
-                                              <p:pRg st="5" end="5"/>
-                                            </p:txEl>
-                                          </p:spTgt>
-                                        </p:tgtEl>
-                                        <p:attrNameLst>
-                                          <p:attrName>style.visibility</p:attrName>
-                                        </p:attrNameLst>
-                                      </p:cBhvr>
-                                      <p:to>
-                                        <p:strVal val="visible"/>
-                                      </p:to>
-                                    </p:set>
-                                  </p:childTnLst>
-                                </p:cTn>
-                              </p:par>
-                            </p:childTnLst>
-                          </p:cTn>
-                        </p:par>
-                      </p:childTnLst>
-                    </p:cTn>
-                  </p:par>
-                </p:childTnLst>
-              </p:cTn>
-              <p:prevCondLst>
-                <p:cond evt="onPrev" delay="0">
-                  <p:tgtEl>
-                    <p:sldTgt/>
-                  </p:tgtEl>
-                </p:cond>
-              </p:prevCondLst>
-              <p:nextCondLst>
-                <p:cond evt="onNext" delay="0">
-                  <p:tgtEl>
-                    <p:sldTgt/>
-                  </p:tgtEl>
-                </p:cond>
-              </p:nextCondLst>
-            </p:seq>
-          </p:childTnLst>
-        </p:cTn>
-      </p:par>
-    </p:tnLst>
-  </p:timing>
 </p:sld>
 </file>
 
@@ -9629,7 +11009,7 @@
           <p:cNvPr id="2" name="Title 1">
             <a:extLst>
               <a:ext uri="{FF2B5EF4-FFF2-40B4-BE49-F238E27FC236}">
-                <a16:creationId xmlns:a16="http://schemas.microsoft.com/office/drawing/2014/main" id="{98C30922-1452-42C1-B5E8-E81F16DDC1F9}"/>
+                <a16:creationId xmlns:a16="http://schemas.microsoft.com/office/drawing/2014/main" id="{ADAD6A8C-E34B-41F2-AC8C-F15DA7BFC456}"/>
               </a:ext>
             </a:extLst>
           </p:cNvPr>
@@ -9640,14 +11020,19 @@
             <p:ph type="title"/>
           </p:nvPr>
         </p:nvSpPr>
-        <p:spPr/>
+        <p:spPr>
+          <a:xfrm>
+            <a:off x="838200" y="365125"/>
+            <a:ext cx="10515600" cy="1070643"/>
+          </a:xfrm>
+        </p:spPr>
         <p:txBody>
           <a:bodyPr/>
           <a:lstStyle/>
           <a:p>
             <a:r>
               <a:rPr lang="en-US" dirty="0"/>
-              <a:t>Typescript overview</a:t>
+              <a:t>Why Typescript?</a:t>
             </a:r>
           </a:p>
         </p:txBody>
@@ -9657,7 +11042,7 @@
           <p:cNvPr id="3" name="Content Placeholder 2">
             <a:extLst>
               <a:ext uri="{FF2B5EF4-FFF2-40B4-BE49-F238E27FC236}">
-                <a16:creationId xmlns:a16="http://schemas.microsoft.com/office/drawing/2014/main" id="{1C07FCC3-ECB4-4F1A-B6E5-6D5CBAD6BA14}"/>
+                <a16:creationId xmlns:a16="http://schemas.microsoft.com/office/drawing/2014/main" id="{0262FB39-07E3-4C26-94D4-0784FC22217E}"/>
               </a:ext>
             </a:extLst>
           </p:cNvPr>
@@ -9668,56 +11053,132 @@
             <p:ph idx="1"/>
           </p:nvPr>
         </p:nvSpPr>
-        <p:spPr/>
-        <p:txBody>
-          <a:bodyPr/>
+        <p:spPr>
+          <a:xfrm>
+            <a:off x="745958" y="1825625"/>
+            <a:ext cx="10607842" cy="3019091"/>
+          </a:xfrm>
+        </p:spPr>
+        <p:txBody>
+          <a:bodyPr>
+            <a:normAutofit fontScale="62500" lnSpcReduction="20000"/>
+          </a:bodyPr>
           <a:lstStyle/>
           <a:p>
             <a:pPr marL="0" indent="0">
               <a:buNone/>
             </a:pPr>
             <a:r>
-              <a:rPr lang="en-US" dirty="0"/>
-              <a:t>“</a:t>
-            </a:r>
-            <a:r>
               <a:rPr lang="en-US" b="1" dirty="0"/>
-              <a:t>TypeScript is a typed superset of JavaScript that compiles to plain JavaScript.</a:t>
-            </a:r>
-            <a:r>
-              <a:rPr lang="en-US" dirty="0"/>
-              <a:t>”</a:t>
-            </a:r>
-          </a:p>
-          <a:p>
-            <a:pPr marL="0" indent="0">
+              <a:t>      Starts with JavaScript</a:t>
+            </a:r>
+          </a:p>
+          <a:p>
+            <a:pPr lvl="1"/>
+            <a:r>
+              <a:rPr lang="en-US" dirty="0"/>
+              <a:t>All JavaScript code is TypeScript code</a:t>
+            </a:r>
+          </a:p>
+          <a:p>
+            <a:pPr lvl="1"/>
+            <a:r>
+              <a:rPr lang="en-US" dirty="0"/>
+              <a:t>JavaScript libraries work with TypeScript</a:t>
+            </a:r>
+          </a:p>
+          <a:p>
+            <a:pPr marL="457200" lvl="1" indent="0">
               <a:buNone/>
             </a:pPr>
-            <a:r>
-              <a:rPr lang="en-US" dirty="0"/>
-              <a:t>Any browser. Any Host. Any OS. Open source. - strongly supported by Microsoft</a:t>
-            </a:r>
-          </a:p>
-          <a:p>
-            <a:r>
-              <a:rPr lang="en-US" dirty="0"/>
-              <a:t>Made in Microsoft in 2012 and released as version – 0.8 ...Created by the father of C# Anders Hejlsberg</a:t>
-            </a:r>
-          </a:p>
-          <a:p>
-            <a:r>
-              <a:rPr lang="en-US" dirty="0"/>
-              <a:t>TypeScript adopts its basic language features from the ECMAScript5 specification</a:t>
-            </a:r>
-          </a:p>
-        </p:txBody>
-      </p:sp>
-      <p:sp>
-        <p:nvSpPr>
-          <p:cNvPr id="5" name="Right Arrow 24">
-            <a:extLst>
-              <a:ext uri="{FF2B5EF4-FFF2-40B4-BE49-F238E27FC236}">
-                <a16:creationId xmlns:a16="http://schemas.microsoft.com/office/drawing/2014/main" id="{4CF59EBF-97D9-4AF9-B5D2-5CDA38F525F7}"/>
+            <a:endParaRPr lang="en-US" b="1" dirty="0"/>
+          </a:p>
+          <a:p>
+            <a:pPr marL="457200" lvl="1" indent="0">
+              <a:buNone/>
+            </a:pPr>
+            <a:r>
+              <a:rPr lang="en-US" b="1" dirty="0"/>
+              <a:t>Optional static types, classes, modules</a:t>
+            </a:r>
+          </a:p>
+          <a:p>
+            <a:pPr marL="457200" lvl="1" indent="0">
+              <a:buNone/>
+            </a:pPr>
+            <a:r>
+              <a:rPr lang="en-US" dirty="0"/>
+              <a:t>Enable scalable application development and excellent tooling</a:t>
+            </a:r>
+          </a:p>
+          <a:p>
+            <a:pPr marL="457200" lvl="1" indent="0">
+              <a:buNone/>
+            </a:pPr>
+            <a:r>
+              <a:rPr lang="en-US" b="1" dirty="0"/>
+              <a:t>Type inference and structural typing</a:t>
+            </a:r>
+          </a:p>
+          <a:p>
+            <a:pPr marL="457200" lvl="1" indent="0">
+              <a:buNone/>
+            </a:pPr>
+            <a:r>
+              <a:rPr lang="en-US" dirty="0"/>
+              <a:t>*In practice very few type annotations are necessary</a:t>
+            </a:r>
+          </a:p>
+          <a:p>
+            <a:pPr marL="457200" lvl="1" indent="0">
+              <a:buNone/>
+            </a:pPr>
+            <a:r>
+              <a:rPr lang="en-US" dirty="0"/>
+              <a:t>Zero cost: Static types completely disappear at run-time</a:t>
+            </a:r>
+          </a:p>
+          <a:p>
+            <a:pPr marL="457200" lvl="1" indent="0">
+              <a:buNone/>
+            </a:pPr>
+            <a:endParaRPr lang="en-US" dirty="0"/>
+          </a:p>
+          <a:p>
+            <a:pPr marL="457200" lvl="1" indent="0">
+              <a:buNone/>
+            </a:pPr>
+            <a:r>
+              <a:rPr lang="en-US" b="1" dirty="0"/>
+              <a:t>Ends with JavaScript</a:t>
+            </a:r>
+          </a:p>
+          <a:p>
+            <a:pPr marL="457200" lvl="1" indent="0">
+              <a:buNone/>
+            </a:pPr>
+            <a:r>
+              <a:rPr lang="en-US" dirty="0"/>
+              <a:t>Compiles to idiomatic JavaScript</a:t>
+            </a:r>
+          </a:p>
+          <a:p>
+            <a:pPr marL="457200" lvl="1" indent="0">
+              <a:buNone/>
+            </a:pPr>
+            <a:r>
+              <a:rPr lang="en-US" dirty="0"/>
+              <a:t>Runs in any browser or host, on any OS</a:t>
+            </a:r>
+          </a:p>
+        </p:txBody>
+      </p:sp>
+      <p:sp>
+        <p:nvSpPr>
+          <p:cNvPr id="4" name="Right Arrow 24">
+            <a:extLst>
+              <a:ext uri="{FF2B5EF4-FFF2-40B4-BE49-F238E27FC236}">
+                <a16:creationId xmlns:a16="http://schemas.microsoft.com/office/drawing/2014/main" id="{0291137A-66CF-47A3-9F58-5D3B159761CA}"/>
               </a:ext>
             </a:extLst>
           </p:cNvPr>
@@ -9726,7 +11187,7 @@
         </p:nvSpPr>
         <p:spPr>
           <a:xfrm>
-            <a:off x="7141313" y="3947966"/>
+            <a:off x="6355768" y="5323254"/>
             <a:ext cx="432048" cy="432048"/>
           </a:xfrm>
           <a:prstGeom prst="rightArrow">
@@ -9770,10 +11231,10 @@
       </p:sp>
       <p:sp>
         <p:nvSpPr>
-          <p:cNvPr id="6" name="Rectangle 5">
-            <a:extLst>
-              <a:ext uri="{FF2B5EF4-FFF2-40B4-BE49-F238E27FC236}">
-                <a16:creationId xmlns:a16="http://schemas.microsoft.com/office/drawing/2014/main" id="{4E47A159-A7BC-43E5-AB09-F3F7F88E6D7D}"/>
+          <p:cNvPr id="5" name="Rectangle 4">
+            <a:extLst>
+              <a:ext uri="{FF2B5EF4-FFF2-40B4-BE49-F238E27FC236}">
+                <a16:creationId xmlns:a16="http://schemas.microsoft.com/office/drawing/2014/main" id="{C63D6AA0-E982-4D30-B36F-1E8552D92932}"/>
               </a:ext>
             </a:extLst>
           </p:cNvPr>
@@ -9782,8 +11243,8 @@
         </p:nvSpPr>
         <p:spPr>
           <a:xfrm>
-            <a:off x="2145602" y="4811990"/>
-            <a:ext cx="2268000" cy="1296000"/>
+            <a:off x="2569969" y="6079197"/>
+            <a:ext cx="790103" cy="377631"/>
           </a:xfrm>
           <a:prstGeom prst="rect">
             <a:avLst/>
@@ -9820,7 +11281,7 @@
                 </a:solidFill>
                 <a:latin typeface="Segoe UI Light"/>
               </a:rPr>
-              <a:t>Copy JS code</a:t>
+              <a:t>JS</a:t>
             </a:r>
             <a:endParaRPr lang="en-GB" dirty="0">
               <a:solidFill>
@@ -9833,10 +11294,10 @@
       </p:sp>
       <p:sp>
         <p:nvSpPr>
-          <p:cNvPr id="7" name="Rectangle 6">
-            <a:extLst>
-              <a:ext uri="{FF2B5EF4-FFF2-40B4-BE49-F238E27FC236}">
-                <a16:creationId xmlns:a16="http://schemas.microsoft.com/office/drawing/2014/main" id="{CDFEED6F-E5E3-4961-AA29-1808E0AE0681}"/>
+          <p:cNvPr id="6" name="Rectangle 5">
+            <a:extLst>
+              <a:ext uri="{FF2B5EF4-FFF2-40B4-BE49-F238E27FC236}">
+                <a16:creationId xmlns:a16="http://schemas.microsoft.com/office/drawing/2014/main" id="{D637D1B3-F3D7-493E-B0F4-A74D6332BB54}"/>
               </a:ext>
             </a:extLst>
           </p:cNvPr>
@@ -9845,8 +11306,8 @@
         </p:nvSpPr>
         <p:spPr>
           <a:xfrm>
-            <a:off x="5188092" y="4821766"/>
-            <a:ext cx="2268000" cy="1296000"/>
+            <a:off x="4916708" y="5974811"/>
+            <a:ext cx="907908" cy="552339"/>
           </a:xfrm>
           <a:prstGeom prst="rect">
             <a:avLst/>
@@ -9891,7 +11352,7 @@
                 </a:solidFill>
                 <a:latin typeface="Segoe UI Light"/>
               </a:rPr>
-              <a:t>Into TS file</a:t>
+              <a:t>TS Code</a:t>
             </a:r>
           </a:p>
           <a:p>
@@ -9906,10 +11367,10 @@
       </p:sp>
       <p:sp>
         <p:nvSpPr>
-          <p:cNvPr id="8" name="Rectangle 7">
-            <a:extLst>
-              <a:ext uri="{FF2B5EF4-FFF2-40B4-BE49-F238E27FC236}">
-                <a16:creationId xmlns:a16="http://schemas.microsoft.com/office/drawing/2014/main" id="{5CA62027-CC5D-405D-B83E-1D4A21117C55}"/>
+          <p:cNvPr id="7" name="Rectangle 6">
+            <a:extLst>
+              <a:ext uri="{FF2B5EF4-FFF2-40B4-BE49-F238E27FC236}">
+                <a16:creationId xmlns:a16="http://schemas.microsoft.com/office/drawing/2014/main" id="{3A2A765F-9670-4BE9-8658-710FDB49E85B}"/>
               </a:ext>
             </a:extLst>
           </p:cNvPr>
@@ -9918,8 +11379,8 @@
         </p:nvSpPr>
         <p:spPr>
           <a:xfrm>
-            <a:off x="8230026" y="4811990"/>
-            <a:ext cx="2267744" cy="1296000"/>
+            <a:off x="7381252" y="6094460"/>
+            <a:ext cx="1443363" cy="552339"/>
           </a:xfrm>
           <a:prstGeom prst="rect">
             <a:avLst/>
@@ -9969,10 +11430,10 @@
       </p:sp>
       <p:sp>
         <p:nvSpPr>
-          <p:cNvPr id="9" name="Plus 11">
-            <a:extLst>
-              <a:ext uri="{FF2B5EF4-FFF2-40B4-BE49-F238E27FC236}">
-                <a16:creationId xmlns:a16="http://schemas.microsoft.com/office/drawing/2014/main" id="{6621B827-72D3-4E4B-8E98-D034A6A99C84}"/>
+          <p:cNvPr id="8" name="Plus 11">
+            <a:extLst>
+              <a:ext uri="{FF2B5EF4-FFF2-40B4-BE49-F238E27FC236}">
+                <a16:creationId xmlns:a16="http://schemas.microsoft.com/office/drawing/2014/main" id="{BA9F6DBF-8A53-4D4D-BF6E-563444E0D985}"/>
               </a:ext>
             </a:extLst>
           </p:cNvPr>
@@ -9981,7 +11442,7 @@
         </p:nvSpPr>
         <p:spPr>
           <a:xfrm>
-            <a:off x="4065842" y="3952854"/>
+            <a:off x="3831263" y="5323254"/>
             <a:ext cx="432048" cy="432048"/>
           </a:xfrm>
           <a:prstGeom prst="mathPlus">
@@ -10025,10 +11486,10 @@
       </p:sp>
       <p:sp>
         <p:nvSpPr>
-          <p:cNvPr id="10" name="Rectangle 9">
-            <a:extLst>
-              <a:ext uri="{FF2B5EF4-FFF2-40B4-BE49-F238E27FC236}">
-                <a16:creationId xmlns:a16="http://schemas.microsoft.com/office/drawing/2014/main" id="{F25A12DC-2682-41F2-8FCA-84A07D70FFDB}"/>
+          <p:cNvPr id="9" name="Rectangle 8">
+            <a:extLst>
+              <a:ext uri="{FF2B5EF4-FFF2-40B4-BE49-F238E27FC236}">
+                <a16:creationId xmlns:a16="http://schemas.microsoft.com/office/drawing/2014/main" id="{7423CCB5-9C95-4E68-AF7C-C79FB4003CA0}"/>
               </a:ext>
             </a:extLst>
           </p:cNvPr>
@@ -10037,8 +11498,8 @@
         </p:nvSpPr>
         <p:spPr>
           <a:xfrm>
-            <a:off x="2135561" y="3501008"/>
-            <a:ext cx="1254733" cy="1287448"/>
+            <a:off x="2269958" y="5119033"/>
+            <a:ext cx="1072210" cy="840490"/>
           </a:xfrm>
           <a:prstGeom prst="rect">
             <a:avLst/>
@@ -10093,10 +11554,10 @@
       </p:sp>
       <p:sp>
         <p:nvSpPr>
-          <p:cNvPr id="11" name="Rectangle 10">
-            <a:extLst>
-              <a:ext uri="{FF2B5EF4-FFF2-40B4-BE49-F238E27FC236}">
-                <a16:creationId xmlns:a16="http://schemas.microsoft.com/office/drawing/2014/main" id="{96A92C7F-BEBF-4ACF-906F-B4279EB0B27E}"/>
+          <p:cNvPr id="10" name="Rectangle 9">
+            <a:extLst>
+              <a:ext uri="{FF2B5EF4-FFF2-40B4-BE49-F238E27FC236}">
+                <a16:creationId xmlns:a16="http://schemas.microsoft.com/office/drawing/2014/main" id="{B6D529E2-CD1B-4819-A7BC-1857E5FBD30B}"/>
               </a:ext>
             </a:extLst>
           </p:cNvPr>
@@ -10105,8 +11566,8 @@
         </p:nvSpPr>
         <p:spPr>
           <a:xfrm>
-            <a:off x="8248911" y="3534318"/>
-            <a:ext cx="1254733" cy="1287448"/>
+            <a:off x="7318968" y="5085723"/>
+            <a:ext cx="977265" cy="873800"/>
           </a:xfrm>
           <a:prstGeom prst="rect">
             <a:avLst/>
@@ -10161,10 +11622,10 @@
       </p:sp>
       <p:sp>
         <p:nvSpPr>
-          <p:cNvPr id="12" name="Rectangle 11">
-            <a:extLst>
-              <a:ext uri="{FF2B5EF4-FFF2-40B4-BE49-F238E27FC236}">
-                <a16:creationId xmlns:a16="http://schemas.microsoft.com/office/drawing/2014/main" id="{9EF60473-F643-437F-8EDC-11B009FA8EF6}"/>
+          <p:cNvPr id="11" name="Rectangle 10">
+            <a:extLst>
+              <a:ext uri="{FF2B5EF4-FFF2-40B4-BE49-F238E27FC236}">
+                <a16:creationId xmlns:a16="http://schemas.microsoft.com/office/drawing/2014/main" id="{E3D4067C-3732-4E5E-92D1-694335F3AF0A}"/>
               </a:ext>
             </a:extLst>
           </p:cNvPr>
@@ -10173,8 +11634,8 @@
         </p:nvSpPr>
         <p:spPr>
           <a:xfrm>
-            <a:off x="5176491" y="3501008"/>
-            <a:ext cx="1254733" cy="1287448"/>
+            <a:off x="4752406" y="5112620"/>
+            <a:ext cx="1072210" cy="840490"/>
           </a:xfrm>
           <a:prstGeom prst="rect">
             <a:avLst/>
@@ -10230,7 +11691,7 @@
     </p:spTree>
     <p:extLst>
       <p:ext uri="{BB962C8B-B14F-4D97-AF65-F5344CB8AC3E}">
-        <p14:creationId xmlns:p14="http://schemas.microsoft.com/office/powerpoint/2010/main" val="456940067"/>
+        <p14:creationId xmlns:p14="http://schemas.microsoft.com/office/powerpoint/2010/main" val="4038317679"/>
       </p:ext>
     </p:extLst>
   </p:cSld>
@@ -10309,110 +11770,100 @@
         <p:spPr/>
         <p:txBody>
           <a:bodyPr>
-            <a:normAutofit lnSpcReduction="10000"/>
+            <a:normAutofit fontScale="92500" lnSpcReduction="10000"/>
           </a:bodyPr>
           <a:lstStyle/>
           <a:p>
-            <a:pPr marL="0" indent="0">
-              <a:buNone/>
-            </a:pPr>
             <a:r>
               <a:rPr lang="en-US" b="1" dirty="0"/>
-              <a:t>Starts with JavaScript</a:t>
+              <a:t>TypeScript is a language for application scale JavaScript development.</a:t>
             </a:r>
           </a:p>
           <a:p>
             <a:pPr lvl="1"/>
             <a:r>
               <a:rPr lang="en-US" dirty="0"/>
-              <a:t>All JavaScript code is TypeScript code, simply copy and </a:t>
+              <a:t>Modular Development</a:t>
+            </a:r>
+          </a:p>
+          <a:p>
+            <a:pPr lvl="1"/>
+            <a:r>
+              <a:rPr lang="en-US" dirty="0"/>
+              <a:t>Scalable HTML5 client side development</a:t>
+            </a:r>
+          </a:p>
+          <a:p>
+            <a:r>
+              <a:rPr lang="en-US" dirty="0"/>
+              <a:t>Static Typing / Optional Typing</a:t>
+            </a:r>
+          </a:p>
+          <a:p>
+            <a:pPr lvl="1"/>
+            <a:r>
+              <a:rPr lang="en-US" dirty="0"/>
+              <a:t>Disappear at runtime with zero cost </a:t>
+            </a:r>
+          </a:p>
+          <a:p>
+            <a:r>
+              <a:rPr lang="en-US" dirty="0"/>
+              <a:t>Compilation</a:t>
+            </a:r>
+          </a:p>
+          <a:p>
+            <a:pPr lvl="1"/>
+            <a:r>
+              <a:rPr lang="en-US" dirty="0"/>
+              <a:t>Syntax checking, type checking, com</a:t>
+            </a:r>
+          </a:p>
+          <a:p>
+            <a:r>
+              <a:rPr lang="en-US" dirty="0"/>
+              <a:t>Type Definitions (.</a:t>
             </a:r>
             <a:r>
               <a:rPr lang="en-US" dirty="0" err="1"/>
-              <a:t>pasteAll</a:t>
-            </a:r>
-            <a:r>
-              <a:rPr lang="en-US" dirty="0"/>
-              <a:t> </a:t>
+              <a:t>d.ts</a:t>
+            </a:r>
+            <a:r>
+              <a:rPr lang="en-US" dirty="0"/>
+              <a:t> extension)</a:t>
             </a:r>
           </a:p>
           <a:p>
             <a:pPr lvl="1"/>
             <a:r>
               <a:rPr lang="en-US" dirty="0"/>
-              <a:t>JavaScript libraries work with TypeScript</a:t>
+              <a:t>Provides definitions for external JS libraries.</a:t>
+            </a:r>
+          </a:p>
+          <a:p>
+            <a:r>
+              <a:rPr lang="en-US" dirty="0"/>
+              <a:t>OOP</a:t>
             </a:r>
           </a:p>
           <a:p>
             <a:pPr lvl="1"/>
+            <a:r>
+              <a:rPr lang="en-US" dirty="0"/>
+              <a:t>Classes, Interfaces, modules </a:t>
+            </a:r>
+            <a:r>
+              <a:rPr lang="en-US" dirty="0" err="1"/>
+              <a:t>etc</a:t>
+            </a:r>
             <a:endParaRPr lang="en-US" dirty="0"/>
-          </a:p>
-          <a:p>
-            <a:pPr marL="457200" lvl="1" indent="0">
-              <a:buNone/>
-            </a:pPr>
-            <a:r>
-              <a:rPr lang="en-US" b="1" dirty="0"/>
-              <a:t>Optional static types, classes, modules</a:t>
-            </a:r>
-          </a:p>
-          <a:p>
-            <a:pPr marL="457200" lvl="1" indent="0">
-              <a:buNone/>
-            </a:pPr>
-            <a:r>
-              <a:rPr lang="en-US" dirty="0"/>
-              <a:t>Enable scalable application development and excellent tooling</a:t>
-            </a:r>
-          </a:p>
-          <a:p>
-            <a:pPr marL="457200" lvl="1" indent="0">
-              <a:buNone/>
-            </a:pPr>
-            <a:r>
-              <a:rPr lang="en-US" dirty="0"/>
-              <a:t>Zero cost: Static types completely disappear at run-time</a:t>
-            </a:r>
-          </a:p>
-          <a:p>
-            <a:pPr marL="457200" lvl="1" indent="0">
-              <a:buNone/>
-            </a:pPr>
-            <a:endParaRPr lang="en-US" dirty="0"/>
-          </a:p>
-          <a:p>
-            <a:pPr marL="457200" lvl="1" indent="0">
-              <a:buNone/>
-            </a:pPr>
-            <a:r>
-              <a:rPr lang="en-US" b="1" dirty="0"/>
-              <a:t>Ends with JavaScript</a:t>
-            </a:r>
-          </a:p>
-          <a:p>
-            <a:pPr marL="457200" lvl="1" indent="0">
-              <a:buNone/>
-            </a:pPr>
-            <a:r>
-              <a:rPr lang="en-US" dirty="0"/>
-              <a:t>Compiles to idiomatic JavaScript</a:t>
-            </a:r>
-          </a:p>
-          <a:p>
-            <a:pPr marL="457200" lvl="1" indent="0">
-              <a:buNone/>
-            </a:pPr>
-            <a:r>
-              <a:rPr lang="en-US" dirty="0"/>
-              <a:t>Runs in any browser or host, on any OS</a:t>
-            </a:r>
           </a:p>
         </p:txBody>
       </p:sp>
     </p:spTree>
     <p:extLst>
       <p:ext uri="{BB962C8B-B14F-4D97-AF65-F5344CB8AC3E}">
-        <p14:creationId xmlns:p14="http://schemas.microsoft.com/office/powerpoint/2010/main" val="4038317679"/>
+        <p14:creationId xmlns:p14="http://schemas.microsoft.com/office/powerpoint/2010/main" val="59594838"/>
       </p:ext>
     </p:extLst>
   </p:cSld>

--- a/slides/Ang Sessions.pptx
+++ b/slides/Ang Sessions.pptx
@@ -5,7 +5,7 @@
     <p:sldMasterId id="2147483648" r:id="rId1"/>
   </p:sldMasterIdLst>
   <p:notesMasterIdLst>
-    <p:notesMasterId r:id="rId35"/>
+    <p:notesMasterId r:id="rId40"/>
   </p:notesMasterIdLst>
   <p:sldIdLst>
     <p:sldId id="274" r:id="rId2"/>
@@ -38,9 +38,14 @@
     <p:sldId id="269" r:id="rId29"/>
     <p:sldId id="300" r:id="rId30"/>
     <p:sldId id="293" r:id="rId31"/>
-    <p:sldId id="272" r:id="rId32"/>
-    <p:sldId id="273" r:id="rId33"/>
-    <p:sldId id="270" r:id="rId34"/>
+    <p:sldId id="309" r:id="rId32"/>
+    <p:sldId id="272" r:id="rId33"/>
+    <p:sldId id="305" r:id="rId34"/>
+    <p:sldId id="306" r:id="rId35"/>
+    <p:sldId id="307" r:id="rId36"/>
+    <p:sldId id="308" r:id="rId37"/>
+    <p:sldId id="273" r:id="rId38"/>
+    <p:sldId id="270" r:id="rId39"/>
   </p:sldIdLst>
   <p:sldSz cx="12192000" cy="6858000"/>
   <p:notesSz cx="6858000" cy="9144000"/>
@@ -229,7 +234,7 @@
           <a:p>
             <a:fld id="{0977DE21-F680-43D4-929B-3CCD08699C48}" type="datetimeFigureOut">
               <a:rPr lang="en-US" smtClean="0"/>
-              <a:t>7/12/2020</a:t>
+              <a:t>7/13/2020</a:t>
             </a:fld>
             <a:endParaRPr lang="en-US"/>
           </a:p>
@@ -781,7 +786,7 @@
           <a:p>
             <a:fld id="{074E2275-5F71-463B-81D5-512688C0E738}" type="datetimeFigureOut">
               <a:rPr lang="en-US" smtClean="0"/>
-              <a:t>7/12/2020</a:t>
+              <a:t>7/13/2020</a:t>
             </a:fld>
             <a:endParaRPr lang="en-US"/>
           </a:p>
@@ -979,7 +984,7 @@
           <a:p>
             <a:fld id="{074E2275-5F71-463B-81D5-512688C0E738}" type="datetimeFigureOut">
               <a:rPr lang="en-US" smtClean="0"/>
-              <a:t>7/12/2020</a:t>
+              <a:t>7/13/2020</a:t>
             </a:fld>
             <a:endParaRPr lang="en-US"/>
           </a:p>
@@ -1187,7 +1192,7 @@
           <a:p>
             <a:fld id="{074E2275-5F71-463B-81D5-512688C0E738}" type="datetimeFigureOut">
               <a:rPr lang="en-US" smtClean="0"/>
-              <a:t>7/12/2020</a:t>
+              <a:t>7/13/2020</a:t>
             </a:fld>
             <a:endParaRPr lang="en-US"/>
           </a:p>
@@ -1385,7 +1390,7 @@
           <a:p>
             <a:fld id="{074E2275-5F71-463B-81D5-512688C0E738}" type="datetimeFigureOut">
               <a:rPr lang="en-US" smtClean="0"/>
-              <a:t>7/12/2020</a:t>
+              <a:t>7/13/2020</a:t>
             </a:fld>
             <a:endParaRPr lang="en-US"/>
           </a:p>
@@ -1660,7 +1665,7 @@
           <a:p>
             <a:fld id="{074E2275-5F71-463B-81D5-512688C0E738}" type="datetimeFigureOut">
               <a:rPr lang="en-US" smtClean="0"/>
-              <a:t>7/12/2020</a:t>
+              <a:t>7/13/2020</a:t>
             </a:fld>
             <a:endParaRPr lang="en-US"/>
           </a:p>
@@ -1925,7 +1930,7 @@
           <a:p>
             <a:fld id="{074E2275-5F71-463B-81D5-512688C0E738}" type="datetimeFigureOut">
               <a:rPr lang="en-US" smtClean="0"/>
-              <a:t>7/12/2020</a:t>
+              <a:t>7/13/2020</a:t>
             </a:fld>
             <a:endParaRPr lang="en-US"/>
           </a:p>
@@ -2337,7 +2342,7 @@
           <a:p>
             <a:fld id="{074E2275-5F71-463B-81D5-512688C0E738}" type="datetimeFigureOut">
               <a:rPr lang="en-US" smtClean="0"/>
-              <a:t>7/12/2020</a:t>
+              <a:t>7/13/2020</a:t>
             </a:fld>
             <a:endParaRPr lang="en-US"/>
           </a:p>
@@ -2478,7 +2483,7 @@
           <a:p>
             <a:fld id="{074E2275-5F71-463B-81D5-512688C0E738}" type="datetimeFigureOut">
               <a:rPr lang="en-US" smtClean="0"/>
-              <a:t>7/12/2020</a:t>
+              <a:t>7/13/2020</a:t>
             </a:fld>
             <a:endParaRPr lang="en-US"/>
           </a:p>
@@ -2591,7 +2596,7 @@
           <a:p>
             <a:fld id="{074E2275-5F71-463B-81D5-512688C0E738}" type="datetimeFigureOut">
               <a:rPr lang="en-US" smtClean="0"/>
-              <a:t>7/12/2020</a:t>
+              <a:t>7/13/2020</a:t>
             </a:fld>
             <a:endParaRPr lang="en-US"/>
           </a:p>
@@ -2902,7 +2907,7 @@
           <a:p>
             <a:fld id="{074E2275-5F71-463B-81D5-512688C0E738}" type="datetimeFigureOut">
               <a:rPr lang="en-US" smtClean="0"/>
-              <a:t>7/12/2020</a:t>
+              <a:t>7/13/2020</a:t>
             </a:fld>
             <a:endParaRPr lang="en-US"/>
           </a:p>
@@ -3190,7 +3195,7 @@
           <a:p>
             <a:fld id="{074E2275-5F71-463B-81D5-512688C0E738}" type="datetimeFigureOut">
               <a:rPr lang="en-US" smtClean="0"/>
-              <a:t>7/12/2020</a:t>
+              <a:t>7/13/2020</a:t>
             </a:fld>
             <a:endParaRPr lang="en-US"/>
           </a:p>
@@ -3431,7 +3436,7 @@
           <a:p>
             <a:fld id="{074E2275-5F71-463B-81D5-512688C0E738}" type="datetimeFigureOut">
               <a:rPr lang="en-US" smtClean="0"/>
-              <a:t>7/12/2020</a:t>
+              <a:t>7/13/2020</a:t>
             </a:fld>
             <a:endParaRPr lang="en-US"/>
           </a:p>
@@ -4584,7 +4589,16 @@
           <a:bodyPr/>
           <a:lstStyle/>
           <a:p>
-            <a:endParaRPr lang="en-US"/>
+            <a:r>
+              <a:rPr lang="en-US" dirty="0">
+                <a:hlinkClick r:id="rId2"/>
+              </a:rPr>
+              <a:t>https://www.typescriptlang.org/index.html</a:t>
+            </a:r>
+            <a:endParaRPr lang="en-US" dirty="0"/>
+          </a:p>
+          <a:p>
+            <a:endParaRPr lang="en-US" dirty="0"/>
           </a:p>
         </p:txBody>
       </p:sp>
@@ -6418,6 +6432,16 @@
             <a:normAutofit fontScale="40000" lnSpcReduction="20000"/>
           </a:bodyPr>
           <a:lstStyle/>
+          <a:p>
+            <a:pPr marL="0" indent="0">
+              <a:buNone/>
+            </a:pPr>
+            <a:r>
+              <a:rPr lang="en-US" dirty="0"/>
+              <a:t>Command Line Interface for building Angular applications</a:t>
+            </a:r>
+            <a:endParaRPr lang="en-US" b="1" dirty="0"/>
+          </a:p>
           <a:p>
             <a:r>
               <a:rPr lang="en-US" b="1" dirty="0"/>
@@ -9378,10 +9402,102 @@
         </p:nvSpPr>
         <p:spPr/>
         <p:txBody>
-          <a:bodyPr/>
+          <a:bodyPr>
+            <a:normAutofit fontScale="62500" lnSpcReduction="20000"/>
+          </a:bodyPr>
           <a:lstStyle/>
           <a:p>
-            <a:endParaRPr lang="en-US"/>
+            <a:pPr marL="0" indent="0">
+              <a:buNone/>
+            </a:pPr>
+            <a:r>
+              <a:rPr lang="en-US" b="1" dirty="0"/>
+              <a:t>Features</a:t>
+            </a:r>
+          </a:p>
+          <a:p>
+            <a:pPr fontAlgn="ctr"/>
+            <a:r>
+              <a:rPr lang="en-US" dirty="0"/>
+              <a:t>In-built responsive designing.</a:t>
+            </a:r>
+          </a:p>
+          <a:p>
+            <a:pPr fontAlgn="ctr"/>
+            <a:r>
+              <a:rPr lang="en-US" dirty="0"/>
+              <a:t>Standard CSS with minimal footprint.</a:t>
+            </a:r>
+          </a:p>
+          <a:p>
+            <a:pPr fontAlgn="ctr"/>
+            <a:r>
+              <a:rPr lang="en-US" dirty="0"/>
+              <a:t>Includes new versions of common user interface controls such as buttons, check boxes, and text fields which are adapted to follow Material Design concepts.</a:t>
+            </a:r>
+          </a:p>
+          <a:p>
+            <a:pPr fontAlgn="ctr"/>
+            <a:r>
+              <a:rPr lang="en-US" dirty="0"/>
+              <a:t>Includes enhanced and specialized features like cards, toolbar, speed dial, side nav, swipe, and so on.</a:t>
+            </a:r>
+          </a:p>
+          <a:p>
+            <a:pPr fontAlgn="ctr"/>
+            <a:r>
+              <a:rPr lang="en-US" dirty="0"/>
+              <a:t>Cross-browser, and can be used to create reusable web components.</a:t>
+            </a:r>
+          </a:p>
+          <a:p>
+            <a:pPr marL="0" indent="0">
+              <a:buNone/>
+            </a:pPr>
+            <a:r>
+              <a:rPr lang="en-US" dirty="0"/>
+              <a:t> </a:t>
+            </a:r>
+          </a:p>
+          <a:p>
+            <a:pPr marL="0" indent="0">
+              <a:buNone/>
+            </a:pPr>
+            <a:r>
+              <a:rPr lang="en-US" b="1" dirty="0"/>
+              <a:t>Extensible</a:t>
+            </a:r>
+          </a:p>
+          <a:p>
+            <a:pPr fontAlgn="ctr"/>
+            <a:r>
+              <a:rPr lang="en-US" dirty="0"/>
+              <a:t>Angular Material is by design very minimal and flat.</a:t>
+            </a:r>
+          </a:p>
+          <a:p>
+            <a:pPr fontAlgn="ctr"/>
+            <a:r>
+              <a:rPr lang="en-US" dirty="0"/>
+              <a:t>It is designed considering the fact that it is much easier to add new CSS rules than to overwrite existing CSS rules.</a:t>
+            </a:r>
+          </a:p>
+          <a:p>
+            <a:pPr fontAlgn="ctr"/>
+            <a:r>
+              <a:rPr lang="en-US" dirty="0"/>
+              <a:t>It supports shadows and bold colors.</a:t>
+            </a:r>
+          </a:p>
+          <a:p>
+            <a:pPr fontAlgn="ctr"/>
+            <a:r>
+              <a:rPr lang="en-US" dirty="0"/>
+              <a:t>The colors and shades remain uniform across various platforms and devices</a:t>
+            </a:r>
+          </a:p>
+          <a:p>
+            <a:endParaRPr lang="en-US" dirty="0"/>
           </a:p>
         </p:txBody>
       </p:sp>
@@ -9781,7 +9897,7 @@
           <p:cNvPr id="2" name="Title 1">
             <a:extLst>
               <a:ext uri="{FF2B5EF4-FFF2-40B4-BE49-F238E27FC236}">
-                <a16:creationId xmlns:a16="http://schemas.microsoft.com/office/drawing/2014/main" id="{168D52F0-7E4B-457E-8E36-23B3A8736436}"/>
+                <a16:creationId xmlns:a16="http://schemas.microsoft.com/office/drawing/2014/main" id="{98C30922-1452-42C1-B5E8-E81F16DDC1F9}"/>
               </a:ext>
             </a:extLst>
           </p:cNvPr>
@@ -9799,40 +9915,50 @@
           <a:p>
             <a:r>
               <a:rPr lang="en-US" dirty="0"/>
-              <a:t>Template Driven Forms</a:t>
-            </a:r>
-          </a:p>
-        </p:txBody>
-      </p:sp>
-      <p:sp>
-        <p:nvSpPr>
-          <p:cNvPr id="3" name="Content Placeholder 2">
-            <a:extLst>
-              <a:ext uri="{FF2B5EF4-FFF2-40B4-BE49-F238E27FC236}">
-                <a16:creationId xmlns:a16="http://schemas.microsoft.com/office/drawing/2014/main" id="{732F9610-E6A9-438E-9505-1520B97EDB5A}"/>
-              </a:ext>
-            </a:extLst>
-          </p:cNvPr>
-          <p:cNvSpPr>
-            <a:spLocks noGrp="1"/>
-          </p:cNvSpPr>
+              <a:t>Forms</a:t>
+            </a:r>
+          </a:p>
+        </p:txBody>
+      </p:sp>
+      <p:pic>
+        <p:nvPicPr>
+          <p:cNvPr id="7" name="Content Placeholder 6">
+            <a:extLst>
+              <a:ext uri="{FF2B5EF4-FFF2-40B4-BE49-F238E27FC236}">
+                <a16:creationId xmlns:a16="http://schemas.microsoft.com/office/drawing/2014/main" id="{03BF90B5-EA42-4823-A63F-EABC344BF354}"/>
+              </a:ext>
+            </a:extLst>
+          </p:cNvPr>
+          <p:cNvPicPr>
+            <a:picLocks noGrp="1" noChangeAspect="1"/>
+          </p:cNvPicPr>
           <p:nvPr>
             <p:ph idx="1"/>
           </p:nvPr>
-        </p:nvSpPr>
-        <p:spPr/>
-        <p:txBody>
-          <a:bodyPr/>
-          <a:lstStyle/>
-          <a:p>
-            <a:endParaRPr lang="en-US"/>
-          </a:p>
-        </p:txBody>
-      </p:sp>
+        </p:nvPicPr>
+        <p:blipFill>
+          <a:blip r:embed="rId2">
+            <a:extLst>
+              <a:ext uri="{28A0092B-C50C-407E-A947-70E740481C1C}">
+                <a14:useLocalDpi xmlns:a14="http://schemas.microsoft.com/office/drawing/2010/main" val="0"/>
+              </a:ext>
+            </a:extLst>
+          </a:blip>
+          <a:stretch>
+            <a:fillRect/>
+          </a:stretch>
+        </p:blipFill>
+        <p:spPr>
+          <a:xfrm>
+            <a:off x="1201785" y="1601035"/>
+            <a:ext cx="9467587" cy="4351338"/>
+          </a:xfrm>
+        </p:spPr>
+      </p:pic>
     </p:spTree>
     <p:extLst>
       <p:ext uri="{BB962C8B-B14F-4D97-AF65-F5344CB8AC3E}">
-        <p14:creationId xmlns:p14="http://schemas.microsoft.com/office/powerpoint/2010/main" val="842726617"/>
+        <p14:creationId xmlns:p14="http://schemas.microsoft.com/office/powerpoint/2010/main" val="2674825031"/>
       </p:ext>
     </p:extLst>
   </p:cSld>
@@ -9864,7 +9990,7 @@
           <p:cNvPr id="2" name="Title 1">
             <a:extLst>
               <a:ext uri="{FF2B5EF4-FFF2-40B4-BE49-F238E27FC236}">
-                <a16:creationId xmlns:a16="http://schemas.microsoft.com/office/drawing/2014/main" id="{6E260A6A-275F-42E7-9C28-C4C7F93C73E1}"/>
+                <a16:creationId xmlns:a16="http://schemas.microsoft.com/office/drawing/2014/main" id="{168D52F0-7E4B-457E-8E36-23B3A8736436}"/>
               </a:ext>
             </a:extLst>
           </p:cNvPr>
@@ -9882,40 +10008,50 @@
           <a:p>
             <a:r>
               <a:rPr lang="en-US" dirty="0"/>
-              <a:t>Reactive Forms</a:t>
-            </a:r>
-          </a:p>
-        </p:txBody>
-      </p:sp>
-      <p:sp>
-        <p:nvSpPr>
-          <p:cNvPr id="3" name="Content Placeholder 2">
-            <a:extLst>
-              <a:ext uri="{FF2B5EF4-FFF2-40B4-BE49-F238E27FC236}">
-                <a16:creationId xmlns:a16="http://schemas.microsoft.com/office/drawing/2014/main" id="{853F8607-6CA2-4B3B-8DC5-FC11F4442ED0}"/>
-              </a:ext>
-            </a:extLst>
-          </p:cNvPr>
-          <p:cNvSpPr>
-            <a:spLocks noGrp="1"/>
-          </p:cNvSpPr>
+              <a:t>Template Driven Forms</a:t>
+            </a:r>
+          </a:p>
+        </p:txBody>
+      </p:sp>
+      <p:pic>
+        <p:nvPicPr>
+          <p:cNvPr id="5" name="Content Placeholder 4">
+            <a:extLst>
+              <a:ext uri="{FF2B5EF4-FFF2-40B4-BE49-F238E27FC236}">
+                <a16:creationId xmlns:a16="http://schemas.microsoft.com/office/drawing/2014/main" id="{F852BB00-9753-4E00-AB2C-34C100B3A984}"/>
+              </a:ext>
+            </a:extLst>
+          </p:cNvPr>
+          <p:cNvPicPr>
+            <a:picLocks noGrp="1" noChangeAspect="1"/>
+          </p:cNvPicPr>
           <p:nvPr>
             <p:ph idx="1"/>
           </p:nvPr>
-        </p:nvSpPr>
-        <p:spPr/>
-        <p:txBody>
-          <a:bodyPr/>
-          <a:lstStyle/>
-          <a:p>
-            <a:endParaRPr lang="en-US"/>
-          </a:p>
-        </p:txBody>
-      </p:sp>
+        </p:nvPicPr>
+        <p:blipFill>
+          <a:blip r:embed="rId2">
+            <a:extLst>
+              <a:ext uri="{28A0092B-C50C-407E-A947-70E740481C1C}">
+                <a14:useLocalDpi xmlns:a14="http://schemas.microsoft.com/office/drawing/2010/main" val="0"/>
+              </a:ext>
+            </a:extLst>
+          </a:blip>
+          <a:stretch>
+            <a:fillRect/>
+          </a:stretch>
+        </p:blipFill>
+        <p:spPr>
+          <a:xfrm>
+            <a:off x="4595911" y="1576973"/>
+            <a:ext cx="6160472" cy="4351338"/>
+          </a:xfrm>
+        </p:spPr>
+      </p:pic>
     </p:spTree>
     <p:extLst>
       <p:ext uri="{BB962C8B-B14F-4D97-AF65-F5344CB8AC3E}">
-        <p14:creationId xmlns:p14="http://schemas.microsoft.com/office/powerpoint/2010/main" val="1942708461"/>
+        <p14:creationId xmlns:p14="http://schemas.microsoft.com/office/powerpoint/2010/main" val="842726617"/>
       </p:ext>
     </p:extLst>
   </p:cSld>
@@ -9947,7 +10083,7 @@
           <p:cNvPr id="2" name="Title 1">
             <a:extLst>
               <a:ext uri="{FF2B5EF4-FFF2-40B4-BE49-F238E27FC236}">
-                <a16:creationId xmlns:a16="http://schemas.microsoft.com/office/drawing/2014/main" id="{5C0AF642-893F-47E6-8575-BAC977BD3F79}"/>
+                <a16:creationId xmlns:a16="http://schemas.microsoft.com/office/drawing/2014/main" id="{92F27A5D-FBBC-4289-879C-2CAECCCCC6D6}"/>
               </a:ext>
             </a:extLst>
           </p:cNvPr>
@@ -9965,7 +10101,7 @@
           <a:p>
             <a:r>
               <a:rPr lang="en-US" dirty="0"/>
-              <a:t>Angular Lab	</a:t>
+              <a:t>Data Binding in Forms	</a:t>
             </a:r>
           </a:p>
         </p:txBody>
@@ -9975,7 +10111,7 @@
           <p:cNvPr id="3" name="Content Placeholder 2">
             <a:extLst>
               <a:ext uri="{FF2B5EF4-FFF2-40B4-BE49-F238E27FC236}">
-                <a16:creationId xmlns:a16="http://schemas.microsoft.com/office/drawing/2014/main" id="{02B9EF30-9CAE-4F60-911D-B59AB9EF2D06}"/>
+                <a16:creationId xmlns:a16="http://schemas.microsoft.com/office/drawing/2014/main" id="{2771BD09-EA5D-44C5-84EF-9B0B2B1C6618}"/>
               </a:ext>
             </a:extLst>
           </p:cNvPr>
@@ -9984,6 +10120,138 @@
           </p:cNvSpPr>
           <p:nvPr>
             <p:ph idx="1"/>
+          </p:nvPr>
+        </p:nvSpPr>
+        <p:spPr/>
+        <p:txBody>
+          <a:bodyPr>
+            <a:normAutofit/>
+          </a:bodyPr>
+          <a:lstStyle/>
+          <a:p>
+            <a:r>
+              <a:rPr lang="en-US" dirty="0"/>
+              <a:t>Using </a:t>
+            </a:r>
+            <a:r>
+              <a:rPr lang="en-US" dirty="0" err="1"/>
+              <a:t>NgForm</a:t>
+            </a:r>
+            <a:endParaRPr lang="en-US" dirty="0"/>
+          </a:p>
+          <a:p>
+            <a:pPr lvl="1"/>
+            <a:r>
+              <a:rPr lang="en-US" dirty="0"/>
+              <a:t>&lt;form #form=“ngForm”&gt;</a:t>
+            </a:r>
+          </a:p>
+          <a:p>
+            <a:r>
+              <a:rPr lang="en-US" dirty="0" err="1"/>
+              <a:t>NgModel</a:t>
+            </a:r>
+            <a:endParaRPr lang="en-US" dirty="0"/>
+          </a:p>
+          <a:p>
+            <a:pPr lvl="1"/>
+            <a:r>
+              <a:rPr lang="en-US" dirty="0"/>
+              <a:t>Builds </a:t>
+            </a:r>
+            <a:r>
+              <a:rPr lang="en-US" dirty="0" err="1"/>
+              <a:t>form.value</a:t>
+            </a:r>
+            <a:endParaRPr lang="en-US" dirty="0"/>
+          </a:p>
+          <a:p>
+            <a:pPr lvl="1"/>
+            <a:r>
+              <a:rPr lang="en-US" dirty="0"/>
+              <a:t>name attribute is required</a:t>
+            </a:r>
+          </a:p>
+          <a:p>
+            <a:r>
+              <a:rPr lang="en-US" dirty="0"/>
+              <a:t>Creating a Data Model</a:t>
+            </a:r>
+          </a:p>
+          <a:p>
+            <a:pPr lvl="1"/>
+            <a:r>
+              <a:rPr lang="en-US" dirty="0"/>
+              <a:t>interface</a:t>
+            </a:r>
+          </a:p>
+          <a:p>
+            <a:r>
+              <a:rPr lang="en-US" dirty="0"/>
+              <a:t>Two-way Data Binding</a:t>
+            </a:r>
+          </a:p>
+          <a:p>
+            <a:pPr lvl="1"/>
+            <a:r>
+              <a:rPr lang="en-US" dirty="0"/>
+              <a:t>[(</a:t>
+            </a:r>
+            <a:r>
+              <a:rPr lang="en-US" dirty="0" err="1"/>
+              <a:t>ngModel</a:t>
+            </a:r>
+            <a:r>
+              <a:rPr lang="en-US" dirty="0"/>
+              <a:t>)]=“variable”</a:t>
+            </a:r>
+          </a:p>
+        </p:txBody>
+      </p:sp>
+    </p:spTree>
+    <p:extLst>
+      <p:ext uri="{BB962C8B-B14F-4D97-AF65-F5344CB8AC3E}">
+        <p14:creationId xmlns:p14="http://schemas.microsoft.com/office/powerpoint/2010/main" val="2937617868"/>
+      </p:ext>
+    </p:extLst>
+  </p:cSld>
+  <p:clrMapOvr>
+    <a:masterClrMapping/>
+  </p:clrMapOvr>
+</p:sld>
+</file>
+
+<file path=ppt/slides/slide34.xml><?xml version="1.0" encoding="utf-8"?>
+<p:sld xmlns:a="http://schemas.openxmlformats.org/drawingml/2006/main" xmlns:r="http://schemas.openxmlformats.org/officeDocument/2006/relationships" xmlns:p="http://schemas.openxmlformats.org/presentationml/2006/main">
+  <p:cSld>
+    <p:spTree>
+      <p:nvGrpSpPr>
+        <p:cNvPr id="1" name=""/>
+        <p:cNvGrpSpPr/>
+        <p:nvPr/>
+      </p:nvGrpSpPr>
+      <p:grpSpPr>
+        <a:xfrm>
+          <a:off x="0" y="0"/>
+          <a:ext cx="0" cy="0"/>
+          <a:chOff x="0" y="0"/>
+          <a:chExt cx="0" cy="0"/>
+        </a:xfrm>
+      </p:grpSpPr>
+      <p:sp>
+        <p:nvSpPr>
+          <p:cNvPr id="2" name="Title 1">
+            <a:extLst>
+              <a:ext uri="{FF2B5EF4-FFF2-40B4-BE49-F238E27FC236}">
+                <a16:creationId xmlns:a16="http://schemas.microsoft.com/office/drawing/2014/main" id="{1DC8A0DD-6CE6-4451-8EBF-A3388FD779A6}"/>
+              </a:ext>
+            </a:extLst>
+          </p:cNvPr>
+          <p:cNvSpPr>
+            <a:spLocks noGrp="1"/>
+          </p:cNvSpPr>
+          <p:nvPr>
+            <p:ph type="title"/>
           </p:nvPr>
         </p:nvSpPr>
         <p:spPr/>
@@ -9991,10 +10259,536 @@
           <a:bodyPr/>
           <a:lstStyle/>
           <a:p>
+            <a:r>
+              <a:rPr lang="en-US" dirty="0"/>
+              <a:t>HTML 5 Validation</a:t>
+            </a:r>
+          </a:p>
+        </p:txBody>
+      </p:sp>
+      <p:sp>
+        <p:nvSpPr>
+          <p:cNvPr id="3" name="Content Placeholder 2">
+            <a:extLst>
+              <a:ext uri="{FF2B5EF4-FFF2-40B4-BE49-F238E27FC236}">
+                <a16:creationId xmlns:a16="http://schemas.microsoft.com/office/drawing/2014/main" id="{7391C95E-6999-4453-B062-DCF6C2255EB1}"/>
+              </a:ext>
+            </a:extLst>
+          </p:cNvPr>
+          <p:cNvSpPr>
+            <a:spLocks noGrp="1"/>
+          </p:cNvSpPr>
+          <p:nvPr>
+            <p:ph idx="1"/>
+          </p:nvPr>
+        </p:nvSpPr>
+        <p:spPr/>
+        <p:txBody>
+          <a:bodyPr/>
+          <a:lstStyle/>
+          <a:p>
+            <a:r>
+              <a:rPr lang="en-US" dirty="0"/>
+              <a:t>required, pattern</a:t>
+            </a:r>
+          </a:p>
+          <a:p>
+            <a:r>
+              <a:rPr lang="en-US" dirty="0" err="1"/>
+              <a:t>minlength</a:t>
+            </a:r>
+            <a:r>
+              <a:rPr lang="en-US" dirty="0"/>
+              <a:t>, </a:t>
+            </a:r>
+            <a:r>
+              <a:rPr lang="en-US" dirty="0" err="1"/>
+              <a:t>maxlength</a:t>
+            </a:r>
+            <a:r>
+              <a:rPr lang="en-US" dirty="0"/>
+              <a:t>, min, max</a:t>
+            </a:r>
+          </a:p>
+        </p:txBody>
+      </p:sp>
+    </p:spTree>
+    <p:extLst>
+      <p:ext uri="{BB962C8B-B14F-4D97-AF65-F5344CB8AC3E}">
+        <p14:creationId xmlns:p14="http://schemas.microsoft.com/office/powerpoint/2010/main" val="1290029239"/>
+      </p:ext>
+    </p:extLst>
+  </p:cSld>
+  <p:clrMapOvr>
+    <a:masterClrMapping/>
+  </p:clrMapOvr>
+</p:sld>
+</file>
+
+<file path=ppt/slides/slide35.xml><?xml version="1.0" encoding="utf-8"?>
+<p:sld xmlns:a="http://schemas.openxmlformats.org/drawingml/2006/main" xmlns:r="http://schemas.openxmlformats.org/officeDocument/2006/relationships" xmlns:p="http://schemas.openxmlformats.org/presentationml/2006/main">
+  <p:cSld>
+    <p:spTree>
+      <p:nvGrpSpPr>
+        <p:cNvPr id="1" name=""/>
+        <p:cNvGrpSpPr/>
+        <p:nvPr/>
+      </p:nvGrpSpPr>
+      <p:grpSpPr>
+        <a:xfrm>
+          <a:off x="0" y="0"/>
+          <a:ext cx="0" cy="0"/>
+          <a:chOff x="0" y="0"/>
+          <a:chExt cx="0" cy="0"/>
+        </a:xfrm>
+      </p:grpSpPr>
+      <p:sp>
+        <p:nvSpPr>
+          <p:cNvPr id="2" name="Title 1">
+            <a:extLst>
+              <a:ext uri="{FF2B5EF4-FFF2-40B4-BE49-F238E27FC236}">
+                <a16:creationId xmlns:a16="http://schemas.microsoft.com/office/drawing/2014/main" id="{1DC8A0DD-6CE6-4451-8EBF-A3388FD779A6}"/>
+              </a:ext>
+            </a:extLst>
+          </p:cNvPr>
+          <p:cNvSpPr>
+            <a:spLocks noGrp="1"/>
+          </p:cNvSpPr>
+          <p:nvPr>
+            <p:ph type="title"/>
+          </p:nvPr>
+        </p:nvSpPr>
+        <p:spPr/>
+        <p:txBody>
+          <a:bodyPr/>
+          <a:lstStyle/>
+          <a:p>
+            <a:r>
+              <a:rPr lang="en-US" dirty="0"/>
+              <a:t>CSS Classes for Validation</a:t>
+            </a:r>
+          </a:p>
+        </p:txBody>
+      </p:sp>
+      <p:sp>
+        <p:nvSpPr>
+          <p:cNvPr id="3" name="Content Placeholder 2">
+            <a:extLst>
+              <a:ext uri="{FF2B5EF4-FFF2-40B4-BE49-F238E27FC236}">
+                <a16:creationId xmlns:a16="http://schemas.microsoft.com/office/drawing/2014/main" id="{7391C95E-6999-4453-B062-DCF6C2255EB1}"/>
+              </a:ext>
+            </a:extLst>
+          </p:cNvPr>
+          <p:cNvSpPr>
+            <a:spLocks noGrp="1"/>
+          </p:cNvSpPr>
+          <p:nvPr>
+            <p:ph idx="1"/>
+          </p:nvPr>
+        </p:nvSpPr>
+        <p:spPr/>
+        <p:txBody>
+          <a:bodyPr/>
+          <a:lstStyle/>
+          <a:p>
+            <a:r>
+              <a:rPr lang="en-US" dirty="0"/>
+              <a:t>Classes &amp; Associated </a:t>
+            </a:r>
+            <a:r>
+              <a:rPr lang="en-US" dirty="0" err="1"/>
+              <a:t>NgModel</a:t>
+            </a:r>
+            <a:r>
+              <a:rPr lang="en-US" dirty="0"/>
+              <a:t> properties</a:t>
+            </a:r>
+          </a:p>
+          <a:p>
             <a:endParaRPr lang="en-US" dirty="0"/>
           </a:p>
         </p:txBody>
       </p:sp>
+      <p:pic>
+        <p:nvPicPr>
+          <p:cNvPr id="5" name="Picture 4">
+            <a:extLst>
+              <a:ext uri="{FF2B5EF4-FFF2-40B4-BE49-F238E27FC236}">
+                <a16:creationId xmlns:a16="http://schemas.microsoft.com/office/drawing/2014/main" id="{51D8581F-3F3F-4F05-8C41-9CF46C8F0256}"/>
+              </a:ext>
+            </a:extLst>
+          </p:cNvPr>
+          <p:cNvPicPr>
+            <a:picLocks noChangeAspect="1"/>
+          </p:cNvPicPr>
+          <p:nvPr/>
+        </p:nvPicPr>
+        <p:blipFill>
+          <a:blip r:embed="rId2">
+            <a:extLst>
+              <a:ext uri="{28A0092B-C50C-407E-A947-70E740481C1C}">
+                <a14:useLocalDpi xmlns:a14="http://schemas.microsoft.com/office/drawing/2010/main" val="0"/>
+              </a:ext>
+            </a:extLst>
+          </a:blip>
+          <a:stretch>
+            <a:fillRect/>
+          </a:stretch>
+        </p:blipFill>
+        <p:spPr>
+          <a:xfrm>
+            <a:off x="3066814" y="2754997"/>
+            <a:ext cx="8058386" cy="2819634"/>
+          </a:xfrm>
+          <a:prstGeom prst="rect">
+            <a:avLst/>
+          </a:prstGeom>
+        </p:spPr>
+      </p:pic>
+    </p:spTree>
+    <p:extLst>
+      <p:ext uri="{BB962C8B-B14F-4D97-AF65-F5344CB8AC3E}">
+        <p14:creationId xmlns:p14="http://schemas.microsoft.com/office/powerpoint/2010/main" val="4273617496"/>
+      </p:ext>
+    </p:extLst>
+  </p:cSld>
+  <p:clrMapOvr>
+    <a:masterClrMapping/>
+  </p:clrMapOvr>
+</p:sld>
+</file>
+
+<file path=ppt/slides/slide36.xml><?xml version="1.0" encoding="utf-8"?>
+<p:sld xmlns:a="http://schemas.openxmlformats.org/drawingml/2006/main" xmlns:r="http://schemas.openxmlformats.org/officeDocument/2006/relationships" xmlns:p="http://schemas.openxmlformats.org/presentationml/2006/main">
+  <p:cSld>
+    <p:spTree>
+      <p:nvGrpSpPr>
+        <p:cNvPr id="1" name=""/>
+        <p:cNvGrpSpPr/>
+        <p:nvPr/>
+      </p:nvGrpSpPr>
+      <p:grpSpPr>
+        <a:xfrm>
+          <a:off x="0" y="0"/>
+          <a:ext cx="0" cy="0"/>
+          <a:chOff x="0" y="0"/>
+          <a:chExt cx="0" cy="0"/>
+        </a:xfrm>
+      </p:grpSpPr>
+      <p:sp>
+        <p:nvSpPr>
+          <p:cNvPr id="2" name="Title 1">
+            <a:extLst>
+              <a:ext uri="{FF2B5EF4-FFF2-40B4-BE49-F238E27FC236}">
+                <a16:creationId xmlns:a16="http://schemas.microsoft.com/office/drawing/2014/main" id="{117746CD-1730-450E-A82E-CF9F83F89F94}"/>
+              </a:ext>
+            </a:extLst>
+          </p:cNvPr>
+          <p:cNvSpPr>
+            <a:spLocks noGrp="1"/>
+          </p:cNvSpPr>
+          <p:nvPr>
+            <p:ph type="title"/>
+          </p:nvPr>
+        </p:nvSpPr>
+        <p:spPr/>
+        <p:txBody>
+          <a:bodyPr/>
+          <a:lstStyle/>
+          <a:p>
+            <a:endParaRPr lang="en-US"/>
+          </a:p>
+        </p:txBody>
+      </p:sp>
+      <p:sp>
+        <p:nvSpPr>
+          <p:cNvPr id="3" name="Content Placeholder 2">
+            <a:extLst>
+              <a:ext uri="{FF2B5EF4-FFF2-40B4-BE49-F238E27FC236}">
+                <a16:creationId xmlns:a16="http://schemas.microsoft.com/office/drawing/2014/main" id="{393B3F30-6D45-4F9F-BBD7-19415A9403CA}"/>
+              </a:ext>
+            </a:extLst>
+          </p:cNvPr>
+          <p:cNvSpPr>
+            <a:spLocks noGrp="1"/>
+          </p:cNvSpPr>
+          <p:nvPr>
+            <p:ph idx="1"/>
+          </p:nvPr>
+        </p:nvSpPr>
+        <p:spPr/>
+        <p:txBody>
+          <a:bodyPr/>
+          <a:lstStyle/>
+          <a:p>
+            <a:endParaRPr lang="en-US" dirty="0"/>
+          </a:p>
+          <a:p>
+            <a:r>
+              <a:rPr lang="en-US" dirty="0"/>
+              <a:t>https://github.com/DeborahK/Angular-ReactiveForms</a:t>
+            </a:r>
+          </a:p>
+        </p:txBody>
+      </p:sp>
+    </p:spTree>
+    <p:extLst>
+      <p:ext uri="{BB962C8B-B14F-4D97-AF65-F5344CB8AC3E}">
+        <p14:creationId xmlns:p14="http://schemas.microsoft.com/office/powerpoint/2010/main" val="2154030539"/>
+      </p:ext>
+    </p:extLst>
+  </p:cSld>
+  <p:clrMapOvr>
+    <a:masterClrMapping/>
+  </p:clrMapOvr>
+</p:sld>
+</file>
+
+<file path=ppt/slides/slide37.xml><?xml version="1.0" encoding="utf-8"?>
+<p:sld xmlns:a="http://schemas.openxmlformats.org/drawingml/2006/main" xmlns:r="http://schemas.openxmlformats.org/officeDocument/2006/relationships" xmlns:p="http://schemas.openxmlformats.org/presentationml/2006/main">
+  <p:cSld>
+    <p:spTree>
+      <p:nvGrpSpPr>
+        <p:cNvPr id="1" name=""/>
+        <p:cNvGrpSpPr/>
+        <p:nvPr/>
+      </p:nvGrpSpPr>
+      <p:grpSpPr>
+        <a:xfrm>
+          <a:off x="0" y="0"/>
+          <a:ext cx="0" cy="0"/>
+          <a:chOff x="0" y="0"/>
+          <a:chExt cx="0" cy="0"/>
+        </a:xfrm>
+      </p:grpSpPr>
+      <p:sp>
+        <p:nvSpPr>
+          <p:cNvPr id="2" name="Title 1">
+            <a:extLst>
+              <a:ext uri="{FF2B5EF4-FFF2-40B4-BE49-F238E27FC236}">
+                <a16:creationId xmlns:a16="http://schemas.microsoft.com/office/drawing/2014/main" id="{6E260A6A-275F-42E7-9C28-C4C7F93C73E1}"/>
+              </a:ext>
+            </a:extLst>
+          </p:cNvPr>
+          <p:cNvSpPr>
+            <a:spLocks noGrp="1"/>
+          </p:cNvSpPr>
+          <p:nvPr>
+            <p:ph type="title"/>
+          </p:nvPr>
+        </p:nvSpPr>
+        <p:spPr/>
+        <p:txBody>
+          <a:bodyPr/>
+          <a:lstStyle/>
+          <a:p>
+            <a:r>
+              <a:rPr lang="en-US" dirty="0"/>
+              <a:t>Reactive Forms</a:t>
+            </a:r>
+          </a:p>
+        </p:txBody>
+      </p:sp>
+      <p:pic>
+        <p:nvPicPr>
+          <p:cNvPr id="5" name="Content Placeholder 4">
+            <a:extLst>
+              <a:ext uri="{FF2B5EF4-FFF2-40B4-BE49-F238E27FC236}">
+                <a16:creationId xmlns:a16="http://schemas.microsoft.com/office/drawing/2014/main" id="{360AF109-8AFA-4EF7-9FBC-EA5A3DA8D12A}"/>
+              </a:ext>
+            </a:extLst>
+          </p:cNvPr>
+          <p:cNvPicPr>
+            <a:picLocks noGrp="1" noChangeAspect="1"/>
+          </p:cNvPicPr>
+          <p:nvPr>
+            <p:ph idx="1"/>
+          </p:nvPr>
+        </p:nvPicPr>
+        <p:blipFill>
+          <a:blip r:embed="rId2">
+            <a:extLst>
+              <a:ext uri="{28A0092B-C50C-407E-A947-70E740481C1C}">
+                <a14:useLocalDpi xmlns:a14="http://schemas.microsoft.com/office/drawing/2010/main" val="0"/>
+              </a:ext>
+            </a:extLst>
+          </a:blip>
+          <a:stretch>
+            <a:fillRect/>
+          </a:stretch>
+        </p:blipFill>
+        <p:spPr>
+          <a:xfrm>
+            <a:off x="4549476" y="1440614"/>
+            <a:ext cx="5034144" cy="4351338"/>
+          </a:xfrm>
+        </p:spPr>
+      </p:pic>
+      <p:pic>
+        <p:nvPicPr>
+          <p:cNvPr id="7" name="Picture 6">
+            <a:extLst>
+              <a:ext uri="{FF2B5EF4-FFF2-40B4-BE49-F238E27FC236}">
+                <a16:creationId xmlns:a16="http://schemas.microsoft.com/office/drawing/2014/main" id="{9534AD26-F84D-4150-9498-B6F363C0F3A8}"/>
+              </a:ext>
+            </a:extLst>
+          </p:cNvPr>
+          <p:cNvPicPr>
+            <a:picLocks noChangeAspect="1"/>
+          </p:cNvPicPr>
+          <p:nvPr/>
+        </p:nvPicPr>
+        <p:blipFill>
+          <a:blip r:embed="rId3">
+            <a:extLst>
+              <a:ext uri="{28A0092B-C50C-407E-A947-70E740481C1C}">
+                <a14:useLocalDpi xmlns:a14="http://schemas.microsoft.com/office/drawing/2010/main" val="0"/>
+              </a:ext>
+            </a:extLst>
+          </a:blip>
+          <a:stretch>
+            <a:fillRect/>
+          </a:stretch>
+        </p:blipFill>
+        <p:spPr>
+          <a:xfrm>
+            <a:off x="466064" y="2174477"/>
+            <a:ext cx="3922307" cy="2734408"/>
+          </a:xfrm>
+          <a:prstGeom prst="rect">
+            <a:avLst/>
+          </a:prstGeom>
+        </p:spPr>
+      </p:pic>
+      <p:pic>
+        <p:nvPicPr>
+          <p:cNvPr id="9" name="Picture 8">
+            <a:extLst>
+              <a:ext uri="{FF2B5EF4-FFF2-40B4-BE49-F238E27FC236}">
+                <a16:creationId xmlns:a16="http://schemas.microsoft.com/office/drawing/2014/main" id="{43B1729E-B8A0-4D74-ACEC-AAE1864E6DB0}"/>
+              </a:ext>
+            </a:extLst>
+          </p:cNvPr>
+          <p:cNvPicPr>
+            <a:picLocks noChangeAspect="1"/>
+          </p:cNvPicPr>
+          <p:nvPr/>
+        </p:nvPicPr>
+        <p:blipFill>
+          <a:blip r:embed="rId4">
+            <a:extLst>
+              <a:ext uri="{28A0092B-C50C-407E-A947-70E740481C1C}">
+                <a14:useLocalDpi xmlns:a14="http://schemas.microsoft.com/office/drawing/2010/main" val="0"/>
+              </a:ext>
+            </a:extLst>
+          </a:blip>
+          <a:stretch>
+            <a:fillRect/>
+          </a:stretch>
+        </p:blipFill>
+        <p:spPr>
+          <a:xfrm>
+            <a:off x="7669927" y="3791381"/>
+            <a:ext cx="3535484" cy="2492903"/>
+          </a:xfrm>
+          <a:prstGeom prst="rect">
+            <a:avLst/>
+          </a:prstGeom>
+        </p:spPr>
+      </p:pic>
+    </p:spTree>
+    <p:extLst>
+      <p:ext uri="{BB962C8B-B14F-4D97-AF65-F5344CB8AC3E}">
+        <p14:creationId xmlns:p14="http://schemas.microsoft.com/office/powerpoint/2010/main" val="1942708461"/>
+      </p:ext>
+    </p:extLst>
+  </p:cSld>
+  <p:clrMapOvr>
+    <a:masterClrMapping/>
+  </p:clrMapOvr>
+</p:sld>
+</file>
+
+<file path=ppt/slides/slide38.xml><?xml version="1.0" encoding="utf-8"?>
+<p:sld xmlns:a="http://schemas.openxmlformats.org/drawingml/2006/main" xmlns:r="http://schemas.openxmlformats.org/officeDocument/2006/relationships" xmlns:p="http://schemas.openxmlformats.org/presentationml/2006/main">
+  <p:cSld>
+    <p:spTree>
+      <p:nvGrpSpPr>
+        <p:cNvPr id="1" name=""/>
+        <p:cNvGrpSpPr/>
+        <p:nvPr/>
+      </p:nvGrpSpPr>
+      <p:grpSpPr>
+        <a:xfrm>
+          <a:off x="0" y="0"/>
+          <a:ext cx="0" cy="0"/>
+          <a:chOff x="0" y="0"/>
+          <a:chExt cx="0" cy="0"/>
+        </a:xfrm>
+      </p:grpSpPr>
+      <p:sp>
+        <p:nvSpPr>
+          <p:cNvPr id="2" name="Title 1">
+            <a:extLst>
+              <a:ext uri="{FF2B5EF4-FFF2-40B4-BE49-F238E27FC236}">
+                <a16:creationId xmlns:a16="http://schemas.microsoft.com/office/drawing/2014/main" id="{5C0AF642-893F-47E6-8575-BAC977BD3F79}"/>
+              </a:ext>
+            </a:extLst>
+          </p:cNvPr>
+          <p:cNvSpPr>
+            <a:spLocks noGrp="1"/>
+          </p:cNvSpPr>
+          <p:nvPr>
+            <p:ph type="title"/>
+          </p:nvPr>
+        </p:nvSpPr>
+        <p:spPr/>
+        <p:txBody>
+          <a:bodyPr/>
+          <a:lstStyle/>
+          <a:p>
+            <a:r>
+              <a:rPr lang="en-US" dirty="0"/>
+              <a:t>Angular Lab	</a:t>
+            </a:r>
+          </a:p>
+        </p:txBody>
+      </p:sp>
+      <p:pic>
+        <p:nvPicPr>
+          <p:cNvPr id="5" name="Content Placeholder 4">
+            <a:extLst>
+              <a:ext uri="{FF2B5EF4-FFF2-40B4-BE49-F238E27FC236}">
+                <a16:creationId xmlns:a16="http://schemas.microsoft.com/office/drawing/2014/main" id="{EE29FA44-BA14-4547-AF98-5FFE0AB3BE1A}"/>
+              </a:ext>
+            </a:extLst>
+          </p:cNvPr>
+          <p:cNvPicPr>
+            <a:picLocks noGrp="1" noChangeAspect="1"/>
+          </p:cNvPicPr>
+          <p:nvPr>
+            <p:ph idx="1"/>
+          </p:nvPr>
+        </p:nvPicPr>
+        <p:blipFill>
+          <a:blip r:embed="rId2">
+            <a:extLst>
+              <a:ext uri="{28A0092B-C50C-407E-A947-70E740481C1C}">
+                <a14:useLocalDpi xmlns:a14="http://schemas.microsoft.com/office/drawing/2010/main" val="0"/>
+              </a:ext>
+            </a:extLst>
+          </a:blip>
+          <a:stretch>
+            <a:fillRect/>
+          </a:stretch>
+        </p:blipFill>
+        <p:spPr>
+          <a:xfrm>
+            <a:off x="1318546" y="2543765"/>
+            <a:ext cx="9554908" cy="2915057"/>
+          </a:xfrm>
+        </p:spPr>
+      </p:pic>
     </p:spTree>
     <p:extLst>
       <p:ext uri="{BB962C8B-B14F-4D97-AF65-F5344CB8AC3E}">

--- a/slides/Ang Sessions.pptx
+++ b/slides/Ang Sessions.pptx
@@ -234,7 +234,7 @@
           <a:p>
             <a:fld id="{0977DE21-F680-43D4-929B-3CCD08699C48}" type="datetimeFigureOut">
               <a:rPr lang="en-US" smtClean="0"/>
-              <a:t>7/13/2020</a:t>
+              <a:t>7/15/2020</a:t>
             </a:fld>
             <a:endParaRPr lang="en-US"/>
           </a:p>
@@ -786,7 +786,7 @@
           <a:p>
             <a:fld id="{074E2275-5F71-463B-81D5-512688C0E738}" type="datetimeFigureOut">
               <a:rPr lang="en-US" smtClean="0"/>
-              <a:t>7/13/2020</a:t>
+              <a:t>7/15/2020</a:t>
             </a:fld>
             <a:endParaRPr lang="en-US"/>
           </a:p>
@@ -984,7 +984,7 @@
           <a:p>
             <a:fld id="{074E2275-5F71-463B-81D5-512688C0E738}" type="datetimeFigureOut">
               <a:rPr lang="en-US" smtClean="0"/>
-              <a:t>7/13/2020</a:t>
+              <a:t>7/15/2020</a:t>
             </a:fld>
             <a:endParaRPr lang="en-US"/>
           </a:p>
@@ -1192,7 +1192,7 @@
           <a:p>
             <a:fld id="{074E2275-5F71-463B-81D5-512688C0E738}" type="datetimeFigureOut">
               <a:rPr lang="en-US" smtClean="0"/>
-              <a:t>7/13/2020</a:t>
+              <a:t>7/15/2020</a:t>
             </a:fld>
             <a:endParaRPr lang="en-US"/>
           </a:p>
@@ -1390,7 +1390,7 @@
           <a:p>
             <a:fld id="{074E2275-5F71-463B-81D5-512688C0E738}" type="datetimeFigureOut">
               <a:rPr lang="en-US" smtClean="0"/>
-              <a:t>7/13/2020</a:t>
+              <a:t>7/15/2020</a:t>
             </a:fld>
             <a:endParaRPr lang="en-US"/>
           </a:p>
@@ -1665,7 +1665,7 @@
           <a:p>
             <a:fld id="{074E2275-5F71-463B-81D5-512688C0E738}" type="datetimeFigureOut">
               <a:rPr lang="en-US" smtClean="0"/>
-              <a:t>7/13/2020</a:t>
+              <a:t>7/15/2020</a:t>
             </a:fld>
             <a:endParaRPr lang="en-US"/>
           </a:p>
@@ -1930,7 +1930,7 @@
           <a:p>
             <a:fld id="{074E2275-5F71-463B-81D5-512688C0E738}" type="datetimeFigureOut">
               <a:rPr lang="en-US" smtClean="0"/>
-              <a:t>7/13/2020</a:t>
+              <a:t>7/15/2020</a:t>
             </a:fld>
             <a:endParaRPr lang="en-US"/>
           </a:p>
@@ -2342,7 +2342,7 @@
           <a:p>
             <a:fld id="{074E2275-5F71-463B-81D5-512688C0E738}" type="datetimeFigureOut">
               <a:rPr lang="en-US" smtClean="0"/>
-              <a:t>7/13/2020</a:t>
+              <a:t>7/15/2020</a:t>
             </a:fld>
             <a:endParaRPr lang="en-US"/>
           </a:p>
@@ -2483,7 +2483,7 @@
           <a:p>
             <a:fld id="{074E2275-5F71-463B-81D5-512688C0E738}" type="datetimeFigureOut">
               <a:rPr lang="en-US" smtClean="0"/>
-              <a:t>7/13/2020</a:t>
+              <a:t>7/15/2020</a:t>
             </a:fld>
             <a:endParaRPr lang="en-US"/>
           </a:p>
@@ -2596,7 +2596,7 @@
           <a:p>
             <a:fld id="{074E2275-5F71-463B-81D5-512688C0E738}" type="datetimeFigureOut">
               <a:rPr lang="en-US" smtClean="0"/>
-              <a:t>7/13/2020</a:t>
+              <a:t>7/15/2020</a:t>
             </a:fld>
             <a:endParaRPr lang="en-US"/>
           </a:p>
@@ -2907,7 +2907,7 @@
           <a:p>
             <a:fld id="{074E2275-5F71-463B-81D5-512688C0E738}" type="datetimeFigureOut">
               <a:rPr lang="en-US" smtClean="0"/>
-              <a:t>7/13/2020</a:t>
+              <a:t>7/15/2020</a:t>
             </a:fld>
             <a:endParaRPr lang="en-US"/>
           </a:p>
@@ -3195,7 +3195,7 @@
           <a:p>
             <a:fld id="{074E2275-5F71-463B-81D5-512688C0E738}" type="datetimeFigureOut">
               <a:rPr lang="en-US" smtClean="0"/>
-              <a:t>7/13/2020</a:t>
+              <a:t>7/15/2020</a:t>
             </a:fld>
             <a:endParaRPr lang="en-US"/>
           </a:p>
@@ -3436,7 +3436,7 @@
           <a:p>
             <a:fld id="{074E2275-5F71-463B-81D5-512688C0E738}" type="datetimeFigureOut">
               <a:rPr lang="en-US" smtClean="0"/>
-              <a:t>7/13/2020</a:t>
+              <a:t>7/15/2020</a:t>
             </a:fld>
             <a:endParaRPr lang="en-US"/>
           </a:p>
@@ -6921,7 +6921,7 @@
         </p:blipFill>
         <p:spPr bwMode="auto">
           <a:xfrm>
-            <a:off x="2075374" y="1957138"/>
+            <a:off x="495149" y="1027906"/>
             <a:ext cx="6283962" cy="3194876"/>
           </a:xfrm>
           <a:prstGeom prst="rect">
@@ -6937,6 +6937,36 @@
               </a14:hiddenFill>
             </a:ext>
           </a:extLst>
+        </p:spPr>
+      </p:pic>
+      <p:pic>
+        <p:nvPicPr>
+          <p:cNvPr id="4" name="Picture 3">
+            <a:extLst>
+              <a:ext uri="{FF2B5EF4-FFF2-40B4-BE49-F238E27FC236}">
+                <a16:creationId xmlns:a16="http://schemas.microsoft.com/office/drawing/2014/main" id="{3005707E-6FB0-4732-B396-B30281E38E64}"/>
+              </a:ext>
+            </a:extLst>
+          </p:cNvPr>
+          <p:cNvPicPr>
+            <a:picLocks noChangeAspect="1"/>
+          </p:cNvPicPr>
+          <p:nvPr/>
+        </p:nvPicPr>
+        <p:blipFill>
+          <a:blip r:embed="rId3"/>
+          <a:stretch>
+            <a:fillRect/>
+          </a:stretch>
+        </p:blipFill>
+        <p:spPr>
+          <a:xfrm>
+            <a:off x="5838547" y="3664569"/>
+            <a:ext cx="6096000" cy="2907126"/>
+          </a:xfrm>
+          <a:prstGeom prst="rect">
+            <a:avLst/>
+          </a:prstGeom>
         </p:spPr>
       </p:pic>
     </p:spTree>
